--- a/Presentation_ESD.pptx
+++ b/Presentation_ESD.pptx
@@ -1,41 +1,136 @@
 
 <file path=ppt/presentation.xml><?xml version="1.0" encoding="utf-8"?>
-<p:presentation xmlns:a="http://schemas.openxmlformats.org/drawingml/2006/main" xmlns:p="http://schemas.openxmlformats.org/presentationml/2006/main" xmlns:r="http://schemas.openxmlformats.org/officeDocument/2006/relationships" xmlns:p14="http://schemas.microsoft.com/office/powerpoint/2010/main" xmlns:p15="http://schemas.microsoft.com/office/powerpoint/2012/main" xmlns:mc="http://schemas.openxmlformats.org/markup-compatibility/2006">
+<p:presentation xmlns:a="http://schemas.openxmlformats.org/drawingml/2006/main" xmlns:r="http://schemas.openxmlformats.org/officeDocument/2006/relationships" xmlns:p="http://schemas.openxmlformats.org/presentationml/2006/main">
   <p:sldMasterIdLst>
-    <p:sldMasterId id="2147483648" r:id="rId2"/>
-    <p:sldMasterId id="2147483661" r:id="rId3"/>
-    <p:sldMasterId id="2147483674" r:id="rId4"/>
+    <p:sldMasterId id="2147483648" r:id="rId1"/>
+    <p:sldMasterId id="2147483661" r:id="rId2"/>
+    <p:sldMasterId id="2147483674" r:id="rId3"/>
   </p:sldMasterIdLst>
   <p:sldIdLst>
-    <p:sldId id="256" r:id="rId5"/>
-    <p:sldId id="257" r:id="rId6"/>
-    <p:sldId id="258" r:id="rId7"/>
+    <p:sldId id="256" r:id="rId4"/>
+    <p:sldId id="257" r:id="rId5"/>
+    <p:sldId id="258" r:id="rId6"/>
+    <p:sldId id="260" r:id="rId7"/>
     <p:sldId id="259" r:id="rId8"/>
-    <p:sldId id="260" r:id="rId9"/>
-    <p:sldId id="261" r:id="rId10"/>
-    <p:sldId id="262" r:id="rId11"/>
-    <p:sldId id="263" r:id="rId12"/>
-    <p:sldId id="264" r:id="rId13"/>
-    <p:sldId id="265" r:id="rId14"/>
-    <p:sldId id="266" r:id="rId15"/>
-    <p:sldId id="267" r:id="rId16"/>
-    <p:sldId id="268" r:id="rId17"/>
-    <p:sldId id="269" r:id="rId18"/>
-    <p:sldId id="270" r:id="rId19"/>
-    <p:sldId id="271" r:id="rId20"/>
-    <p:sldId id="272" r:id="rId21"/>
-    <p:sldId id="273" r:id="rId22"/>
-    <p:sldId id="274" r:id="rId23"/>
-    <p:sldId id="275" r:id="rId24"/>
-    <p:sldId id="276" r:id="rId25"/>
+    <p:sldId id="261" r:id="rId9"/>
+    <p:sldId id="262" r:id="rId10"/>
+    <p:sldId id="263" r:id="rId11"/>
+    <p:sldId id="264" r:id="rId12"/>
+    <p:sldId id="265" r:id="rId13"/>
+    <p:sldId id="266" r:id="rId14"/>
+    <p:sldId id="267" r:id="rId15"/>
+    <p:sldId id="268" r:id="rId16"/>
+    <p:sldId id="269" r:id="rId17"/>
+    <p:sldId id="270" r:id="rId18"/>
+    <p:sldId id="271" r:id="rId19"/>
+    <p:sldId id="272" r:id="rId20"/>
+    <p:sldId id="273" r:id="rId21"/>
+    <p:sldId id="274" r:id="rId22"/>
+    <p:sldId id="275" r:id="rId23"/>
+    <p:sldId id="276" r:id="rId24"/>
   </p:sldIdLst>
   <p:sldSz cx="12192000" cy="6858000"/>
-  <p:notesSz cx="7559675" cy="10691812"/>
+  <p:notesSz cx="7559675" cy="10691813"/>
+  <p:defaultTextStyle>
+    <a:defPPr>
+      <a:defRPr lang="en-DE"/>
+    </a:defPPr>
+    <a:lvl1pPr marL="0" algn="l" defTabSz="914400" rtl="0" eaLnBrk="1" latinLnBrk="0" hangingPunct="1">
+      <a:defRPr sz="1800" kern="1200">
+        <a:solidFill>
+          <a:schemeClr val="tx1"/>
+        </a:solidFill>
+        <a:latin typeface="+mn-lt"/>
+        <a:ea typeface="+mn-ea"/>
+        <a:cs typeface="+mn-cs"/>
+      </a:defRPr>
+    </a:lvl1pPr>
+    <a:lvl2pPr marL="457200" algn="l" defTabSz="914400" rtl="0" eaLnBrk="1" latinLnBrk="0" hangingPunct="1">
+      <a:defRPr sz="1800" kern="1200">
+        <a:solidFill>
+          <a:schemeClr val="tx1"/>
+        </a:solidFill>
+        <a:latin typeface="+mn-lt"/>
+        <a:ea typeface="+mn-ea"/>
+        <a:cs typeface="+mn-cs"/>
+      </a:defRPr>
+    </a:lvl2pPr>
+    <a:lvl3pPr marL="914400" algn="l" defTabSz="914400" rtl="0" eaLnBrk="1" latinLnBrk="0" hangingPunct="1">
+      <a:defRPr sz="1800" kern="1200">
+        <a:solidFill>
+          <a:schemeClr val="tx1"/>
+        </a:solidFill>
+        <a:latin typeface="+mn-lt"/>
+        <a:ea typeface="+mn-ea"/>
+        <a:cs typeface="+mn-cs"/>
+      </a:defRPr>
+    </a:lvl3pPr>
+    <a:lvl4pPr marL="1371600" algn="l" defTabSz="914400" rtl="0" eaLnBrk="1" latinLnBrk="0" hangingPunct="1">
+      <a:defRPr sz="1800" kern="1200">
+        <a:solidFill>
+          <a:schemeClr val="tx1"/>
+        </a:solidFill>
+        <a:latin typeface="+mn-lt"/>
+        <a:ea typeface="+mn-ea"/>
+        <a:cs typeface="+mn-cs"/>
+      </a:defRPr>
+    </a:lvl4pPr>
+    <a:lvl5pPr marL="1828800" algn="l" defTabSz="914400" rtl="0" eaLnBrk="1" latinLnBrk="0" hangingPunct="1">
+      <a:defRPr sz="1800" kern="1200">
+        <a:solidFill>
+          <a:schemeClr val="tx1"/>
+        </a:solidFill>
+        <a:latin typeface="+mn-lt"/>
+        <a:ea typeface="+mn-ea"/>
+        <a:cs typeface="+mn-cs"/>
+      </a:defRPr>
+    </a:lvl5pPr>
+    <a:lvl6pPr marL="2286000" algn="l" defTabSz="914400" rtl="0" eaLnBrk="1" latinLnBrk="0" hangingPunct="1">
+      <a:defRPr sz="1800" kern="1200">
+        <a:solidFill>
+          <a:schemeClr val="tx1"/>
+        </a:solidFill>
+        <a:latin typeface="+mn-lt"/>
+        <a:ea typeface="+mn-ea"/>
+        <a:cs typeface="+mn-cs"/>
+      </a:defRPr>
+    </a:lvl6pPr>
+    <a:lvl7pPr marL="2743200" algn="l" defTabSz="914400" rtl="0" eaLnBrk="1" latinLnBrk="0" hangingPunct="1">
+      <a:defRPr sz="1800" kern="1200">
+        <a:solidFill>
+          <a:schemeClr val="tx1"/>
+        </a:solidFill>
+        <a:latin typeface="+mn-lt"/>
+        <a:ea typeface="+mn-ea"/>
+        <a:cs typeface="+mn-cs"/>
+      </a:defRPr>
+    </a:lvl7pPr>
+    <a:lvl8pPr marL="3200400" algn="l" defTabSz="914400" rtl="0" eaLnBrk="1" latinLnBrk="0" hangingPunct="1">
+      <a:defRPr sz="1800" kern="1200">
+        <a:solidFill>
+          <a:schemeClr val="tx1"/>
+        </a:solidFill>
+        <a:latin typeface="+mn-lt"/>
+        <a:ea typeface="+mn-ea"/>
+        <a:cs typeface="+mn-cs"/>
+      </a:defRPr>
+    </a:lvl8pPr>
+    <a:lvl9pPr marL="3657600" algn="l" defTabSz="914400" rtl="0" eaLnBrk="1" latinLnBrk="0" hangingPunct="1">
+      <a:defRPr sz="1800" kern="1200">
+        <a:solidFill>
+          <a:schemeClr val="tx1"/>
+        </a:solidFill>
+        <a:latin typeface="+mn-lt"/>
+        <a:ea typeface="+mn-ea"/>
+        <a:cs typeface="+mn-cs"/>
+      </a:defRPr>
+    </a:lvl9pPr>
+  </p:defaultTextStyle>
 </p:presentation>
 </file>
 
 <file path=ppt/slideLayouts/slideLayout1.xml><?xml version="1.0" encoding="utf-8"?>
-<p:sldLayout xmlns:a="http://schemas.openxmlformats.org/drawingml/2006/main" xmlns:p="http://schemas.openxmlformats.org/presentationml/2006/main" xmlns:r="http://schemas.openxmlformats.org/officeDocument/2006/relationships" xmlns:p14="http://schemas.microsoft.com/office/powerpoint/2010/main" xmlns:p15="http://schemas.microsoft.com/office/powerpoint/2012/main" xmlns:mc="http://schemas.openxmlformats.org/markup-compatibility/2006" type="blank" preserve="1">
+<p:sldLayout xmlns:a="http://schemas.openxmlformats.org/drawingml/2006/main" xmlns:r="http://schemas.openxmlformats.org/officeDocument/2006/relationships" xmlns:p="http://schemas.openxmlformats.org/presentationml/2006/main" type="blank" preserve="1">
   <p:cSld name="Blank Slide">
     <p:spTree>
       <p:nvGrpSpPr>
@@ -53,11 +148,14 @@
       </p:grpSpPr>
     </p:spTree>
   </p:cSld>
+  <p:clrMapOvr>
+    <a:masterClrMapping/>
+  </p:clrMapOvr>
 </p:sldLayout>
 </file>
 
 <file path=ppt/slideLayouts/slideLayout10.xml><?xml version="1.0" encoding="utf-8"?>
-<p:sldLayout xmlns:a="http://schemas.openxmlformats.org/drawingml/2006/main" xmlns:p="http://schemas.openxmlformats.org/presentationml/2006/main" xmlns:r="http://schemas.openxmlformats.org/officeDocument/2006/relationships" xmlns:p14="http://schemas.microsoft.com/office/powerpoint/2010/main" xmlns:p15="http://schemas.microsoft.com/office/powerpoint/2012/main" xmlns:mc="http://schemas.openxmlformats.org/markup-compatibility/2006" type="objOverTx" preserve="1">
+<p:sldLayout xmlns:a="http://schemas.openxmlformats.org/drawingml/2006/main" xmlns:r="http://schemas.openxmlformats.org/officeDocument/2006/relationships" xmlns:p="http://schemas.openxmlformats.org/presentationml/2006/main" type="objOverTx" preserve="1">
   <p:cSld name="Title, Content over Content">
     <p:spTree>
       <p:nvGrpSpPr>
@@ -93,9 +191,10 @@
           </a:prstGeom>
         </p:spPr>
         <p:txBody>
-          <a:bodyPr lIns="0" rIns="0" tIns="0" bIns="0" anchor="ctr"/>
-          <a:p>
-            <a:endParaRPr b="0" lang="en-US" sz="1800" spc="-1" strike="noStrike">
+          <a:bodyPr lIns="0" tIns="0" rIns="0" bIns="0" anchor="ctr"/>
+          <a:lstStyle/>
+          <a:p>
+            <a:endParaRPr lang="en-US" sz="1800" b="0" strike="noStrike" spc="-1">
               <a:solidFill>
                 <a:srgbClr val="000000"/>
               </a:solidFill>
@@ -124,11 +223,12 @@
           </a:prstGeom>
         </p:spPr>
         <p:txBody>
-          <a:bodyPr lIns="0" rIns="0" tIns="0" bIns="0">
+          <a:bodyPr lIns="0" tIns="0" rIns="0" bIns="0">
             <a:normAutofit/>
           </a:bodyPr>
-          <a:p>
-            <a:endParaRPr b="0" lang="en-US" sz="1800" spc="-1" strike="noStrike">
+          <a:lstStyle/>
+          <a:p>
+            <a:endParaRPr lang="en-US" sz="1800" b="0" strike="noStrike" spc="-1">
               <a:solidFill>
                 <a:srgbClr val="404040"/>
               </a:solidFill>
@@ -157,11 +257,12 @@
           </a:prstGeom>
         </p:spPr>
         <p:txBody>
-          <a:bodyPr lIns="0" rIns="0" tIns="0" bIns="0">
+          <a:bodyPr lIns="0" tIns="0" rIns="0" bIns="0">
             <a:normAutofit/>
           </a:bodyPr>
-          <a:p>
-            <a:endParaRPr b="0" lang="en-US" sz="1800" spc="-1" strike="noStrike">
+          <a:lstStyle/>
+          <a:p>
+            <a:endParaRPr lang="en-US" sz="1800" b="0" strike="noStrike" spc="-1">
               <a:solidFill>
                 <a:srgbClr val="404040"/>
               </a:solidFill>
@@ -172,11 +273,14 @@
       </p:sp>
     </p:spTree>
   </p:cSld>
+  <p:clrMapOvr>
+    <a:masterClrMapping/>
+  </p:clrMapOvr>
 </p:sldLayout>
 </file>
 
 <file path=ppt/slideLayouts/slideLayout11.xml><?xml version="1.0" encoding="utf-8"?>
-<p:sldLayout xmlns:a="http://schemas.openxmlformats.org/drawingml/2006/main" xmlns:p="http://schemas.openxmlformats.org/presentationml/2006/main" xmlns:r="http://schemas.openxmlformats.org/officeDocument/2006/relationships" xmlns:p14="http://schemas.microsoft.com/office/powerpoint/2010/main" xmlns:p15="http://schemas.microsoft.com/office/powerpoint/2012/main" xmlns:mc="http://schemas.openxmlformats.org/markup-compatibility/2006" type="fourObj" preserve="1">
+<p:sldLayout xmlns:a="http://schemas.openxmlformats.org/drawingml/2006/main" xmlns:r="http://schemas.openxmlformats.org/officeDocument/2006/relationships" xmlns:p="http://schemas.openxmlformats.org/presentationml/2006/main" type="fourObj" preserve="1">
   <p:cSld name="Title, 4 Content">
     <p:spTree>
       <p:nvGrpSpPr>
@@ -212,9 +316,10 @@
           </a:prstGeom>
         </p:spPr>
         <p:txBody>
-          <a:bodyPr lIns="0" rIns="0" tIns="0" bIns="0" anchor="ctr"/>
-          <a:p>
-            <a:endParaRPr b="0" lang="en-US" sz="1800" spc="-1" strike="noStrike">
+          <a:bodyPr lIns="0" tIns="0" rIns="0" bIns="0" anchor="ctr"/>
+          <a:lstStyle/>
+          <a:p>
+            <a:endParaRPr lang="en-US" sz="1800" b="0" strike="noStrike" spc="-1">
               <a:solidFill>
                 <a:srgbClr val="000000"/>
               </a:solidFill>
@@ -243,11 +348,12 @@
           </a:prstGeom>
         </p:spPr>
         <p:txBody>
-          <a:bodyPr lIns="0" rIns="0" tIns="0" bIns="0">
+          <a:bodyPr lIns="0" tIns="0" rIns="0" bIns="0">
             <a:normAutofit/>
           </a:bodyPr>
-          <a:p>
-            <a:endParaRPr b="0" lang="en-US" sz="1800" spc="-1" strike="noStrike">
+          <a:lstStyle/>
+          <a:p>
+            <a:endParaRPr lang="en-US" sz="1800" b="0" strike="noStrike" spc="-1">
               <a:solidFill>
                 <a:srgbClr val="404040"/>
               </a:solidFill>
@@ -276,11 +382,12 @@
           </a:prstGeom>
         </p:spPr>
         <p:txBody>
-          <a:bodyPr lIns="0" rIns="0" tIns="0" bIns="0">
+          <a:bodyPr lIns="0" tIns="0" rIns="0" bIns="0">
             <a:normAutofit/>
           </a:bodyPr>
-          <a:p>
-            <a:endParaRPr b="0" lang="en-US" sz="1800" spc="-1" strike="noStrike">
+          <a:lstStyle/>
+          <a:p>
+            <a:endParaRPr lang="en-US" sz="1800" b="0" strike="noStrike" spc="-1">
               <a:solidFill>
                 <a:srgbClr val="404040"/>
               </a:solidFill>
@@ -309,11 +416,12 @@
           </a:prstGeom>
         </p:spPr>
         <p:txBody>
-          <a:bodyPr lIns="0" rIns="0" tIns="0" bIns="0">
+          <a:bodyPr lIns="0" tIns="0" rIns="0" bIns="0">
             <a:normAutofit/>
           </a:bodyPr>
-          <a:p>
-            <a:endParaRPr b="0" lang="en-US" sz="1800" spc="-1" strike="noStrike">
+          <a:lstStyle/>
+          <a:p>
+            <a:endParaRPr lang="en-US" sz="1800" b="0" strike="noStrike" spc="-1">
               <a:solidFill>
                 <a:srgbClr val="404040"/>
               </a:solidFill>
@@ -342,11 +450,12 @@
           </a:prstGeom>
         </p:spPr>
         <p:txBody>
-          <a:bodyPr lIns="0" rIns="0" tIns="0" bIns="0">
+          <a:bodyPr lIns="0" tIns="0" rIns="0" bIns="0">
             <a:normAutofit/>
           </a:bodyPr>
-          <a:p>
-            <a:endParaRPr b="0" lang="en-US" sz="1800" spc="-1" strike="noStrike">
+          <a:lstStyle/>
+          <a:p>
+            <a:endParaRPr lang="en-US" sz="1800" b="0" strike="noStrike" spc="-1">
               <a:solidFill>
                 <a:srgbClr val="404040"/>
               </a:solidFill>
@@ -357,11 +466,14 @@
       </p:sp>
     </p:spTree>
   </p:cSld>
+  <p:clrMapOvr>
+    <a:masterClrMapping/>
+  </p:clrMapOvr>
 </p:sldLayout>
 </file>
 
 <file path=ppt/slideLayouts/slideLayout12.xml><?xml version="1.0" encoding="utf-8"?>
-<p:sldLayout xmlns:a="http://schemas.openxmlformats.org/drawingml/2006/main" xmlns:p="http://schemas.openxmlformats.org/presentationml/2006/main" xmlns:r="http://schemas.openxmlformats.org/officeDocument/2006/relationships" xmlns:p14="http://schemas.microsoft.com/office/powerpoint/2010/main" xmlns:p15="http://schemas.microsoft.com/office/powerpoint/2012/main" xmlns:mc="http://schemas.openxmlformats.org/markup-compatibility/2006" type="blank" preserve="1">
+<p:sldLayout xmlns:a="http://schemas.openxmlformats.org/drawingml/2006/main" xmlns:r="http://schemas.openxmlformats.org/officeDocument/2006/relationships" xmlns:p="http://schemas.openxmlformats.org/presentationml/2006/main" type="blank" preserve="1">
   <p:cSld name="Title, 6 Content">
     <p:spTree>
       <p:nvGrpSpPr>
@@ -397,9 +509,10 @@
           </a:prstGeom>
         </p:spPr>
         <p:txBody>
-          <a:bodyPr lIns="0" rIns="0" tIns="0" bIns="0" anchor="ctr"/>
-          <a:p>
-            <a:endParaRPr b="0" lang="en-US" sz="1800" spc="-1" strike="noStrike">
+          <a:bodyPr lIns="0" tIns="0" rIns="0" bIns="0" anchor="ctr"/>
+          <a:lstStyle/>
+          <a:p>
+            <a:endParaRPr lang="en-US" sz="1800" b="0" strike="noStrike" spc="-1">
               <a:solidFill>
                 <a:srgbClr val="000000"/>
               </a:solidFill>
@@ -428,11 +541,12 @@
           </a:prstGeom>
         </p:spPr>
         <p:txBody>
-          <a:bodyPr lIns="0" rIns="0" tIns="0" bIns="0">
+          <a:bodyPr lIns="0" tIns="0" rIns="0" bIns="0">
             <a:normAutofit/>
           </a:bodyPr>
-          <a:p>
-            <a:endParaRPr b="0" lang="en-US" sz="1800" spc="-1" strike="noStrike">
+          <a:lstStyle/>
+          <a:p>
+            <a:endParaRPr lang="en-US" sz="1800" b="0" strike="noStrike" spc="-1">
               <a:solidFill>
                 <a:srgbClr val="404040"/>
               </a:solidFill>
@@ -461,11 +575,12 @@
           </a:prstGeom>
         </p:spPr>
         <p:txBody>
-          <a:bodyPr lIns="0" rIns="0" tIns="0" bIns="0">
+          <a:bodyPr lIns="0" tIns="0" rIns="0" bIns="0">
             <a:normAutofit/>
           </a:bodyPr>
-          <a:p>
-            <a:endParaRPr b="0" lang="en-US" sz="1800" spc="-1" strike="noStrike">
+          <a:lstStyle/>
+          <a:p>
+            <a:endParaRPr lang="en-US" sz="1800" b="0" strike="noStrike" spc="-1">
               <a:solidFill>
                 <a:srgbClr val="404040"/>
               </a:solidFill>
@@ -494,11 +609,12 @@
           </a:prstGeom>
         </p:spPr>
         <p:txBody>
-          <a:bodyPr lIns="0" rIns="0" tIns="0" bIns="0">
+          <a:bodyPr lIns="0" tIns="0" rIns="0" bIns="0">
             <a:normAutofit/>
           </a:bodyPr>
-          <a:p>
-            <a:endParaRPr b="0" lang="en-US" sz="1800" spc="-1" strike="noStrike">
+          <a:lstStyle/>
+          <a:p>
+            <a:endParaRPr lang="en-US" sz="1800" b="0" strike="noStrike" spc="-1">
               <a:solidFill>
                 <a:srgbClr val="404040"/>
               </a:solidFill>
@@ -527,11 +643,12 @@
           </a:prstGeom>
         </p:spPr>
         <p:txBody>
-          <a:bodyPr lIns="0" rIns="0" tIns="0" bIns="0">
+          <a:bodyPr lIns="0" tIns="0" rIns="0" bIns="0">
             <a:normAutofit/>
           </a:bodyPr>
-          <a:p>
-            <a:endParaRPr b="0" lang="en-US" sz="1800" spc="-1" strike="noStrike">
+          <a:lstStyle/>
+          <a:p>
+            <a:endParaRPr lang="en-US" sz="1800" b="0" strike="noStrike" spc="-1">
               <a:solidFill>
                 <a:srgbClr val="404040"/>
               </a:solidFill>
@@ -560,11 +677,12 @@
           </a:prstGeom>
         </p:spPr>
         <p:txBody>
-          <a:bodyPr lIns="0" rIns="0" tIns="0" bIns="0">
+          <a:bodyPr lIns="0" tIns="0" rIns="0" bIns="0">
             <a:normAutofit/>
           </a:bodyPr>
-          <a:p>
-            <a:endParaRPr b="0" lang="en-US" sz="1800" spc="-1" strike="noStrike">
+          <a:lstStyle/>
+          <a:p>
+            <a:endParaRPr lang="en-US" sz="1800" b="0" strike="noStrike" spc="-1">
               <a:solidFill>
                 <a:srgbClr val="404040"/>
               </a:solidFill>
@@ -593,11 +711,12 @@
           </a:prstGeom>
         </p:spPr>
         <p:txBody>
-          <a:bodyPr lIns="0" rIns="0" tIns="0" bIns="0">
+          <a:bodyPr lIns="0" tIns="0" rIns="0" bIns="0">
             <a:normAutofit/>
           </a:bodyPr>
-          <a:p>
-            <a:endParaRPr b="0" lang="en-US" sz="1800" spc="-1" strike="noStrike">
+          <a:lstStyle/>
+          <a:p>
+            <a:endParaRPr lang="en-US" sz="1800" b="0" strike="noStrike" spc="-1">
               <a:solidFill>
                 <a:srgbClr val="404040"/>
               </a:solidFill>
@@ -608,11 +727,14 @@
       </p:sp>
     </p:spTree>
   </p:cSld>
+  <p:clrMapOvr>
+    <a:masterClrMapping/>
+  </p:clrMapOvr>
 </p:sldLayout>
 </file>
 
 <file path=ppt/slideLayouts/slideLayout13.xml><?xml version="1.0" encoding="utf-8"?>
-<p:sldLayout xmlns:a="http://schemas.openxmlformats.org/drawingml/2006/main" xmlns:p="http://schemas.openxmlformats.org/presentationml/2006/main" xmlns:r="http://schemas.openxmlformats.org/officeDocument/2006/relationships" xmlns:p14="http://schemas.microsoft.com/office/powerpoint/2010/main" xmlns:p15="http://schemas.microsoft.com/office/powerpoint/2012/main" xmlns:mc="http://schemas.openxmlformats.org/markup-compatibility/2006" type="blank" preserve="1">
+<p:sldLayout xmlns:a="http://schemas.openxmlformats.org/drawingml/2006/main" xmlns:r="http://schemas.openxmlformats.org/officeDocument/2006/relationships" xmlns:p="http://schemas.openxmlformats.org/presentationml/2006/main" type="blank" preserve="1">
   <p:cSld name="Blank Slide">
     <p:spTree>
       <p:nvGrpSpPr>
@@ -630,11 +752,14 @@
       </p:grpSpPr>
     </p:spTree>
   </p:cSld>
+  <p:clrMapOvr>
+    <a:masterClrMapping/>
+  </p:clrMapOvr>
 </p:sldLayout>
 </file>
 
 <file path=ppt/slideLayouts/slideLayout14.xml><?xml version="1.0" encoding="utf-8"?>
-<p:sldLayout xmlns:a="http://schemas.openxmlformats.org/drawingml/2006/main" xmlns:p="http://schemas.openxmlformats.org/presentationml/2006/main" xmlns:r="http://schemas.openxmlformats.org/officeDocument/2006/relationships" xmlns:p14="http://schemas.microsoft.com/office/powerpoint/2010/main" xmlns:p15="http://schemas.microsoft.com/office/powerpoint/2012/main" xmlns:mc="http://schemas.openxmlformats.org/markup-compatibility/2006" type="tx" preserve="1">
+<p:sldLayout xmlns:a="http://schemas.openxmlformats.org/drawingml/2006/main" xmlns:r="http://schemas.openxmlformats.org/officeDocument/2006/relationships" xmlns:p="http://schemas.openxmlformats.org/presentationml/2006/main" type="tx" preserve="1">
   <p:cSld name="Title Slide">
     <p:spTree>
       <p:nvGrpSpPr>
@@ -670,9 +795,10 @@
           </a:prstGeom>
         </p:spPr>
         <p:txBody>
-          <a:bodyPr lIns="0" rIns="0" tIns="0" bIns="0" anchor="ctr"/>
-          <a:p>
-            <a:endParaRPr b="0" lang="en-US" sz="1800" spc="-1" strike="noStrike">
+          <a:bodyPr lIns="0" tIns="0" rIns="0" bIns="0" anchor="ctr"/>
+          <a:lstStyle/>
+          <a:p>
+            <a:endParaRPr lang="en-US" sz="1800" b="0" strike="noStrike" spc="-1">
               <a:solidFill>
                 <a:srgbClr val="000000"/>
               </a:solidFill>
@@ -701,10 +827,11 @@
           </a:prstGeom>
         </p:spPr>
         <p:txBody>
-          <a:bodyPr lIns="0" rIns="0" tIns="0" bIns="0" anchor="ctr"/>
+          <a:bodyPr lIns="0" tIns="0" rIns="0" bIns="0" anchor="ctr"/>
+          <a:lstStyle/>
           <a:p>
             <a:pPr algn="ctr"/>
-            <a:endParaRPr b="0" lang="en-GB" sz="3200" spc="-1" strike="noStrike">
+            <a:endParaRPr lang="en-GB" sz="3200" b="0" strike="noStrike" spc="-1">
               <a:latin typeface="Arial"/>
             </a:endParaRPr>
           </a:p>
@@ -712,11 +839,14 @@
       </p:sp>
     </p:spTree>
   </p:cSld>
+  <p:clrMapOvr>
+    <a:masterClrMapping/>
+  </p:clrMapOvr>
 </p:sldLayout>
 </file>
 
 <file path=ppt/slideLayouts/slideLayout15.xml><?xml version="1.0" encoding="utf-8"?>
-<p:sldLayout xmlns:a="http://schemas.openxmlformats.org/drawingml/2006/main" xmlns:p="http://schemas.openxmlformats.org/presentationml/2006/main" xmlns:r="http://schemas.openxmlformats.org/officeDocument/2006/relationships" xmlns:p14="http://schemas.microsoft.com/office/powerpoint/2010/main" xmlns:p15="http://schemas.microsoft.com/office/powerpoint/2012/main" xmlns:mc="http://schemas.openxmlformats.org/markup-compatibility/2006" type="obj" preserve="1">
+<p:sldLayout xmlns:a="http://schemas.openxmlformats.org/drawingml/2006/main" xmlns:r="http://schemas.openxmlformats.org/officeDocument/2006/relationships" xmlns:p="http://schemas.openxmlformats.org/presentationml/2006/main" type="obj" preserve="1">
   <p:cSld name="Title, Content">
     <p:spTree>
       <p:nvGrpSpPr>
@@ -752,9 +882,10 @@
           </a:prstGeom>
         </p:spPr>
         <p:txBody>
-          <a:bodyPr lIns="0" rIns="0" tIns="0" bIns="0" anchor="ctr"/>
-          <a:p>
-            <a:endParaRPr b="0" lang="en-US" sz="1800" spc="-1" strike="noStrike">
+          <a:bodyPr lIns="0" tIns="0" rIns="0" bIns="0" anchor="ctr"/>
+          <a:lstStyle/>
+          <a:p>
+            <a:endParaRPr lang="en-US" sz="1800" b="0" strike="noStrike" spc="-1">
               <a:solidFill>
                 <a:srgbClr val="000000"/>
               </a:solidFill>
@@ -783,11 +914,12 @@
           </a:prstGeom>
         </p:spPr>
         <p:txBody>
-          <a:bodyPr lIns="0" rIns="0" tIns="0" bIns="0">
+          <a:bodyPr lIns="0" tIns="0" rIns="0" bIns="0">
             <a:normAutofit/>
           </a:bodyPr>
-          <a:p>
-            <a:endParaRPr b="0" lang="en-US" sz="1800" spc="-1" strike="noStrike">
+          <a:lstStyle/>
+          <a:p>
+            <a:endParaRPr lang="en-US" sz="1800" b="0" strike="noStrike" spc="-1">
               <a:solidFill>
                 <a:srgbClr val="404040"/>
               </a:solidFill>
@@ -798,11 +930,14 @@
       </p:sp>
     </p:spTree>
   </p:cSld>
+  <p:clrMapOvr>
+    <a:masterClrMapping/>
+  </p:clrMapOvr>
 </p:sldLayout>
 </file>
 
 <file path=ppt/slideLayouts/slideLayout16.xml><?xml version="1.0" encoding="utf-8"?>
-<p:sldLayout xmlns:a="http://schemas.openxmlformats.org/drawingml/2006/main" xmlns:p="http://schemas.openxmlformats.org/presentationml/2006/main" xmlns:r="http://schemas.openxmlformats.org/officeDocument/2006/relationships" xmlns:p14="http://schemas.microsoft.com/office/powerpoint/2010/main" xmlns:p15="http://schemas.microsoft.com/office/powerpoint/2012/main" xmlns:mc="http://schemas.openxmlformats.org/markup-compatibility/2006" type="twoObj" preserve="1">
+<p:sldLayout xmlns:a="http://schemas.openxmlformats.org/drawingml/2006/main" xmlns:r="http://schemas.openxmlformats.org/officeDocument/2006/relationships" xmlns:p="http://schemas.openxmlformats.org/presentationml/2006/main" type="twoObj" preserve="1">
   <p:cSld name="Title, 2 Content">
     <p:spTree>
       <p:nvGrpSpPr>
@@ -838,9 +973,10 @@
           </a:prstGeom>
         </p:spPr>
         <p:txBody>
-          <a:bodyPr lIns="0" rIns="0" tIns="0" bIns="0" anchor="ctr"/>
-          <a:p>
-            <a:endParaRPr b="0" lang="en-US" sz="1800" spc="-1" strike="noStrike">
+          <a:bodyPr lIns="0" tIns="0" rIns="0" bIns="0" anchor="ctr"/>
+          <a:lstStyle/>
+          <a:p>
+            <a:endParaRPr lang="en-US" sz="1800" b="0" strike="noStrike" spc="-1">
               <a:solidFill>
                 <a:srgbClr val="000000"/>
               </a:solidFill>
@@ -869,11 +1005,12 @@
           </a:prstGeom>
         </p:spPr>
         <p:txBody>
-          <a:bodyPr lIns="0" rIns="0" tIns="0" bIns="0">
+          <a:bodyPr lIns="0" tIns="0" rIns="0" bIns="0">
             <a:normAutofit/>
           </a:bodyPr>
-          <a:p>
-            <a:endParaRPr b="0" lang="en-US" sz="1800" spc="-1" strike="noStrike">
+          <a:lstStyle/>
+          <a:p>
+            <a:endParaRPr lang="en-US" sz="1800" b="0" strike="noStrike" spc="-1">
               <a:solidFill>
                 <a:srgbClr val="404040"/>
               </a:solidFill>
@@ -902,11 +1039,12 @@
           </a:prstGeom>
         </p:spPr>
         <p:txBody>
-          <a:bodyPr lIns="0" rIns="0" tIns="0" bIns="0">
+          <a:bodyPr lIns="0" tIns="0" rIns="0" bIns="0">
             <a:normAutofit/>
           </a:bodyPr>
-          <a:p>
-            <a:endParaRPr b="0" lang="en-US" sz="1800" spc="-1" strike="noStrike">
+          <a:lstStyle/>
+          <a:p>
+            <a:endParaRPr lang="en-US" sz="1800" b="0" strike="noStrike" spc="-1">
               <a:solidFill>
                 <a:srgbClr val="404040"/>
               </a:solidFill>
@@ -917,11 +1055,14 @@
       </p:sp>
     </p:spTree>
   </p:cSld>
+  <p:clrMapOvr>
+    <a:masterClrMapping/>
+  </p:clrMapOvr>
 </p:sldLayout>
 </file>
 
 <file path=ppt/slideLayouts/slideLayout17.xml><?xml version="1.0" encoding="utf-8"?>
-<p:sldLayout xmlns:a="http://schemas.openxmlformats.org/drawingml/2006/main" xmlns:p="http://schemas.openxmlformats.org/presentationml/2006/main" xmlns:r="http://schemas.openxmlformats.org/officeDocument/2006/relationships" xmlns:p14="http://schemas.microsoft.com/office/powerpoint/2010/main" xmlns:p15="http://schemas.microsoft.com/office/powerpoint/2012/main" xmlns:mc="http://schemas.openxmlformats.org/markup-compatibility/2006" type="titleOnly" preserve="1">
+<p:sldLayout xmlns:a="http://schemas.openxmlformats.org/drawingml/2006/main" xmlns:r="http://schemas.openxmlformats.org/officeDocument/2006/relationships" xmlns:p="http://schemas.openxmlformats.org/presentationml/2006/main" type="titleOnly" preserve="1">
   <p:cSld name="Title Only">
     <p:spTree>
       <p:nvGrpSpPr>
@@ -957,9 +1098,10 @@
           </a:prstGeom>
         </p:spPr>
         <p:txBody>
-          <a:bodyPr lIns="0" rIns="0" tIns="0" bIns="0" anchor="ctr"/>
-          <a:p>
-            <a:endParaRPr b="0" lang="en-US" sz="1800" spc="-1" strike="noStrike">
+          <a:bodyPr lIns="0" tIns="0" rIns="0" bIns="0" anchor="ctr"/>
+          <a:lstStyle/>
+          <a:p>
+            <a:endParaRPr lang="en-US" sz="1800" b="0" strike="noStrike" spc="-1">
               <a:solidFill>
                 <a:srgbClr val="000000"/>
               </a:solidFill>
@@ -970,11 +1112,14 @@
       </p:sp>
     </p:spTree>
   </p:cSld>
+  <p:clrMapOvr>
+    <a:masterClrMapping/>
+  </p:clrMapOvr>
 </p:sldLayout>
 </file>
 
 <file path=ppt/slideLayouts/slideLayout18.xml><?xml version="1.0" encoding="utf-8"?>
-<p:sldLayout xmlns:a="http://schemas.openxmlformats.org/drawingml/2006/main" xmlns:p="http://schemas.openxmlformats.org/presentationml/2006/main" xmlns:r="http://schemas.openxmlformats.org/officeDocument/2006/relationships" xmlns:p14="http://schemas.microsoft.com/office/powerpoint/2010/main" xmlns:p15="http://schemas.microsoft.com/office/powerpoint/2012/main" xmlns:mc="http://schemas.openxmlformats.org/markup-compatibility/2006" type="objOnly" preserve="1">
+<p:sldLayout xmlns:a="http://schemas.openxmlformats.org/drawingml/2006/main" xmlns:r="http://schemas.openxmlformats.org/officeDocument/2006/relationships" xmlns:p="http://schemas.openxmlformats.org/presentationml/2006/main" type="objOnly" preserve="1">
   <p:cSld name="Centered Text">
     <p:spTree>
       <p:nvGrpSpPr>
@@ -1010,10 +1155,11 @@
           </a:prstGeom>
         </p:spPr>
         <p:txBody>
-          <a:bodyPr lIns="0" rIns="0" tIns="0" bIns="0" anchor="ctr"/>
+          <a:bodyPr lIns="0" tIns="0" rIns="0" bIns="0" anchor="ctr"/>
+          <a:lstStyle/>
           <a:p>
             <a:pPr algn="ctr"/>
-            <a:endParaRPr b="0" lang="en-GB" sz="3200" spc="-1" strike="noStrike">
+            <a:endParaRPr lang="en-GB" sz="3200" b="0" strike="noStrike" spc="-1">
               <a:latin typeface="Arial"/>
             </a:endParaRPr>
           </a:p>
@@ -1021,11 +1167,14 @@
       </p:sp>
     </p:spTree>
   </p:cSld>
+  <p:clrMapOvr>
+    <a:masterClrMapping/>
+  </p:clrMapOvr>
 </p:sldLayout>
 </file>
 
 <file path=ppt/slideLayouts/slideLayout19.xml><?xml version="1.0" encoding="utf-8"?>
-<p:sldLayout xmlns:a="http://schemas.openxmlformats.org/drawingml/2006/main" xmlns:p="http://schemas.openxmlformats.org/presentationml/2006/main" xmlns:r="http://schemas.openxmlformats.org/officeDocument/2006/relationships" xmlns:p14="http://schemas.microsoft.com/office/powerpoint/2010/main" xmlns:p15="http://schemas.microsoft.com/office/powerpoint/2012/main" xmlns:mc="http://schemas.openxmlformats.org/markup-compatibility/2006" type="twoObjAndObj" preserve="1">
+<p:sldLayout xmlns:a="http://schemas.openxmlformats.org/drawingml/2006/main" xmlns:r="http://schemas.openxmlformats.org/officeDocument/2006/relationships" xmlns:p="http://schemas.openxmlformats.org/presentationml/2006/main" type="twoObjAndObj" preserve="1">
   <p:cSld name="Title, 2 Content and Content">
     <p:spTree>
       <p:nvGrpSpPr>
@@ -1061,9 +1210,10 @@
           </a:prstGeom>
         </p:spPr>
         <p:txBody>
-          <a:bodyPr lIns="0" rIns="0" tIns="0" bIns="0" anchor="ctr"/>
-          <a:p>
-            <a:endParaRPr b="0" lang="en-US" sz="1800" spc="-1" strike="noStrike">
+          <a:bodyPr lIns="0" tIns="0" rIns="0" bIns="0" anchor="ctr"/>
+          <a:lstStyle/>
+          <a:p>
+            <a:endParaRPr lang="en-US" sz="1800" b="0" strike="noStrike" spc="-1">
               <a:solidFill>
                 <a:srgbClr val="000000"/>
               </a:solidFill>
@@ -1092,11 +1242,12 @@
           </a:prstGeom>
         </p:spPr>
         <p:txBody>
-          <a:bodyPr lIns="0" rIns="0" tIns="0" bIns="0">
+          <a:bodyPr lIns="0" tIns="0" rIns="0" bIns="0">
             <a:normAutofit/>
           </a:bodyPr>
-          <a:p>
-            <a:endParaRPr b="0" lang="en-US" sz="1800" spc="-1" strike="noStrike">
+          <a:lstStyle/>
+          <a:p>
+            <a:endParaRPr lang="en-US" sz="1800" b="0" strike="noStrike" spc="-1">
               <a:solidFill>
                 <a:srgbClr val="404040"/>
               </a:solidFill>
@@ -1125,11 +1276,12 @@
           </a:prstGeom>
         </p:spPr>
         <p:txBody>
-          <a:bodyPr lIns="0" rIns="0" tIns="0" bIns="0">
+          <a:bodyPr lIns="0" tIns="0" rIns="0" bIns="0">
             <a:normAutofit/>
           </a:bodyPr>
-          <a:p>
-            <a:endParaRPr b="0" lang="en-US" sz="1800" spc="-1" strike="noStrike">
+          <a:lstStyle/>
+          <a:p>
+            <a:endParaRPr lang="en-US" sz="1800" b="0" strike="noStrike" spc="-1">
               <a:solidFill>
                 <a:srgbClr val="404040"/>
               </a:solidFill>
@@ -1158,11 +1310,12 @@
           </a:prstGeom>
         </p:spPr>
         <p:txBody>
-          <a:bodyPr lIns="0" rIns="0" tIns="0" bIns="0">
+          <a:bodyPr lIns="0" tIns="0" rIns="0" bIns="0">
             <a:normAutofit/>
           </a:bodyPr>
-          <a:p>
-            <a:endParaRPr b="0" lang="en-US" sz="1800" spc="-1" strike="noStrike">
+          <a:lstStyle/>
+          <a:p>
+            <a:endParaRPr lang="en-US" sz="1800" b="0" strike="noStrike" spc="-1">
               <a:solidFill>
                 <a:srgbClr val="404040"/>
               </a:solidFill>
@@ -1173,11 +1326,14 @@
       </p:sp>
     </p:spTree>
   </p:cSld>
+  <p:clrMapOvr>
+    <a:masterClrMapping/>
+  </p:clrMapOvr>
 </p:sldLayout>
 </file>
 
 <file path=ppt/slideLayouts/slideLayout2.xml><?xml version="1.0" encoding="utf-8"?>
-<p:sldLayout xmlns:a="http://schemas.openxmlformats.org/drawingml/2006/main" xmlns:p="http://schemas.openxmlformats.org/presentationml/2006/main" xmlns:r="http://schemas.openxmlformats.org/officeDocument/2006/relationships" xmlns:p14="http://schemas.microsoft.com/office/powerpoint/2010/main" xmlns:p15="http://schemas.microsoft.com/office/powerpoint/2012/main" xmlns:mc="http://schemas.openxmlformats.org/markup-compatibility/2006" type="tx" preserve="1">
+<p:sldLayout xmlns:a="http://schemas.openxmlformats.org/drawingml/2006/main" xmlns:r="http://schemas.openxmlformats.org/officeDocument/2006/relationships" xmlns:p="http://schemas.openxmlformats.org/presentationml/2006/main" type="tx" preserve="1">
   <p:cSld name="Title Slide">
     <p:spTree>
       <p:nvGrpSpPr>
@@ -1213,9 +1369,10 @@
           </a:prstGeom>
         </p:spPr>
         <p:txBody>
-          <a:bodyPr lIns="0" rIns="0" tIns="0" bIns="0" anchor="ctr"/>
-          <a:p>
-            <a:endParaRPr b="0" lang="en-US" sz="1800" spc="-1" strike="noStrike">
+          <a:bodyPr lIns="0" tIns="0" rIns="0" bIns="0" anchor="ctr"/>
+          <a:lstStyle/>
+          <a:p>
+            <a:endParaRPr lang="en-US" sz="1800" b="0" strike="noStrike" spc="-1">
               <a:solidFill>
                 <a:srgbClr val="000000"/>
               </a:solidFill>
@@ -1244,10 +1401,11 @@
           </a:prstGeom>
         </p:spPr>
         <p:txBody>
-          <a:bodyPr lIns="0" rIns="0" tIns="0" bIns="0" anchor="ctr"/>
+          <a:bodyPr lIns="0" tIns="0" rIns="0" bIns="0" anchor="ctr"/>
+          <a:lstStyle/>
           <a:p>
             <a:pPr algn="ctr"/>
-            <a:endParaRPr b="0" lang="en-GB" sz="3200" spc="-1" strike="noStrike">
+            <a:endParaRPr lang="en-GB" sz="3200" b="0" strike="noStrike" spc="-1">
               <a:latin typeface="Arial"/>
             </a:endParaRPr>
           </a:p>
@@ -1255,11 +1413,14 @@
       </p:sp>
     </p:spTree>
   </p:cSld>
+  <p:clrMapOvr>
+    <a:masterClrMapping/>
+  </p:clrMapOvr>
 </p:sldLayout>
 </file>
 
 <file path=ppt/slideLayouts/slideLayout20.xml><?xml version="1.0" encoding="utf-8"?>
-<p:sldLayout xmlns:a="http://schemas.openxmlformats.org/drawingml/2006/main" xmlns:p="http://schemas.openxmlformats.org/presentationml/2006/main" xmlns:r="http://schemas.openxmlformats.org/officeDocument/2006/relationships" xmlns:p14="http://schemas.microsoft.com/office/powerpoint/2010/main" xmlns:p15="http://schemas.microsoft.com/office/powerpoint/2012/main" xmlns:mc="http://schemas.openxmlformats.org/markup-compatibility/2006" type="objAndTwoObj" preserve="1">
+<p:sldLayout xmlns:a="http://schemas.openxmlformats.org/drawingml/2006/main" xmlns:r="http://schemas.openxmlformats.org/officeDocument/2006/relationships" xmlns:p="http://schemas.openxmlformats.org/presentationml/2006/main" type="objAndTwoObj" preserve="1">
   <p:cSld name="Title Content and 2 Content">
     <p:spTree>
       <p:nvGrpSpPr>
@@ -1295,9 +1456,10 @@
           </a:prstGeom>
         </p:spPr>
         <p:txBody>
-          <a:bodyPr lIns="0" rIns="0" tIns="0" bIns="0" anchor="ctr"/>
-          <a:p>
-            <a:endParaRPr b="0" lang="en-US" sz="1800" spc="-1" strike="noStrike">
+          <a:bodyPr lIns="0" tIns="0" rIns="0" bIns="0" anchor="ctr"/>
+          <a:lstStyle/>
+          <a:p>
+            <a:endParaRPr lang="en-US" sz="1800" b="0" strike="noStrike" spc="-1">
               <a:solidFill>
                 <a:srgbClr val="000000"/>
               </a:solidFill>
@@ -1326,11 +1488,12 @@
           </a:prstGeom>
         </p:spPr>
         <p:txBody>
-          <a:bodyPr lIns="0" rIns="0" tIns="0" bIns="0">
+          <a:bodyPr lIns="0" tIns="0" rIns="0" bIns="0">
             <a:normAutofit/>
           </a:bodyPr>
-          <a:p>
-            <a:endParaRPr b="0" lang="en-US" sz="1800" spc="-1" strike="noStrike">
+          <a:lstStyle/>
+          <a:p>
+            <a:endParaRPr lang="en-US" sz="1800" b="0" strike="noStrike" spc="-1">
               <a:solidFill>
                 <a:srgbClr val="404040"/>
               </a:solidFill>
@@ -1359,11 +1522,12 @@
           </a:prstGeom>
         </p:spPr>
         <p:txBody>
-          <a:bodyPr lIns="0" rIns="0" tIns="0" bIns="0">
+          <a:bodyPr lIns="0" tIns="0" rIns="0" bIns="0">
             <a:normAutofit/>
           </a:bodyPr>
-          <a:p>
-            <a:endParaRPr b="0" lang="en-US" sz="1800" spc="-1" strike="noStrike">
+          <a:lstStyle/>
+          <a:p>
+            <a:endParaRPr lang="en-US" sz="1800" b="0" strike="noStrike" spc="-1">
               <a:solidFill>
                 <a:srgbClr val="404040"/>
               </a:solidFill>
@@ -1392,11 +1556,12 @@
           </a:prstGeom>
         </p:spPr>
         <p:txBody>
-          <a:bodyPr lIns="0" rIns="0" tIns="0" bIns="0">
+          <a:bodyPr lIns="0" tIns="0" rIns="0" bIns="0">
             <a:normAutofit/>
           </a:bodyPr>
-          <a:p>
-            <a:endParaRPr b="0" lang="en-US" sz="1800" spc="-1" strike="noStrike">
+          <a:lstStyle/>
+          <a:p>
+            <a:endParaRPr lang="en-US" sz="1800" b="0" strike="noStrike" spc="-1">
               <a:solidFill>
                 <a:srgbClr val="404040"/>
               </a:solidFill>
@@ -1407,11 +1572,14 @@
       </p:sp>
     </p:spTree>
   </p:cSld>
+  <p:clrMapOvr>
+    <a:masterClrMapping/>
+  </p:clrMapOvr>
 </p:sldLayout>
 </file>
 
 <file path=ppt/slideLayouts/slideLayout21.xml><?xml version="1.0" encoding="utf-8"?>
-<p:sldLayout xmlns:a="http://schemas.openxmlformats.org/drawingml/2006/main" xmlns:p="http://schemas.openxmlformats.org/presentationml/2006/main" xmlns:r="http://schemas.openxmlformats.org/officeDocument/2006/relationships" xmlns:p14="http://schemas.microsoft.com/office/powerpoint/2010/main" xmlns:p15="http://schemas.microsoft.com/office/powerpoint/2012/main" xmlns:mc="http://schemas.openxmlformats.org/markup-compatibility/2006" type="twoObjOverTx" preserve="1">
+<p:sldLayout xmlns:a="http://schemas.openxmlformats.org/drawingml/2006/main" xmlns:r="http://schemas.openxmlformats.org/officeDocument/2006/relationships" xmlns:p="http://schemas.openxmlformats.org/presentationml/2006/main" type="twoObjOverTx" preserve="1">
   <p:cSld name="Title, 2 Content over Content">
     <p:spTree>
       <p:nvGrpSpPr>
@@ -1447,9 +1615,10 @@
           </a:prstGeom>
         </p:spPr>
         <p:txBody>
-          <a:bodyPr lIns="0" rIns="0" tIns="0" bIns="0" anchor="ctr"/>
-          <a:p>
-            <a:endParaRPr b="0" lang="en-US" sz="1800" spc="-1" strike="noStrike">
+          <a:bodyPr lIns="0" tIns="0" rIns="0" bIns="0" anchor="ctr"/>
+          <a:lstStyle/>
+          <a:p>
+            <a:endParaRPr lang="en-US" sz="1800" b="0" strike="noStrike" spc="-1">
               <a:solidFill>
                 <a:srgbClr val="000000"/>
               </a:solidFill>
@@ -1478,11 +1647,12 @@
           </a:prstGeom>
         </p:spPr>
         <p:txBody>
-          <a:bodyPr lIns="0" rIns="0" tIns="0" bIns="0">
+          <a:bodyPr lIns="0" tIns="0" rIns="0" bIns="0">
             <a:normAutofit/>
           </a:bodyPr>
-          <a:p>
-            <a:endParaRPr b="0" lang="en-US" sz="1800" spc="-1" strike="noStrike">
+          <a:lstStyle/>
+          <a:p>
+            <a:endParaRPr lang="en-US" sz="1800" b="0" strike="noStrike" spc="-1">
               <a:solidFill>
                 <a:srgbClr val="404040"/>
               </a:solidFill>
@@ -1511,11 +1681,12 @@
           </a:prstGeom>
         </p:spPr>
         <p:txBody>
-          <a:bodyPr lIns="0" rIns="0" tIns="0" bIns="0">
+          <a:bodyPr lIns="0" tIns="0" rIns="0" bIns="0">
             <a:normAutofit/>
           </a:bodyPr>
-          <a:p>
-            <a:endParaRPr b="0" lang="en-US" sz="1800" spc="-1" strike="noStrike">
+          <a:lstStyle/>
+          <a:p>
+            <a:endParaRPr lang="en-US" sz="1800" b="0" strike="noStrike" spc="-1">
               <a:solidFill>
                 <a:srgbClr val="404040"/>
               </a:solidFill>
@@ -1544,11 +1715,12 @@
           </a:prstGeom>
         </p:spPr>
         <p:txBody>
-          <a:bodyPr lIns="0" rIns="0" tIns="0" bIns="0">
+          <a:bodyPr lIns="0" tIns="0" rIns="0" bIns="0">
             <a:normAutofit/>
           </a:bodyPr>
-          <a:p>
-            <a:endParaRPr b="0" lang="en-US" sz="1800" spc="-1" strike="noStrike">
+          <a:lstStyle/>
+          <a:p>
+            <a:endParaRPr lang="en-US" sz="1800" b="0" strike="noStrike" spc="-1">
               <a:solidFill>
                 <a:srgbClr val="404040"/>
               </a:solidFill>
@@ -1559,11 +1731,14 @@
       </p:sp>
     </p:spTree>
   </p:cSld>
+  <p:clrMapOvr>
+    <a:masterClrMapping/>
+  </p:clrMapOvr>
 </p:sldLayout>
 </file>
 
 <file path=ppt/slideLayouts/slideLayout22.xml><?xml version="1.0" encoding="utf-8"?>
-<p:sldLayout xmlns:a="http://schemas.openxmlformats.org/drawingml/2006/main" xmlns:p="http://schemas.openxmlformats.org/presentationml/2006/main" xmlns:r="http://schemas.openxmlformats.org/officeDocument/2006/relationships" xmlns:p14="http://schemas.microsoft.com/office/powerpoint/2010/main" xmlns:p15="http://schemas.microsoft.com/office/powerpoint/2012/main" xmlns:mc="http://schemas.openxmlformats.org/markup-compatibility/2006" type="objOverTx" preserve="1">
+<p:sldLayout xmlns:a="http://schemas.openxmlformats.org/drawingml/2006/main" xmlns:r="http://schemas.openxmlformats.org/officeDocument/2006/relationships" xmlns:p="http://schemas.openxmlformats.org/presentationml/2006/main" type="objOverTx" preserve="1">
   <p:cSld name="Title, Content over Content">
     <p:spTree>
       <p:nvGrpSpPr>
@@ -1599,9 +1774,10 @@
           </a:prstGeom>
         </p:spPr>
         <p:txBody>
-          <a:bodyPr lIns="0" rIns="0" tIns="0" bIns="0" anchor="ctr"/>
-          <a:p>
-            <a:endParaRPr b="0" lang="en-US" sz="1800" spc="-1" strike="noStrike">
+          <a:bodyPr lIns="0" tIns="0" rIns="0" bIns="0" anchor="ctr"/>
+          <a:lstStyle/>
+          <a:p>
+            <a:endParaRPr lang="en-US" sz="1800" b="0" strike="noStrike" spc="-1">
               <a:solidFill>
                 <a:srgbClr val="000000"/>
               </a:solidFill>
@@ -1630,11 +1806,12 @@
           </a:prstGeom>
         </p:spPr>
         <p:txBody>
-          <a:bodyPr lIns="0" rIns="0" tIns="0" bIns="0">
+          <a:bodyPr lIns="0" tIns="0" rIns="0" bIns="0">
             <a:normAutofit/>
           </a:bodyPr>
-          <a:p>
-            <a:endParaRPr b="0" lang="en-US" sz="1800" spc="-1" strike="noStrike">
+          <a:lstStyle/>
+          <a:p>
+            <a:endParaRPr lang="en-US" sz="1800" b="0" strike="noStrike" spc="-1">
               <a:solidFill>
                 <a:srgbClr val="404040"/>
               </a:solidFill>
@@ -1663,11 +1840,12 @@
           </a:prstGeom>
         </p:spPr>
         <p:txBody>
-          <a:bodyPr lIns="0" rIns="0" tIns="0" bIns="0">
+          <a:bodyPr lIns="0" tIns="0" rIns="0" bIns="0">
             <a:normAutofit/>
           </a:bodyPr>
-          <a:p>
-            <a:endParaRPr b="0" lang="en-US" sz="1800" spc="-1" strike="noStrike">
+          <a:lstStyle/>
+          <a:p>
+            <a:endParaRPr lang="en-US" sz="1800" b="0" strike="noStrike" spc="-1">
               <a:solidFill>
                 <a:srgbClr val="404040"/>
               </a:solidFill>
@@ -1678,11 +1856,14 @@
       </p:sp>
     </p:spTree>
   </p:cSld>
+  <p:clrMapOvr>
+    <a:masterClrMapping/>
+  </p:clrMapOvr>
 </p:sldLayout>
 </file>
 
 <file path=ppt/slideLayouts/slideLayout23.xml><?xml version="1.0" encoding="utf-8"?>
-<p:sldLayout xmlns:a="http://schemas.openxmlformats.org/drawingml/2006/main" xmlns:p="http://schemas.openxmlformats.org/presentationml/2006/main" xmlns:r="http://schemas.openxmlformats.org/officeDocument/2006/relationships" xmlns:p14="http://schemas.microsoft.com/office/powerpoint/2010/main" xmlns:p15="http://schemas.microsoft.com/office/powerpoint/2012/main" xmlns:mc="http://schemas.openxmlformats.org/markup-compatibility/2006" type="fourObj" preserve="1">
+<p:sldLayout xmlns:a="http://schemas.openxmlformats.org/drawingml/2006/main" xmlns:r="http://schemas.openxmlformats.org/officeDocument/2006/relationships" xmlns:p="http://schemas.openxmlformats.org/presentationml/2006/main" type="fourObj" preserve="1">
   <p:cSld name="Title, 4 Content">
     <p:spTree>
       <p:nvGrpSpPr>
@@ -1718,9 +1899,10 @@
           </a:prstGeom>
         </p:spPr>
         <p:txBody>
-          <a:bodyPr lIns="0" rIns="0" tIns="0" bIns="0" anchor="ctr"/>
-          <a:p>
-            <a:endParaRPr b="0" lang="en-US" sz="1800" spc="-1" strike="noStrike">
+          <a:bodyPr lIns="0" tIns="0" rIns="0" bIns="0" anchor="ctr"/>
+          <a:lstStyle/>
+          <a:p>
+            <a:endParaRPr lang="en-US" sz="1800" b="0" strike="noStrike" spc="-1">
               <a:solidFill>
                 <a:srgbClr val="000000"/>
               </a:solidFill>
@@ -1749,11 +1931,12 @@
           </a:prstGeom>
         </p:spPr>
         <p:txBody>
-          <a:bodyPr lIns="0" rIns="0" tIns="0" bIns="0">
+          <a:bodyPr lIns="0" tIns="0" rIns="0" bIns="0">
             <a:normAutofit/>
           </a:bodyPr>
-          <a:p>
-            <a:endParaRPr b="0" lang="en-US" sz="1800" spc="-1" strike="noStrike">
+          <a:lstStyle/>
+          <a:p>
+            <a:endParaRPr lang="en-US" sz="1800" b="0" strike="noStrike" spc="-1">
               <a:solidFill>
                 <a:srgbClr val="404040"/>
               </a:solidFill>
@@ -1782,11 +1965,12 @@
           </a:prstGeom>
         </p:spPr>
         <p:txBody>
-          <a:bodyPr lIns="0" rIns="0" tIns="0" bIns="0">
+          <a:bodyPr lIns="0" tIns="0" rIns="0" bIns="0">
             <a:normAutofit/>
           </a:bodyPr>
-          <a:p>
-            <a:endParaRPr b="0" lang="en-US" sz="1800" spc="-1" strike="noStrike">
+          <a:lstStyle/>
+          <a:p>
+            <a:endParaRPr lang="en-US" sz="1800" b="0" strike="noStrike" spc="-1">
               <a:solidFill>
                 <a:srgbClr val="404040"/>
               </a:solidFill>
@@ -1815,11 +1999,12 @@
           </a:prstGeom>
         </p:spPr>
         <p:txBody>
-          <a:bodyPr lIns="0" rIns="0" tIns="0" bIns="0">
+          <a:bodyPr lIns="0" tIns="0" rIns="0" bIns="0">
             <a:normAutofit/>
           </a:bodyPr>
-          <a:p>
-            <a:endParaRPr b="0" lang="en-US" sz="1800" spc="-1" strike="noStrike">
+          <a:lstStyle/>
+          <a:p>
+            <a:endParaRPr lang="en-US" sz="1800" b="0" strike="noStrike" spc="-1">
               <a:solidFill>
                 <a:srgbClr val="404040"/>
               </a:solidFill>
@@ -1848,11 +2033,12 @@
           </a:prstGeom>
         </p:spPr>
         <p:txBody>
-          <a:bodyPr lIns="0" rIns="0" tIns="0" bIns="0">
+          <a:bodyPr lIns="0" tIns="0" rIns="0" bIns="0">
             <a:normAutofit/>
           </a:bodyPr>
-          <a:p>
-            <a:endParaRPr b="0" lang="en-US" sz="1800" spc="-1" strike="noStrike">
+          <a:lstStyle/>
+          <a:p>
+            <a:endParaRPr lang="en-US" sz="1800" b="0" strike="noStrike" spc="-1">
               <a:solidFill>
                 <a:srgbClr val="404040"/>
               </a:solidFill>
@@ -1863,11 +2049,14 @@
       </p:sp>
     </p:spTree>
   </p:cSld>
+  <p:clrMapOvr>
+    <a:masterClrMapping/>
+  </p:clrMapOvr>
 </p:sldLayout>
 </file>
 
 <file path=ppt/slideLayouts/slideLayout24.xml><?xml version="1.0" encoding="utf-8"?>
-<p:sldLayout xmlns:a="http://schemas.openxmlformats.org/drawingml/2006/main" xmlns:p="http://schemas.openxmlformats.org/presentationml/2006/main" xmlns:r="http://schemas.openxmlformats.org/officeDocument/2006/relationships" xmlns:p14="http://schemas.microsoft.com/office/powerpoint/2010/main" xmlns:p15="http://schemas.microsoft.com/office/powerpoint/2012/main" xmlns:mc="http://schemas.openxmlformats.org/markup-compatibility/2006" type="blank" preserve="1">
+<p:sldLayout xmlns:a="http://schemas.openxmlformats.org/drawingml/2006/main" xmlns:r="http://schemas.openxmlformats.org/officeDocument/2006/relationships" xmlns:p="http://schemas.openxmlformats.org/presentationml/2006/main" type="blank" preserve="1">
   <p:cSld name="Title, 6 Content">
     <p:spTree>
       <p:nvGrpSpPr>
@@ -1903,9 +2092,10 @@
           </a:prstGeom>
         </p:spPr>
         <p:txBody>
-          <a:bodyPr lIns="0" rIns="0" tIns="0" bIns="0" anchor="ctr"/>
-          <a:p>
-            <a:endParaRPr b="0" lang="en-US" sz="1800" spc="-1" strike="noStrike">
+          <a:bodyPr lIns="0" tIns="0" rIns="0" bIns="0" anchor="ctr"/>
+          <a:lstStyle/>
+          <a:p>
+            <a:endParaRPr lang="en-US" sz="1800" b="0" strike="noStrike" spc="-1">
               <a:solidFill>
                 <a:srgbClr val="000000"/>
               </a:solidFill>
@@ -1934,11 +2124,12 @@
           </a:prstGeom>
         </p:spPr>
         <p:txBody>
-          <a:bodyPr lIns="0" rIns="0" tIns="0" bIns="0">
+          <a:bodyPr lIns="0" tIns="0" rIns="0" bIns="0">
             <a:normAutofit/>
           </a:bodyPr>
-          <a:p>
-            <a:endParaRPr b="0" lang="en-US" sz="1800" spc="-1" strike="noStrike">
+          <a:lstStyle/>
+          <a:p>
+            <a:endParaRPr lang="en-US" sz="1800" b="0" strike="noStrike" spc="-1">
               <a:solidFill>
                 <a:srgbClr val="404040"/>
               </a:solidFill>
@@ -1967,11 +2158,12 @@
           </a:prstGeom>
         </p:spPr>
         <p:txBody>
-          <a:bodyPr lIns="0" rIns="0" tIns="0" bIns="0">
+          <a:bodyPr lIns="0" tIns="0" rIns="0" bIns="0">
             <a:normAutofit/>
           </a:bodyPr>
-          <a:p>
-            <a:endParaRPr b="0" lang="en-US" sz="1800" spc="-1" strike="noStrike">
+          <a:lstStyle/>
+          <a:p>
+            <a:endParaRPr lang="en-US" sz="1800" b="0" strike="noStrike" spc="-1">
               <a:solidFill>
                 <a:srgbClr val="404040"/>
               </a:solidFill>
@@ -2000,11 +2192,12 @@
           </a:prstGeom>
         </p:spPr>
         <p:txBody>
-          <a:bodyPr lIns="0" rIns="0" tIns="0" bIns="0">
+          <a:bodyPr lIns="0" tIns="0" rIns="0" bIns="0">
             <a:normAutofit/>
           </a:bodyPr>
-          <a:p>
-            <a:endParaRPr b="0" lang="en-US" sz="1800" spc="-1" strike="noStrike">
+          <a:lstStyle/>
+          <a:p>
+            <a:endParaRPr lang="en-US" sz="1800" b="0" strike="noStrike" spc="-1">
               <a:solidFill>
                 <a:srgbClr val="404040"/>
               </a:solidFill>
@@ -2033,11 +2226,12 @@
           </a:prstGeom>
         </p:spPr>
         <p:txBody>
-          <a:bodyPr lIns="0" rIns="0" tIns="0" bIns="0">
+          <a:bodyPr lIns="0" tIns="0" rIns="0" bIns="0">
             <a:normAutofit/>
           </a:bodyPr>
-          <a:p>
-            <a:endParaRPr b="0" lang="en-US" sz="1800" spc="-1" strike="noStrike">
+          <a:lstStyle/>
+          <a:p>
+            <a:endParaRPr lang="en-US" sz="1800" b="0" strike="noStrike" spc="-1">
               <a:solidFill>
                 <a:srgbClr val="404040"/>
               </a:solidFill>
@@ -2066,11 +2260,12 @@
           </a:prstGeom>
         </p:spPr>
         <p:txBody>
-          <a:bodyPr lIns="0" rIns="0" tIns="0" bIns="0">
+          <a:bodyPr lIns="0" tIns="0" rIns="0" bIns="0">
             <a:normAutofit/>
           </a:bodyPr>
-          <a:p>
-            <a:endParaRPr b="0" lang="en-US" sz="1800" spc="-1" strike="noStrike">
+          <a:lstStyle/>
+          <a:p>
+            <a:endParaRPr lang="en-US" sz="1800" b="0" strike="noStrike" spc="-1">
               <a:solidFill>
                 <a:srgbClr val="404040"/>
               </a:solidFill>
@@ -2099,11 +2294,12 @@
           </a:prstGeom>
         </p:spPr>
         <p:txBody>
-          <a:bodyPr lIns="0" rIns="0" tIns="0" bIns="0">
+          <a:bodyPr lIns="0" tIns="0" rIns="0" bIns="0">
             <a:normAutofit/>
           </a:bodyPr>
-          <a:p>
-            <a:endParaRPr b="0" lang="en-US" sz="1800" spc="-1" strike="noStrike">
+          <a:lstStyle/>
+          <a:p>
+            <a:endParaRPr lang="en-US" sz="1800" b="0" strike="noStrike" spc="-1">
               <a:solidFill>
                 <a:srgbClr val="404040"/>
               </a:solidFill>
@@ -2114,11 +2310,14 @@
       </p:sp>
     </p:spTree>
   </p:cSld>
+  <p:clrMapOvr>
+    <a:masterClrMapping/>
+  </p:clrMapOvr>
 </p:sldLayout>
 </file>
 
 <file path=ppt/slideLayouts/slideLayout25.xml><?xml version="1.0" encoding="utf-8"?>
-<p:sldLayout xmlns:a="http://schemas.openxmlformats.org/drawingml/2006/main" xmlns:p="http://schemas.openxmlformats.org/presentationml/2006/main" xmlns:r="http://schemas.openxmlformats.org/officeDocument/2006/relationships" xmlns:p14="http://schemas.microsoft.com/office/powerpoint/2010/main" xmlns:p15="http://schemas.microsoft.com/office/powerpoint/2012/main" xmlns:mc="http://schemas.openxmlformats.org/markup-compatibility/2006" type="blank" preserve="1">
+<p:sldLayout xmlns:a="http://schemas.openxmlformats.org/drawingml/2006/main" xmlns:r="http://schemas.openxmlformats.org/officeDocument/2006/relationships" xmlns:p="http://schemas.openxmlformats.org/presentationml/2006/main" type="blank" preserve="1">
   <p:cSld name="Blank Slide">
     <p:spTree>
       <p:nvGrpSpPr>
@@ -2136,11 +2335,14 @@
       </p:grpSpPr>
     </p:spTree>
   </p:cSld>
+  <p:clrMapOvr>
+    <a:masterClrMapping/>
+  </p:clrMapOvr>
 </p:sldLayout>
 </file>
 
 <file path=ppt/slideLayouts/slideLayout26.xml><?xml version="1.0" encoding="utf-8"?>
-<p:sldLayout xmlns:a="http://schemas.openxmlformats.org/drawingml/2006/main" xmlns:p="http://schemas.openxmlformats.org/presentationml/2006/main" xmlns:r="http://schemas.openxmlformats.org/officeDocument/2006/relationships" xmlns:p14="http://schemas.microsoft.com/office/powerpoint/2010/main" xmlns:p15="http://schemas.microsoft.com/office/powerpoint/2012/main" xmlns:mc="http://schemas.openxmlformats.org/markup-compatibility/2006" type="tx" preserve="1">
+<p:sldLayout xmlns:a="http://schemas.openxmlformats.org/drawingml/2006/main" xmlns:r="http://schemas.openxmlformats.org/officeDocument/2006/relationships" xmlns:p="http://schemas.openxmlformats.org/presentationml/2006/main" type="tx" preserve="1">
   <p:cSld name="Title Slide">
     <p:spTree>
       <p:nvGrpSpPr>
@@ -2176,9 +2378,10 @@
           </a:prstGeom>
         </p:spPr>
         <p:txBody>
-          <a:bodyPr lIns="0" rIns="0" tIns="0" bIns="0" anchor="ctr"/>
-          <a:p>
-            <a:endParaRPr b="0" lang="en-US" sz="1800" spc="-1" strike="noStrike">
+          <a:bodyPr lIns="0" tIns="0" rIns="0" bIns="0" anchor="ctr"/>
+          <a:lstStyle/>
+          <a:p>
+            <a:endParaRPr lang="en-US" sz="1800" b="0" strike="noStrike" spc="-1">
               <a:solidFill>
                 <a:srgbClr val="000000"/>
               </a:solidFill>
@@ -2207,10 +2410,11 @@
           </a:prstGeom>
         </p:spPr>
         <p:txBody>
-          <a:bodyPr lIns="0" rIns="0" tIns="0" bIns="0" anchor="ctr"/>
+          <a:bodyPr lIns="0" tIns="0" rIns="0" bIns="0" anchor="ctr"/>
+          <a:lstStyle/>
           <a:p>
             <a:pPr algn="ctr"/>
-            <a:endParaRPr b="0" lang="en-GB" sz="3200" spc="-1" strike="noStrike">
+            <a:endParaRPr lang="en-GB" sz="3200" b="0" strike="noStrike" spc="-1">
               <a:latin typeface="Arial"/>
             </a:endParaRPr>
           </a:p>
@@ -2218,11 +2422,14 @@
       </p:sp>
     </p:spTree>
   </p:cSld>
+  <p:clrMapOvr>
+    <a:masterClrMapping/>
+  </p:clrMapOvr>
 </p:sldLayout>
 </file>
 
 <file path=ppt/slideLayouts/slideLayout27.xml><?xml version="1.0" encoding="utf-8"?>
-<p:sldLayout xmlns:a="http://schemas.openxmlformats.org/drawingml/2006/main" xmlns:p="http://schemas.openxmlformats.org/presentationml/2006/main" xmlns:r="http://schemas.openxmlformats.org/officeDocument/2006/relationships" xmlns:p14="http://schemas.microsoft.com/office/powerpoint/2010/main" xmlns:p15="http://schemas.microsoft.com/office/powerpoint/2012/main" xmlns:mc="http://schemas.openxmlformats.org/markup-compatibility/2006" type="obj" preserve="1">
+<p:sldLayout xmlns:a="http://schemas.openxmlformats.org/drawingml/2006/main" xmlns:r="http://schemas.openxmlformats.org/officeDocument/2006/relationships" xmlns:p="http://schemas.openxmlformats.org/presentationml/2006/main" type="obj" preserve="1">
   <p:cSld name="Title, Content">
     <p:spTree>
       <p:nvGrpSpPr>
@@ -2258,9 +2465,10 @@
           </a:prstGeom>
         </p:spPr>
         <p:txBody>
-          <a:bodyPr lIns="0" rIns="0" tIns="0" bIns="0" anchor="ctr"/>
-          <a:p>
-            <a:endParaRPr b="0" lang="en-US" sz="1800" spc="-1" strike="noStrike">
+          <a:bodyPr lIns="0" tIns="0" rIns="0" bIns="0" anchor="ctr"/>
+          <a:lstStyle/>
+          <a:p>
+            <a:endParaRPr lang="en-US" sz="1800" b="0" strike="noStrike" spc="-1">
               <a:solidFill>
                 <a:srgbClr val="000000"/>
               </a:solidFill>
@@ -2289,11 +2497,12 @@
           </a:prstGeom>
         </p:spPr>
         <p:txBody>
-          <a:bodyPr lIns="0" rIns="0" tIns="0" bIns="0">
+          <a:bodyPr lIns="0" tIns="0" rIns="0" bIns="0">
             <a:normAutofit/>
           </a:bodyPr>
-          <a:p>
-            <a:endParaRPr b="0" lang="en-US" sz="1800" spc="-1" strike="noStrike">
+          <a:lstStyle/>
+          <a:p>
+            <a:endParaRPr lang="en-US" sz="1800" b="0" strike="noStrike" spc="-1">
               <a:solidFill>
                 <a:srgbClr val="404040"/>
               </a:solidFill>
@@ -2304,11 +2513,14 @@
       </p:sp>
     </p:spTree>
   </p:cSld>
+  <p:clrMapOvr>
+    <a:masterClrMapping/>
+  </p:clrMapOvr>
 </p:sldLayout>
 </file>
 
 <file path=ppt/slideLayouts/slideLayout28.xml><?xml version="1.0" encoding="utf-8"?>
-<p:sldLayout xmlns:a="http://schemas.openxmlformats.org/drawingml/2006/main" xmlns:p="http://schemas.openxmlformats.org/presentationml/2006/main" xmlns:r="http://schemas.openxmlformats.org/officeDocument/2006/relationships" xmlns:p14="http://schemas.microsoft.com/office/powerpoint/2010/main" xmlns:p15="http://schemas.microsoft.com/office/powerpoint/2012/main" xmlns:mc="http://schemas.openxmlformats.org/markup-compatibility/2006" type="twoObj" preserve="1">
+<p:sldLayout xmlns:a="http://schemas.openxmlformats.org/drawingml/2006/main" xmlns:r="http://schemas.openxmlformats.org/officeDocument/2006/relationships" xmlns:p="http://schemas.openxmlformats.org/presentationml/2006/main" type="twoObj" preserve="1">
   <p:cSld name="Title, 2 Content">
     <p:spTree>
       <p:nvGrpSpPr>
@@ -2344,9 +2556,10 @@
           </a:prstGeom>
         </p:spPr>
         <p:txBody>
-          <a:bodyPr lIns="0" rIns="0" tIns="0" bIns="0" anchor="ctr"/>
-          <a:p>
-            <a:endParaRPr b="0" lang="en-US" sz="1800" spc="-1" strike="noStrike">
+          <a:bodyPr lIns="0" tIns="0" rIns="0" bIns="0" anchor="ctr"/>
+          <a:lstStyle/>
+          <a:p>
+            <a:endParaRPr lang="en-US" sz="1800" b="0" strike="noStrike" spc="-1">
               <a:solidFill>
                 <a:srgbClr val="000000"/>
               </a:solidFill>
@@ -2375,11 +2588,12 @@
           </a:prstGeom>
         </p:spPr>
         <p:txBody>
-          <a:bodyPr lIns="0" rIns="0" tIns="0" bIns="0">
+          <a:bodyPr lIns="0" tIns="0" rIns="0" bIns="0">
             <a:normAutofit/>
           </a:bodyPr>
-          <a:p>
-            <a:endParaRPr b="0" lang="en-US" sz="1800" spc="-1" strike="noStrike">
+          <a:lstStyle/>
+          <a:p>
+            <a:endParaRPr lang="en-US" sz="1800" b="0" strike="noStrike" spc="-1">
               <a:solidFill>
                 <a:srgbClr val="404040"/>
               </a:solidFill>
@@ -2408,11 +2622,12 @@
           </a:prstGeom>
         </p:spPr>
         <p:txBody>
-          <a:bodyPr lIns="0" rIns="0" tIns="0" bIns="0">
+          <a:bodyPr lIns="0" tIns="0" rIns="0" bIns="0">
             <a:normAutofit/>
           </a:bodyPr>
-          <a:p>
-            <a:endParaRPr b="0" lang="en-US" sz="1800" spc="-1" strike="noStrike">
+          <a:lstStyle/>
+          <a:p>
+            <a:endParaRPr lang="en-US" sz="1800" b="0" strike="noStrike" spc="-1">
               <a:solidFill>
                 <a:srgbClr val="404040"/>
               </a:solidFill>
@@ -2423,11 +2638,14 @@
       </p:sp>
     </p:spTree>
   </p:cSld>
+  <p:clrMapOvr>
+    <a:masterClrMapping/>
+  </p:clrMapOvr>
 </p:sldLayout>
 </file>
 
 <file path=ppt/slideLayouts/slideLayout29.xml><?xml version="1.0" encoding="utf-8"?>
-<p:sldLayout xmlns:a="http://schemas.openxmlformats.org/drawingml/2006/main" xmlns:p="http://schemas.openxmlformats.org/presentationml/2006/main" xmlns:r="http://schemas.openxmlformats.org/officeDocument/2006/relationships" xmlns:p14="http://schemas.microsoft.com/office/powerpoint/2010/main" xmlns:p15="http://schemas.microsoft.com/office/powerpoint/2012/main" xmlns:mc="http://schemas.openxmlformats.org/markup-compatibility/2006" type="titleOnly" preserve="1">
+<p:sldLayout xmlns:a="http://schemas.openxmlformats.org/drawingml/2006/main" xmlns:r="http://schemas.openxmlformats.org/officeDocument/2006/relationships" xmlns:p="http://schemas.openxmlformats.org/presentationml/2006/main" type="titleOnly" preserve="1">
   <p:cSld name="Title Only">
     <p:spTree>
       <p:nvGrpSpPr>
@@ -2463,9 +2681,10 @@
           </a:prstGeom>
         </p:spPr>
         <p:txBody>
-          <a:bodyPr lIns="0" rIns="0" tIns="0" bIns="0" anchor="ctr"/>
-          <a:p>
-            <a:endParaRPr b="0" lang="en-US" sz="1800" spc="-1" strike="noStrike">
+          <a:bodyPr lIns="0" tIns="0" rIns="0" bIns="0" anchor="ctr"/>
+          <a:lstStyle/>
+          <a:p>
+            <a:endParaRPr lang="en-US" sz="1800" b="0" strike="noStrike" spc="-1">
               <a:solidFill>
                 <a:srgbClr val="000000"/>
               </a:solidFill>
@@ -2476,11 +2695,14 @@
       </p:sp>
     </p:spTree>
   </p:cSld>
+  <p:clrMapOvr>
+    <a:masterClrMapping/>
+  </p:clrMapOvr>
 </p:sldLayout>
 </file>
 
 <file path=ppt/slideLayouts/slideLayout3.xml><?xml version="1.0" encoding="utf-8"?>
-<p:sldLayout xmlns:a="http://schemas.openxmlformats.org/drawingml/2006/main" xmlns:p="http://schemas.openxmlformats.org/presentationml/2006/main" xmlns:r="http://schemas.openxmlformats.org/officeDocument/2006/relationships" xmlns:p14="http://schemas.microsoft.com/office/powerpoint/2010/main" xmlns:p15="http://schemas.microsoft.com/office/powerpoint/2012/main" xmlns:mc="http://schemas.openxmlformats.org/markup-compatibility/2006" type="obj" preserve="1">
+<p:sldLayout xmlns:a="http://schemas.openxmlformats.org/drawingml/2006/main" xmlns:r="http://schemas.openxmlformats.org/officeDocument/2006/relationships" xmlns:p="http://schemas.openxmlformats.org/presentationml/2006/main" type="obj" preserve="1">
   <p:cSld name="Title, Content">
     <p:spTree>
       <p:nvGrpSpPr>
@@ -2516,9 +2738,10 @@
           </a:prstGeom>
         </p:spPr>
         <p:txBody>
-          <a:bodyPr lIns="0" rIns="0" tIns="0" bIns="0" anchor="ctr"/>
-          <a:p>
-            <a:endParaRPr b="0" lang="en-US" sz="1800" spc="-1" strike="noStrike">
+          <a:bodyPr lIns="0" tIns="0" rIns="0" bIns="0" anchor="ctr"/>
+          <a:lstStyle/>
+          <a:p>
+            <a:endParaRPr lang="en-US" sz="1800" b="0" strike="noStrike" spc="-1">
               <a:solidFill>
                 <a:srgbClr val="000000"/>
               </a:solidFill>
@@ -2547,11 +2770,12 @@
           </a:prstGeom>
         </p:spPr>
         <p:txBody>
-          <a:bodyPr lIns="0" rIns="0" tIns="0" bIns="0">
+          <a:bodyPr lIns="0" tIns="0" rIns="0" bIns="0">
             <a:normAutofit/>
           </a:bodyPr>
-          <a:p>
-            <a:endParaRPr b="0" lang="en-US" sz="1800" spc="-1" strike="noStrike">
+          <a:lstStyle/>
+          <a:p>
+            <a:endParaRPr lang="en-US" sz="1800" b="0" strike="noStrike" spc="-1">
               <a:solidFill>
                 <a:srgbClr val="404040"/>
               </a:solidFill>
@@ -2562,11 +2786,14 @@
       </p:sp>
     </p:spTree>
   </p:cSld>
+  <p:clrMapOvr>
+    <a:masterClrMapping/>
+  </p:clrMapOvr>
 </p:sldLayout>
 </file>
 
 <file path=ppt/slideLayouts/slideLayout30.xml><?xml version="1.0" encoding="utf-8"?>
-<p:sldLayout xmlns:a="http://schemas.openxmlformats.org/drawingml/2006/main" xmlns:p="http://schemas.openxmlformats.org/presentationml/2006/main" xmlns:r="http://schemas.openxmlformats.org/officeDocument/2006/relationships" xmlns:p14="http://schemas.microsoft.com/office/powerpoint/2010/main" xmlns:p15="http://schemas.microsoft.com/office/powerpoint/2012/main" xmlns:mc="http://schemas.openxmlformats.org/markup-compatibility/2006" type="objOnly" preserve="1">
+<p:sldLayout xmlns:a="http://schemas.openxmlformats.org/drawingml/2006/main" xmlns:r="http://schemas.openxmlformats.org/officeDocument/2006/relationships" xmlns:p="http://schemas.openxmlformats.org/presentationml/2006/main" type="objOnly" preserve="1">
   <p:cSld name="Centered Text">
     <p:spTree>
       <p:nvGrpSpPr>
@@ -2602,10 +2829,11 @@
           </a:prstGeom>
         </p:spPr>
         <p:txBody>
-          <a:bodyPr lIns="0" rIns="0" tIns="0" bIns="0" anchor="ctr"/>
+          <a:bodyPr lIns="0" tIns="0" rIns="0" bIns="0" anchor="ctr"/>
+          <a:lstStyle/>
           <a:p>
             <a:pPr algn="ctr"/>
-            <a:endParaRPr b="0" lang="en-GB" sz="3200" spc="-1" strike="noStrike">
+            <a:endParaRPr lang="en-GB" sz="3200" b="0" strike="noStrike" spc="-1">
               <a:latin typeface="Arial"/>
             </a:endParaRPr>
           </a:p>
@@ -2613,11 +2841,14 @@
       </p:sp>
     </p:spTree>
   </p:cSld>
+  <p:clrMapOvr>
+    <a:masterClrMapping/>
+  </p:clrMapOvr>
 </p:sldLayout>
 </file>
 
 <file path=ppt/slideLayouts/slideLayout31.xml><?xml version="1.0" encoding="utf-8"?>
-<p:sldLayout xmlns:a="http://schemas.openxmlformats.org/drawingml/2006/main" xmlns:p="http://schemas.openxmlformats.org/presentationml/2006/main" xmlns:r="http://schemas.openxmlformats.org/officeDocument/2006/relationships" xmlns:p14="http://schemas.microsoft.com/office/powerpoint/2010/main" xmlns:p15="http://schemas.microsoft.com/office/powerpoint/2012/main" xmlns:mc="http://schemas.openxmlformats.org/markup-compatibility/2006" type="twoObjAndObj" preserve="1">
+<p:sldLayout xmlns:a="http://schemas.openxmlformats.org/drawingml/2006/main" xmlns:r="http://schemas.openxmlformats.org/officeDocument/2006/relationships" xmlns:p="http://schemas.openxmlformats.org/presentationml/2006/main" type="twoObjAndObj" preserve="1">
   <p:cSld name="Title, 2 Content and Content">
     <p:spTree>
       <p:nvGrpSpPr>
@@ -2653,9 +2884,10 @@
           </a:prstGeom>
         </p:spPr>
         <p:txBody>
-          <a:bodyPr lIns="0" rIns="0" tIns="0" bIns="0" anchor="ctr"/>
-          <a:p>
-            <a:endParaRPr b="0" lang="en-US" sz="1800" spc="-1" strike="noStrike">
+          <a:bodyPr lIns="0" tIns="0" rIns="0" bIns="0" anchor="ctr"/>
+          <a:lstStyle/>
+          <a:p>
+            <a:endParaRPr lang="en-US" sz="1800" b="0" strike="noStrike" spc="-1">
               <a:solidFill>
                 <a:srgbClr val="000000"/>
               </a:solidFill>
@@ -2684,11 +2916,12 @@
           </a:prstGeom>
         </p:spPr>
         <p:txBody>
-          <a:bodyPr lIns="0" rIns="0" tIns="0" bIns="0">
+          <a:bodyPr lIns="0" tIns="0" rIns="0" bIns="0">
             <a:normAutofit/>
           </a:bodyPr>
-          <a:p>
-            <a:endParaRPr b="0" lang="en-US" sz="1800" spc="-1" strike="noStrike">
+          <a:lstStyle/>
+          <a:p>
+            <a:endParaRPr lang="en-US" sz="1800" b="0" strike="noStrike" spc="-1">
               <a:solidFill>
                 <a:srgbClr val="404040"/>
               </a:solidFill>
@@ -2717,11 +2950,12 @@
           </a:prstGeom>
         </p:spPr>
         <p:txBody>
-          <a:bodyPr lIns="0" rIns="0" tIns="0" bIns="0">
+          <a:bodyPr lIns="0" tIns="0" rIns="0" bIns="0">
             <a:normAutofit/>
           </a:bodyPr>
-          <a:p>
-            <a:endParaRPr b="0" lang="en-US" sz="1800" spc="-1" strike="noStrike">
+          <a:lstStyle/>
+          <a:p>
+            <a:endParaRPr lang="en-US" sz="1800" b="0" strike="noStrike" spc="-1">
               <a:solidFill>
                 <a:srgbClr val="404040"/>
               </a:solidFill>
@@ -2750,11 +2984,12 @@
           </a:prstGeom>
         </p:spPr>
         <p:txBody>
-          <a:bodyPr lIns="0" rIns="0" tIns="0" bIns="0">
+          <a:bodyPr lIns="0" tIns="0" rIns="0" bIns="0">
             <a:normAutofit/>
           </a:bodyPr>
-          <a:p>
-            <a:endParaRPr b="0" lang="en-US" sz="1800" spc="-1" strike="noStrike">
+          <a:lstStyle/>
+          <a:p>
+            <a:endParaRPr lang="en-US" sz="1800" b="0" strike="noStrike" spc="-1">
               <a:solidFill>
                 <a:srgbClr val="404040"/>
               </a:solidFill>
@@ -2765,11 +3000,14 @@
       </p:sp>
     </p:spTree>
   </p:cSld>
+  <p:clrMapOvr>
+    <a:masterClrMapping/>
+  </p:clrMapOvr>
 </p:sldLayout>
 </file>
 
 <file path=ppt/slideLayouts/slideLayout32.xml><?xml version="1.0" encoding="utf-8"?>
-<p:sldLayout xmlns:a="http://schemas.openxmlformats.org/drawingml/2006/main" xmlns:p="http://schemas.openxmlformats.org/presentationml/2006/main" xmlns:r="http://schemas.openxmlformats.org/officeDocument/2006/relationships" xmlns:p14="http://schemas.microsoft.com/office/powerpoint/2010/main" xmlns:p15="http://schemas.microsoft.com/office/powerpoint/2012/main" xmlns:mc="http://schemas.openxmlformats.org/markup-compatibility/2006" type="objAndTwoObj" preserve="1">
+<p:sldLayout xmlns:a="http://schemas.openxmlformats.org/drawingml/2006/main" xmlns:r="http://schemas.openxmlformats.org/officeDocument/2006/relationships" xmlns:p="http://schemas.openxmlformats.org/presentationml/2006/main" type="objAndTwoObj" preserve="1">
   <p:cSld name="Title Content and 2 Content">
     <p:spTree>
       <p:nvGrpSpPr>
@@ -2805,9 +3043,10 @@
           </a:prstGeom>
         </p:spPr>
         <p:txBody>
-          <a:bodyPr lIns="0" rIns="0" tIns="0" bIns="0" anchor="ctr"/>
-          <a:p>
-            <a:endParaRPr b="0" lang="en-US" sz="1800" spc="-1" strike="noStrike">
+          <a:bodyPr lIns="0" tIns="0" rIns="0" bIns="0" anchor="ctr"/>
+          <a:lstStyle/>
+          <a:p>
+            <a:endParaRPr lang="en-US" sz="1800" b="0" strike="noStrike" spc="-1">
               <a:solidFill>
                 <a:srgbClr val="000000"/>
               </a:solidFill>
@@ -2836,11 +3075,12 @@
           </a:prstGeom>
         </p:spPr>
         <p:txBody>
-          <a:bodyPr lIns="0" rIns="0" tIns="0" bIns="0">
+          <a:bodyPr lIns="0" tIns="0" rIns="0" bIns="0">
             <a:normAutofit/>
           </a:bodyPr>
-          <a:p>
-            <a:endParaRPr b="0" lang="en-US" sz="1800" spc="-1" strike="noStrike">
+          <a:lstStyle/>
+          <a:p>
+            <a:endParaRPr lang="en-US" sz="1800" b="0" strike="noStrike" spc="-1">
               <a:solidFill>
                 <a:srgbClr val="404040"/>
               </a:solidFill>
@@ -2869,11 +3109,12 @@
           </a:prstGeom>
         </p:spPr>
         <p:txBody>
-          <a:bodyPr lIns="0" rIns="0" tIns="0" bIns="0">
+          <a:bodyPr lIns="0" tIns="0" rIns="0" bIns="0">
             <a:normAutofit/>
           </a:bodyPr>
-          <a:p>
-            <a:endParaRPr b="0" lang="en-US" sz="1800" spc="-1" strike="noStrike">
+          <a:lstStyle/>
+          <a:p>
+            <a:endParaRPr lang="en-US" sz="1800" b="0" strike="noStrike" spc="-1">
               <a:solidFill>
                 <a:srgbClr val="404040"/>
               </a:solidFill>
@@ -2902,11 +3143,12 @@
           </a:prstGeom>
         </p:spPr>
         <p:txBody>
-          <a:bodyPr lIns="0" rIns="0" tIns="0" bIns="0">
+          <a:bodyPr lIns="0" tIns="0" rIns="0" bIns="0">
             <a:normAutofit/>
           </a:bodyPr>
-          <a:p>
-            <a:endParaRPr b="0" lang="en-US" sz="1800" spc="-1" strike="noStrike">
+          <a:lstStyle/>
+          <a:p>
+            <a:endParaRPr lang="en-US" sz="1800" b="0" strike="noStrike" spc="-1">
               <a:solidFill>
                 <a:srgbClr val="404040"/>
               </a:solidFill>
@@ -2917,11 +3159,14 @@
       </p:sp>
     </p:spTree>
   </p:cSld>
+  <p:clrMapOvr>
+    <a:masterClrMapping/>
+  </p:clrMapOvr>
 </p:sldLayout>
 </file>
 
 <file path=ppt/slideLayouts/slideLayout33.xml><?xml version="1.0" encoding="utf-8"?>
-<p:sldLayout xmlns:a="http://schemas.openxmlformats.org/drawingml/2006/main" xmlns:p="http://schemas.openxmlformats.org/presentationml/2006/main" xmlns:r="http://schemas.openxmlformats.org/officeDocument/2006/relationships" xmlns:p14="http://schemas.microsoft.com/office/powerpoint/2010/main" xmlns:p15="http://schemas.microsoft.com/office/powerpoint/2012/main" xmlns:mc="http://schemas.openxmlformats.org/markup-compatibility/2006" type="twoObjOverTx" preserve="1">
+<p:sldLayout xmlns:a="http://schemas.openxmlformats.org/drawingml/2006/main" xmlns:r="http://schemas.openxmlformats.org/officeDocument/2006/relationships" xmlns:p="http://schemas.openxmlformats.org/presentationml/2006/main" type="twoObjOverTx" preserve="1">
   <p:cSld name="Title, 2 Content over Content">
     <p:spTree>
       <p:nvGrpSpPr>
@@ -2957,9 +3202,10 @@
           </a:prstGeom>
         </p:spPr>
         <p:txBody>
-          <a:bodyPr lIns="0" rIns="0" tIns="0" bIns="0" anchor="ctr"/>
-          <a:p>
-            <a:endParaRPr b="0" lang="en-US" sz="1800" spc="-1" strike="noStrike">
+          <a:bodyPr lIns="0" tIns="0" rIns="0" bIns="0" anchor="ctr"/>
+          <a:lstStyle/>
+          <a:p>
+            <a:endParaRPr lang="en-US" sz="1800" b="0" strike="noStrike" spc="-1">
               <a:solidFill>
                 <a:srgbClr val="000000"/>
               </a:solidFill>
@@ -2988,11 +3234,12 @@
           </a:prstGeom>
         </p:spPr>
         <p:txBody>
-          <a:bodyPr lIns="0" rIns="0" tIns="0" bIns="0">
+          <a:bodyPr lIns="0" tIns="0" rIns="0" bIns="0">
             <a:normAutofit/>
           </a:bodyPr>
-          <a:p>
-            <a:endParaRPr b="0" lang="en-US" sz="1800" spc="-1" strike="noStrike">
+          <a:lstStyle/>
+          <a:p>
+            <a:endParaRPr lang="en-US" sz="1800" b="0" strike="noStrike" spc="-1">
               <a:solidFill>
                 <a:srgbClr val="404040"/>
               </a:solidFill>
@@ -3021,11 +3268,12 @@
           </a:prstGeom>
         </p:spPr>
         <p:txBody>
-          <a:bodyPr lIns="0" rIns="0" tIns="0" bIns="0">
+          <a:bodyPr lIns="0" tIns="0" rIns="0" bIns="0">
             <a:normAutofit/>
           </a:bodyPr>
-          <a:p>
-            <a:endParaRPr b="0" lang="en-US" sz="1800" spc="-1" strike="noStrike">
+          <a:lstStyle/>
+          <a:p>
+            <a:endParaRPr lang="en-US" sz="1800" b="0" strike="noStrike" spc="-1">
               <a:solidFill>
                 <a:srgbClr val="404040"/>
               </a:solidFill>
@@ -3054,11 +3302,12 @@
           </a:prstGeom>
         </p:spPr>
         <p:txBody>
-          <a:bodyPr lIns="0" rIns="0" tIns="0" bIns="0">
+          <a:bodyPr lIns="0" tIns="0" rIns="0" bIns="0">
             <a:normAutofit/>
           </a:bodyPr>
-          <a:p>
-            <a:endParaRPr b="0" lang="en-US" sz="1800" spc="-1" strike="noStrike">
+          <a:lstStyle/>
+          <a:p>
+            <a:endParaRPr lang="en-US" sz="1800" b="0" strike="noStrike" spc="-1">
               <a:solidFill>
                 <a:srgbClr val="404040"/>
               </a:solidFill>
@@ -3069,11 +3318,14 @@
       </p:sp>
     </p:spTree>
   </p:cSld>
+  <p:clrMapOvr>
+    <a:masterClrMapping/>
+  </p:clrMapOvr>
 </p:sldLayout>
 </file>
 
 <file path=ppt/slideLayouts/slideLayout34.xml><?xml version="1.0" encoding="utf-8"?>
-<p:sldLayout xmlns:a="http://schemas.openxmlformats.org/drawingml/2006/main" xmlns:p="http://schemas.openxmlformats.org/presentationml/2006/main" xmlns:r="http://schemas.openxmlformats.org/officeDocument/2006/relationships" xmlns:p14="http://schemas.microsoft.com/office/powerpoint/2010/main" xmlns:p15="http://schemas.microsoft.com/office/powerpoint/2012/main" xmlns:mc="http://schemas.openxmlformats.org/markup-compatibility/2006" type="objOverTx" preserve="1">
+<p:sldLayout xmlns:a="http://schemas.openxmlformats.org/drawingml/2006/main" xmlns:r="http://schemas.openxmlformats.org/officeDocument/2006/relationships" xmlns:p="http://schemas.openxmlformats.org/presentationml/2006/main" type="objOverTx" preserve="1">
   <p:cSld name="Title, Content over Content">
     <p:spTree>
       <p:nvGrpSpPr>
@@ -3109,9 +3361,10 @@
           </a:prstGeom>
         </p:spPr>
         <p:txBody>
-          <a:bodyPr lIns="0" rIns="0" tIns="0" bIns="0" anchor="ctr"/>
-          <a:p>
-            <a:endParaRPr b="0" lang="en-US" sz="1800" spc="-1" strike="noStrike">
+          <a:bodyPr lIns="0" tIns="0" rIns="0" bIns="0" anchor="ctr"/>
+          <a:lstStyle/>
+          <a:p>
+            <a:endParaRPr lang="en-US" sz="1800" b="0" strike="noStrike" spc="-1">
               <a:solidFill>
                 <a:srgbClr val="000000"/>
               </a:solidFill>
@@ -3140,11 +3393,12 @@
           </a:prstGeom>
         </p:spPr>
         <p:txBody>
-          <a:bodyPr lIns="0" rIns="0" tIns="0" bIns="0">
+          <a:bodyPr lIns="0" tIns="0" rIns="0" bIns="0">
             <a:normAutofit/>
           </a:bodyPr>
-          <a:p>
-            <a:endParaRPr b="0" lang="en-US" sz="1800" spc="-1" strike="noStrike">
+          <a:lstStyle/>
+          <a:p>
+            <a:endParaRPr lang="en-US" sz="1800" b="0" strike="noStrike" spc="-1">
               <a:solidFill>
                 <a:srgbClr val="404040"/>
               </a:solidFill>
@@ -3173,11 +3427,12 @@
           </a:prstGeom>
         </p:spPr>
         <p:txBody>
-          <a:bodyPr lIns="0" rIns="0" tIns="0" bIns="0">
+          <a:bodyPr lIns="0" tIns="0" rIns="0" bIns="0">
             <a:normAutofit/>
           </a:bodyPr>
-          <a:p>
-            <a:endParaRPr b="0" lang="en-US" sz="1800" spc="-1" strike="noStrike">
+          <a:lstStyle/>
+          <a:p>
+            <a:endParaRPr lang="en-US" sz="1800" b="0" strike="noStrike" spc="-1">
               <a:solidFill>
                 <a:srgbClr val="404040"/>
               </a:solidFill>
@@ -3188,11 +3443,14 @@
       </p:sp>
     </p:spTree>
   </p:cSld>
+  <p:clrMapOvr>
+    <a:masterClrMapping/>
+  </p:clrMapOvr>
 </p:sldLayout>
 </file>
 
 <file path=ppt/slideLayouts/slideLayout35.xml><?xml version="1.0" encoding="utf-8"?>
-<p:sldLayout xmlns:a="http://schemas.openxmlformats.org/drawingml/2006/main" xmlns:p="http://schemas.openxmlformats.org/presentationml/2006/main" xmlns:r="http://schemas.openxmlformats.org/officeDocument/2006/relationships" xmlns:p14="http://schemas.microsoft.com/office/powerpoint/2010/main" xmlns:p15="http://schemas.microsoft.com/office/powerpoint/2012/main" xmlns:mc="http://schemas.openxmlformats.org/markup-compatibility/2006" type="fourObj" preserve="1">
+<p:sldLayout xmlns:a="http://schemas.openxmlformats.org/drawingml/2006/main" xmlns:r="http://schemas.openxmlformats.org/officeDocument/2006/relationships" xmlns:p="http://schemas.openxmlformats.org/presentationml/2006/main" type="fourObj" preserve="1">
   <p:cSld name="Title, 4 Content">
     <p:spTree>
       <p:nvGrpSpPr>
@@ -3228,9 +3486,10 @@
           </a:prstGeom>
         </p:spPr>
         <p:txBody>
-          <a:bodyPr lIns="0" rIns="0" tIns="0" bIns="0" anchor="ctr"/>
-          <a:p>
-            <a:endParaRPr b="0" lang="en-US" sz="1800" spc="-1" strike="noStrike">
+          <a:bodyPr lIns="0" tIns="0" rIns="0" bIns="0" anchor="ctr"/>
+          <a:lstStyle/>
+          <a:p>
+            <a:endParaRPr lang="en-US" sz="1800" b="0" strike="noStrike" spc="-1">
               <a:solidFill>
                 <a:srgbClr val="000000"/>
               </a:solidFill>
@@ -3259,11 +3518,12 @@
           </a:prstGeom>
         </p:spPr>
         <p:txBody>
-          <a:bodyPr lIns="0" rIns="0" tIns="0" bIns="0">
+          <a:bodyPr lIns="0" tIns="0" rIns="0" bIns="0">
             <a:normAutofit/>
           </a:bodyPr>
-          <a:p>
-            <a:endParaRPr b="0" lang="en-US" sz="1800" spc="-1" strike="noStrike">
+          <a:lstStyle/>
+          <a:p>
+            <a:endParaRPr lang="en-US" sz="1800" b="0" strike="noStrike" spc="-1">
               <a:solidFill>
                 <a:srgbClr val="404040"/>
               </a:solidFill>
@@ -3292,11 +3552,12 @@
           </a:prstGeom>
         </p:spPr>
         <p:txBody>
-          <a:bodyPr lIns="0" rIns="0" tIns="0" bIns="0">
+          <a:bodyPr lIns="0" tIns="0" rIns="0" bIns="0">
             <a:normAutofit/>
           </a:bodyPr>
-          <a:p>
-            <a:endParaRPr b="0" lang="en-US" sz="1800" spc="-1" strike="noStrike">
+          <a:lstStyle/>
+          <a:p>
+            <a:endParaRPr lang="en-US" sz="1800" b="0" strike="noStrike" spc="-1">
               <a:solidFill>
                 <a:srgbClr val="404040"/>
               </a:solidFill>
@@ -3325,11 +3586,12 @@
           </a:prstGeom>
         </p:spPr>
         <p:txBody>
-          <a:bodyPr lIns="0" rIns="0" tIns="0" bIns="0">
+          <a:bodyPr lIns="0" tIns="0" rIns="0" bIns="0">
             <a:normAutofit/>
           </a:bodyPr>
-          <a:p>
-            <a:endParaRPr b="0" lang="en-US" sz="1800" spc="-1" strike="noStrike">
+          <a:lstStyle/>
+          <a:p>
+            <a:endParaRPr lang="en-US" sz="1800" b="0" strike="noStrike" spc="-1">
               <a:solidFill>
                 <a:srgbClr val="404040"/>
               </a:solidFill>
@@ -3358,11 +3620,12 @@
           </a:prstGeom>
         </p:spPr>
         <p:txBody>
-          <a:bodyPr lIns="0" rIns="0" tIns="0" bIns="0">
+          <a:bodyPr lIns="0" tIns="0" rIns="0" bIns="0">
             <a:normAutofit/>
           </a:bodyPr>
-          <a:p>
-            <a:endParaRPr b="0" lang="en-US" sz="1800" spc="-1" strike="noStrike">
+          <a:lstStyle/>
+          <a:p>
+            <a:endParaRPr lang="en-US" sz="1800" b="0" strike="noStrike" spc="-1">
               <a:solidFill>
                 <a:srgbClr val="404040"/>
               </a:solidFill>
@@ -3373,11 +3636,14 @@
       </p:sp>
     </p:spTree>
   </p:cSld>
+  <p:clrMapOvr>
+    <a:masterClrMapping/>
+  </p:clrMapOvr>
 </p:sldLayout>
 </file>
 
 <file path=ppt/slideLayouts/slideLayout36.xml><?xml version="1.0" encoding="utf-8"?>
-<p:sldLayout xmlns:a="http://schemas.openxmlformats.org/drawingml/2006/main" xmlns:p="http://schemas.openxmlformats.org/presentationml/2006/main" xmlns:r="http://schemas.openxmlformats.org/officeDocument/2006/relationships" xmlns:p14="http://schemas.microsoft.com/office/powerpoint/2010/main" xmlns:p15="http://schemas.microsoft.com/office/powerpoint/2012/main" xmlns:mc="http://schemas.openxmlformats.org/markup-compatibility/2006" type="blank" preserve="1">
+<p:sldLayout xmlns:a="http://schemas.openxmlformats.org/drawingml/2006/main" xmlns:r="http://schemas.openxmlformats.org/officeDocument/2006/relationships" xmlns:p="http://schemas.openxmlformats.org/presentationml/2006/main" type="blank" preserve="1">
   <p:cSld name="Title, 6 Content">
     <p:spTree>
       <p:nvGrpSpPr>
@@ -3413,9 +3679,10 @@
           </a:prstGeom>
         </p:spPr>
         <p:txBody>
-          <a:bodyPr lIns="0" rIns="0" tIns="0" bIns="0" anchor="ctr"/>
-          <a:p>
-            <a:endParaRPr b="0" lang="en-US" sz="1800" spc="-1" strike="noStrike">
+          <a:bodyPr lIns="0" tIns="0" rIns="0" bIns="0" anchor="ctr"/>
+          <a:lstStyle/>
+          <a:p>
+            <a:endParaRPr lang="en-US" sz="1800" b="0" strike="noStrike" spc="-1">
               <a:solidFill>
                 <a:srgbClr val="000000"/>
               </a:solidFill>
@@ -3444,11 +3711,12 @@
           </a:prstGeom>
         </p:spPr>
         <p:txBody>
-          <a:bodyPr lIns="0" rIns="0" tIns="0" bIns="0">
+          <a:bodyPr lIns="0" tIns="0" rIns="0" bIns="0">
             <a:normAutofit/>
           </a:bodyPr>
-          <a:p>
-            <a:endParaRPr b="0" lang="en-US" sz="1800" spc="-1" strike="noStrike">
+          <a:lstStyle/>
+          <a:p>
+            <a:endParaRPr lang="en-US" sz="1800" b="0" strike="noStrike" spc="-1">
               <a:solidFill>
                 <a:srgbClr val="404040"/>
               </a:solidFill>
@@ -3477,11 +3745,12 @@
           </a:prstGeom>
         </p:spPr>
         <p:txBody>
-          <a:bodyPr lIns="0" rIns="0" tIns="0" bIns="0">
+          <a:bodyPr lIns="0" tIns="0" rIns="0" bIns="0">
             <a:normAutofit/>
           </a:bodyPr>
-          <a:p>
-            <a:endParaRPr b="0" lang="en-US" sz="1800" spc="-1" strike="noStrike">
+          <a:lstStyle/>
+          <a:p>
+            <a:endParaRPr lang="en-US" sz="1800" b="0" strike="noStrike" spc="-1">
               <a:solidFill>
                 <a:srgbClr val="404040"/>
               </a:solidFill>
@@ -3510,11 +3779,12 @@
           </a:prstGeom>
         </p:spPr>
         <p:txBody>
-          <a:bodyPr lIns="0" rIns="0" tIns="0" bIns="0">
+          <a:bodyPr lIns="0" tIns="0" rIns="0" bIns="0">
             <a:normAutofit/>
           </a:bodyPr>
-          <a:p>
-            <a:endParaRPr b="0" lang="en-US" sz="1800" spc="-1" strike="noStrike">
+          <a:lstStyle/>
+          <a:p>
+            <a:endParaRPr lang="en-US" sz="1800" b="0" strike="noStrike" spc="-1">
               <a:solidFill>
                 <a:srgbClr val="404040"/>
               </a:solidFill>
@@ -3543,11 +3813,12 @@
           </a:prstGeom>
         </p:spPr>
         <p:txBody>
-          <a:bodyPr lIns="0" rIns="0" tIns="0" bIns="0">
+          <a:bodyPr lIns="0" tIns="0" rIns="0" bIns="0">
             <a:normAutofit/>
           </a:bodyPr>
-          <a:p>
-            <a:endParaRPr b="0" lang="en-US" sz="1800" spc="-1" strike="noStrike">
+          <a:lstStyle/>
+          <a:p>
+            <a:endParaRPr lang="en-US" sz="1800" b="0" strike="noStrike" spc="-1">
               <a:solidFill>
                 <a:srgbClr val="404040"/>
               </a:solidFill>
@@ -3576,11 +3847,12 @@
           </a:prstGeom>
         </p:spPr>
         <p:txBody>
-          <a:bodyPr lIns="0" rIns="0" tIns="0" bIns="0">
+          <a:bodyPr lIns="0" tIns="0" rIns="0" bIns="0">
             <a:normAutofit/>
           </a:bodyPr>
-          <a:p>
-            <a:endParaRPr b="0" lang="en-US" sz="1800" spc="-1" strike="noStrike">
+          <a:lstStyle/>
+          <a:p>
+            <a:endParaRPr lang="en-US" sz="1800" b="0" strike="noStrike" spc="-1">
               <a:solidFill>
                 <a:srgbClr val="404040"/>
               </a:solidFill>
@@ -3609,11 +3881,12 @@
           </a:prstGeom>
         </p:spPr>
         <p:txBody>
-          <a:bodyPr lIns="0" rIns="0" tIns="0" bIns="0">
+          <a:bodyPr lIns="0" tIns="0" rIns="0" bIns="0">
             <a:normAutofit/>
           </a:bodyPr>
-          <a:p>
-            <a:endParaRPr b="0" lang="en-US" sz="1800" spc="-1" strike="noStrike">
+          <a:lstStyle/>
+          <a:p>
+            <a:endParaRPr lang="en-US" sz="1800" b="0" strike="noStrike" spc="-1">
               <a:solidFill>
                 <a:srgbClr val="404040"/>
               </a:solidFill>
@@ -3624,11 +3897,14 @@
       </p:sp>
     </p:spTree>
   </p:cSld>
+  <p:clrMapOvr>
+    <a:masterClrMapping/>
+  </p:clrMapOvr>
 </p:sldLayout>
 </file>
 
 <file path=ppt/slideLayouts/slideLayout4.xml><?xml version="1.0" encoding="utf-8"?>
-<p:sldLayout xmlns:a="http://schemas.openxmlformats.org/drawingml/2006/main" xmlns:p="http://schemas.openxmlformats.org/presentationml/2006/main" xmlns:r="http://schemas.openxmlformats.org/officeDocument/2006/relationships" xmlns:p14="http://schemas.microsoft.com/office/powerpoint/2010/main" xmlns:p15="http://schemas.microsoft.com/office/powerpoint/2012/main" xmlns:mc="http://schemas.openxmlformats.org/markup-compatibility/2006" type="twoObj" preserve="1">
+<p:sldLayout xmlns:a="http://schemas.openxmlformats.org/drawingml/2006/main" xmlns:r="http://schemas.openxmlformats.org/officeDocument/2006/relationships" xmlns:p="http://schemas.openxmlformats.org/presentationml/2006/main" type="twoObj" preserve="1">
   <p:cSld name="Title, 2 Content">
     <p:spTree>
       <p:nvGrpSpPr>
@@ -3664,9 +3940,10 @@
           </a:prstGeom>
         </p:spPr>
         <p:txBody>
-          <a:bodyPr lIns="0" rIns="0" tIns="0" bIns="0" anchor="ctr"/>
-          <a:p>
-            <a:endParaRPr b="0" lang="en-US" sz="1800" spc="-1" strike="noStrike">
+          <a:bodyPr lIns="0" tIns="0" rIns="0" bIns="0" anchor="ctr"/>
+          <a:lstStyle/>
+          <a:p>
+            <a:endParaRPr lang="en-US" sz="1800" b="0" strike="noStrike" spc="-1">
               <a:solidFill>
                 <a:srgbClr val="000000"/>
               </a:solidFill>
@@ -3695,11 +3972,12 @@
           </a:prstGeom>
         </p:spPr>
         <p:txBody>
-          <a:bodyPr lIns="0" rIns="0" tIns="0" bIns="0">
+          <a:bodyPr lIns="0" tIns="0" rIns="0" bIns="0">
             <a:normAutofit/>
           </a:bodyPr>
-          <a:p>
-            <a:endParaRPr b="0" lang="en-US" sz="1800" spc="-1" strike="noStrike">
+          <a:lstStyle/>
+          <a:p>
+            <a:endParaRPr lang="en-US" sz="1800" b="0" strike="noStrike" spc="-1">
               <a:solidFill>
                 <a:srgbClr val="404040"/>
               </a:solidFill>
@@ -3728,11 +4006,12 @@
           </a:prstGeom>
         </p:spPr>
         <p:txBody>
-          <a:bodyPr lIns="0" rIns="0" tIns="0" bIns="0">
+          <a:bodyPr lIns="0" tIns="0" rIns="0" bIns="0">
             <a:normAutofit/>
           </a:bodyPr>
-          <a:p>
-            <a:endParaRPr b="0" lang="en-US" sz="1800" spc="-1" strike="noStrike">
+          <a:lstStyle/>
+          <a:p>
+            <a:endParaRPr lang="en-US" sz="1800" b="0" strike="noStrike" spc="-1">
               <a:solidFill>
                 <a:srgbClr val="404040"/>
               </a:solidFill>
@@ -3743,11 +4022,14 @@
       </p:sp>
     </p:spTree>
   </p:cSld>
+  <p:clrMapOvr>
+    <a:masterClrMapping/>
+  </p:clrMapOvr>
 </p:sldLayout>
 </file>
 
 <file path=ppt/slideLayouts/slideLayout5.xml><?xml version="1.0" encoding="utf-8"?>
-<p:sldLayout xmlns:a="http://schemas.openxmlformats.org/drawingml/2006/main" xmlns:p="http://schemas.openxmlformats.org/presentationml/2006/main" xmlns:r="http://schemas.openxmlformats.org/officeDocument/2006/relationships" xmlns:p14="http://schemas.microsoft.com/office/powerpoint/2010/main" xmlns:p15="http://schemas.microsoft.com/office/powerpoint/2012/main" xmlns:mc="http://schemas.openxmlformats.org/markup-compatibility/2006" type="titleOnly" preserve="1">
+<p:sldLayout xmlns:a="http://schemas.openxmlformats.org/drawingml/2006/main" xmlns:r="http://schemas.openxmlformats.org/officeDocument/2006/relationships" xmlns:p="http://schemas.openxmlformats.org/presentationml/2006/main" type="titleOnly" preserve="1">
   <p:cSld name="Title Only">
     <p:spTree>
       <p:nvGrpSpPr>
@@ -3783,9 +4065,10 @@
           </a:prstGeom>
         </p:spPr>
         <p:txBody>
-          <a:bodyPr lIns="0" rIns="0" tIns="0" bIns="0" anchor="ctr"/>
-          <a:p>
-            <a:endParaRPr b="0" lang="en-US" sz="1800" spc="-1" strike="noStrike">
+          <a:bodyPr lIns="0" tIns="0" rIns="0" bIns="0" anchor="ctr"/>
+          <a:lstStyle/>
+          <a:p>
+            <a:endParaRPr lang="en-US" sz="1800" b="0" strike="noStrike" spc="-1">
               <a:solidFill>
                 <a:srgbClr val="000000"/>
               </a:solidFill>
@@ -3796,11 +4079,14 @@
       </p:sp>
     </p:spTree>
   </p:cSld>
+  <p:clrMapOvr>
+    <a:masterClrMapping/>
+  </p:clrMapOvr>
 </p:sldLayout>
 </file>
 
 <file path=ppt/slideLayouts/slideLayout6.xml><?xml version="1.0" encoding="utf-8"?>
-<p:sldLayout xmlns:a="http://schemas.openxmlformats.org/drawingml/2006/main" xmlns:p="http://schemas.openxmlformats.org/presentationml/2006/main" xmlns:r="http://schemas.openxmlformats.org/officeDocument/2006/relationships" xmlns:p14="http://schemas.microsoft.com/office/powerpoint/2010/main" xmlns:p15="http://schemas.microsoft.com/office/powerpoint/2012/main" xmlns:mc="http://schemas.openxmlformats.org/markup-compatibility/2006" type="objOnly" preserve="1">
+<p:sldLayout xmlns:a="http://schemas.openxmlformats.org/drawingml/2006/main" xmlns:r="http://schemas.openxmlformats.org/officeDocument/2006/relationships" xmlns:p="http://schemas.openxmlformats.org/presentationml/2006/main" type="objOnly" preserve="1">
   <p:cSld name="Centered Text">
     <p:spTree>
       <p:nvGrpSpPr>
@@ -3836,10 +4122,11 @@
           </a:prstGeom>
         </p:spPr>
         <p:txBody>
-          <a:bodyPr lIns="0" rIns="0" tIns="0" bIns="0" anchor="ctr"/>
+          <a:bodyPr lIns="0" tIns="0" rIns="0" bIns="0" anchor="ctr"/>
+          <a:lstStyle/>
           <a:p>
             <a:pPr algn="ctr"/>
-            <a:endParaRPr b="0" lang="en-GB" sz="3200" spc="-1" strike="noStrike">
+            <a:endParaRPr lang="en-GB" sz="3200" b="0" strike="noStrike" spc="-1">
               <a:latin typeface="Arial"/>
             </a:endParaRPr>
           </a:p>
@@ -3847,11 +4134,14 @@
       </p:sp>
     </p:spTree>
   </p:cSld>
+  <p:clrMapOvr>
+    <a:masterClrMapping/>
+  </p:clrMapOvr>
 </p:sldLayout>
 </file>
 
 <file path=ppt/slideLayouts/slideLayout7.xml><?xml version="1.0" encoding="utf-8"?>
-<p:sldLayout xmlns:a="http://schemas.openxmlformats.org/drawingml/2006/main" xmlns:p="http://schemas.openxmlformats.org/presentationml/2006/main" xmlns:r="http://schemas.openxmlformats.org/officeDocument/2006/relationships" xmlns:p14="http://schemas.microsoft.com/office/powerpoint/2010/main" xmlns:p15="http://schemas.microsoft.com/office/powerpoint/2012/main" xmlns:mc="http://schemas.openxmlformats.org/markup-compatibility/2006" type="twoObjAndObj" preserve="1">
+<p:sldLayout xmlns:a="http://schemas.openxmlformats.org/drawingml/2006/main" xmlns:r="http://schemas.openxmlformats.org/officeDocument/2006/relationships" xmlns:p="http://schemas.openxmlformats.org/presentationml/2006/main" type="twoObjAndObj" preserve="1">
   <p:cSld name="Title, 2 Content and Content">
     <p:spTree>
       <p:nvGrpSpPr>
@@ -3887,9 +4177,10 @@
           </a:prstGeom>
         </p:spPr>
         <p:txBody>
-          <a:bodyPr lIns="0" rIns="0" tIns="0" bIns="0" anchor="ctr"/>
-          <a:p>
-            <a:endParaRPr b="0" lang="en-US" sz="1800" spc="-1" strike="noStrike">
+          <a:bodyPr lIns="0" tIns="0" rIns="0" bIns="0" anchor="ctr"/>
+          <a:lstStyle/>
+          <a:p>
+            <a:endParaRPr lang="en-US" sz="1800" b="0" strike="noStrike" spc="-1">
               <a:solidFill>
                 <a:srgbClr val="000000"/>
               </a:solidFill>
@@ -3918,11 +4209,12 @@
           </a:prstGeom>
         </p:spPr>
         <p:txBody>
-          <a:bodyPr lIns="0" rIns="0" tIns="0" bIns="0">
+          <a:bodyPr lIns="0" tIns="0" rIns="0" bIns="0">
             <a:normAutofit/>
           </a:bodyPr>
-          <a:p>
-            <a:endParaRPr b="0" lang="en-US" sz="1800" spc="-1" strike="noStrike">
+          <a:lstStyle/>
+          <a:p>
+            <a:endParaRPr lang="en-US" sz="1800" b="0" strike="noStrike" spc="-1">
               <a:solidFill>
                 <a:srgbClr val="404040"/>
               </a:solidFill>
@@ -3951,11 +4243,12 @@
           </a:prstGeom>
         </p:spPr>
         <p:txBody>
-          <a:bodyPr lIns="0" rIns="0" tIns="0" bIns="0">
+          <a:bodyPr lIns="0" tIns="0" rIns="0" bIns="0">
             <a:normAutofit/>
           </a:bodyPr>
-          <a:p>
-            <a:endParaRPr b="0" lang="en-US" sz="1800" spc="-1" strike="noStrike">
+          <a:lstStyle/>
+          <a:p>
+            <a:endParaRPr lang="en-US" sz="1800" b="0" strike="noStrike" spc="-1">
               <a:solidFill>
                 <a:srgbClr val="404040"/>
               </a:solidFill>
@@ -3984,11 +4277,12 @@
           </a:prstGeom>
         </p:spPr>
         <p:txBody>
-          <a:bodyPr lIns="0" rIns="0" tIns="0" bIns="0">
+          <a:bodyPr lIns="0" tIns="0" rIns="0" bIns="0">
             <a:normAutofit/>
           </a:bodyPr>
-          <a:p>
-            <a:endParaRPr b="0" lang="en-US" sz="1800" spc="-1" strike="noStrike">
+          <a:lstStyle/>
+          <a:p>
+            <a:endParaRPr lang="en-US" sz="1800" b="0" strike="noStrike" spc="-1">
               <a:solidFill>
                 <a:srgbClr val="404040"/>
               </a:solidFill>
@@ -3999,11 +4293,14 @@
       </p:sp>
     </p:spTree>
   </p:cSld>
+  <p:clrMapOvr>
+    <a:masterClrMapping/>
+  </p:clrMapOvr>
 </p:sldLayout>
 </file>
 
 <file path=ppt/slideLayouts/slideLayout8.xml><?xml version="1.0" encoding="utf-8"?>
-<p:sldLayout xmlns:a="http://schemas.openxmlformats.org/drawingml/2006/main" xmlns:p="http://schemas.openxmlformats.org/presentationml/2006/main" xmlns:r="http://schemas.openxmlformats.org/officeDocument/2006/relationships" xmlns:p14="http://schemas.microsoft.com/office/powerpoint/2010/main" xmlns:p15="http://schemas.microsoft.com/office/powerpoint/2012/main" xmlns:mc="http://schemas.openxmlformats.org/markup-compatibility/2006" type="objAndTwoObj" preserve="1">
+<p:sldLayout xmlns:a="http://schemas.openxmlformats.org/drawingml/2006/main" xmlns:r="http://schemas.openxmlformats.org/officeDocument/2006/relationships" xmlns:p="http://schemas.openxmlformats.org/presentationml/2006/main" type="objAndTwoObj" preserve="1">
   <p:cSld name="Title Content and 2 Content">
     <p:spTree>
       <p:nvGrpSpPr>
@@ -4039,9 +4336,10 @@
           </a:prstGeom>
         </p:spPr>
         <p:txBody>
-          <a:bodyPr lIns="0" rIns="0" tIns="0" bIns="0" anchor="ctr"/>
-          <a:p>
-            <a:endParaRPr b="0" lang="en-US" sz="1800" spc="-1" strike="noStrike">
+          <a:bodyPr lIns="0" tIns="0" rIns="0" bIns="0" anchor="ctr"/>
+          <a:lstStyle/>
+          <a:p>
+            <a:endParaRPr lang="en-US" sz="1800" b="0" strike="noStrike" spc="-1">
               <a:solidFill>
                 <a:srgbClr val="000000"/>
               </a:solidFill>
@@ -4070,11 +4368,12 @@
           </a:prstGeom>
         </p:spPr>
         <p:txBody>
-          <a:bodyPr lIns="0" rIns="0" tIns="0" bIns="0">
+          <a:bodyPr lIns="0" tIns="0" rIns="0" bIns="0">
             <a:normAutofit/>
           </a:bodyPr>
-          <a:p>
-            <a:endParaRPr b="0" lang="en-US" sz="1800" spc="-1" strike="noStrike">
+          <a:lstStyle/>
+          <a:p>
+            <a:endParaRPr lang="en-US" sz="1800" b="0" strike="noStrike" spc="-1">
               <a:solidFill>
                 <a:srgbClr val="404040"/>
               </a:solidFill>
@@ -4103,11 +4402,12 @@
           </a:prstGeom>
         </p:spPr>
         <p:txBody>
-          <a:bodyPr lIns="0" rIns="0" tIns="0" bIns="0">
+          <a:bodyPr lIns="0" tIns="0" rIns="0" bIns="0">
             <a:normAutofit/>
           </a:bodyPr>
-          <a:p>
-            <a:endParaRPr b="0" lang="en-US" sz="1800" spc="-1" strike="noStrike">
+          <a:lstStyle/>
+          <a:p>
+            <a:endParaRPr lang="en-US" sz="1800" b="0" strike="noStrike" spc="-1">
               <a:solidFill>
                 <a:srgbClr val="404040"/>
               </a:solidFill>
@@ -4136,11 +4436,12 @@
           </a:prstGeom>
         </p:spPr>
         <p:txBody>
-          <a:bodyPr lIns="0" rIns="0" tIns="0" bIns="0">
+          <a:bodyPr lIns="0" tIns="0" rIns="0" bIns="0">
             <a:normAutofit/>
           </a:bodyPr>
-          <a:p>
-            <a:endParaRPr b="0" lang="en-US" sz="1800" spc="-1" strike="noStrike">
+          <a:lstStyle/>
+          <a:p>
+            <a:endParaRPr lang="en-US" sz="1800" b="0" strike="noStrike" spc="-1">
               <a:solidFill>
                 <a:srgbClr val="404040"/>
               </a:solidFill>
@@ -4151,11 +4452,14 @@
       </p:sp>
     </p:spTree>
   </p:cSld>
+  <p:clrMapOvr>
+    <a:masterClrMapping/>
+  </p:clrMapOvr>
 </p:sldLayout>
 </file>
 
 <file path=ppt/slideLayouts/slideLayout9.xml><?xml version="1.0" encoding="utf-8"?>
-<p:sldLayout xmlns:a="http://schemas.openxmlformats.org/drawingml/2006/main" xmlns:p="http://schemas.openxmlformats.org/presentationml/2006/main" xmlns:r="http://schemas.openxmlformats.org/officeDocument/2006/relationships" xmlns:p14="http://schemas.microsoft.com/office/powerpoint/2010/main" xmlns:p15="http://schemas.microsoft.com/office/powerpoint/2012/main" xmlns:mc="http://schemas.openxmlformats.org/markup-compatibility/2006" type="twoObjOverTx" preserve="1">
+<p:sldLayout xmlns:a="http://schemas.openxmlformats.org/drawingml/2006/main" xmlns:r="http://schemas.openxmlformats.org/officeDocument/2006/relationships" xmlns:p="http://schemas.openxmlformats.org/presentationml/2006/main" type="twoObjOverTx" preserve="1">
   <p:cSld name="Title, 2 Content over Content">
     <p:spTree>
       <p:nvGrpSpPr>
@@ -4191,9 +4495,10 @@
           </a:prstGeom>
         </p:spPr>
         <p:txBody>
-          <a:bodyPr lIns="0" rIns="0" tIns="0" bIns="0" anchor="ctr"/>
-          <a:p>
-            <a:endParaRPr b="0" lang="en-US" sz="1800" spc="-1" strike="noStrike">
+          <a:bodyPr lIns="0" tIns="0" rIns="0" bIns="0" anchor="ctr"/>
+          <a:lstStyle/>
+          <a:p>
+            <a:endParaRPr lang="en-US" sz="1800" b="0" strike="noStrike" spc="-1">
               <a:solidFill>
                 <a:srgbClr val="000000"/>
               </a:solidFill>
@@ -4222,11 +4527,12 @@
           </a:prstGeom>
         </p:spPr>
         <p:txBody>
-          <a:bodyPr lIns="0" rIns="0" tIns="0" bIns="0">
+          <a:bodyPr lIns="0" tIns="0" rIns="0" bIns="0">
             <a:normAutofit/>
           </a:bodyPr>
-          <a:p>
-            <a:endParaRPr b="0" lang="en-US" sz="1800" spc="-1" strike="noStrike">
+          <a:lstStyle/>
+          <a:p>
+            <a:endParaRPr lang="en-US" sz="1800" b="0" strike="noStrike" spc="-1">
               <a:solidFill>
                 <a:srgbClr val="404040"/>
               </a:solidFill>
@@ -4255,11 +4561,12 @@
           </a:prstGeom>
         </p:spPr>
         <p:txBody>
-          <a:bodyPr lIns="0" rIns="0" tIns="0" bIns="0">
+          <a:bodyPr lIns="0" tIns="0" rIns="0" bIns="0">
             <a:normAutofit/>
           </a:bodyPr>
-          <a:p>
-            <a:endParaRPr b="0" lang="en-US" sz="1800" spc="-1" strike="noStrike">
+          <a:lstStyle/>
+          <a:p>
+            <a:endParaRPr lang="en-US" sz="1800" b="0" strike="noStrike" spc="-1">
               <a:solidFill>
                 <a:srgbClr val="404040"/>
               </a:solidFill>
@@ -4288,11 +4595,12 @@
           </a:prstGeom>
         </p:spPr>
         <p:txBody>
-          <a:bodyPr lIns="0" rIns="0" tIns="0" bIns="0">
+          <a:bodyPr lIns="0" tIns="0" rIns="0" bIns="0">
             <a:normAutofit/>
           </a:bodyPr>
-          <a:p>
-            <a:endParaRPr b="0" lang="en-US" sz="1800" spc="-1" strike="noStrike">
+          <a:lstStyle/>
+          <a:p>
+            <a:endParaRPr lang="en-US" sz="1800" b="0" strike="noStrike" spc="-1">
               <a:solidFill>
                 <a:srgbClr val="404040"/>
               </a:solidFill>
@@ -4303,17 +4611,21 @@
       </p:sp>
     </p:spTree>
   </p:cSld>
+  <p:clrMapOvr>
+    <a:masterClrMapping/>
+  </p:clrMapOvr>
 </p:sldLayout>
 </file>
 
 <file path=ppt/slideMasters/slideMaster1.xml><?xml version="1.0" encoding="utf-8"?>
-<p:sldMaster xmlns:a="http://schemas.openxmlformats.org/drawingml/2006/main" xmlns:p="http://schemas.openxmlformats.org/presentationml/2006/main" xmlns:r="http://schemas.openxmlformats.org/officeDocument/2006/relationships" xmlns:p14="http://schemas.microsoft.com/office/powerpoint/2010/main" xmlns:p15="http://schemas.microsoft.com/office/powerpoint/2012/main" xmlns:mc="http://schemas.openxmlformats.org/markup-compatibility/2006">
+<p:sldMaster xmlns:a="http://schemas.openxmlformats.org/drawingml/2006/main" xmlns:r="http://schemas.openxmlformats.org/officeDocument/2006/relationships" xmlns:p="http://schemas.openxmlformats.org/presentationml/2006/main">
   <p:cSld>
     <p:bg>
       <p:bgPr>
         <a:solidFill>
-          <a:srgbClr val="ffffff"/>
+          <a:srgbClr val="FFFFFF"/>
         </a:solidFill>
+        <a:effectLst/>
       </p:bgPr>
     </p:bg>
     <p:spTree>
@@ -4332,7 +4644,7 @@
       </p:grpSpPr>
       <p:grpSp>
         <p:nvGrpSpPr>
-          <p:cNvPr id="0" name="Group 1"/>
+          <p:cNvPr id="27" name="Group 1"/>
           <p:cNvGrpSpPr/>
           <p:nvPr/>
         </p:nvGrpSpPr>
@@ -4346,7 +4658,7 @@
         </p:grpSpPr>
         <p:sp>
           <p:nvSpPr>
-            <p:cNvPr id="1" name="Line 2"/>
+            <p:cNvPr id="28" name="Line 2"/>
             <p:cNvSpPr/>
             <p:nvPr/>
           </p:nvSpPr>
@@ -4431,6 +4743,7 @@
               <a:avLst/>
               <a:gdLst/>
               <a:ahLst/>
+              <a:cxnLst/>
               <a:rect l="l" t="t" r="r" b="b"/>
               <a:pathLst>
                 <a:path w="3007349" h="6866467">
@@ -4462,7 +4775,7 @@
               <a:noFill/>
             </a:ln>
             <a:effectLst>
-              <a:outerShdw blurRad="38100" dir="5400000" dist="25400" rotWithShape="0">
+              <a:outerShdw blurRad="38100" dist="25400" dir="5400000" rotWithShape="0">
                 <a:srgbClr val="000000">
                   <a:alpha val="35000"/>
                 </a:srgbClr>
@@ -4497,6 +4810,7 @@
               <a:avLst/>
               <a:gdLst/>
               <a:ahLst/>
+              <a:cxnLst/>
               <a:rect l="l" t="t" r="r" b="b"/>
               <a:pathLst>
                 <a:path w="2573311" h="6866467">
@@ -4528,7 +4842,7 @@
               <a:noFill/>
             </a:ln>
             <a:effectLst>
-              <a:outerShdw blurRad="38100" dir="5400000" dist="25400" rotWithShape="0">
+              <a:outerShdw blurRad="38100" dist="25400" dir="5400000" rotWithShape="0">
                 <a:srgbClr val="000000">
                   <a:alpha val="35000"/>
                 </a:srgbClr>
@@ -4574,7 +4888,7 @@
               <a:noFill/>
             </a:ln>
             <a:effectLst>
-              <a:outerShdw blurRad="38100" dir="5400000" dist="25400" rotWithShape="0">
+              <a:outerShdw blurRad="38100" dist="25400" dir="5400000" rotWithShape="0">
                 <a:srgbClr val="000000">
                   <a:alpha val="35000"/>
                 </a:srgbClr>
@@ -4609,6 +4923,7 @@
               <a:avLst/>
               <a:gdLst/>
               <a:ahLst/>
+              <a:cxnLst/>
               <a:rect l="l" t="t" r="r" b="b"/>
               <a:pathLst>
                 <a:path w="2858013" h="6866467">
@@ -4641,7 +4956,7 @@
               <a:noFill/>
             </a:ln>
             <a:effectLst>
-              <a:outerShdw blurRad="38100" dir="5400000" dist="25400" rotWithShape="0">
+              <a:outerShdw blurRad="38100" dist="25400" dir="5400000" rotWithShape="0">
                 <a:srgbClr val="000000">
                   <a:alpha val="35000"/>
                 </a:srgbClr>
@@ -4676,6 +4991,7 @@
               <a:avLst/>
               <a:gdLst/>
               <a:ahLst/>
+              <a:cxnLst/>
               <a:rect l="l" t="t" r="r" b="b"/>
               <a:pathLst>
                 <a:path w="1290094" h="6858000">
@@ -4707,7 +5023,7 @@
               <a:noFill/>
             </a:ln>
             <a:effectLst>
-              <a:outerShdw blurRad="38100" dir="5400000" dist="25400" rotWithShape="0">
+              <a:outerShdw blurRad="38100" dist="25400" dir="5400000" rotWithShape="0">
                 <a:srgbClr val="000000">
                   <a:alpha val="35000"/>
                 </a:srgbClr>
@@ -4742,6 +5058,7 @@
               <a:avLst/>
               <a:gdLst/>
               <a:ahLst/>
+              <a:cxnLst/>
               <a:rect l="l" t="t" r="r" b="b"/>
               <a:pathLst>
                 <a:path w="1249825" h="6858000">
@@ -4774,7 +5091,7 @@
               <a:noFill/>
             </a:ln>
             <a:effectLst>
-              <a:outerShdw blurRad="38100" dir="5400000" dist="25400" rotWithShape="0">
+              <a:outerShdw blurRad="38100" dist="25400" dir="5400000" rotWithShape="0">
                 <a:srgbClr val="000000">
                   <a:alpha val="35000"/>
                 </a:srgbClr>
@@ -4820,7 +5137,7 @@
               <a:noFill/>
             </a:ln>
             <a:effectLst>
-              <a:outerShdw blurRad="38100" dir="5400000" dist="25400" rotWithShape="0">
+              <a:outerShdw blurRad="38100" dist="25400" dir="5400000" rotWithShape="0">
                 <a:srgbClr val="000000">
                   <a:alpha val="35000"/>
                 </a:srgbClr>
@@ -4865,7 +5182,7 @@
               <a:noFill/>
             </a:ln>
             <a:effectLst>
-              <a:outerShdw blurRad="38100" dir="5400000" dist="25400" rotWithShape="0">
+              <a:outerShdw blurRad="38100" dist="25400" dir="5400000" rotWithShape="0">
                 <a:srgbClr val="000000">
                   <a:alpha val="35000"/>
                 </a:srgbClr>
@@ -4915,6 +5232,7 @@
               <a:avLst/>
               <a:gdLst/>
               <a:ahLst/>
+              <a:cxnLst/>
               <a:rect l="l" t="t" r="r" b="b"/>
               <a:pathLst>
                 <a:path w="863600" h="5698067">
@@ -4946,7 +5264,7 @@
               <a:noFill/>
             </a:ln>
             <a:effectLst>
-              <a:outerShdw blurRad="38100" dir="5400000" dist="25400" rotWithShape="0">
+              <a:outerShdw blurRad="38100" dist="25400" dir="5400000" rotWithShape="0">
                 <a:srgbClr val="000000">
                   <a:alpha val="35000"/>
                 </a:srgbClr>
@@ -5053,6 +5371,7 @@
               <a:avLst/>
               <a:gdLst/>
               <a:ahLst/>
+              <a:cxnLst/>
               <a:rect l="l" t="t" r="r" b="b"/>
               <a:pathLst>
                 <a:path w="3007349" h="6866467">
@@ -5084,7 +5403,7 @@
               <a:noFill/>
             </a:ln>
             <a:effectLst>
-              <a:outerShdw blurRad="38100" dir="5400000" dist="25400" rotWithShape="0">
+              <a:outerShdw blurRad="38100" dist="25400" dir="5400000" rotWithShape="0">
                 <a:srgbClr val="000000">
                   <a:alpha val="35000"/>
                 </a:srgbClr>
@@ -5119,6 +5438,7 @@
               <a:avLst/>
               <a:gdLst/>
               <a:ahLst/>
+              <a:cxnLst/>
               <a:rect l="l" t="t" r="r" b="b"/>
               <a:pathLst>
                 <a:path w="2573311" h="6866467">
@@ -5150,7 +5470,7 @@
               <a:noFill/>
             </a:ln>
             <a:effectLst>
-              <a:outerShdw blurRad="38100" dir="5400000" dist="25400" rotWithShape="0">
+              <a:outerShdw blurRad="38100" dist="25400" dir="5400000" rotWithShape="0">
                 <a:srgbClr val="000000">
                   <a:alpha val="35000"/>
                 </a:srgbClr>
@@ -5196,7 +5516,7 @@
               <a:noFill/>
             </a:ln>
             <a:effectLst>
-              <a:outerShdw blurRad="38100" dir="5400000" dist="25400" rotWithShape="0">
+              <a:outerShdw blurRad="38100" dist="25400" dir="5400000" rotWithShape="0">
                 <a:srgbClr val="000000">
                   <a:alpha val="35000"/>
                 </a:srgbClr>
@@ -5231,6 +5551,7 @@
               <a:avLst/>
               <a:gdLst/>
               <a:ahLst/>
+              <a:cxnLst/>
               <a:rect l="l" t="t" r="r" b="b"/>
               <a:pathLst>
                 <a:path w="2858013" h="6866467">
@@ -5263,7 +5584,7 @@
               <a:noFill/>
             </a:ln>
             <a:effectLst>
-              <a:outerShdw blurRad="38100" dir="5400000" dist="25400" rotWithShape="0">
+              <a:outerShdw blurRad="38100" dist="25400" dir="5400000" rotWithShape="0">
                 <a:srgbClr val="000000">
                   <a:alpha val="35000"/>
                 </a:srgbClr>
@@ -5298,6 +5619,7 @@
               <a:avLst/>
               <a:gdLst/>
               <a:ahLst/>
+              <a:cxnLst/>
               <a:rect l="l" t="t" r="r" b="b"/>
               <a:pathLst>
                 <a:path w="1290094" h="6858000">
@@ -5329,7 +5651,7 @@
               <a:noFill/>
             </a:ln>
             <a:effectLst>
-              <a:outerShdw blurRad="38100" dir="5400000" dist="25400" rotWithShape="0">
+              <a:outerShdw blurRad="38100" dist="25400" dir="5400000" rotWithShape="0">
                 <a:srgbClr val="000000">
                   <a:alpha val="35000"/>
                 </a:srgbClr>
@@ -5364,6 +5686,7 @@
               <a:avLst/>
               <a:gdLst/>
               <a:ahLst/>
+              <a:cxnLst/>
               <a:rect l="l" t="t" r="r" b="b"/>
               <a:pathLst>
                 <a:path w="1249825" h="6858000">
@@ -5396,7 +5719,7 @@
               <a:noFill/>
             </a:ln>
             <a:effectLst>
-              <a:outerShdw blurRad="38100" dir="5400000" dist="25400" rotWithShape="0">
+              <a:outerShdw blurRad="38100" dist="25400" dir="5400000" rotWithShape="0">
                 <a:srgbClr val="000000">
                   <a:alpha val="35000"/>
                 </a:srgbClr>
@@ -5442,7 +5765,7 @@
               <a:noFill/>
             </a:ln>
             <a:effectLst>
-              <a:outerShdw blurRad="38100" dir="5400000" dist="25400" rotWithShape="0">
+              <a:outerShdw blurRad="38100" dist="25400" dir="5400000" rotWithShape="0">
                 <a:srgbClr val="000000">
                   <a:alpha val="35000"/>
                 </a:srgbClr>
@@ -5484,6 +5807,7 @@
         </p:spPr>
         <p:txBody>
           <a:bodyPr anchor="b"/>
+          <a:lstStyle/>
           <a:p>
             <a:pPr algn="r">
               <a:lnSpc>
@@ -5491,15 +5815,15 @@
               </a:lnSpc>
             </a:pPr>
             <a:r>
-              <a:rPr b="0" lang="en-US" sz="5400" spc="-1" strike="noStrike">
+              <a:rPr lang="en-US" sz="5400" b="0" strike="noStrike" spc="-1">
                 <a:solidFill>
-                  <a:srgbClr val="5fcbef"/>
+                  <a:srgbClr val="5FCBEF"/>
                 </a:solidFill>
                 <a:latin typeface="Trebuchet MS"/>
               </a:rPr>
               <a:t>Click to edit Master title style</a:t>
             </a:r>
-            <a:endParaRPr b="0" lang="en-US" sz="5400" spc="-1" strike="noStrike">
+            <a:endParaRPr lang="en-US" sz="5400" b="0" strike="noStrike" spc="-1">
               <a:solidFill>
                 <a:srgbClr val="000000"/>
               </a:solidFill>
@@ -5529,6 +5853,7 @@
         </p:spPr>
         <p:txBody>
           <a:bodyPr anchor="ctr"/>
+          <a:lstStyle/>
           <a:p>
             <a:pPr algn="r">
               <a:lnSpc>
@@ -5536,15 +5861,15 @@
               </a:lnSpc>
             </a:pPr>
             <a:fld id="{8B618054-5076-48C7-8887-A4A9B06AA8C3}" type="datetime">
-              <a:rPr b="0" lang="en-GB" sz="900" spc="-1" strike="noStrike">
+              <a:rPr lang="en-GB" sz="900" b="0" strike="noStrike" spc="-1">
                 <a:solidFill>
-                  <a:srgbClr val="8b8b8b"/>
+                  <a:srgbClr val="8B8B8B"/>
                 </a:solidFill>
                 <a:latin typeface="Trebuchet MS"/>
               </a:rPr>
-              <a:t>29/11/19</a:t>
+              <a:t>09/12/2019</a:t>
             </a:fld>
-            <a:endParaRPr b="0" lang="en-GB" sz="900" spc="-1" strike="noStrike">
+            <a:endParaRPr lang="en-GB" sz="900" b="0" strike="noStrike" spc="-1">
               <a:latin typeface="Times New Roman"/>
             </a:endParaRPr>
           </a:p>
@@ -5571,8 +5896,9 @@
         </p:spPr>
         <p:txBody>
           <a:bodyPr anchor="ctr"/>
-          <a:p>
-            <a:endParaRPr b="0" lang="en-GB" sz="2400" spc="-1" strike="noStrike">
+          <a:lstStyle/>
+          <a:p>
+            <a:endParaRPr lang="en-GB" sz="2400" b="0" strike="noStrike" spc="-1">
               <a:latin typeface="Times New Roman"/>
             </a:endParaRPr>
           </a:p>
@@ -5599,6 +5925,7 @@
         </p:spPr>
         <p:txBody>
           <a:bodyPr anchor="ctr"/>
+          <a:lstStyle/>
           <a:p>
             <a:pPr algn="r">
               <a:lnSpc>
@@ -5606,15 +5933,15 @@
               </a:lnSpc>
             </a:pPr>
             <a:fld id="{AF37FAFF-B25C-45C8-9DEF-ADD537775FC5}" type="slidenum">
-              <a:rPr b="0" lang="en-GB" sz="900" spc="-1" strike="noStrike">
+              <a:rPr lang="en-GB" sz="900" b="0" strike="noStrike" spc="-1">
                 <a:solidFill>
-                  <a:srgbClr val="5fcbef"/>
+                  <a:srgbClr val="5FCBEF"/>
                 </a:solidFill>
                 <a:latin typeface="Trebuchet MS"/>
               </a:rPr>
-              <a:t>&lt;number&gt;</a:t>
+              <a:t>‹Nr.›</a:t>
             </a:fld>
-            <a:endParaRPr b="0" lang="en-GB" sz="900" spc="-1" strike="noStrike">
+            <a:endParaRPr lang="en-GB" sz="900" b="0" strike="noStrike" spc="-1">
               <a:latin typeface="Times New Roman"/>
             </a:endParaRPr>
           </a:p>
@@ -5640,9 +5967,10 @@
           </a:prstGeom>
         </p:spPr>
         <p:txBody>
-          <a:bodyPr lIns="0" rIns="0" tIns="0" bIns="0">
+          <a:bodyPr lIns="0" tIns="0" rIns="0" bIns="0">
             <a:normAutofit/>
           </a:bodyPr>
+          <a:lstStyle/>
           <a:p>
             <a:pPr marL="432000" indent="-324000">
               <a:spcBef>
@@ -5656,7 +5984,7 @@
               <a:buChar char=""/>
             </a:pPr>
             <a:r>
-              <a:rPr b="0" lang="en-US" sz="1800" spc="-1" strike="noStrike">
+              <a:rPr lang="en-US" sz="1800" b="0" strike="noStrike" spc="-1">
                 <a:solidFill>
                   <a:srgbClr val="404040"/>
                 </a:solidFill>
@@ -5664,15 +5992,9 @@
               </a:rPr>
               <a:t>Click to edit the outline text format</a:t>
             </a:r>
-            <a:endParaRPr b="0" lang="en-US" sz="1800" spc="-1" strike="noStrike">
-              <a:solidFill>
-                <a:srgbClr val="404040"/>
-              </a:solidFill>
-              <a:latin typeface="Trebuchet MS"/>
-            </a:endParaRPr>
-          </a:p>
-          <a:p>
-            <a:pPr lvl="1" marL="864000" indent="-324000">
+          </a:p>
+          <a:p>
+            <a:pPr marL="864000" lvl="1" indent="-324000">
               <a:spcBef>
                 <a:spcPts val="1134"/>
               </a:spcBef>
@@ -5684,7 +6006,7 @@
               <a:buChar char=""/>
             </a:pPr>
             <a:r>
-              <a:rPr b="0" lang="en-US" sz="1400" spc="-1" strike="noStrike">
+              <a:rPr lang="en-US" sz="1400" b="0" strike="noStrike" spc="-1">
                 <a:solidFill>
                   <a:srgbClr val="404040"/>
                 </a:solidFill>
@@ -5692,15 +6014,9 @@
               </a:rPr>
               <a:t>Second Outline Level</a:t>
             </a:r>
-            <a:endParaRPr b="0" lang="en-US" sz="1400" spc="-1" strike="noStrike">
-              <a:solidFill>
-                <a:srgbClr val="404040"/>
-              </a:solidFill>
-              <a:latin typeface="Trebuchet MS"/>
-            </a:endParaRPr>
-          </a:p>
-          <a:p>
-            <a:pPr lvl="2" marL="1296000" indent="-288000">
+          </a:p>
+          <a:p>
+            <a:pPr marL="1296000" lvl="2" indent="-288000">
               <a:spcBef>
                 <a:spcPts val="850"/>
               </a:spcBef>
@@ -5712,7 +6028,7 @@
               <a:buChar char=""/>
             </a:pPr>
             <a:r>
-              <a:rPr b="0" lang="en-US" sz="1200" spc="-1" strike="noStrike">
+              <a:rPr lang="en-US" sz="1200" b="0" strike="noStrike" spc="-1">
                 <a:solidFill>
                   <a:srgbClr val="404040"/>
                 </a:solidFill>
@@ -5720,15 +6036,9 @@
               </a:rPr>
               <a:t>Third Outline Level</a:t>
             </a:r>
-            <a:endParaRPr b="0" lang="en-US" sz="1200" spc="-1" strike="noStrike">
-              <a:solidFill>
-                <a:srgbClr val="404040"/>
-              </a:solidFill>
-              <a:latin typeface="Trebuchet MS"/>
-            </a:endParaRPr>
-          </a:p>
-          <a:p>
-            <a:pPr lvl="3" marL="1728000" indent="-216000">
+          </a:p>
+          <a:p>
+            <a:pPr marL="1728000" lvl="3" indent="-216000">
               <a:spcBef>
                 <a:spcPts val="567"/>
               </a:spcBef>
@@ -5740,7 +6050,7 @@
               <a:buChar char=""/>
             </a:pPr>
             <a:r>
-              <a:rPr b="0" lang="en-US" sz="1200" spc="-1" strike="noStrike">
+              <a:rPr lang="en-US" sz="1200" b="0" strike="noStrike" spc="-1">
                 <a:solidFill>
                   <a:srgbClr val="404040"/>
                 </a:solidFill>
@@ -5748,15 +6058,9 @@
               </a:rPr>
               <a:t>Fourth Outline Level</a:t>
             </a:r>
-            <a:endParaRPr b="0" lang="en-US" sz="1200" spc="-1" strike="noStrike">
-              <a:solidFill>
-                <a:srgbClr val="404040"/>
-              </a:solidFill>
-              <a:latin typeface="Trebuchet MS"/>
-            </a:endParaRPr>
-          </a:p>
-          <a:p>
-            <a:pPr lvl="4" marL="2160000" indent="-216000">
+          </a:p>
+          <a:p>
+            <a:pPr marL="2160000" lvl="4" indent="-216000">
               <a:spcBef>
                 <a:spcPts val="283"/>
               </a:spcBef>
@@ -5768,7 +6072,7 @@
               <a:buChar char=""/>
             </a:pPr>
             <a:r>
-              <a:rPr b="0" lang="en-US" sz="2000" spc="-1" strike="noStrike">
+              <a:rPr lang="en-US" sz="2000" b="0" strike="noStrike" spc="-1">
                 <a:solidFill>
                   <a:srgbClr val="404040"/>
                 </a:solidFill>
@@ -5776,15 +6080,9 @@
               </a:rPr>
               <a:t>Fifth Outline Level</a:t>
             </a:r>
-            <a:endParaRPr b="0" lang="en-US" sz="2000" spc="-1" strike="noStrike">
-              <a:solidFill>
-                <a:srgbClr val="404040"/>
-              </a:solidFill>
-              <a:latin typeface="Trebuchet MS"/>
-            </a:endParaRPr>
-          </a:p>
-          <a:p>
-            <a:pPr lvl="5" marL="2592000" indent="-216000">
+          </a:p>
+          <a:p>
+            <a:pPr marL="2592000" lvl="5" indent="-216000">
               <a:spcBef>
                 <a:spcPts val="283"/>
               </a:spcBef>
@@ -5796,7 +6094,7 @@
               <a:buChar char=""/>
             </a:pPr>
             <a:r>
-              <a:rPr b="0" lang="en-US" sz="2000" spc="-1" strike="noStrike">
+              <a:rPr lang="en-US" sz="2000" b="0" strike="noStrike" spc="-1">
                 <a:solidFill>
                   <a:srgbClr val="404040"/>
                 </a:solidFill>
@@ -5804,15 +6102,9 @@
               </a:rPr>
               <a:t>Sixth Outline Level</a:t>
             </a:r>
-            <a:endParaRPr b="0" lang="en-US" sz="2000" spc="-1" strike="noStrike">
-              <a:solidFill>
-                <a:srgbClr val="404040"/>
-              </a:solidFill>
-              <a:latin typeface="Trebuchet MS"/>
-            </a:endParaRPr>
-          </a:p>
-          <a:p>
-            <a:pPr lvl="6" marL="3024000" indent="-216000">
+          </a:p>
+          <a:p>
+            <a:pPr marL="3024000" lvl="6" indent="-216000">
               <a:spcBef>
                 <a:spcPts val="283"/>
               </a:spcBef>
@@ -5824,7 +6116,7 @@
               <a:buChar char=""/>
             </a:pPr>
             <a:r>
-              <a:rPr b="0" lang="en-US" sz="2000" spc="-1" strike="noStrike">
+              <a:rPr lang="en-US" sz="2000" b="0" strike="noStrike" spc="-1">
                 <a:solidFill>
                   <a:srgbClr val="404040"/>
                 </a:solidFill>
@@ -5832,43 +6124,318 @@
               </a:rPr>
               <a:t>Seventh Outline Level</a:t>
             </a:r>
-            <a:endParaRPr b="0" lang="en-US" sz="2000" spc="-1" strike="noStrike">
-              <a:solidFill>
-                <a:srgbClr val="404040"/>
-              </a:solidFill>
-              <a:latin typeface="Trebuchet MS"/>
-            </a:endParaRPr>
           </a:p>
         </p:txBody>
       </p:sp>
     </p:spTree>
   </p:cSld>
-  <p:clrMap bg1="lt1" bg2="lt2" tx1="dk1" tx2="dk2" accent1="accent1" accent2="accent2" accent3="accent3" accent4="accent4" accent5="accent5" accent6="accent6" hlink="hlink" folHlink="folHlink"/>
+  <p:clrMap bg1="lt1" tx1="dk1" bg2="lt2" tx2="dk2" accent1="accent1" accent2="accent2" accent3="accent3" accent4="accent4" accent5="accent5" accent6="accent6" hlink="hlink" folHlink="folHlink"/>
   <p:sldLayoutIdLst>
-    <p:sldLayoutId id="2147483649" r:id="rId2"/>
-    <p:sldLayoutId id="2147483650" r:id="rId3"/>
-    <p:sldLayoutId id="2147483651" r:id="rId4"/>
-    <p:sldLayoutId id="2147483652" r:id="rId5"/>
-    <p:sldLayoutId id="2147483653" r:id="rId6"/>
-    <p:sldLayoutId id="2147483654" r:id="rId7"/>
-    <p:sldLayoutId id="2147483655" r:id="rId8"/>
-    <p:sldLayoutId id="2147483656" r:id="rId9"/>
-    <p:sldLayoutId id="2147483657" r:id="rId10"/>
-    <p:sldLayoutId id="2147483658" r:id="rId11"/>
-    <p:sldLayoutId id="2147483659" r:id="rId12"/>
-    <p:sldLayoutId id="2147483660" r:id="rId13"/>
+    <p:sldLayoutId id="2147483649" r:id="rId1"/>
+    <p:sldLayoutId id="2147483650" r:id="rId2"/>
+    <p:sldLayoutId id="2147483651" r:id="rId3"/>
+    <p:sldLayoutId id="2147483652" r:id="rId4"/>
+    <p:sldLayoutId id="2147483653" r:id="rId5"/>
+    <p:sldLayoutId id="2147483654" r:id="rId6"/>
+    <p:sldLayoutId id="2147483655" r:id="rId7"/>
+    <p:sldLayoutId id="2147483656" r:id="rId8"/>
+    <p:sldLayoutId id="2147483657" r:id="rId9"/>
+    <p:sldLayoutId id="2147483658" r:id="rId10"/>
+    <p:sldLayoutId id="2147483659" r:id="rId11"/>
+    <p:sldLayoutId id="2147483660" r:id="rId12"/>
   </p:sldLayoutIdLst>
+  <p:txStyles>
+    <p:titleStyle>
+      <a:lvl1pPr algn="l" defTabSz="914400" rtl="0" eaLnBrk="1" latinLnBrk="0" hangingPunct="1">
+        <a:lnSpc>
+          <a:spcPct val="90000"/>
+        </a:lnSpc>
+        <a:spcBef>
+          <a:spcPct val="0"/>
+        </a:spcBef>
+        <a:buNone/>
+        <a:defRPr sz="4400" kern="1200">
+          <a:solidFill>
+            <a:schemeClr val="tx1"/>
+          </a:solidFill>
+          <a:latin typeface="+mj-lt"/>
+          <a:ea typeface="+mj-ea"/>
+          <a:cs typeface="+mj-cs"/>
+        </a:defRPr>
+      </a:lvl1pPr>
+    </p:titleStyle>
+    <p:bodyStyle>
+      <a:lvl1pPr marL="228600" indent="-228600" algn="l" defTabSz="914400" rtl="0" eaLnBrk="1" latinLnBrk="0" hangingPunct="1">
+        <a:lnSpc>
+          <a:spcPct val="90000"/>
+        </a:lnSpc>
+        <a:spcBef>
+          <a:spcPts val="1000"/>
+        </a:spcBef>
+        <a:buFont typeface="Arial" panose="020B0604020202020204" pitchFamily="34" charset="0"/>
+        <a:buChar char="•"/>
+        <a:defRPr sz="2800" kern="1200">
+          <a:solidFill>
+            <a:schemeClr val="tx1"/>
+          </a:solidFill>
+          <a:latin typeface="+mn-lt"/>
+          <a:ea typeface="+mn-ea"/>
+          <a:cs typeface="+mn-cs"/>
+        </a:defRPr>
+      </a:lvl1pPr>
+      <a:lvl2pPr marL="685800" indent="-228600" algn="l" defTabSz="914400" rtl="0" eaLnBrk="1" latinLnBrk="0" hangingPunct="1">
+        <a:lnSpc>
+          <a:spcPct val="90000"/>
+        </a:lnSpc>
+        <a:spcBef>
+          <a:spcPts val="500"/>
+        </a:spcBef>
+        <a:buFont typeface="Arial" panose="020B0604020202020204" pitchFamily="34" charset="0"/>
+        <a:buChar char="•"/>
+        <a:defRPr sz="2400" kern="1200">
+          <a:solidFill>
+            <a:schemeClr val="tx1"/>
+          </a:solidFill>
+          <a:latin typeface="+mn-lt"/>
+          <a:ea typeface="+mn-ea"/>
+          <a:cs typeface="+mn-cs"/>
+        </a:defRPr>
+      </a:lvl2pPr>
+      <a:lvl3pPr marL="1143000" indent="-228600" algn="l" defTabSz="914400" rtl="0" eaLnBrk="1" latinLnBrk="0" hangingPunct="1">
+        <a:lnSpc>
+          <a:spcPct val="90000"/>
+        </a:lnSpc>
+        <a:spcBef>
+          <a:spcPts val="500"/>
+        </a:spcBef>
+        <a:buFont typeface="Arial" panose="020B0604020202020204" pitchFamily="34" charset="0"/>
+        <a:buChar char="•"/>
+        <a:defRPr sz="2000" kern="1200">
+          <a:solidFill>
+            <a:schemeClr val="tx1"/>
+          </a:solidFill>
+          <a:latin typeface="+mn-lt"/>
+          <a:ea typeface="+mn-ea"/>
+          <a:cs typeface="+mn-cs"/>
+        </a:defRPr>
+      </a:lvl3pPr>
+      <a:lvl4pPr marL="1600200" indent="-228600" algn="l" defTabSz="914400" rtl="0" eaLnBrk="1" latinLnBrk="0" hangingPunct="1">
+        <a:lnSpc>
+          <a:spcPct val="90000"/>
+        </a:lnSpc>
+        <a:spcBef>
+          <a:spcPts val="500"/>
+        </a:spcBef>
+        <a:buFont typeface="Arial" panose="020B0604020202020204" pitchFamily="34" charset="0"/>
+        <a:buChar char="•"/>
+        <a:defRPr sz="1800" kern="1200">
+          <a:solidFill>
+            <a:schemeClr val="tx1"/>
+          </a:solidFill>
+          <a:latin typeface="+mn-lt"/>
+          <a:ea typeface="+mn-ea"/>
+          <a:cs typeface="+mn-cs"/>
+        </a:defRPr>
+      </a:lvl4pPr>
+      <a:lvl5pPr marL="2057400" indent="-228600" algn="l" defTabSz="914400" rtl="0" eaLnBrk="1" latinLnBrk="0" hangingPunct="1">
+        <a:lnSpc>
+          <a:spcPct val="90000"/>
+        </a:lnSpc>
+        <a:spcBef>
+          <a:spcPts val="500"/>
+        </a:spcBef>
+        <a:buFont typeface="Arial" panose="020B0604020202020204" pitchFamily="34" charset="0"/>
+        <a:buChar char="•"/>
+        <a:defRPr sz="1800" kern="1200">
+          <a:solidFill>
+            <a:schemeClr val="tx1"/>
+          </a:solidFill>
+          <a:latin typeface="+mn-lt"/>
+          <a:ea typeface="+mn-ea"/>
+          <a:cs typeface="+mn-cs"/>
+        </a:defRPr>
+      </a:lvl5pPr>
+      <a:lvl6pPr marL="2514600" indent="-228600" algn="l" defTabSz="914400" rtl="0" eaLnBrk="1" latinLnBrk="0" hangingPunct="1">
+        <a:lnSpc>
+          <a:spcPct val="90000"/>
+        </a:lnSpc>
+        <a:spcBef>
+          <a:spcPts val="500"/>
+        </a:spcBef>
+        <a:buFont typeface="Arial" panose="020B0604020202020204" pitchFamily="34" charset="0"/>
+        <a:buChar char="•"/>
+        <a:defRPr sz="1800" kern="1200">
+          <a:solidFill>
+            <a:schemeClr val="tx1"/>
+          </a:solidFill>
+          <a:latin typeface="+mn-lt"/>
+          <a:ea typeface="+mn-ea"/>
+          <a:cs typeface="+mn-cs"/>
+        </a:defRPr>
+      </a:lvl6pPr>
+      <a:lvl7pPr marL="2971800" indent="-228600" algn="l" defTabSz="914400" rtl="0" eaLnBrk="1" latinLnBrk="0" hangingPunct="1">
+        <a:lnSpc>
+          <a:spcPct val="90000"/>
+        </a:lnSpc>
+        <a:spcBef>
+          <a:spcPts val="500"/>
+        </a:spcBef>
+        <a:buFont typeface="Arial" panose="020B0604020202020204" pitchFamily="34" charset="0"/>
+        <a:buChar char="•"/>
+        <a:defRPr sz="1800" kern="1200">
+          <a:solidFill>
+            <a:schemeClr val="tx1"/>
+          </a:solidFill>
+          <a:latin typeface="+mn-lt"/>
+          <a:ea typeface="+mn-ea"/>
+          <a:cs typeface="+mn-cs"/>
+        </a:defRPr>
+      </a:lvl7pPr>
+      <a:lvl8pPr marL="3429000" indent="-228600" algn="l" defTabSz="914400" rtl="0" eaLnBrk="1" latinLnBrk="0" hangingPunct="1">
+        <a:lnSpc>
+          <a:spcPct val="90000"/>
+        </a:lnSpc>
+        <a:spcBef>
+          <a:spcPts val="500"/>
+        </a:spcBef>
+        <a:buFont typeface="Arial" panose="020B0604020202020204" pitchFamily="34" charset="0"/>
+        <a:buChar char="•"/>
+        <a:defRPr sz="1800" kern="1200">
+          <a:solidFill>
+            <a:schemeClr val="tx1"/>
+          </a:solidFill>
+          <a:latin typeface="+mn-lt"/>
+          <a:ea typeface="+mn-ea"/>
+          <a:cs typeface="+mn-cs"/>
+        </a:defRPr>
+      </a:lvl8pPr>
+      <a:lvl9pPr marL="3886200" indent="-228600" algn="l" defTabSz="914400" rtl="0" eaLnBrk="1" latinLnBrk="0" hangingPunct="1">
+        <a:lnSpc>
+          <a:spcPct val="90000"/>
+        </a:lnSpc>
+        <a:spcBef>
+          <a:spcPts val="500"/>
+        </a:spcBef>
+        <a:buFont typeface="Arial" panose="020B0604020202020204" pitchFamily="34" charset="0"/>
+        <a:buChar char="•"/>
+        <a:defRPr sz="1800" kern="1200">
+          <a:solidFill>
+            <a:schemeClr val="tx1"/>
+          </a:solidFill>
+          <a:latin typeface="+mn-lt"/>
+          <a:ea typeface="+mn-ea"/>
+          <a:cs typeface="+mn-cs"/>
+        </a:defRPr>
+      </a:lvl9pPr>
+    </p:bodyStyle>
+    <p:otherStyle>
+      <a:defPPr>
+        <a:defRPr lang="en-DE"/>
+      </a:defPPr>
+      <a:lvl1pPr marL="0" algn="l" defTabSz="914400" rtl="0" eaLnBrk="1" latinLnBrk="0" hangingPunct="1">
+        <a:defRPr sz="1800" kern="1200">
+          <a:solidFill>
+            <a:schemeClr val="tx1"/>
+          </a:solidFill>
+          <a:latin typeface="+mn-lt"/>
+          <a:ea typeface="+mn-ea"/>
+          <a:cs typeface="+mn-cs"/>
+        </a:defRPr>
+      </a:lvl1pPr>
+      <a:lvl2pPr marL="457200" algn="l" defTabSz="914400" rtl="0" eaLnBrk="1" latinLnBrk="0" hangingPunct="1">
+        <a:defRPr sz="1800" kern="1200">
+          <a:solidFill>
+            <a:schemeClr val="tx1"/>
+          </a:solidFill>
+          <a:latin typeface="+mn-lt"/>
+          <a:ea typeface="+mn-ea"/>
+          <a:cs typeface="+mn-cs"/>
+        </a:defRPr>
+      </a:lvl2pPr>
+      <a:lvl3pPr marL="914400" algn="l" defTabSz="914400" rtl="0" eaLnBrk="1" latinLnBrk="0" hangingPunct="1">
+        <a:defRPr sz="1800" kern="1200">
+          <a:solidFill>
+            <a:schemeClr val="tx1"/>
+          </a:solidFill>
+          <a:latin typeface="+mn-lt"/>
+          <a:ea typeface="+mn-ea"/>
+          <a:cs typeface="+mn-cs"/>
+        </a:defRPr>
+      </a:lvl3pPr>
+      <a:lvl4pPr marL="1371600" algn="l" defTabSz="914400" rtl="0" eaLnBrk="1" latinLnBrk="0" hangingPunct="1">
+        <a:defRPr sz="1800" kern="1200">
+          <a:solidFill>
+            <a:schemeClr val="tx1"/>
+          </a:solidFill>
+          <a:latin typeface="+mn-lt"/>
+          <a:ea typeface="+mn-ea"/>
+          <a:cs typeface="+mn-cs"/>
+        </a:defRPr>
+      </a:lvl4pPr>
+      <a:lvl5pPr marL="1828800" algn="l" defTabSz="914400" rtl="0" eaLnBrk="1" latinLnBrk="0" hangingPunct="1">
+        <a:defRPr sz="1800" kern="1200">
+          <a:solidFill>
+            <a:schemeClr val="tx1"/>
+          </a:solidFill>
+          <a:latin typeface="+mn-lt"/>
+          <a:ea typeface="+mn-ea"/>
+          <a:cs typeface="+mn-cs"/>
+        </a:defRPr>
+      </a:lvl5pPr>
+      <a:lvl6pPr marL="2286000" algn="l" defTabSz="914400" rtl="0" eaLnBrk="1" latinLnBrk="0" hangingPunct="1">
+        <a:defRPr sz="1800" kern="1200">
+          <a:solidFill>
+            <a:schemeClr val="tx1"/>
+          </a:solidFill>
+          <a:latin typeface="+mn-lt"/>
+          <a:ea typeface="+mn-ea"/>
+          <a:cs typeface="+mn-cs"/>
+        </a:defRPr>
+      </a:lvl6pPr>
+      <a:lvl7pPr marL="2743200" algn="l" defTabSz="914400" rtl="0" eaLnBrk="1" latinLnBrk="0" hangingPunct="1">
+        <a:defRPr sz="1800" kern="1200">
+          <a:solidFill>
+            <a:schemeClr val="tx1"/>
+          </a:solidFill>
+          <a:latin typeface="+mn-lt"/>
+          <a:ea typeface="+mn-ea"/>
+          <a:cs typeface="+mn-cs"/>
+        </a:defRPr>
+      </a:lvl7pPr>
+      <a:lvl8pPr marL="3200400" algn="l" defTabSz="914400" rtl="0" eaLnBrk="1" latinLnBrk="0" hangingPunct="1">
+        <a:defRPr sz="1800" kern="1200">
+          <a:solidFill>
+            <a:schemeClr val="tx1"/>
+          </a:solidFill>
+          <a:latin typeface="+mn-lt"/>
+          <a:ea typeface="+mn-ea"/>
+          <a:cs typeface="+mn-cs"/>
+        </a:defRPr>
+      </a:lvl8pPr>
+      <a:lvl9pPr marL="3657600" algn="l" defTabSz="914400" rtl="0" eaLnBrk="1" latinLnBrk="0" hangingPunct="1">
+        <a:defRPr sz="1800" kern="1200">
+          <a:solidFill>
+            <a:schemeClr val="tx1"/>
+          </a:solidFill>
+          <a:latin typeface="+mn-lt"/>
+          <a:ea typeface="+mn-ea"/>
+          <a:cs typeface="+mn-cs"/>
+        </a:defRPr>
+      </a:lvl9pPr>
+    </p:otherStyle>
+  </p:txStyles>
 </p:sldMaster>
 </file>
 
 <file path=ppt/slideMasters/slideMaster2.xml><?xml version="1.0" encoding="utf-8"?>
-<p:sldMaster xmlns:a="http://schemas.openxmlformats.org/drawingml/2006/main" xmlns:p="http://schemas.openxmlformats.org/presentationml/2006/main" xmlns:r="http://schemas.openxmlformats.org/officeDocument/2006/relationships" xmlns:p14="http://schemas.microsoft.com/office/powerpoint/2010/main" xmlns:p15="http://schemas.microsoft.com/office/powerpoint/2012/main" xmlns:mc="http://schemas.openxmlformats.org/markup-compatibility/2006">
+<p:sldMaster xmlns:a="http://schemas.openxmlformats.org/drawingml/2006/main" xmlns:r="http://schemas.openxmlformats.org/officeDocument/2006/relationships" xmlns:p="http://schemas.openxmlformats.org/presentationml/2006/main">
   <p:cSld>
     <p:bg>
       <p:bgPr>
         <a:solidFill>
-          <a:srgbClr val="ffffff"/>
+          <a:srgbClr val="FFFFFF"/>
         </a:solidFill>
+        <a:effectLst/>
       </p:bgPr>
     </p:bg>
     <p:spTree>
@@ -5986,6 +6553,7 @@
               <a:avLst/>
               <a:gdLst/>
               <a:ahLst/>
+              <a:cxnLst/>
               <a:rect l="l" t="t" r="r" b="b"/>
               <a:pathLst>
                 <a:path w="3007349" h="6866467">
@@ -6017,7 +6585,7 @@
               <a:noFill/>
             </a:ln>
             <a:effectLst>
-              <a:outerShdw blurRad="38100" dir="5400000" dist="25400" rotWithShape="0">
+              <a:outerShdw blurRad="38100" dist="25400" dir="5400000" rotWithShape="0">
                 <a:srgbClr val="000000">
                   <a:alpha val="35000"/>
                 </a:srgbClr>
@@ -6052,6 +6620,7 @@
               <a:avLst/>
               <a:gdLst/>
               <a:ahLst/>
+              <a:cxnLst/>
               <a:rect l="l" t="t" r="r" b="b"/>
               <a:pathLst>
                 <a:path w="2573311" h="6866467">
@@ -6083,7 +6652,7 @@
               <a:noFill/>
             </a:ln>
             <a:effectLst>
-              <a:outerShdw blurRad="38100" dir="5400000" dist="25400" rotWithShape="0">
+              <a:outerShdw blurRad="38100" dist="25400" dir="5400000" rotWithShape="0">
                 <a:srgbClr val="000000">
                   <a:alpha val="35000"/>
                 </a:srgbClr>
@@ -6129,7 +6698,7 @@
               <a:noFill/>
             </a:ln>
             <a:effectLst>
-              <a:outerShdw blurRad="38100" dir="5400000" dist="25400" rotWithShape="0">
+              <a:outerShdw blurRad="38100" dist="25400" dir="5400000" rotWithShape="0">
                 <a:srgbClr val="000000">
                   <a:alpha val="35000"/>
                 </a:srgbClr>
@@ -6164,6 +6733,7 @@
               <a:avLst/>
               <a:gdLst/>
               <a:ahLst/>
+              <a:cxnLst/>
               <a:rect l="l" t="t" r="r" b="b"/>
               <a:pathLst>
                 <a:path w="2858013" h="6866467">
@@ -6196,7 +6766,7 @@
               <a:noFill/>
             </a:ln>
             <a:effectLst>
-              <a:outerShdw blurRad="38100" dir="5400000" dist="25400" rotWithShape="0">
+              <a:outerShdw blurRad="38100" dist="25400" dir="5400000" rotWithShape="0">
                 <a:srgbClr val="000000">
                   <a:alpha val="35000"/>
                 </a:srgbClr>
@@ -6231,6 +6801,7 @@
               <a:avLst/>
               <a:gdLst/>
               <a:ahLst/>
+              <a:cxnLst/>
               <a:rect l="l" t="t" r="r" b="b"/>
               <a:pathLst>
                 <a:path w="1290094" h="6858000">
@@ -6262,7 +6833,7 @@
               <a:noFill/>
             </a:ln>
             <a:effectLst>
-              <a:outerShdw blurRad="38100" dir="5400000" dist="25400" rotWithShape="0">
+              <a:outerShdw blurRad="38100" dist="25400" dir="5400000" rotWithShape="0">
                 <a:srgbClr val="000000">
                   <a:alpha val="35000"/>
                 </a:srgbClr>
@@ -6297,6 +6868,7 @@
               <a:avLst/>
               <a:gdLst/>
               <a:ahLst/>
+              <a:cxnLst/>
               <a:rect l="l" t="t" r="r" b="b"/>
               <a:pathLst>
                 <a:path w="1249825" h="6858000">
@@ -6329,7 +6901,7 @@
               <a:noFill/>
             </a:ln>
             <a:effectLst>
-              <a:outerShdw blurRad="38100" dir="5400000" dist="25400" rotWithShape="0">
+              <a:outerShdw blurRad="38100" dist="25400" dir="5400000" rotWithShape="0">
                 <a:srgbClr val="000000">
                   <a:alpha val="35000"/>
                 </a:srgbClr>
@@ -6375,7 +6947,7 @@
               <a:noFill/>
             </a:ln>
             <a:effectLst>
-              <a:outerShdw blurRad="38100" dir="5400000" dist="25400" rotWithShape="0">
+              <a:outerShdw blurRad="38100" dist="25400" dir="5400000" rotWithShape="0">
                 <a:srgbClr val="000000">
                   <a:alpha val="35000"/>
                 </a:srgbClr>
@@ -6420,7 +6992,7 @@
               <a:noFill/>
             </a:ln>
             <a:effectLst>
-              <a:outerShdw blurRad="38100" dir="5400000" dist="25400" rotWithShape="0">
+              <a:outerShdw blurRad="38100" dist="25400" dir="5400000" rotWithShape="0">
                 <a:srgbClr val="000000">
                   <a:alpha val="35000"/>
                 </a:srgbClr>
@@ -6462,6 +7034,7 @@
         </p:spPr>
         <p:txBody>
           <a:bodyPr/>
+          <a:lstStyle/>
           <a:p>
             <a:pPr>
               <a:lnSpc>
@@ -6469,15 +7042,15 @@
               </a:lnSpc>
             </a:pPr>
             <a:r>
-              <a:rPr b="0" lang="en-US" sz="3600" spc="-1" strike="noStrike">
+              <a:rPr lang="en-US" sz="3600" b="0" strike="noStrike" spc="-1">
                 <a:solidFill>
-                  <a:srgbClr val="5fcbef"/>
+                  <a:srgbClr val="5FCBEF"/>
                 </a:solidFill>
                 <a:latin typeface="Trebuchet MS"/>
               </a:rPr>
               <a:t>Click to edit Master title style</a:t>
             </a:r>
-            <a:endParaRPr b="0" lang="en-US" sz="3600" spc="-1" strike="noStrike">
+            <a:endParaRPr lang="en-US" sz="3600" b="0" strike="noStrike" spc="-1">
               <a:solidFill>
                 <a:srgbClr val="000000"/>
               </a:solidFill>
@@ -6507,6 +7080,7 @@
         </p:spPr>
         <p:txBody>
           <a:bodyPr/>
+          <a:lstStyle/>
           <a:p>
             <a:pPr marL="343080" indent="-342720">
               <a:lnSpc>
@@ -6516,14 +7090,14 @@
                 <a:spcPts val="1001"/>
               </a:spcBef>
               <a:buClr>
-                <a:srgbClr val="5fcbef"/>
+                <a:srgbClr val="5FCBEF"/>
               </a:buClr>
               <a:buSzPct val="80000"/>
               <a:buFont typeface="Wingdings 3" charset="2"/>
               <a:buChar char=""/>
             </a:pPr>
             <a:r>
-              <a:rPr b="0" lang="en-US" sz="1800" spc="-1" strike="noStrike">
+              <a:rPr lang="en-US" sz="1800" b="0" strike="noStrike" spc="-1">
                 <a:solidFill>
                   <a:srgbClr val="404040"/>
                 </a:solidFill>
@@ -6531,15 +7105,9 @@
               </a:rPr>
               <a:t>Click to edit Master text styles</a:t>
             </a:r>
-            <a:endParaRPr b="0" lang="en-US" sz="1800" spc="-1" strike="noStrike">
-              <a:solidFill>
-                <a:srgbClr val="404040"/>
-              </a:solidFill>
-              <a:latin typeface="Trebuchet MS"/>
-            </a:endParaRPr>
-          </a:p>
-          <a:p>
-            <a:pPr lvl="1" marL="743040" indent="-285480">
+          </a:p>
+          <a:p>
+            <a:pPr marL="743040" lvl="1" indent="-285480">
               <a:lnSpc>
                 <a:spcPct val="100000"/>
               </a:lnSpc>
@@ -6547,14 +7115,14 @@
                 <a:spcPts val="1001"/>
               </a:spcBef>
               <a:buClr>
-                <a:srgbClr val="5fcbef"/>
+                <a:srgbClr val="5FCBEF"/>
               </a:buClr>
               <a:buSzPct val="80000"/>
               <a:buFont typeface="Wingdings 3" charset="2"/>
               <a:buChar char=""/>
             </a:pPr>
             <a:r>
-              <a:rPr b="0" lang="en-US" sz="1600" spc="-1" strike="noStrike">
+              <a:rPr lang="en-US" sz="1600" b="0" strike="noStrike" spc="-1">
                 <a:solidFill>
                   <a:srgbClr val="404040"/>
                 </a:solidFill>
@@ -6562,15 +7130,9 @@
               </a:rPr>
               <a:t>Second level</a:t>
             </a:r>
-            <a:endParaRPr b="0" lang="en-US" sz="1600" spc="-1" strike="noStrike">
-              <a:solidFill>
-                <a:srgbClr val="404040"/>
-              </a:solidFill>
-              <a:latin typeface="Trebuchet MS"/>
-            </a:endParaRPr>
-          </a:p>
-          <a:p>
-            <a:pPr lvl="2" marL="1143000" indent="-228240">
+          </a:p>
+          <a:p>
+            <a:pPr marL="1143000" lvl="2" indent="-228240">
               <a:lnSpc>
                 <a:spcPct val="100000"/>
               </a:lnSpc>
@@ -6578,14 +7140,14 @@
                 <a:spcPts val="1001"/>
               </a:spcBef>
               <a:buClr>
-                <a:srgbClr val="5fcbef"/>
+                <a:srgbClr val="5FCBEF"/>
               </a:buClr>
               <a:buSzPct val="80000"/>
               <a:buFont typeface="Wingdings 3" charset="2"/>
               <a:buChar char=""/>
             </a:pPr>
             <a:r>
-              <a:rPr b="0" lang="en-US" sz="1400" spc="-1" strike="noStrike">
+              <a:rPr lang="en-US" sz="1400" b="0" strike="noStrike" spc="-1">
                 <a:solidFill>
                   <a:srgbClr val="404040"/>
                 </a:solidFill>
@@ -6593,15 +7155,9 @@
               </a:rPr>
               <a:t>Third level</a:t>
             </a:r>
-            <a:endParaRPr b="0" lang="en-US" sz="1400" spc="-1" strike="noStrike">
-              <a:solidFill>
-                <a:srgbClr val="404040"/>
-              </a:solidFill>
-              <a:latin typeface="Trebuchet MS"/>
-            </a:endParaRPr>
-          </a:p>
-          <a:p>
-            <a:pPr lvl="3" marL="1600200" indent="-228240">
+          </a:p>
+          <a:p>
+            <a:pPr marL="1600200" lvl="3" indent="-228240">
               <a:lnSpc>
                 <a:spcPct val="100000"/>
               </a:lnSpc>
@@ -6609,14 +7165,14 @@
                 <a:spcPts val="1001"/>
               </a:spcBef>
               <a:buClr>
-                <a:srgbClr val="5fcbef"/>
+                <a:srgbClr val="5FCBEF"/>
               </a:buClr>
               <a:buSzPct val="80000"/>
               <a:buFont typeface="Wingdings 3" charset="2"/>
               <a:buChar char=""/>
             </a:pPr>
             <a:r>
-              <a:rPr b="0" lang="en-US" sz="1200" spc="-1" strike="noStrike">
+              <a:rPr lang="en-US" sz="1200" b="0" strike="noStrike" spc="-1">
                 <a:solidFill>
                   <a:srgbClr val="404040"/>
                 </a:solidFill>
@@ -6624,15 +7180,9 @@
               </a:rPr>
               <a:t>Fourth level</a:t>
             </a:r>
-            <a:endParaRPr b="0" lang="en-US" sz="1200" spc="-1" strike="noStrike">
-              <a:solidFill>
-                <a:srgbClr val="404040"/>
-              </a:solidFill>
-              <a:latin typeface="Trebuchet MS"/>
-            </a:endParaRPr>
-          </a:p>
-          <a:p>
-            <a:pPr lvl="4" marL="2057400" indent="-228240">
+          </a:p>
+          <a:p>
+            <a:pPr marL="2057400" lvl="4" indent="-228240">
               <a:lnSpc>
                 <a:spcPct val="100000"/>
               </a:lnSpc>
@@ -6640,14 +7190,14 @@
                 <a:spcPts val="1001"/>
               </a:spcBef>
               <a:buClr>
-                <a:srgbClr val="5fcbef"/>
+                <a:srgbClr val="5FCBEF"/>
               </a:buClr>
               <a:buSzPct val="80000"/>
               <a:buFont typeface="Wingdings 3" charset="2"/>
               <a:buChar char=""/>
             </a:pPr>
             <a:r>
-              <a:rPr b="0" lang="en-US" sz="1200" spc="-1" strike="noStrike">
+              <a:rPr lang="en-US" sz="1200" b="0" strike="noStrike" spc="-1">
                 <a:solidFill>
                   <a:srgbClr val="404040"/>
                 </a:solidFill>
@@ -6655,12 +7205,6 @@
               </a:rPr>
               <a:t>Fifth level</a:t>
             </a:r>
-            <a:endParaRPr b="0" lang="en-US" sz="1200" spc="-1" strike="noStrike">
-              <a:solidFill>
-                <a:srgbClr val="404040"/>
-              </a:solidFill>
-              <a:latin typeface="Trebuchet MS"/>
-            </a:endParaRPr>
           </a:p>
         </p:txBody>
       </p:sp>
@@ -6685,6 +7229,7 @@
         </p:spPr>
         <p:txBody>
           <a:bodyPr anchor="ctr"/>
+          <a:lstStyle/>
           <a:p>
             <a:pPr algn="r">
               <a:lnSpc>
@@ -6692,15 +7237,15 @@
               </a:lnSpc>
             </a:pPr>
             <a:fld id="{54ED3271-15C9-4563-89C0-0D186F457703}" type="datetime">
-              <a:rPr b="0" lang="en-GB" sz="900" spc="-1" strike="noStrike">
+              <a:rPr lang="en-GB" sz="900" b="0" strike="noStrike" spc="-1">
                 <a:solidFill>
-                  <a:srgbClr val="8b8b8b"/>
+                  <a:srgbClr val="8B8B8B"/>
                 </a:solidFill>
                 <a:latin typeface="Trebuchet MS"/>
               </a:rPr>
-              <a:t>29/11/19</a:t>
+              <a:t>09/12/2019</a:t>
             </a:fld>
-            <a:endParaRPr b="0" lang="en-GB" sz="900" spc="-1" strike="noStrike">
+            <a:endParaRPr lang="en-GB" sz="900" b="0" strike="noStrike" spc="-1">
               <a:latin typeface="Times New Roman"/>
             </a:endParaRPr>
           </a:p>
@@ -6727,8 +7272,9 @@
         </p:spPr>
         <p:txBody>
           <a:bodyPr anchor="ctr"/>
-          <a:p>
-            <a:endParaRPr b="0" lang="en-GB" sz="2400" spc="-1" strike="noStrike">
+          <a:lstStyle/>
+          <a:p>
+            <a:endParaRPr lang="en-GB" sz="2400" b="0" strike="noStrike" spc="-1">
               <a:latin typeface="Times New Roman"/>
             </a:endParaRPr>
           </a:p>
@@ -6755,6 +7301,7 @@
         </p:spPr>
         <p:txBody>
           <a:bodyPr anchor="ctr"/>
+          <a:lstStyle/>
           <a:p>
             <a:pPr algn="r">
               <a:lnSpc>
@@ -6762,15 +7309,15 @@
               </a:lnSpc>
             </a:pPr>
             <a:fld id="{F169B522-B735-42FB-902F-8A5A00C1604C}" type="slidenum">
-              <a:rPr b="0" lang="en-GB" sz="900" spc="-1" strike="noStrike">
+              <a:rPr lang="en-GB" sz="900" b="0" strike="noStrike" spc="-1">
                 <a:solidFill>
-                  <a:srgbClr val="5fcbef"/>
+                  <a:srgbClr val="5FCBEF"/>
                 </a:solidFill>
                 <a:latin typeface="Trebuchet MS"/>
               </a:rPr>
-              <a:t>&lt;number&gt;</a:t>
+              <a:t>‹Nr.›</a:t>
             </a:fld>
-            <a:endParaRPr b="0" lang="en-GB" sz="900" spc="-1" strike="noStrike">
+            <a:endParaRPr lang="en-GB" sz="900" b="0" strike="noStrike" spc="-1">
               <a:latin typeface="Times New Roman"/>
             </a:endParaRPr>
           </a:p>
@@ -6778,32 +7325,313 @@
       </p:sp>
     </p:spTree>
   </p:cSld>
-  <p:clrMap bg1="lt1" bg2="lt2" tx1="dk1" tx2="dk2" accent1="accent1" accent2="accent2" accent3="accent3" accent4="accent4" accent5="accent5" accent6="accent6" hlink="hlink" folHlink="folHlink"/>
+  <p:clrMap bg1="lt1" tx1="dk1" bg2="lt2" tx2="dk2" accent1="accent1" accent2="accent2" accent3="accent3" accent4="accent4" accent5="accent5" accent6="accent6" hlink="hlink" folHlink="folHlink"/>
   <p:sldLayoutIdLst>
-    <p:sldLayoutId id="2147483662" r:id="rId2"/>
-    <p:sldLayoutId id="2147483663" r:id="rId3"/>
-    <p:sldLayoutId id="2147483664" r:id="rId4"/>
-    <p:sldLayoutId id="2147483665" r:id="rId5"/>
-    <p:sldLayoutId id="2147483666" r:id="rId6"/>
-    <p:sldLayoutId id="2147483667" r:id="rId7"/>
-    <p:sldLayoutId id="2147483668" r:id="rId8"/>
-    <p:sldLayoutId id="2147483669" r:id="rId9"/>
-    <p:sldLayoutId id="2147483670" r:id="rId10"/>
-    <p:sldLayoutId id="2147483671" r:id="rId11"/>
-    <p:sldLayoutId id="2147483672" r:id="rId12"/>
-    <p:sldLayoutId id="2147483673" r:id="rId13"/>
+    <p:sldLayoutId id="2147483662" r:id="rId1"/>
+    <p:sldLayoutId id="2147483663" r:id="rId2"/>
+    <p:sldLayoutId id="2147483664" r:id="rId3"/>
+    <p:sldLayoutId id="2147483665" r:id="rId4"/>
+    <p:sldLayoutId id="2147483666" r:id="rId5"/>
+    <p:sldLayoutId id="2147483667" r:id="rId6"/>
+    <p:sldLayoutId id="2147483668" r:id="rId7"/>
+    <p:sldLayoutId id="2147483669" r:id="rId8"/>
+    <p:sldLayoutId id="2147483670" r:id="rId9"/>
+    <p:sldLayoutId id="2147483671" r:id="rId10"/>
+    <p:sldLayoutId id="2147483672" r:id="rId11"/>
+    <p:sldLayoutId id="2147483673" r:id="rId12"/>
   </p:sldLayoutIdLst>
+  <p:txStyles>
+    <p:titleStyle>
+      <a:lvl1pPr algn="l" defTabSz="914400" rtl="0" eaLnBrk="1" latinLnBrk="0" hangingPunct="1">
+        <a:lnSpc>
+          <a:spcPct val="90000"/>
+        </a:lnSpc>
+        <a:spcBef>
+          <a:spcPct val="0"/>
+        </a:spcBef>
+        <a:buNone/>
+        <a:defRPr sz="4400" kern="1200">
+          <a:solidFill>
+            <a:schemeClr val="tx1"/>
+          </a:solidFill>
+          <a:latin typeface="+mj-lt"/>
+          <a:ea typeface="+mj-ea"/>
+          <a:cs typeface="+mj-cs"/>
+        </a:defRPr>
+      </a:lvl1pPr>
+    </p:titleStyle>
+    <p:bodyStyle>
+      <a:lvl1pPr marL="228600" indent="-228600" algn="l" defTabSz="914400" rtl="0" eaLnBrk="1" latinLnBrk="0" hangingPunct="1">
+        <a:lnSpc>
+          <a:spcPct val="90000"/>
+        </a:lnSpc>
+        <a:spcBef>
+          <a:spcPts val="1000"/>
+        </a:spcBef>
+        <a:buFont typeface="Arial" panose="020B0604020202020204" pitchFamily="34" charset="0"/>
+        <a:buChar char="•"/>
+        <a:defRPr sz="2800" kern="1200">
+          <a:solidFill>
+            <a:schemeClr val="tx1"/>
+          </a:solidFill>
+          <a:latin typeface="+mn-lt"/>
+          <a:ea typeface="+mn-ea"/>
+          <a:cs typeface="+mn-cs"/>
+        </a:defRPr>
+      </a:lvl1pPr>
+      <a:lvl2pPr marL="685800" indent="-228600" algn="l" defTabSz="914400" rtl="0" eaLnBrk="1" latinLnBrk="0" hangingPunct="1">
+        <a:lnSpc>
+          <a:spcPct val="90000"/>
+        </a:lnSpc>
+        <a:spcBef>
+          <a:spcPts val="500"/>
+        </a:spcBef>
+        <a:buFont typeface="Arial" panose="020B0604020202020204" pitchFamily="34" charset="0"/>
+        <a:buChar char="•"/>
+        <a:defRPr sz="2400" kern="1200">
+          <a:solidFill>
+            <a:schemeClr val="tx1"/>
+          </a:solidFill>
+          <a:latin typeface="+mn-lt"/>
+          <a:ea typeface="+mn-ea"/>
+          <a:cs typeface="+mn-cs"/>
+        </a:defRPr>
+      </a:lvl2pPr>
+      <a:lvl3pPr marL="1143000" indent="-228600" algn="l" defTabSz="914400" rtl="0" eaLnBrk="1" latinLnBrk="0" hangingPunct="1">
+        <a:lnSpc>
+          <a:spcPct val="90000"/>
+        </a:lnSpc>
+        <a:spcBef>
+          <a:spcPts val="500"/>
+        </a:spcBef>
+        <a:buFont typeface="Arial" panose="020B0604020202020204" pitchFamily="34" charset="0"/>
+        <a:buChar char="•"/>
+        <a:defRPr sz="2000" kern="1200">
+          <a:solidFill>
+            <a:schemeClr val="tx1"/>
+          </a:solidFill>
+          <a:latin typeface="+mn-lt"/>
+          <a:ea typeface="+mn-ea"/>
+          <a:cs typeface="+mn-cs"/>
+        </a:defRPr>
+      </a:lvl3pPr>
+      <a:lvl4pPr marL="1600200" indent="-228600" algn="l" defTabSz="914400" rtl="0" eaLnBrk="1" latinLnBrk="0" hangingPunct="1">
+        <a:lnSpc>
+          <a:spcPct val="90000"/>
+        </a:lnSpc>
+        <a:spcBef>
+          <a:spcPts val="500"/>
+        </a:spcBef>
+        <a:buFont typeface="Arial" panose="020B0604020202020204" pitchFamily="34" charset="0"/>
+        <a:buChar char="•"/>
+        <a:defRPr sz="1800" kern="1200">
+          <a:solidFill>
+            <a:schemeClr val="tx1"/>
+          </a:solidFill>
+          <a:latin typeface="+mn-lt"/>
+          <a:ea typeface="+mn-ea"/>
+          <a:cs typeface="+mn-cs"/>
+        </a:defRPr>
+      </a:lvl4pPr>
+      <a:lvl5pPr marL="2057400" indent="-228600" algn="l" defTabSz="914400" rtl="0" eaLnBrk="1" latinLnBrk="0" hangingPunct="1">
+        <a:lnSpc>
+          <a:spcPct val="90000"/>
+        </a:lnSpc>
+        <a:spcBef>
+          <a:spcPts val="500"/>
+        </a:spcBef>
+        <a:buFont typeface="Arial" panose="020B0604020202020204" pitchFamily="34" charset="0"/>
+        <a:buChar char="•"/>
+        <a:defRPr sz="1800" kern="1200">
+          <a:solidFill>
+            <a:schemeClr val="tx1"/>
+          </a:solidFill>
+          <a:latin typeface="+mn-lt"/>
+          <a:ea typeface="+mn-ea"/>
+          <a:cs typeface="+mn-cs"/>
+        </a:defRPr>
+      </a:lvl5pPr>
+      <a:lvl6pPr marL="2514600" indent="-228600" algn="l" defTabSz="914400" rtl="0" eaLnBrk="1" latinLnBrk="0" hangingPunct="1">
+        <a:lnSpc>
+          <a:spcPct val="90000"/>
+        </a:lnSpc>
+        <a:spcBef>
+          <a:spcPts val="500"/>
+        </a:spcBef>
+        <a:buFont typeface="Arial" panose="020B0604020202020204" pitchFamily="34" charset="0"/>
+        <a:buChar char="•"/>
+        <a:defRPr sz="1800" kern="1200">
+          <a:solidFill>
+            <a:schemeClr val="tx1"/>
+          </a:solidFill>
+          <a:latin typeface="+mn-lt"/>
+          <a:ea typeface="+mn-ea"/>
+          <a:cs typeface="+mn-cs"/>
+        </a:defRPr>
+      </a:lvl6pPr>
+      <a:lvl7pPr marL="2971800" indent="-228600" algn="l" defTabSz="914400" rtl="0" eaLnBrk="1" latinLnBrk="0" hangingPunct="1">
+        <a:lnSpc>
+          <a:spcPct val="90000"/>
+        </a:lnSpc>
+        <a:spcBef>
+          <a:spcPts val="500"/>
+        </a:spcBef>
+        <a:buFont typeface="Arial" panose="020B0604020202020204" pitchFamily="34" charset="0"/>
+        <a:buChar char="•"/>
+        <a:defRPr sz="1800" kern="1200">
+          <a:solidFill>
+            <a:schemeClr val="tx1"/>
+          </a:solidFill>
+          <a:latin typeface="+mn-lt"/>
+          <a:ea typeface="+mn-ea"/>
+          <a:cs typeface="+mn-cs"/>
+        </a:defRPr>
+      </a:lvl7pPr>
+      <a:lvl8pPr marL="3429000" indent="-228600" algn="l" defTabSz="914400" rtl="0" eaLnBrk="1" latinLnBrk="0" hangingPunct="1">
+        <a:lnSpc>
+          <a:spcPct val="90000"/>
+        </a:lnSpc>
+        <a:spcBef>
+          <a:spcPts val="500"/>
+        </a:spcBef>
+        <a:buFont typeface="Arial" panose="020B0604020202020204" pitchFamily="34" charset="0"/>
+        <a:buChar char="•"/>
+        <a:defRPr sz="1800" kern="1200">
+          <a:solidFill>
+            <a:schemeClr val="tx1"/>
+          </a:solidFill>
+          <a:latin typeface="+mn-lt"/>
+          <a:ea typeface="+mn-ea"/>
+          <a:cs typeface="+mn-cs"/>
+        </a:defRPr>
+      </a:lvl8pPr>
+      <a:lvl9pPr marL="3886200" indent="-228600" algn="l" defTabSz="914400" rtl="0" eaLnBrk="1" latinLnBrk="0" hangingPunct="1">
+        <a:lnSpc>
+          <a:spcPct val="90000"/>
+        </a:lnSpc>
+        <a:spcBef>
+          <a:spcPts val="500"/>
+        </a:spcBef>
+        <a:buFont typeface="Arial" panose="020B0604020202020204" pitchFamily="34" charset="0"/>
+        <a:buChar char="•"/>
+        <a:defRPr sz="1800" kern="1200">
+          <a:solidFill>
+            <a:schemeClr val="tx1"/>
+          </a:solidFill>
+          <a:latin typeface="+mn-lt"/>
+          <a:ea typeface="+mn-ea"/>
+          <a:cs typeface="+mn-cs"/>
+        </a:defRPr>
+      </a:lvl9pPr>
+    </p:bodyStyle>
+    <p:otherStyle>
+      <a:defPPr>
+        <a:defRPr lang="en-DE"/>
+      </a:defPPr>
+      <a:lvl1pPr marL="0" algn="l" defTabSz="914400" rtl="0" eaLnBrk="1" latinLnBrk="0" hangingPunct="1">
+        <a:defRPr sz="1800" kern="1200">
+          <a:solidFill>
+            <a:schemeClr val="tx1"/>
+          </a:solidFill>
+          <a:latin typeface="+mn-lt"/>
+          <a:ea typeface="+mn-ea"/>
+          <a:cs typeface="+mn-cs"/>
+        </a:defRPr>
+      </a:lvl1pPr>
+      <a:lvl2pPr marL="457200" algn="l" defTabSz="914400" rtl="0" eaLnBrk="1" latinLnBrk="0" hangingPunct="1">
+        <a:defRPr sz="1800" kern="1200">
+          <a:solidFill>
+            <a:schemeClr val="tx1"/>
+          </a:solidFill>
+          <a:latin typeface="+mn-lt"/>
+          <a:ea typeface="+mn-ea"/>
+          <a:cs typeface="+mn-cs"/>
+        </a:defRPr>
+      </a:lvl2pPr>
+      <a:lvl3pPr marL="914400" algn="l" defTabSz="914400" rtl="0" eaLnBrk="1" latinLnBrk="0" hangingPunct="1">
+        <a:defRPr sz="1800" kern="1200">
+          <a:solidFill>
+            <a:schemeClr val="tx1"/>
+          </a:solidFill>
+          <a:latin typeface="+mn-lt"/>
+          <a:ea typeface="+mn-ea"/>
+          <a:cs typeface="+mn-cs"/>
+        </a:defRPr>
+      </a:lvl3pPr>
+      <a:lvl4pPr marL="1371600" algn="l" defTabSz="914400" rtl="0" eaLnBrk="1" latinLnBrk="0" hangingPunct="1">
+        <a:defRPr sz="1800" kern="1200">
+          <a:solidFill>
+            <a:schemeClr val="tx1"/>
+          </a:solidFill>
+          <a:latin typeface="+mn-lt"/>
+          <a:ea typeface="+mn-ea"/>
+          <a:cs typeface="+mn-cs"/>
+        </a:defRPr>
+      </a:lvl4pPr>
+      <a:lvl5pPr marL="1828800" algn="l" defTabSz="914400" rtl="0" eaLnBrk="1" latinLnBrk="0" hangingPunct="1">
+        <a:defRPr sz="1800" kern="1200">
+          <a:solidFill>
+            <a:schemeClr val="tx1"/>
+          </a:solidFill>
+          <a:latin typeface="+mn-lt"/>
+          <a:ea typeface="+mn-ea"/>
+          <a:cs typeface="+mn-cs"/>
+        </a:defRPr>
+      </a:lvl5pPr>
+      <a:lvl6pPr marL="2286000" algn="l" defTabSz="914400" rtl="0" eaLnBrk="1" latinLnBrk="0" hangingPunct="1">
+        <a:defRPr sz="1800" kern="1200">
+          <a:solidFill>
+            <a:schemeClr val="tx1"/>
+          </a:solidFill>
+          <a:latin typeface="+mn-lt"/>
+          <a:ea typeface="+mn-ea"/>
+          <a:cs typeface="+mn-cs"/>
+        </a:defRPr>
+      </a:lvl6pPr>
+      <a:lvl7pPr marL="2743200" algn="l" defTabSz="914400" rtl="0" eaLnBrk="1" latinLnBrk="0" hangingPunct="1">
+        <a:defRPr sz="1800" kern="1200">
+          <a:solidFill>
+            <a:schemeClr val="tx1"/>
+          </a:solidFill>
+          <a:latin typeface="+mn-lt"/>
+          <a:ea typeface="+mn-ea"/>
+          <a:cs typeface="+mn-cs"/>
+        </a:defRPr>
+      </a:lvl7pPr>
+      <a:lvl8pPr marL="3200400" algn="l" defTabSz="914400" rtl="0" eaLnBrk="1" latinLnBrk="0" hangingPunct="1">
+        <a:defRPr sz="1800" kern="1200">
+          <a:solidFill>
+            <a:schemeClr val="tx1"/>
+          </a:solidFill>
+          <a:latin typeface="+mn-lt"/>
+          <a:ea typeface="+mn-ea"/>
+          <a:cs typeface="+mn-cs"/>
+        </a:defRPr>
+      </a:lvl8pPr>
+      <a:lvl9pPr marL="3657600" algn="l" defTabSz="914400" rtl="0" eaLnBrk="1" latinLnBrk="0" hangingPunct="1">
+        <a:defRPr sz="1800" kern="1200">
+          <a:solidFill>
+            <a:schemeClr val="tx1"/>
+          </a:solidFill>
+          <a:latin typeface="+mn-lt"/>
+          <a:ea typeface="+mn-ea"/>
+          <a:cs typeface="+mn-cs"/>
+        </a:defRPr>
+      </a:lvl9pPr>
+    </p:otherStyle>
+  </p:txStyles>
 </p:sldMaster>
 </file>
 
 <file path=ppt/slideMasters/slideMaster3.xml><?xml version="1.0" encoding="utf-8"?>
-<p:sldMaster xmlns:a="http://schemas.openxmlformats.org/drawingml/2006/main" xmlns:p="http://schemas.openxmlformats.org/presentationml/2006/main" xmlns:r="http://schemas.openxmlformats.org/officeDocument/2006/relationships" xmlns:p14="http://schemas.microsoft.com/office/powerpoint/2010/main" xmlns:p15="http://schemas.microsoft.com/office/powerpoint/2012/main" xmlns:mc="http://schemas.openxmlformats.org/markup-compatibility/2006">
+<p:sldMaster xmlns:a="http://schemas.openxmlformats.org/drawingml/2006/main" xmlns:r="http://schemas.openxmlformats.org/officeDocument/2006/relationships" xmlns:p="http://schemas.openxmlformats.org/presentationml/2006/main">
   <p:cSld>
     <p:bg>
       <p:bgPr>
         <a:solidFill>
-          <a:srgbClr val="ffffff"/>
+          <a:srgbClr val="FFFFFF"/>
         </a:solidFill>
+        <a:effectLst/>
       </p:bgPr>
     </p:bg>
     <p:spTree>
@@ -6921,6 +7749,7 @@
               <a:avLst/>
               <a:gdLst/>
               <a:ahLst/>
+              <a:cxnLst/>
               <a:rect l="l" t="t" r="r" b="b"/>
               <a:pathLst>
                 <a:path w="3007349" h="6866467">
@@ -6952,7 +7781,7 @@
               <a:noFill/>
             </a:ln>
             <a:effectLst>
-              <a:outerShdw blurRad="38100" dir="5400000" dist="25400" rotWithShape="0">
+              <a:outerShdw blurRad="38100" dist="25400" dir="5400000" rotWithShape="0">
                 <a:srgbClr val="000000">
                   <a:alpha val="35000"/>
                 </a:srgbClr>
@@ -6987,6 +7816,7 @@
               <a:avLst/>
               <a:gdLst/>
               <a:ahLst/>
+              <a:cxnLst/>
               <a:rect l="l" t="t" r="r" b="b"/>
               <a:pathLst>
                 <a:path w="2573311" h="6866467">
@@ -7018,7 +7848,7 @@
               <a:noFill/>
             </a:ln>
             <a:effectLst>
-              <a:outerShdw blurRad="38100" dir="5400000" dist="25400" rotWithShape="0">
+              <a:outerShdw blurRad="38100" dist="25400" dir="5400000" rotWithShape="0">
                 <a:srgbClr val="000000">
                   <a:alpha val="35000"/>
                 </a:srgbClr>
@@ -7064,7 +7894,7 @@
               <a:noFill/>
             </a:ln>
             <a:effectLst>
-              <a:outerShdw blurRad="38100" dir="5400000" dist="25400" rotWithShape="0">
+              <a:outerShdw blurRad="38100" dist="25400" dir="5400000" rotWithShape="0">
                 <a:srgbClr val="000000">
                   <a:alpha val="35000"/>
                 </a:srgbClr>
@@ -7099,6 +7929,7 @@
               <a:avLst/>
               <a:gdLst/>
               <a:ahLst/>
+              <a:cxnLst/>
               <a:rect l="l" t="t" r="r" b="b"/>
               <a:pathLst>
                 <a:path w="2858013" h="6866467">
@@ -7131,7 +7962,7 @@
               <a:noFill/>
             </a:ln>
             <a:effectLst>
-              <a:outerShdw blurRad="38100" dir="5400000" dist="25400" rotWithShape="0">
+              <a:outerShdw blurRad="38100" dist="25400" dir="5400000" rotWithShape="0">
                 <a:srgbClr val="000000">
                   <a:alpha val="35000"/>
                 </a:srgbClr>
@@ -7166,6 +7997,7 @@
               <a:avLst/>
               <a:gdLst/>
               <a:ahLst/>
+              <a:cxnLst/>
               <a:rect l="l" t="t" r="r" b="b"/>
               <a:pathLst>
                 <a:path w="1290094" h="6858000">
@@ -7197,7 +8029,7 @@
               <a:noFill/>
             </a:ln>
             <a:effectLst>
-              <a:outerShdw blurRad="38100" dir="5400000" dist="25400" rotWithShape="0">
+              <a:outerShdw blurRad="38100" dist="25400" dir="5400000" rotWithShape="0">
                 <a:srgbClr val="000000">
                   <a:alpha val="35000"/>
                 </a:srgbClr>
@@ -7232,6 +8064,7 @@
               <a:avLst/>
               <a:gdLst/>
               <a:ahLst/>
+              <a:cxnLst/>
               <a:rect l="l" t="t" r="r" b="b"/>
               <a:pathLst>
                 <a:path w="1249825" h="6858000">
@@ -7264,7 +8097,7 @@
               <a:noFill/>
             </a:ln>
             <a:effectLst>
-              <a:outerShdw blurRad="38100" dir="5400000" dist="25400" rotWithShape="0">
+              <a:outerShdw blurRad="38100" dist="25400" dir="5400000" rotWithShape="0">
                 <a:srgbClr val="000000">
                   <a:alpha val="35000"/>
                 </a:srgbClr>
@@ -7310,7 +8143,7 @@
               <a:noFill/>
             </a:ln>
             <a:effectLst>
-              <a:outerShdw blurRad="38100" dir="5400000" dist="25400" rotWithShape="0">
+              <a:outerShdw blurRad="38100" dist="25400" dir="5400000" rotWithShape="0">
                 <a:srgbClr val="000000">
                   <a:alpha val="35000"/>
                 </a:srgbClr>
@@ -7355,7 +8188,7 @@
               <a:noFill/>
             </a:ln>
             <a:effectLst>
-              <a:outerShdw blurRad="38100" dir="5400000" dist="25400" rotWithShape="0">
+              <a:outerShdw blurRad="38100" dist="25400" dir="5400000" rotWithShape="0">
                 <a:srgbClr val="000000">
                   <a:alpha val="35000"/>
                 </a:srgbClr>
@@ -7397,6 +8230,7 @@
         </p:spPr>
         <p:txBody>
           <a:bodyPr anchor="ctr"/>
+          <a:lstStyle/>
           <a:p>
             <a:pPr algn="r">
               <a:lnSpc>
@@ -7404,15 +8238,15 @@
               </a:lnSpc>
             </a:pPr>
             <a:fld id="{8585286A-97D6-401E-886C-642D83BEF396}" type="datetime">
-              <a:rPr b="0" lang="en-GB" sz="900" spc="-1" strike="noStrike">
+              <a:rPr lang="en-GB" sz="900" b="0" strike="noStrike" spc="-1">
                 <a:solidFill>
-                  <a:srgbClr val="8b8b8b"/>
+                  <a:srgbClr val="8B8B8B"/>
                 </a:solidFill>
                 <a:latin typeface="Trebuchet MS"/>
               </a:rPr>
-              <a:t>29/11/19</a:t>
+              <a:t>09/12/2019</a:t>
             </a:fld>
-            <a:endParaRPr b="0" lang="en-GB" sz="900" spc="-1" strike="noStrike">
+            <a:endParaRPr lang="en-GB" sz="900" b="0" strike="noStrike" spc="-1">
               <a:latin typeface="Times New Roman"/>
             </a:endParaRPr>
           </a:p>
@@ -7439,8 +8273,9 @@
         </p:spPr>
         <p:txBody>
           <a:bodyPr anchor="ctr"/>
-          <a:p>
-            <a:endParaRPr b="0" lang="en-GB" sz="2400" spc="-1" strike="noStrike">
+          <a:lstStyle/>
+          <a:p>
+            <a:endParaRPr lang="en-GB" sz="2400" b="0" strike="noStrike" spc="-1">
               <a:latin typeface="Times New Roman"/>
             </a:endParaRPr>
           </a:p>
@@ -7467,6 +8302,7 @@
         </p:spPr>
         <p:txBody>
           <a:bodyPr anchor="ctr"/>
+          <a:lstStyle/>
           <a:p>
             <a:pPr algn="r">
               <a:lnSpc>
@@ -7474,15 +8310,15 @@
               </a:lnSpc>
             </a:pPr>
             <a:fld id="{B827041B-6A5C-49AA-97F3-9D16FCC4D21F}" type="slidenum">
-              <a:rPr b="0" lang="en-GB" sz="900" spc="-1" strike="noStrike">
+              <a:rPr lang="en-GB" sz="900" b="0" strike="noStrike" spc="-1">
                 <a:solidFill>
-                  <a:srgbClr val="5fcbef"/>
+                  <a:srgbClr val="5FCBEF"/>
                 </a:solidFill>
                 <a:latin typeface="Trebuchet MS"/>
               </a:rPr>
-              <a:t>&lt;number&gt;</a:t>
+              <a:t>‹Nr.›</a:t>
             </a:fld>
-            <a:endParaRPr b="0" lang="en-GB" sz="900" spc="-1" strike="noStrike">
+            <a:endParaRPr lang="en-GB" sz="900" b="0" strike="noStrike" spc="-1">
               <a:latin typeface="Times New Roman"/>
             </a:endParaRPr>
           </a:p>
@@ -7508,10 +8344,11 @@
           </a:prstGeom>
         </p:spPr>
         <p:txBody>
-          <a:bodyPr lIns="0" rIns="0" tIns="0" bIns="0" anchor="ctr"/>
+          <a:bodyPr lIns="0" tIns="0" rIns="0" bIns="0" anchor="ctr"/>
+          <a:lstStyle/>
           <a:p>
             <a:r>
-              <a:rPr b="0" lang="en-US" sz="1800" spc="-1" strike="noStrike">
+              <a:rPr lang="en-US" sz="1800" b="0" strike="noStrike" spc="-1">
                 <a:solidFill>
                   <a:srgbClr val="000000"/>
                 </a:solidFill>
@@ -7519,12 +8356,6 @@
               </a:rPr>
               <a:t>Click to edit the title text format</a:t>
             </a:r>
-            <a:endParaRPr b="0" lang="en-US" sz="1800" spc="-1" strike="noStrike">
-              <a:solidFill>
-                <a:srgbClr val="000000"/>
-              </a:solidFill>
-              <a:latin typeface="Trebuchet MS"/>
-            </a:endParaRPr>
           </a:p>
         </p:txBody>
       </p:sp>
@@ -7548,9 +8379,10 @@
           </a:prstGeom>
         </p:spPr>
         <p:txBody>
-          <a:bodyPr lIns="0" rIns="0" tIns="0" bIns="0">
+          <a:bodyPr lIns="0" tIns="0" rIns="0" bIns="0">
             <a:normAutofit/>
           </a:bodyPr>
+          <a:lstStyle/>
           <a:p>
             <a:pPr marL="432000" indent="-324000">
               <a:spcBef>
@@ -7564,7 +8396,7 @@
               <a:buChar char=""/>
             </a:pPr>
             <a:r>
-              <a:rPr b="0" lang="en-US" sz="1800" spc="-1" strike="noStrike">
+              <a:rPr lang="en-US" sz="1800" b="0" strike="noStrike" spc="-1">
                 <a:solidFill>
                   <a:srgbClr val="404040"/>
                 </a:solidFill>
@@ -7572,15 +8404,9 @@
               </a:rPr>
               <a:t>Click to edit the outline text format</a:t>
             </a:r>
-            <a:endParaRPr b="0" lang="en-US" sz="1800" spc="-1" strike="noStrike">
-              <a:solidFill>
-                <a:srgbClr val="404040"/>
-              </a:solidFill>
-              <a:latin typeface="Trebuchet MS"/>
-            </a:endParaRPr>
-          </a:p>
-          <a:p>
-            <a:pPr lvl="1" marL="864000" indent="-324000">
+          </a:p>
+          <a:p>
+            <a:pPr marL="864000" lvl="1" indent="-324000">
               <a:spcBef>
                 <a:spcPts val="1134"/>
               </a:spcBef>
@@ -7592,7 +8418,7 @@
               <a:buChar char=""/>
             </a:pPr>
             <a:r>
-              <a:rPr b="0" lang="en-US" sz="1400" spc="-1" strike="noStrike">
+              <a:rPr lang="en-US" sz="1400" b="0" strike="noStrike" spc="-1">
                 <a:solidFill>
                   <a:srgbClr val="404040"/>
                 </a:solidFill>
@@ -7600,15 +8426,9 @@
               </a:rPr>
               <a:t>Second Outline Level</a:t>
             </a:r>
-            <a:endParaRPr b="0" lang="en-US" sz="1400" spc="-1" strike="noStrike">
-              <a:solidFill>
-                <a:srgbClr val="404040"/>
-              </a:solidFill>
-              <a:latin typeface="Trebuchet MS"/>
-            </a:endParaRPr>
-          </a:p>
-          <a:p>
-            <a:pPr lvl="2" marL="1296000" indent="-288000">
+          </a:p>
+          <a:p>
+            <a:pPr marL="1296000" lvl="2" indent="-288000">
               <a:spcBef>
                 <a:spcPts val="850"/>
               </a:spcBef>
@@ -7620,7 +8440,7 @@
               <a:buChar char=""/>
             </a:pPr>
             <a:r>
-              <a:rPr b="0" lang="en-US" sz="1200" spc="-1" strike="noStrike">
+              <a:rPr lang="en-US" sz="1200" b="0" strike="noStrike" spc="-1">
                 <a:solidFill>
                   <a:srgbClr val="404040"/>
                 </a:solidFill>
@@ -7628,15 +8448,9 @@
               </a:rPr>
               <a:t>Third Outline Level</a:t>
             </a:r>
-            <a:endParaRPr b="0" lang="en-US" sz="1200" spc="-1" strike="noStrike">
-              <a:solidFill>
-                <a:srgbClr val="404040"/>
-              </a:solidFill>
-              <a:latin typeface="Trebuchet MS"/>
-            </a:endParaRPr>
-          </a:p>
-          <a:p>
-            <a:pPr lvl="3" marL="1728000" indent="-216000">
+          </a:p>
+          <a:p>
+            <a:pPr marL="1728000" lvl="3" indent="-216000">
               <a:spcBef>
                 <a:spcPts val="567"/>
               </a:spcBef>
@@ -7648,7 +8462,7 @@
               <a:buChar char=""/>
             </a:pPr>
             <a:r>
-              <a:rPr b="0" lang="en-US" sz="1200" spc="-1" strike="noStrike">
+              <a:rPr lang="en-US" sz="1200" b="0" strike="noStrike" spc="-1">
                 <a:solidFill>
                   <a:srgbClr val="404040"/>
                 </a:solidFill>
@@ -7656,15 +8470,9 @@
               </a:rPr>
               <a:t>Fourth Outline Level</a:t>
             </a:r>
-            <a:endParaRPr b="0" lang="en-US" sz="1200" spc="-1" strike="noStrike">
-              <a:solidFill>
-                <a:srgbClr val="404040"/>
-              </a:solidFill>
-              <a:latin typeface="Trebuchet MS"/>
-            </a:endParaRPr>
-          </a:p>
-          <a:p>
-            <a:pPr lvl="4" marL="2160000" indent="-216000">
+          </a:p>
+          <a:p>
+            <a:pPr marL="2160000" lvl="4" indent="-216000">
               <a:spcBef>
                 <a:spcPts val="283"/>
               </a:spcBef>
@@ -7676,7 +8484,7 @@
               <a:buChar char=""/>
             </a:pPr>
             <a:r>
-              <a:rPr b="0" lang="en-US" sz="2000" spc="-1" strike="noStrike">
+              <a:rPr lang="en-US" sz="2000" b="0" strike="noStrike" spc="-1">
                 <a:solidFill>
                   <a:srgbClr val="404040"/>
                 </a:solidFill>
@@ -7684,15 +8492,9 @@
               </a:rPr>
               <a:t>Fifth Outline Level</a:t>
             </a:r>
-            <a:endParaRPr b="0" lang="en-US" sz="2000" spc="-1" strike="noStrike">
-              <a:solidFill>
-                <a:srgbClr val="404040"/>
-              </a:solidFill>
-              <a:latin typeface="Trebuchet MS"/>
-            </a:endParaRPr>
-          </a:p>
-          <a:p>
-            <a:pPr lvl="5" marL="2592000" indent="-216000">
+          </a:p>
+          <a:p>
+            <a:pPr marL="2592000" lvl="5" indent="-216000">
               <a:spcBef>
                 <a:spcPts val="283"/>
               </a:spcBef>
@@ -7704,7 +8506,7 @@
               <a:buChar char=""/>
             </a:pPr>
             <a:r>
-              <a:rPr b="0" lang="en-US" sz="2000" spc="-1" strike="noStrike">
+              <a:rPr lang="en-US" sz="2000" b="0" strike="noStrike" spc="-1">
                 <a:solidFill>
                   <a:srgbClr val="404040"/>
                 </a:solidFill>
@@ -7712,15 +8514,9 @@
               </a:rPr>
               <a:t>Sixth Outline Level</a:t>
             </a:r>
-            <a:endParaRPr b="0" lang="en-US" sz="2000" spc="-1" strike="noStrike">
-              <a:solidFill>
-                <a:srgbClr val="404040"/>
-              </a:solidFill>
-              <a:latin typeface="Trebuchet MS"/>
-            </a:endParaRPr>
-          </a:p>
-          <a:p>
-            <a:pPr lvl="6" marL="3024000" indent="-216000">
+          </a:p>
+          <a:p>
+            <a:pPr marL="3024000" lvl="6" indent="-216000">
               <a:spcBef>
                 <a:spcPts val="283"/>
               </a:spcBef>
@@ -7732,7 +8528,7 @@
               <a:buChar char=""/>
             </a:pPr>
             <a:r>
-              <a:rPr b="0" lang="en-US" sz="2000" spc="-1" strike="noStrike">
+              <a:rPr lang="en-US" sz="2000" b="0" strike="noStrike" spc="-1">
                 <a:solidFill>
                   <a:srgbClr val="404040"/>
                 </a:solidFill>
@@ -7740,43 +8536,318 @@
               </a:rPr>
               <a:t>Seventh Outline Level</a:t>
             </a:r>
-            <a:endParaRPr b="0" lang="en-US" sz="2000" spc="-1" strike="noStrike">
-              <a:solidFill>
-                <a:srgbClr val="404040"/>
-              </a:solidFill>
-              <a:latin typeface="Trebuchet MS"/>
-            </a:endParaRPr>
           </a:p>
         </p:txBody>
       </p:sp>
     </p:spTree>
   </p:cSld>
-  <p:clrMap bg1="lt1" bg2="lt2" tx1="dk1" tx2="dk2" accent1="accent1" accent2="accent2" accent3="accent3" accent4="accent4" accent5="accent5" accent6="accent6" hlink="hlink" folHlink="folHlink"/>
+  <p:clrMap bg1="lt1" tx1="dk1" bg2="lt2" tx2="dk2" accent1="accent1" accent2="accent2" accent3="accent3" accent4="accent4" accent5="accent5" accent6="accent6" hlink="hlink" folHlink="folHlink"/>
   <p:sldLayoutIdLst>
-    <p:sldLayoutId id="2147483675" r:id="rId2"/>
-    <p:sldLayoutId id="2147483676" r:id="rId3"/>
-    <p:sldLayoutId id="2147483677" r:id="rId4"/>
-    <p:sldLayoutId id="2147483678" r:id="rId5"/>
-    <p:sldLayoutId id="2147483679" r:id="rId6"/>
-    <p:sldLayoutId id="2147483680" r:id="rId7"/>
-    <p:sldLayoutId id="2147483681" r:id="rId8"/>
-    <p:sldLayoutId id="2147483682" r:id="rId9"/>
-    <p:sldLayoutId id="2147483683" r:id="rId10"/>
-    <p:sldLayoutId id="2147483684" r:id="rId11"/>
-    <p:sldLayoutId id="2147483685" r:id="rId12"/>
-    <p:sldLayoutId id="2147483686" r:id="rId13"/>
+    <p:sldLayoutId id="2147483675" r:id="rId1"/>
+    <p:sldLayoutId id="2147483676" r:id="rId2"/>
+    <p:sldLayoutId id="2147483677" r:id="rId3"/>
+    <p:sldLayoutId id="2147483678" r:id="rId4"/>
+    <p:sldLayoutId id="2147483679" r:id="rId5"/>
+    <p:sldLayoutId id="2147483680" r:id="rId6"/>
+    <p:sldLayoutId id="2147483681" r:id="rId7"/>
+    <p:sldLayoutId id="2147483682" r:id="rId8"/>
+    <p:sldLayoutId id="2147483683" r:id="rId9"/>
+    <p:sldLayoutId id="2147483684" r:id="rId10"/>
+    <p:sldLayoutId id="2147483685" r:id="rId11"/>
+    <p:sldLayoutId id="2147483686" r:id="rId12"/>
   </p:sldLayoutIdLst>
+  <p:txStyles>
+    <p:titleStyle>
+      <a:lvl1pPr algn="l" defTabSz="914400" rtl="0" eaLnBrk="1" latinLnBrk="0" hangingPunct="1">
+        <a:lnSpc>
+          <a:spcPct val="90000"/>
+        </a:lnSpc>
+        <a:spcBef>
+          <a:spcPct val="0"/>
+        </a:spcBef>
+        <a:buNone/>
+        <a:defRPr sz="4400" kern="1200">
+          <a:solidFill>
+            <a:schemeClr val="tx1"/>
+          </a:solidFill>
+          <a:latin typeface="+mj-lt"/>
+          <a:ea typeface="+mj-ea"/>
+          <a:cs typeface="+mj-cs"/>
+        </a:defRPr>
+      </a:lvl1pPr>
+    </p:titleStyle>
+    <p:bodyStyle>
+      <a:lvl1pPr marL="228600" indent="-228600" algn="l" defTabSz="914400" rtl="0" eaLnBrk="1" latinLnBrk="0" hangingPunct="1">
+        <a:lnSpc>
+          <a:spcPct val="90000"/>
+        </a:lnSpc>
+        <a:spcBef>
+          <a:spcPts val="1000"/>
+        </a:spcBef>
+        <a:buFont typeface="Arial" panose="020B0604020202020204" pitchFamily="34" charset="0"/>
+        <a:buChar char="•"/>
+        <a:defRPr sz="2800" kern="1200">
+          <a:solidFill>
+            <a:schemeClr val="tx1"/>
+          </a:solidFill>
+          <a:latin typeface="+mn-lt"/>
+          <a:ea typeface="+mn-ea"/>
+          <a:cs typeface="+mn-cs"/>
+        </a:defRPr>
+      </a:lvl1pPr>
+      <a:lvl2pPr marL="685800" indent="-228600" algn="l" defTabSz="914400" rtl="0" eaLnBrk="1" latinLnBrk="0" hangingPunct="1">
+        <a:lnSpc>
+          <a:spcPct val="90000"/>
+        </a:lnSpc>
+        <a:spcBef>
+          <a:spcPts val="500"/>
+        </a:spcBef>
+        <a:buFont typeface="Arial" panose="020B0604020202020204" pitchFamily="34" charset="0"/>
+        <a:buChar char="•"/>
+        <a:defRPr sz="2400" kern="1200">
+          <a:solidFill>
+            <a:schemeClr val="tx1"/>
+          </a:solidFill>
+          <a:latin typeface="+mn-lt"/>
+          <a:ea typeface="+mn-ea"/>
+          <a:cs typeface="+mn-cs"/>
+        </a:defRPr>
+      </a:lvl2pPr>
+      <a:lvl3pPr marL="1143000" indent="-228600" algn="l" defTabSz="914400" rtl="0" eaLnBrk="1" latinLnBrk="0" hangingPunct="1">
+        <a:lnSpc>
+          <a:spcPct val="90000"/>
+        </a:lnSpc>
+        <a:spcBef>
+          <a:spcPts val="500"/>
+        </a:spcBef>
+        <a:buFont typeface="Arial" panose="020B0604020202020204" pitchFamily="34" charset="0"/>
+        <a:buChar char="•"/>
+        <a:defRPr sz="2000" kern="1200">
+          <a:solidFill>
+            <a:schemeClr val="tx1"/>
+          </a:solidFill>
+          <a:latin typeface="+mn-lt"/>
+          <a:ea typeface="+mn-ea"/>
+          <a:cs typeface="+mn-cs"/>
+        </a:defRPr>
+      </a:lvl3pPr>
+      <a:lvl4pPr marL="1600200" indent="-228600" algn="l" defTabSz="914400" rtl="0" eaLnBrk="1" latinLnBrk="0" hangingPunct="1">
+        <a:lnSpc>
+          <a:spcPct val="90000"/>
+        </a:lnSpc>
+        <a:spcBef>
+          <a:spcPts val="500"/>
+        </a:spcBef>
+        <a:buFont typeface="Arial" panose="020B0604020202020204" pitchFamily="34" charset="0"/>
+        <a:buChar char="•"/>
+        <a:defRPr sz="1800" kern="1200">
+          <a:solidFill>
+            <a:schemeClr val="tx1"/>
+          </a:solidFill>
+          <a:latin typeface="+mn-lt"/>
+          <a:ea typeface="+mn-ea"/>
+          <a:cs typeface="+mn-cs"/>
+        </a:defRPr>
+      </a:lvl4pPr>
+      <a:lvl5pPr marL="2057400" indent="-228600" algn="l" defTabSz="914400" rtl="0" eaLnBrk="1" latinLnBrk="0" hangingPunct="1">
+        <a:lnSpc>
+          <a:spcPct val="90000"/>
+        </a:lnSpc>
+        <a:spcBef>
+          <a:spcPts val="500"/>
+        </a:spcBef>
+        <a:buFont typeface="Arial" panose="020B0604020202020204" pitchFamily="34" charset="0"/>
+        <a:buChar char="•"/>
+        <a:defRPr sz="1800" kern="1200">
+          <a:solidFill>
+            <a:schemeClr val="tx1"/>
+          </a:solidFill>
+          <a:latin typeface="+mn-lt"/>
+          <a:ea typeface="+mn-ea"/>
+          <a:cs typeface="+mn-cs"/>
+        </a:defRPr>
+      </a:lvl5pPr>
+      <a:lvl6pPr marL="2514600" indent="-228600" algn="l" defTabSz="914400" rtl="0" eaLnBrk="1" latinLnBrk="0" hangingPunct="1">
+        <a:lnSpc>
+          <a:spcPct val="90000"/>
+        </a:lnSpc>
+        <a:spcBef>
+          <a:spcPts val="500"/>
+        </a:spcBef>
+        <a:buFont typeface="Arial" panose="020B0604020202020204" pitchFamily="34" charset="0"/>
+        <a:buChar char="•"/>
+        <a:defRPr sz="1800" kern="1200">
+          <a:solidFill>
+            <a:schemeClr val="tx1"/>
+          </a:solidFill>
+          <a:latin typeface="+mn-lt"/>
+          <a:ea typeface="+mn-ea"/>
+          <a:cs typeface="+mn-cs"/>
+        </a:defRPr>
+      </a:lvl6pPr>
+      <a:lvl7pPr marL="2971800" indent="-228600" algn="l" defTabSz="914400" rtl="0" eaLnBrk="1" latinLnBrk="0" hangingPunct="1">
+        <a:lnSpc>
+          <a:spcPct val="90000"/>
+        </a:lnSpc>
+        <a:spcBef>
+          <a:spcPts val="500"/>
+        </a:spcBef>
+        <a:buFont typeface="Arial" panose="020B0604020202020204" pitchFamily="34" charset="0"/>
+        <a:buChar char="•"/>
+        <a:defRPr sz="1800" kern="1200">
+          <a:solidFill>
+            <a:schemeClr val="tx1"/>
+          </a:solidFill>
+          <a:latin typeface="+mn-lt"/>
+          <a:ea typeface="+mn-ea"/>
+          <a:cs typeface="+mn-cs"/>
+        </a:defRPr>
+      </a:lvl7pPr>
+      <a:lvl8pPr marL="3429000" indent="-228600" algn="l" defTabSz="914400" rtl="0" eaLnBrk="1" latinLnBrk="0" hangingPunct="1">
+        <a:lnSpc>
+          <a:spcPct val="90000"/>
+        </a:lnSpc>
+        <a:spcBef>
+          <a:spcPts val="500"/>
+        </a:spcBef>
+        <a:buFont typeface="Arial" panose="020B0604020202020204" pitchFamily="34" charset="0"/>
+        <a:buChar char="•"/>
+        <a:defRPr sz="1800" kern="1200">
+          <a:solidFill>
+            <a:schemeClr val="tx1"/>
+          </a:solidFill>
+          <a:latin typeface="+mn-lt"/>
+          <a:ea typeface="+mn-ea"/>
+          <a:cs typeface="+mn-cs"/>
+        </a:defRPr>
+      </a:lvl8pPr>
+      <a:lvl9pPr marL="3886200" indent="-228600" algn="l" defTabSz="914400" rtl="0" eaLnBrk="1" latinLnBrk="0" hangingPunct="1">
+        <a:lnSpc>
+          <a:spcPct val="90000"/>
+        </a:lnSpc>
+        <a:spcBef>
+          <a:spcPts val="500"/>
+        </a:spcBef>
+        <a:buFont typeface="Arial" panose="020B0604020202020204" pitchFamily="34" charset="0"/>
+        <a:buChar char="•"/>
+        <a:defRPr sz="1800" kern="1200">
+          <a:solidFill>
+            <a:schemeClr val="tx1"/>
+          </a:solidFill>
+          <a:latin typeface="+mn-lt"/>
+          <a:ea typeface="+mn-ea"/>
+          <a:cs typeface="+mn-cs"/>
+        </a:defRPr>
+      </a:lvl9pPr>
+    </p:bodyStyle>
+    <p:otherStyle>
+      <a:defPPr>
+        <a:defRPr lang="en-DE"/>
+      </a:defPPr>
+      <a:lvl1pPr marL="0" algn="l" defTabSz="914400" rtl="0" eaLnBrk="1" latinLnBrk="0" hangingPunct="1">
+        <a:defRPr sz="1800" kern="1200">
+          <a:solidFill>
+            <a:schemeClr val="tx1"/>
+          </a:solidFill>
+          <a:latin typeface="+mn-lt"/>
+          <a:ea typeface="+mn-ea"/>
+          <a:cs typeface="+mn-cs"/>
+        </a:defRPr>
+      </a:lvl1pPr>
+      <a:lvl2pPr marL="457200" algn="l" defTabSz="914400" rtl="0" eaLnBrk="1" latinLnBrk="0" hangingPunct="1">
+        <a:defRPr sz="1800" kern="1200">
+          <a:solidFill>
+            <a:schemeClr val="tx1"/>
+          </a:solidFill>
+          <a:latin typeface="+mn-lt"/>
+          <a:ea typeface="+mn-ea"/>
+          <a:cs typeface="+mn-cs"/>
+        </a:defRPr>
+      </a:lvl2pPr>
+      <a:lvl3pPr marL="914400" algn="l" defTabSz="914400" rtl="0" eaLnBrk="1" latinLnBrk="0" hangingPunct="1">
+        <a:defRPr sz="1800" kern="1200">
+          <a:solidFill>
+            <a:schemeClr val="tx1"/>
+          </a:solidFill>
+          <a:latin typeface="+mn-lt"/>
+          <a:ea typeface="+mn-ea"/>
+          <a:cs typeface="+mn-cs"/>
+        </a:defRPr>
+      </a:lvl3pPr>
+      <a:lvl4pPr marL="1371600" algn="l" defTabSz="914400" rtl="0" eaLnBrk="1" latinLnBrk="0" hangingPunct="1">
+        <a:defRPr sz="1800" kern="1200">
+          <a:solidFill>
+            <a:schemeClr val="tx1"/>
+          </a:solidFill>
+          <a:latin typeface="+mn-lt"/>
+          <a:ea typeface="+mn-ea"/>
+          <a:cs typeface="+mn-cs"/>
+        </a:defRPr>
+      </a:lvl4pPr>
+      <a:lvl5pPr marL="1828800" algn="l" defTabSz="914400" rtl="0" eaLnBrk="1" latinLnBrk="0" hangingPunct="1">
+        <a:defRPr sz="1800" kern="1200">
+          <a:solidFill>
+            <a:schemeClr val="tx1"/>
+          </a:solidFill>
+          <a:latin typeface="+mn-lt"/>
+          <a:ea typeface="+mn-ea"/>
+          <a:cs typeface="+mn-cs"/>
+        </a:defRPr>
+      </a:lvl5pPr>
+      <a:lvl6pPr marL="2286000" algn="l" defTabSz="914400" rtl="0" eaLnBrk="1" latinLnBrk="0" hangingPunct="1">
+        <a:defRPr sz="1800" kern="1200">
+          <a:solidFill>
+            <a:schemeClr val="tx1"/>
+          </a:solidFill>
+          <a:latin typeface="+mn-lt"/>
+          <a:ea typeface="+mn-ea"/>
+          <a:cs typeface="+mn-cs"/>
+        </a:defRPr>
+      </a:lvl6pPr>
+      <a:lvl7pPr marL="2743200" algn="l" defTabSz="914400" rtl="0" eaLnBrk="1" latinLnBrk="0" hangingPunct="1">
+        <a:defRPr sz="1800" kern="1200">
+          <a:solidFill>
+            <a:schemeClr val="tx1"/>
+          </a:solidFill>
+          <a:latin typeface="+mn-lt"/>
+          <a:ea typeface="+mn-ea"/>
+          <a:cs typeface="+mn-cs"/>
+        </a:defRPr>
+      </a:lvl7pPr>
+      <a:lvl8pPr marL="3200400" algn="l" defTabSz="914400" rtl="0" eaLnBrk="1" latinLnBrk="0" hangingPunct="1">
+        <a:defRPr sz="1800" kern="1200">
+          <a:solidFill>
+            <a:schemeClr val="tx1"/>
+          </a:solidFill>
+          <a:latin typeface="+mn-lt"/>
+          <a:ea typeface="+mn-ea"/>
+          <a:cs typeface="+mn-cs"/>
+        </a:defRPr>
+      </a:lvl8pPr>
+      <a:lvl9pPr marL="3657600" algn="l" defTabSz="914400" rtl="0" eaLnBrk="1" latinLnBrk="0" hangingPunct="1">
+        <a:defRPr sz="1800" kern="1200">
+          <a:solidFill>
+            <a:schemeClr val="tx1"/>
+          </a:solidFill>
+          <a:latin typeface="+mn-lt"/>
+          <a:ea typeface="+mn-ea"/>
+          <a:cs typeface="+mn-cs"/>
+        </a:defRPr>
+      </a:lvl9pPr>
+    </p:otherStyle>
+  </p:txStyles>
 </p:sldMaster>
 </file>
 
 <file path=ppt/slides/slide1.xml><?xml version="1.0" encoding="utf-8"?>
-<p:sld xmlns:a="http://schemas.openxmlformats.org/drawingml/2006/main" xmlns:p="http://schemas.openxmlformats.org/presentationml/2006/main" xmlns:r="http://schemas.openxmlformats.org/officeDocument/2006/relationships" xmlns:p14="http://schemas.microsoft.com/office/powerpoint/2010/main" xmlns:p15="http://schemas.microsoft.com/office/powerpoint/2012/main" xmlns:mc="http://schemas.openxmlformats.org/markup-compatibility/2006">
+<p:sld xmlns:a="http://schemas.openxmlformats.org/drawingml/2006/main" xmlns:r="http://schemas.openxmlformats.org/officeDocument/2006/relationships" xmlns:p="http://schemas.openxmlformats.org/presentationml/2006/main">
   <p:cSld>
     <p:bg>
       <p:bgPr>
         <a:solidFill>
-          <a:srgbClr val="ffffff"/>
+          <a:srgbClr val="FFFFFF"/>
         </a:solidFill>
+        <a:effectLst/>
       </p:bgPr>
     </p:bg>
     <p:spTree>
@@ -7816,9 +8887,10 @@
           <a:bodyPr>
             <a:normAutofit/>
           </a:bodyPr>
+          <a:lstStyle/>
           <a:p>
             <a:pPr algn="ctr"/>
-            <a:endParaRPr b="0" lang="en-GB" sz="3200" spc="-1" strike="noStrike">
+            <a:endParaRPr lang="en-GB" sz="3200" b="0" strike="noStrike" spc="-1">
               <a:latin typeface="Arial"/>
             </a:endParaRPr>
           </a:p>
@@ -7826,12 +8898,12 @@
       </p:sp>
       <p:pic>
         <p:nvPicPr>
-          <p:cNvPr id="168" name="Picture 6" descr=""/>
+          <p:cNvPr id="168" name="Picture 6"/>
           <p:cNvPicPr/>
           <p:nvPr/>
         </p:nvPicPr>
         <p:blipFill>
-          <a:blip r:embed="rId1"/>
+          <a:blip r:embed="rId2"/>
           <a:stretch/>
         </p:blipFill>
         <p:spPr>
@@ -7849,6 +8921,9 @@
       </p:pic>
     </p:spTree>
   </p:cSld>
+  <p:clrMapOvr>
+    <a:masterClrMapping/>
+  </p:clrMapOvr>
   <p:timing>
     <p:tnLst>
       <p:par>
@@ -7857,14 +8932,14 @@
             <p:seq>
               <p:cTn id="2" dur="indefinite" nodeType="mainSeq"/>
               <p:prevCondLst>
-                <p:cond delay="0" evt="onPrev">
+                <p:cond evt="onPrev" delay="0">
                   <p:tgtEl>
                     <p:sldTgt/>
                   </p:tgtEl>
                 </p:cond>
               </p:prevCondLst>
               <p:nextCondLst>
-                <p:cond delay="0" evt="onNext">
+                <p:cond evt="onNext" delay="0">
                   <p:tgtEl>
                     <p:sldTgt/>
                   </p:tgtEl>
@@ -7880,7 +8955,7 @@
 </file>
 
 <file path=ppt/slides/slide10.xml><?xml version="1.0" encoding="utf-8"?>
-<p:sld xmlns:a="http://schemas.openxmlformats.org/drawingml/2006/main" xmlns:p="http://schemas.openxmlformats.org/presentationml/2006/main" xmlns:r="http://schemas.openxmlformats.org/officeDocument/2006/relationships" xmlns:p14="http://schemas.microsoft.com/office/powerpoint/2010/main" xmlns:p15="http://schemas.microsoft.com/office/powerpoint/2012/main" xmlns:mc="http://schemas.openxmlformats.org/markup-compatibility/2006">
+<p:sld xmlns:a="http://schemas.openxmlformats.org/drawingml/2006/main" xmlns:r="http://schemas.openxmlformats.org/officeDocument/2006/relationships" xmlns:p="http://schemas.openxmlformats.org/presentationml/2006/main">
   <p:cSld>
     <p:spTree>
       <p:nvGrpSpPr>
@@ -7917,6 +8992,7 @@
         </p:spPr>
         <p:txBody>
           <a:bodyPr/>
+          <a:lstStyle/>
           <a:p>
             <a:pPr>
               <a:lnSpc>
@@ -7924,15 +9000,15 @@
               </a:lnSpc>
             </a:pPr>
             <a:r>
-              <a:rPr b="0" lang="en-US" sz="3600" spc="-1" strike="noStrike">
+              <a:rPr lang="en-US" sz="3600" b="0" strike="noStrike" spc="-1">
                 <a:solidFill>
-                  <a:srgbClr val="5fcbef"/>
+                  <a:srgbClr val="5FCBEF"/>
                 </a:solidFill>
                 <a:latin typeface="Trebuchet MS"/>
               </a:rPr>
               <a:t>Printing content of the data</a:t>
             </a:r>
-            <a:endParaRPr b="0" lang="en-US" sz="3600" spc="-1" strike="noStrike">
+            <a:endParaRPr lang="en-US" sz="3600" b="0" strike="noStrike" spc="-1">
               <a:solidFill>
                 <a:srgbClr val="000000"/>
               </a:solidFill>
@@ -7964,6 +9040,7 @@
           <a:bodyPr>
             <a:normAutofit/>
           </a:bodyPr>
+          <a:lstStyle/>
           <a:p>
             <a:pPr marL="343080" indent="-342720">
               <a:lnSpc>
@@ -7973,14 +9050,14 @@
                 <a:spcPts val="1001"/>
               </a:spcBef>
               <a:buClr>
-                <a:srgbClr val="5fcbef"/>
+                <a:srgbClr val="5FCBEF"/>
               </a:buClr>
               <a:buSzPct val="80000"/>
               <a:buFont typeface="Wingdings 3" charset="2"/>
               <a:buChar char=""/>
             </a:pPr>
             <a:r>
-              <a:rPr b="0" lang="en-US" sz="1800" spc="-1" strike="noStrike">
+              <a:rPr lang="en-US" sz="1800" b="0" strike="noStrike" spc="-1">
                 <a:solidFill>
                   <a:srgbClr val="404040"/>
                 </a:solidFill>
@@ -7989,7 +9066,7 @@
               </a:rPr>
               <a:t>-$p: variable. Uses Passport.toString() in S.out.p. method</a:t>
             </a:r>
-            <a:endParaRPr b="0" lang="en-US" sz="1800" spc="-1" strike="noStrike">
+            <a:endParaRPr lang="en-US" sz="1800" b="0" strike="noStrike" spc="-1">
               <a:solidFill>
                 <a:srgbClr val="404040"/>
               </a:solidFill>
@@ -8005,14 +9082,14 @@
                 <a:spcPts val="1001"/>
               </a:spcBef>
               <a:buClr>
-                <a:srgbClr val="5fcbef"/>
+                <a:srgbClr val="5FCBEF"/>
               </a:buClr>
               <a:buSzPct val="80000"/>
               <a:buFont typeface="Wingdings 3" charset="2"/>
               <a:buChar char=""/>
             </a:pPr>
             <a:r>
-              <a:rPr b="0" lang="en-US" sz="1800" spc="-1" strike="noStrike">
+              <a:rPr lang="en-US" sz="1800" b="0" strike="noStrike" spc="-1">
                 <a:solidFill>
                   <a:srgbClr val="404040"/>
                 </a:solidFill>
@@ -8021,7 +9098,7 @@
               </a:rPr>
               <a:t>, and || or</a:t>
             </a:r>
-            <a:endParaRPr b="0" lang="en-US" sz="1800" spc="-1" strike="noStrike">
+            <a:endParaRPr lang="en-US" sz="1800" b="0" strike="noStrike" spc="-1">
               <a:solidFill>
                 <a:srgbClr val="404040"/>
               </a:solidFill>
@@ -8037,7 +9114,7 @@
                 <a:spcPts val="1001"/>
               </a:spcBef>
             </a:pPr>
-            <a:endParaRPr b="0" lang="en-US" sz="1800" spc="-1" strike="noStrike">
+            <a:endParaRPr lang="en-US" sz="1800" b="0" strike="noStrike" spc="-1">
               <a:solidFill>
                 <a:srgbClr val="404040"/>
               </a:solidFill>
@@ -8053,14 +9130,14 @@
                 <a:spcPts val="1001"/>
               </a:spcBef>
               <a:buClr>
-                <a:srgbClr val="5fcbef"/>
+                <a:srgbClr val="5FCBEF"/>
               </a:buClr>
               <a:buSzPct val="80000"/>
               <a:buFont typeface="Wingdings 3" charset="2"/>
               <a:buChar char=""/>
             </a:pPr>
             <a:r>
-              <a:rPr b="0" lang="en-US" sz="1800" spc="-1" strike="noStrike">
+              <a:rPr lang="en-US" sz="1800" b="0" strike="noStrike" spc="-1">
                 <a:solidFill>
                   <a:srgbClr val="404040"/>
                 </a:solidFill>
@@ -8069,7 +9146,7 @@
               </a:rPr>
               <a:t>rule "Valid passport"</a:t>
             </a:r>
-            <a:endParaRPr b="0" lang="en-US" sz="1800" spc="-1" strike="noStrike">
+            <a:endParaRPr lang="en-US" sz="1800" b="0" strike="noStrike" spc="-1">
               <a:solidFill>
                 <a:srgbClr val="404040"/>
               </a:solidFill>
@@ -8085,33 +9162,23 @@
                 <a:spcPts val="1001"/>
               </a:spcBef>
               <a:buClr>
-                <a:srgbClr val="5fcbef"/>
+                <a:srgbClr val="5FCBEF"/>
               </a:buClr>
               <a:buSzPct val="80000"/>
               <a:buFont typeface="Wingdings 3" charset="2"/>
               <a:buChar char=""/>
             </a:pPr>
             <a:r>
-              <a:rPr b="0" lang="en-US" sz="1800" spc="-1" strike="noStrike">
+              <a:rPr lang="en-US" sz="1800" b="0" strike="noStrike" spc="-1">
                 <a:solidFill>
                   <a:srgbClr val="404040"/>
                 </a:solidFill>
                 <a:latin typeface="Trebuchet MS"/>
                 <a:ea typeface="Trebuchet MS"/>
               </a:rPr>
-              <a:t>  </a:t>
+              <a:t>  dialect "mvel"</a:t>
             </a:r>
-            <a:r>
-              <a:rPr b="0" lang="en-US" sz="1800" spc="-1" strike="noStrike">
-                <a:solidFill>
-                  <a:srgbClr val="404040"/>
-                </a:solidFill>
-                <a:latin typeface="Trebuchet MS"/>
-                <a:ea typeface="Trebuchet MS"/>
-              </a:rPr>
-              <a:t>dialect "mvel"</a:t>
-            </a:r>
-            <a:endParaRPr b="0" lang="en-US" sz="1800" spc="-1" strike="noStrike">
+            <a:endParaRPr lang="en-US" sz="1800" b="0" strike="noStrike" spc="-1">
               <a:solidFill>
                 <a:srgbClr val="404040"/>
               </a:solidFill>
@@ -8127,33 +9194,23 @@
                 <a:spcPts val="1001"/>
               </a:spcBef>
               <a:buClr>
-                <a:srgbClr val="5fcbef"/>
+                <a:srgbClr val="5FCBEF"/>
               </a:buClr>
               <a:buSzPct val="80000"/>
               <a:buFont typeface="Wingdings 3" charset="2"/>
               <a:buChar char=""/>
             </a:pPr>
             <a:r>
-              <a:rPr b="0" lang="en-US" sz="1800" spc="-1" strike="noStrike">
+              <a:rPr lang="en-US" sz="1800" b="0" strike="noStrike" spc="-1">
                 <a:solidFill>
                   <a:srgbClr val="404040"/>
                 </a:solidFill>
                 <a:latin typeface="Trebuchet MS"/>
                 <a:ea typeface="Trebuchet MS"/>
               </a:rPr>
-              <a:t>  </a:t>
+              <a:t>  when</a:t>
             </a:r>
-            <a:r>
-              <a:rPr b="0" lang="en-US" sz="1800" spc="-1" strike="noStrike">
-                <a:solidFill>
-                  <a:srgbClr val="404040"/>
-                </a:solidFill>
-                <a:latin typeface="Trebuchet MS"/>
-                <a:ea typeface="Trebuchet MS"/>
-              </a:rPr>
-              <a:t>when</a:t>
-            </a:r>
-            <a:endParaRPr b="0" lang="en-US" sz="1800" spc="-1" strike="noStrike">
+            <a:endParaRPr lang="en-US" sz="1800" b="0" strike="noStrike" spc="-1">
               <a:solidFill>
                 <a:srgbClr val="404040"/>
               </a:solidFill>
@@ -8169,33 +9226,23 @@
                 <a:spcPts val="1001"/>
               </a:spcBef>
               <a:buClr>
-                <a:srgbClr val="5fcbef"/>
+                <a:srgbClr val="5FCBEF"/>
               </a:buClr>
               <a:buSzPct val="80000"/>
               <a:buFont typeface="Wingdings 3" charset="2"/>
               <a:buChar char=""/>
             </a:pPr>
             <a:r>
-              <a:rPr b="0" lang="en-US" sz="1800" spc="-1" strike="noStrike">
+              <a:rPr lang="en-US" sz="1800" b="0" strike="noStrike" spc="-1">
                 <a:solidFill>
                   <a:srgbClr val="404040"/>
                 </a:solidFill>
                 <a:latin typeface="Trebuchet MS"/>
                 <a:ea typeface="Trebuchet MS"/>
               </a:rPr>
-              <a:t>    </a:t>
+              <a:t>    $p : Passport( !isExpired(), unusedVisaPages &gt; 0 )</a:t>
             </a:r>
-            <a:r>
-              <a:rPr b="0" lang="en-US" sz="1800" spc="-1" strike="noStrike">
-                <a:solidFill>
-                  <a:srgbClr val="404040"/>
-                </a:solidFill>
-                <a:latin typeface="Trebuchet MS"/>
-                <a:ea typeface="Trebuchet MS"/>
-              </a:rPr>
-              <a:t>$p : Passport( !isExpired(), unusedVisaPages &gt; 0 )</a:t>
-            </a:r>
-            <a:endParaRPr b="0" lang="en-US" sz="1800" spc="-1" strike="noStrike">
+            <a:endParaRPr lang="en-US" sz="1800" b="0" strike="noStrike" spc="-1">
               <a:solidFill>
                 <a:srgbClr val="404040"/>
               </a:solidFill>
@@ -8211,33 +9258,23 @@
                 <a:spcPts val="1001"/>
               </a:spcBef>
               <a:buClr>
-                <a:srgbClr val="5fcbef"/>
+                <a:srgbClr val="5FCBEF"/>
               </a:buClr>
               <a:buSzPct val="80000"/>
               <a:buFont typeface="Wingdings 3" charset="2"/>
               <a:buChar char=""/>
             </a:pPr>
             <a:r>
-              <a:rPr b="0" lang="en-US" sz="1800" spc="-1" strike="noStrike">
+              <a:rPr lang="en-US" sz="1800" b="0" strike="noStrike" spc="-1">
                 <a:solidFill>
                   <a:srgbClr val="404040"/>
                 </a:solidFill>
                 <a:latin typeface="Trebuchet MS"/>
                 <a:ea typeface="Trebuchet MS"/>
               </a:rPr>
-              <a:t>  </a:t>
+              <a:t>  then</a:t>
             </a:r>
-            <a:r>
-              <a:rPr b="0" lang="en-US" sz="1800" spc="-1" strike="noStrike">
-                <a:solidFill>
-                  <a:srgbClr val="404040"/>
-                </a:solidFill>
-                <a:latin typeface="Trebuchet MS"/>
-                <a:ea typeface="Trebuchet MS"/>
-              </a:rPr>
-              <a:t>then</a:t>
-            </a:r>
-            <a:endParaRPr b="0" lang="en-US" sz="1800" spc="-1" strike="noStrike">
+            <a:endParaRPr lang="en-US" sz="1800" b="0" strike="noStrike" spc="-1">
               <a:solidFill>
                 <a:srgbClr val="404040"/>
               </a:solidFill>
@@ -8253,33 +9290,23 @@
                 <a:spcPts val="1001"/>
               </a:spcBef>
               <a:buClr>
-                <a:srgbClr val="5fcbef"/>
+                <a:srgbClr val="5FCBEF"/>
               </a:buClr>
               <a:buSzPct val="80000"/>
               <a:buFont typeface="Wingdings 3" charset="2"/>
               <a:buChar char=""/>
             </a:pPr>
             <a:r>
-              <a:rPr b="0" lang="en-US" sz="1800" spc="-1" strike="noStrike">
+              <a:rPr lang="en-US" sz="1800" b="0" strike="noStrike" spc="-1">
                 <a:solidFill>
                   <a:srgbClr val="404040"/>
                 </a:solidFill>
                 <a:latin typeface="Trebuchet MS"/>
                 <a:ea typeface="Trebuchet MS"/>
               </a:rPr>
-              <a:t>    </a:t>
+              <a:t>    System.out.println($p+"This passport is CORRECT");</a:t>
             </a:r>
-            <a:r>
-              <a:rPr b="0" lang="en-US" sz="1800" spc="-1" strike="noStrike">
-                <a:solidFill>
-                  <a:srgbClr val="404040"/>
-                </a:solidFill>
-                <a:latin typeface="Trebuchet MS"/>
-                <a:ea typeface="Trebuchet MS"/>
-              </a:rPr>
-              <a:t>System.out.println($p+"This passport is CORRECT");</a:t>
-            </a:r>
-            <a:endParaRPr b="0" lang="en-US" sz="1800" spc="-1" strike="noStrike">
+            <a:endParaRPr lang="en-US" sz="1800" b="0" strike="noStrike" spc="-1">
               <a:solidFill>
                 <a:srgbClr val="404040"/>
               </a:solidFill>
@@ -8295,14 +9322,14 @@
                 <a:spcPts val="1001"/>
               </a:spcBef>
               <a:buClr>
-                <a:srgbClr val="5fcbef"/>
+                <a:srgbClr val="5FCBEF"/>
               </a:buClr>
               <a:buSzPct val="80000"/>
               <a:buFont typeface="Wingdings 3" charset="2"/>
               <a:buChar char=""/>
             </a:pPr>
             <a:r>
-              <a:rPr b="0" lang="en-US" sz="1800" spc="-1" strike="noStrike">
+              <a:rPr lang="en-US" sz="1800" b="0" strike="noStrike" spc="-1">
                 <a:solidFill>
                   <a:srgbClr val="404040"/>
                 </a:solidFill>
@@ -8311,7 +9338,7 @@
               </a:rPr>
               <a:t>end</a:t>
             </a:r>
-            <a:endParaRPr b="0" lang="en-US" sz="1800" spc="-1" strike="noStrike">
+            <a:endParaRPr lang="en-US" sz="1800" b="0" strike="noStrike" spc="-1">
               <a:solidFill>
                 <a:srgbClr val="404040"/>
               </a:solidFill>
@@ -8322,22 +9349,25 @@
       </p:sp>
     </p:spTree>
   </p:cSld>
+  <p:clrMapOvr>
+    <a:masterClrMapping/>
+  </p:clrMapOvr>
   <p:timing>
     <p:tnLst>
       <p:par>
-        <p:cTn id="19" dur="indefinite" restart="never" nodeType="tmRoot">
+        <p:cTn id="1" dur="indefinite" restart="never" nodeType="tmRoot">
           <p:childTnLst>
             <p:seq>
-              <p:cTn id="20" dur="indefinite" nodeType="mainSeq"/>
+              <p:cTn id="2" dur="indefinite" nodeType="mainSeq"/>
               <p:prevCondLst>
-                <p:cond delay="0" evt="onPrev">
+                <p:cond evt="onPrev" delay="0">
                   <p:tgtEl>
                     <p:sldTgt/>
                   </p:tgtEl>
                 </p:cond>
               </p:prevCondLst>
               <p:nextCondLst>
-                <p:cond delay="0" evt="onNext">
+                <p:cond evt="onNext" delay="0">
                   <p:tgtEl>
                     <p:sldTgt/>
                   </p:tgtEl>
@@ -8353,7 +9383,7 @@
 </file>
 
 <file path=ppt/slides/slide11.xml><?xml version="1.0" encoding="utf-8"?>
-<p:sld xmlns:a="http://schemas.openxmlformats.org/drawingml/2006/main" xmlns:p="http://schemas.openxmlformats.org/presentationml/2006/main" xmlns:r="http://schemas.openxmlformats.org/officeDocument/2006/relationships" xmlns:p14="http://schemas.microsoft.com/office/powerpoint/2010/main" xmlns:p15="http://schemas.microsoft.com/office/powerpoint/2012/main" xmlns:mc="http://schemas.openxmlformats.org/markup-compatibility/2006">
+<p:sld xmlns:a="http://schemas.openxmlformats.org/drawingml/2006/main" xmlns:r="http://schemas.openxmlformats.org/officeDocument/2006/relationships" xmlns:p="http://schemas.openxmlformats.org/presentationml/2006/main">
   <p:cSld>
     <p:spTree>
       <p:nvGrpSpPr>
@@ -8371,12 +9401,12 @@
       </p:grpSpPr>
       <p:pic>
         <p:nvPicPr>
-          <p:cNvPr id="195" name="Picture 2" descr=""/>
+          <p:cNvPr id="195" name="Picture 2"/>
           <p:cNvPicPr/>
           <p:nvPr/>
         </p:nvPicPr>
         <p:blipFill>
-          <a:blip r:embed="rId1"/>
+          <a:blip r:embed="rId2"/>
           <a:stretch/>
         </p:blipFill>
         <p:spPr>
@@ -8394,22 +9424,25 @@
       </p:pic>
     </p:spTree>
   </p:cSld>
+  <p:clrMapOvr>
+    <a:masterClrMapping/>
+  </p:clrMapOvr>
   <p:timing>
     <p:tnLst>
       <p:par>
-        <p:cTn id="21" dur="indefinite" restart="never" nodeType="tmRoot">
+        <p:cTn id="1" dur="indefinite" restart="never" nodeType="tmRoot">
           <p:childTnLst>
             <p:seq>
-              <p:cTn id="22" dur="indefinite" nodeType="mainSeq"/>
+              <p:cTn id="2" dur="indefinite" nodeType="mainSeq"/>
               <p:prevCondLst>
-                <p:cond delay="0" evt="onPrev">
+                <p:cond evt="onPrev" delay="0">
                   <p:tgtEl>
                     <p:sldTgt/>
                   </p:tgtEl>
                 </p:cond>
               </p:prevCondLst>
               <p:nextCondLst>
-                <p:cond delay="0" evt="onNext">
+                <p:cond evt="onNext" delay="0">
                   <p:tgtEl>
                     <p:sldTgt/>
                   </p:tgtEl>
@@ -8425,7 +9458,7 @@
 </file>
 
 <file path=ppt/slides/slide12.xml><?xml version="1.0" encoding="utf-8"?>
-<p:sld xmlns:a="http://schemas.openxmlformats.org/drawingml/2006/main" xmlns:p="http://schemas.openxmlformats.org/presentationml/2006/main" xmlns:r="http://schemas.openxmlformats.org/officeDocument/2006/relationships" xmlns:p14="http://schemas.microsoft.com/office/powerpoint/2010/main" xmlns:p15="http://schemas.microsoft.com/office/powerpoint/2012/main" xmlns:mc="http://schemas.openxmlformats.org/markup-compatibility/2006">
+<p:sld xmlns:a="http://schemas.openxmlformats.org/drawingml/2006/main" xmlns:r="http://schemas.openxmlformats.org/officeDocument/2006/relationships" xmlns:p="http://schemas.openxmlformats.org/presentationml/2006/main">
   <p:cSld>
     <p:spTree>
       <p:nvGrpSpPr>
@@ -8462,6 +9495,7 @@
         </p:spPr>
         <p:txBody>
           <a:bodyPr/>
+          <a:lstStyle/>
           <a:p>
             <a:pPr>
               <a:lnSpc>
@@ -8469,15 +9503,15 @@
               </a:lnSpc>
             </a:pPr>
             <a:r>
-              <a:rPr b="0" lang="en-US" sz="3600" spc="-1" strike="noStrike">
+              <a:rPr lang="en-US" sz="3600" b="0" strike="noStrike" spc="-1">
                 <a:solidFill>
-                  <a:srgbClr val="5fcbef"/>
+                  <a:srgbClr val="5FCBEF"/>
                 </a:solidFill>
                 <a:latin typeface="Trebuchet MS"/>
               </a:rPr>
               <a:t>Introduction Project</a:t>
             </a:r>
-            <a:endParaRPr b="0" lang="en-US" sz="3600" spc="-1" strike="noStrike">
+            <a:endParaRPr lang="en-US" sz="3600" b="0" strike="noStrike" spc="-1">
               <a:solidFill>
                 <a:srgbClr val="000000"/>
               </a:solidFill>
@@ -8507,6 +9541,7 @@
         </p:spPr>
         <p:txBody>
           <a:bodyPr/>
+          <a:lstStyle/>
           <a:p>
             <a:pPr marL="343080" indent="-342720">
               <a:lnSpc>
@@ -8516,14 +9551,14 @@
                 <a:spcPts val="1001"/>
               </a:spcBef>
               <a:buClr>
-                <a:srgbClr val="5fcbef"/>
+                <a:srgbClr val="5FCBEF"/>
               </a:buClr>
               <a:buSzPct val="80000"/>
               <a:buFont typeface="Wingdings 3" charset="2"/>
               <a:buChar char=""/>
             </a:pPr>
             <a:r>
-              <a:rPr b="0" lang="en-US" sz="1800" spc="-1" strike="noStrike">
+              <a:rPr lang="en-US" sz="1800" b="0" strike="noStrike" spc="-1">
                 <a:solidFill>
                   <a:srgbClr val="404040"/>
                 </a:solidFill>
@@ -8531,33 +9566,30 @@
               </a:rPr>
               <a:t>Exercise Section 3, Step 1 (src-main-resources) – 5 minutes</a:t>
             </a:r>
-            <a:endParaRPr b="0" lang="en-US" sz="1800" spc="-1" strike="noStrike">
-              <a:solidFill>
-                <a:srgbClr val="404040"/>
-              </a:solidFill>
-              <a:latin typeface="Trebuchet MS"/>
-            </a:endParaRPr>
           </a:p>
         </p:txBody>
       </p:sp>
     </p:spTree>
   </p:cSld>
+  <p:clrMapOvr>
+    <a:masterClrMapping/>
+  </p:clrMapOvr>
   <p:timing>
     <p:tnLst>
       <p:par>
-        <p:cTn id="23" dur="indefinite" restart="never" nodeType="tmRoot">
+        <p:cTn id="1" dur="indefinite" restart="never" nodeType="tmRoot">
           <p:childTnLst>
             <p:seq>
-              <p:cTn id="24" dur="indefinite" nodeType="mainSeq"/>
+              <p:cTn id="2" dur="indefinite" nodeType="mainSeq"/>
               <p:prevCondLst>
-                <p:cond delay="0" evt="onPrev">
+                <p:cond evt="onPrev" delay="0">
                   <p:tgtEl>
                     <p:sldTgt/>
                   </p:tgtEl>
                 </p:cond>
               </p:prevCondLst>
               <p:nextCondLst>
-                <p:cond delay="0" evt="onNext">
+                <p:cond evt="onNext" delay="0">
                   <p:tgtEl>
                     <p:sldTgt/>
                   </p:tgtEl>
@@ -8573,7 +9605,7 @@
 </file>
 
 <file path=ppt/slides/slide13.xml><?xml version="1.0" encoding="utf-8"?>
-<p:sld xmlns:a="http://schemas.openxmlformats.org/drawingml/2006/main" xmlns:p="http://schemas.openxmlformats.org/presentationml/2006/main" xmlns:r="http://schemas.openxmlformats.org/officeDocument/2006/relationships" xmlns:p14="http://schemas.microsoft.com/office/powerpoint/2010/main" xmlns:p15="http://schemas.microsoft.com/office/powerpoint/2012/main" xmlns:mc="http://schemas.openxmlformats.org/markup-compatibility/2006">
+<p:sld xmlns:a="http://schemas.openxmlformats.org/drawingml/2006/main" xmlns:r="http://schemas.openxmlformats.org/officeDocument/2006/relationships" xmlns:p="http://schemas.openxmlformats.org/presentationml/2006/main">
   <p:cSld>
     <p:spTree>
       <p:nvGrpSpPr>
@@ -8610,6 +9642,7 @@
         </p:spPr>
         <p:txBody>
           <a:bodyPr/>
+          <a:lstStyle/>
           <a:p>
             <a:pPr>
               <a:lnSpc>
@@ -8617,15 +9650,15 @@
               </a:lnSpc>
             </a:pPr>
             <a:r>
-              <a:rPr b="0" lang="en-US" sz="3600" spc="-1" strike="noStrike">
+              <a:rPr lang="en-US" sz="3600" b="0" strike="noStrike" spc="-1">
                 <a:solidFill>
-                  <a:srgbClr val="5fcbef"/>
+                  <a:srgbClr val="5FCBEF"/>
                 </a:solidFill>
                 <a:latin typeface="Trebuchet MS"/>
               </a:rPr>
               <a:t>Rules design principles</a:t>
             </a:r>
-            <a:endParaRPr b="0" lang="en-US" sz="3600" spc="-1" strike="noStrike">
+            <a:endParaRPr lang="en-US" sz="3600" b="0" strike="noStrike" spc="-1">
               <a:solidFill>
                 <a:srgbClr val="000000"/>
               </a:solidFill>
@@ -8657,6 +9690,7 @@
           <a:bodyPr>
             <a:normAutofit/>
           </a:bodyPr>
+          <a:lstStyle/>
           <a:p>
             <a:pPr marL="343080" indent="-342720">
               <a:lnSpc>
@@ -8666,32 +9700,32 @@
                 <a:spcPts val="1001"/>
               </a:spcBef>
               <a:buClr>
-                <a:srgbClr val="5fcbef"/>
+                <a:srgbClr val="5FCBEF"/>
               </a:buClr>
               <a:buSzPct val="80000"/>
               <a:buFont typeface="Wingdings 3" charset="2"/>
               <a:buChar char=""/>
             </a:pPr>
             <a:r>
-              <a:rPr b="1" lang="en-US" sz="2400" spc="-1" strike="noStrike">
+              <a:rPr lang="en-US" sz="2400" b="1" strike="noStrike" spc="-1">
                 <a:solidFill>
-                  <a:srgbClr val="5fcbef"/>
+                  <a:srgbClr val="5FCBEF"/>
                 </a:solidFill>
                 <a:latin typeface="Trebuchet MS"/>
               </a:rPr>
               <a:t>Rule independency</a:t>
             </a:r>
             <a:r>
-              <a:rPr b="0" lang="en-US" sz="2400" spc="-1" strike="noStrike">
+              <a:rPr lang="en-US" sz="2400" b="0" strike="noStrike" spc="-1">
                 <a:solidFill>
-                  <a:srgbClr val="5fcbef"/>
+                  <a:srgbClr val="5FCBEF"/>
                 </a:solidFill>
                 <a:latin typeface="Trebuchet MS"/>
               </a:rPr>
               <a:t>: </a:t>
             </a:r>
             <a:r>
-              <a:rPr b="0" lang="en-US" sz="2400" spc="-1" strike="noStrike">
+              <a:rPr lang="en-US" sz="2400" b="0" strike="noStrike" spc="-1">
                 <a:solidFill>
                   <a:srgbClr val="404040"/>
                 </a:solidFill>
@@ -8699,12 +9733,6 @@
               </a:rPr>
               <a:t>rule shouldnt depent on other rule</a:t>
             </a:r>
-            <a:endParaRPr b="0" lang="en-US" sz="2400" spc="-1" strike="noStrike">
-              <a:solidFill>
-                <a:srgbClr val="404040"/>
-              </a:solidFill>
-              <a:latin typeface="Trebuchet MS"/>
-            </a:endParaRPr>
           </a:p>
           <a:p>
             <a:pPr marL="343080" indent="-342720">
@@ -8715,23 +9743,23 @@
                 <a:spcPts val="1001"/>
               </a:spcBef>
               <a:buClr>
-                <a:srgbClr val="5fcbef"/>
+                <a:srgbClr val="5FCBEF"/>
               </a:buClr>
               <a:buSzPct val="80000"/>
               <a:buFont typeface="Wingdings 3" charset="2"/>
               <a:buChar char=""/>
             </a:pPr>
             <a:r>
-              <a:rPr b="1" lang="en-US" sz="2400" spc="-1" strike="noStrike">
+              <a:rPr lang="en-US" sz="2400" b="1" strike="noStrike" spc="-1">
                 <a:solidFill>
-                  <a:srgbClr val="5fcbef"/>
+                  <a:srgbClr val="5FCBEF"/>
                 </a:solidFill>
                 <a:latin typeface="Trebuchet MS"/>
               </a:rPr>
               <a:t>Rule atomicity: </a:t>
             </a:r>
             <a:r>
-              <a:rPr b="0" lang="en-US" sz="2400" spc="-1" strike="noStrike">
+              <a:rPr lang="en-US" sz="2400" b="0" strike="noStrike" spc="-1">
                 <a:solidFill>
                   <a:srgbClr val="404040"/>
                 </a:solidFill>
@@ -8739,12 +9767,6 @@
               </a:rPr>
               <a:t>design rules as simple as possible. Split complicated rules into smaller rules until they cant be divided any more.</a:t>
             </a:r>
-            <a:endParaRPr b="0" lang="en-US" sz="2400" spc="-1" strike="noStrike">
-              <a:solidFill>
-                <a:srgbClr val="404040"/>
-              </a:solidFill>
-              <a:latin typeface="Trebuchet MS"/>
-            </a:endParaRPr>
           </a:p>
           <a:p>
             <a:pPr marL="343080" indent="-342720">
@@ -8755,14 +9777,14 @@
                 <a:spcPts val="1001"/>
               </a:spcBef>
               <a:buClr>
-                <a:srgbClr val="5fcbef"/>
+                <a:srgbClr val="5FCBEF"/>
               </a:buClr>
               <a:buSzPct val="80000"/>
               <a:buFont typeface="Wingdings 3" charset="2"/>
               <a:buChar char=""/>
             </a:pPr>
             <a:r>
-              <a:rPr b="0" lang="en-US" sz="2400" spc="-1" strike="noStrike">
+              <a:rPr lang="en-US" sz="2400" b="0" strike="noStrike" spc="-1">
                 <a:solidFill>
                   <a:srgbClr val="404040"/>
                 </a:solidFill>
@@ -8770,33 +9792,30 @@
               </a:rPr>
               <a:t>Its possible to determine order in which rules are checked, but this should remain an exception (salience ’10‘ – the higher the sooner)</a:t>
             </a:r>
-            <a:endParaRPr b="0" lang="en-US" sz="2400" spc="-1" strike="noStrike">
-              <a:solidFill>
-                <a:srgbClr val="404040"/>
-              </a:solidFill>
-              <a:latin typeface="Trebuchet MS"/>
-            </a:endParaRPr>
           </a:p>
         </p:txBody>
       </p:sp>
     </p:spTree>
   </p:cSld>
+  <p:clrMapOvr>
+    <a:masterClrMapping/>
+  </p:clrMapOvr>
   <p:timing>
     <p:tnLst>
       <p:par>
-        <p:cTn id="25" dur="indefinite" restart="never" nodeType="tmRoot">
+        <p:cTn id="1" dur="indefinite" restart="never" nodeType="tmRoot">
           <p:childTnLst>
             <p:seq>
-              <p:cTn id="26" dur="indefinite" nodeType="mainSeq"/>
+              <p:cTn id="2" dur="indefinite" nodeType="mainSeq"/>
               <p:prevCondLst>
-                <p:cond delay="0" evt="onPrev">
+                <p:cond evt="onPrev" delay="0">
                   <p:tgtEl>
                     <p:sldTgt/>
                   </p:tgtEl>
                 </p:cond>
               </p:prevCondLst>
               <p:nextCondLst>
-                <p:cond delay="0" evt="onNext">
+                <p:cond evt="onNext" delay="0">
                   <p:tgtEl>
                     <p:sldTgt/>
                   </p:tgtEl>
@@ -8812,7 +9831,7 @@
 </file>
 
 <file path=ppt/slides/slide14.xml><?xml version="1.0" encoding="utf-8"?>
-<p:sld xmlns:a="http://schemas.openxmlformats.org/drawingml/2006/main" xmlns:p="http://schemas.openxmlformats.org/presentationml/2006/main" xmlns:r="http://schemas.openxmlformats.org/officeDocument/2006/relationships" xmlns:p14="http://schemas.microsoft.com/office/powerpoint/2010/main" xmlns:p15="http://schemas.microsoft.com/office/powerpoint/2012/main" xmlns:mc="http://schemas.openxmlformats.org/markup-compatibility/2006">
+<p:sld xmlns:a="http://schemas.openxmlformats.org/drawingml/2006/main" xmlns:r="http://schemas.openxmlformats.org/officeDocument/2006/relationships" xmlns:p="http://schemas.openxmlformats.org/presentationml/2006/main">
   <p:cSld>
     <p:spTree>
       <p:nvGrpSpPr>
@@ -8849,6 +9868,7 @@
         </p:spPr>
         <p:txBody>
           <a:bodyPr/>
+          <a:lstStyle/>
           <a:p>
             <a:pPr>
               <a:lnSpc>
@@ -8856,15 +9876,15 @@
               </a:lnSpc>
             </a:pPr>
             <a:r>
-              <a:rPr b="0" lang="en-US" sz="3600" spc="-1" strike="noStrike">
+              <a:rPr lang="en-US" sz="3600" b="0" strike="noStrike" spc="-1">
                 <a:solidFill>
-                  <a:srgbClr val="5fcbef"/>
+                  <a:srgbClr val="5FCBEF"/>
                 </a:solidFill>
                 <a:latin typeface="Trebuchet MS"/>
               </a:rPr>
               <a:t>Java methods vs Drools rules</a:t>
             </a:r>
-            <a:endParaRPr b="0" lang="en-US" sz="3600" spc="-1" strike="noStrike">
+            <a:endParaRPr lang="en-US" sz="3600" b="0" strike="noStrike" spc="-1">
               <a:solidFill>
                 <a:srgbClr val="000000"/>
               </a:solidFill>
@@ -8896,6 +9916,7 @@
           <a:bodyPr>
             <a:normAutofit/>
           </a:bodyPr>
+          <a:lstStyle/>
           <a:p>
             <a:pPr marL="343080" indent="-342720">
               <a:lnSpc>
@@ -8905,14 +9926,14 @@
                 <a:spcPts val="1001"/>
               </a:spcBef>
               <a:buClr>
-                <a:srgbClr val="5fcbef"/>
+                <a:srgbClr val="5FCBEF"/>
               </a:buClr>
               <a:buSzPct val="80000"/>
               <a:buFont typeface="Wingdings 3" charset="2"/>
               <a:buChar char=""/>
             </a:pPr>
             <a:r>
-              <a:rPr b="0" lang="en-US" sz="2400" spc="-1" strike="noStrike">
+              <a:rPr lang="en-US" sz="2400" b="0" strike="noStrike" spc="-1">
                 <a:solidFill>
                   <a:srgbClr val="404040"/>
                 </a:solidFill>
@@ -8920,12 +9941,6 @@
               </a:rPr>
               <a:t>Rules are executed by checking data against the rules</a:t>
             </a:r>
-            <a:endParaRPr b="0" lang="en-US" sz="2400" spc="-1" strike="noStrike">
-              <a:solidFill>
-                <a:srgbClr val="404040"/>
-              </a:solidFill>
-              <a:latin typeface="Trebuchet MS"/>
-            </a:endParaRPr>
           </a:p>
           <a:p>
             <a:pPr marL="343080" indent="-342720">
@@ -8936,14 +9951,14 @@
                 <a:spcPts val="1001"/>
               </a:spcBef>
               <a:buClr>
-                <a:srgbClr val="5fcbef"/>
+                <a:srgbClr val="5FCBEF"/>
               </a:buClr>
               <a:buSzPct val="80000"/>
               <a:buFont typeface="Wingdings 3" charset="2"/>
               <a:buChar char=""/>
             </a:pPr>
             <a:r>
-              <a:rPr b="0" lang="en-US" sz="2400" spc="-1" strike="noStrike">
+              <a:rPr lang="en-US" sz="2400" b="0" strike="noStrike" spc="-1">
                 <a:solidFill>
                   <a:srgbClr val="404040"/>
                 </a:solidFill>
@@ -8951,12 +9966,6 @@
               </a:rPr>
               <a:t>Rules can never be called directly</a:t>
             </a:r>
-            <a:endParaRPr b="0" lang="en-US" sz="2400" spc="-1" strike="noStrike">
-              <a:solidFill>
-                <a:srgbClr val="404040"/>
-              </a:solidFill>
-              <a:latin typeface="Trebuchet MS"/>
-            </a:endParaRPr>
           </a:p>
           <a:p>
             <a:pPr marL="343080" indent="-342720">
@@ -8967,14 +9976,14 @@
                 <a:spcPts val="1001"/>
               </a:spcBef>
               <a:buClr>
-                <a:srgbClr val="5fcbef"/>
+                <a:srgbClr val="5FCBEF"/>
               </a:buClr>
               <a:buSzPct val="80000"/>
               <a:buFont typeface="Wingdings 3" charset="2"/>
               <a:buChar char=""/>
             </a:pPr>
             <a:r>
-              <a:rPr b="0" lang="en-US" sz="2400" spc="-1" strike="noStrike">
+              <a:rPr lang="en-US" sz="2400" b="0" strike="noStrike" spc="-1">
                 <a:solidFill>
                   <a:srgbClr val="404040"/>
                 </a:solidFill>
@@ -8982,33 +9991,30 @@
               </a:rPr>
               <a:t>Depending on the data a rule can be fired once, several times or not at all</a:t>
             </a:r>
-            <a:endParaRPr b="0" lang="en-US" sz="2400" spc="-1" strike="noStrike">
-              <a:solidFill>
-                <a:srgbClr val="404040"/>
-              </a:solidFill>
-              <a:latin typeface="Trebuchet MS"/>
-            </a:endParaRPr>
           </a:p>
         </p:txBody>
       </p:sp>
     </p:spTree>
   </p:cSld>
+  <p:clrMapOvr>
+    <a:masterClrMapping/>
+  </p:clrMapOvr>
   <p:timing>
     <p:tnLst>
       <p:par>
-        <p:cTn id="27" dur="indefinite" restart="never" nodeType="tmRoot">
+        <p:cTn id="1" dur="indefinite" restart="never" nodeType="tmRoot">
           <p:childTnLst>
             <p:seq>
-              <p:cTn id="28" dur="indefinite" nodeType="mainSeq"/>
+              <p:cTn id="2" dur="indefinite" nodeType="mainSeq"/>
               <p:prevCondLst>
-                <p:cond delay="0" evt="onPrev">
+                <p:cond evt="onPrev" delay="0">
                   <p:tgtEl>
                     <p:sldTgt/>
                   </p:tgtEl>
                 </p:cond>
               </p:prevCondLst>
               <p:nextCondLst>
-                <p:cond delay="0" evt="onNext">
+                <p:cond evt="onNext" delay="0">
                   <p:tgtEl>
                     <p:sldTgt/>
                   </p:tgtEl>
@@ -9024,7 +10030,7 @@
 </file>
 
 <file path=ppt/slides/slide15.xml><?xml version="1.0" encoding="utf-8"?>
-<p:sld xmlns:a="http://schemas.openxmlformats.org/drawingml/2006/main" xmlns:p="http://schemas.openxmlformats.org/presentationml/2006/main" xmlns:r="http://schemas.openxmlformats.org/officeDocument/2006/relationships" xmlns:p14="http://schemas.microsoft.com/office/powerpoint/2010/main" xmlns:p15="http://schemas.microsoft.com/office/powerpoint/2012/main" xmlns:mc="http://schemas.openxmlformats.org/markup-compatibility/2006">
+<p:sld xmlns:a="http://schemas.openxmlformats.org/drawingml/2006/main" xmlns:r="http://schemas.openxmlformats.org/officeDocument/2006/relationships" xmlns:p="http://schemas.openxmlformats.org/presentationml/2006/main">
   <p:cSld>
     <p:spTree>
       <p:nvGrpSpPr>
@@ -9061,6 +10067,7 @@
         </p:spPr>
         <p:txBody>
           <a:bodyPr/>
+          <a:lstStyle/>
           <a:p>
             <a:pPr>
               <a:lnSpc>
@@ -9068,15 +10075,15 @@
               </a:lnSpc>
             </a:pPr>
             <a:r>
-              <a:rPr b="0" lang="en-US" sz="3600" spc="-1" strike="noStrike">
+              <a:rPr lang="en-US" sz="3600" b="0" strike="noStrike" spc="-1">
                 <a:solidFill>
-                  <a:srgbClr val="5fcbef"/>
+                  <a:srgbClr val="5FCBEF"/>
                 </a:solidFill>
                 <a:latin typeface="Trebuchet MS"/>
               </a:rPr>
               <a:t>Exercise</a:t>
             </a:r>
-            <a:endParaRPr b="0" lang="en-US" sz="3600" spc="-1" strike="noStrike">
+            <a:endParaRPr lang="en-US" sz="3600" b="0" strike="noStrike" spc="-1">
               <a:solidFill>
                 <a:srgbClr val="000000"/>
               </a:solidFill>
@@ -9106,6 +10113,7 @@
         </p:spPr>
         <p:txBody>
           <a:bodyPr/>
+          <a:lstStyle/>
           <a:p>
             <a:pPr marL="343080" indent="-342720">
               <a:lnSpc>
@@ -9115,14 +10123,14 @@
                 <a:spcPts val="1001"/>
               </a:spcBef>
               <a:buClr>
-                <a:srgbClr val="5fcbef"/>
+                <a:srgbClr val="5FCBEF"/>
               </a:buClr>
               <a:buSzPct val="80000"/>
               <a:buFont typeface="Wingdings 3" charset="2"/>
               <a:buChar char=""/>
             </a:pPr>
             <a:r>
-              <a:rPr b="0" lang="en-US" sz="1800" spc="-1" strike="noStrike">
+              <a:rPr lang="en-US" sz="1800" b="0" strike="noStrike" spc="-1">
                 <a:solidFill>
                   <a:srgbClr val="404040"/>
                 </a:solidFill>
@@ -9130,33 +10138,30 @@
               </a:rPr>
               <a:t>Section 3, steps 2-4 – 10 min</a:t>
             </a:r>
-            <a:endParaRPr b="0" lang="en-US" sz="1800" spc="-1" strike="noStrike">
-              <a:solidFill>
-                <a:srgbClr val="404040"/>
-              </a:solidFill>
-              <a:latin typeface="Trebuchet MS"/>
-            </a:endParaRPr>
           </a:p>
         </p:txBody>
       </p:sp>
     </p:spTree>
   </p:cSld>
+  <p:clrMapOvr>
+    <a:masterClrMapping/>
+  </p:clrMapOvr>
   <p:timing>
     <p:tnLst>
       <p:par>
-        <p:cTn id="29" dur="indefinite" restart="never" nodeType="tmRoot">
+        <p:cTn id="1" dur="indefinite" restart="never" nodeType="tmRoot">
           <p:childTnLst>
             <p:seq>
-              <p:cTn id="30" dur="indefinite" nodeType="mainSeq"/>
+              <p:cTn id="2" dur="indefinite" nodeType="mainSeq"/>
               <p:prevCondLst>
-                <p:cond delay="0" evt="onPrev">
+                <p:cond evt="onPrev" delay="0">
                   <p:tgtEl>
                     <p:sldTgt/>
                   </p:tgtEl>
                 </p:cond>
               </p:prevCondLst>
               <p:nextCondLst>
-                <p:cond delay="0" evt="onNext">
+                <p:cond evt="onNext" delay="0">
                   <p:tgtEl>
                     <p:sldTgt/>
                   </p:tgtEl>
@@ -9172,7 +10177,7 @@
 </file>
 
 <file path=ppt/slides/slide16.xml><?xml version="1.0" encoding="utf-8"?>
-<p:sld xmlns:a="http://schemas.openxmlformats.org/drawingml/2006/main" xmlns:p="http://schemas.openxmlformats.org/presentationml/2006/main" xmlns:r="http://schemas.openxmlformats.org/officeDocument/2006/relationships" xmlns:p14="http://schemas.microsoft.com/office/powerpoint/2010/main" xmlns:p15="http://schemas.microsoft.com/office/powerpoint/2012/main" xmlns:mc="http://schemas.openxmlformats.org/markup-compatibility/2006">
+<p:sld xmlns:a="http://schemas.openxmlformats.org/drawingml/2006/main" xmlns:r="http://schemas.openxmlformats.org/officeDocument/2006/relationships" xmlns:p="http://schemas.openxmlformats.org/presentationml/2006/main">
   <p:cSld>
     <p:spTree>
       <p:nvGrpSpPr>
@@ -9209,6 +10214,7 @@
         </p:spPr>
         <p:txBody>
           <a:bodyPr/>
+          <a:lstStyle/>
           <a:p>
             <a:pPr>
               <a:lnSpc>
@@ -9216,15 +10222,15 @@
               </a:lnSpc>
             </a:pPr>
             <a:r>
-              <a:rPr b="0" lang="en-US" sz="3600" spc="-1" strike="noStrike">
+              <a:rPr lang="en-US" sz="3600" b="0" strike="noStrike" spc="-1">
                 <a:solidFill>
-                  <a:srgbClr val="5fcbef"/>
+                  <a:srgbClr val="5FCBEF"/>
                 </a:solidFill>
                 <a:latin typeface="Trebuchet MS"/>
               </a:rPr>
               <a:t>Stateful &lt;-&gt; stateless session</a:t>
             </a:r>
-            <a:endParaRPr b="0" lang="en-US" sz="3600" spc="-1" strike="noStrike">
+            <a:endParaRPr lang="en-US" sz="3600" b="0" strike="noStrike" spc="-1">
               <a:solidFill>
                 <a:srgbClr val="000000"/>
               </a:solidFill>
@@ -9254,6 +10260,7 @@
         </p:spPr>
         <p:txBody>
           <a:bodyPr/>
+          <a:lstStyle/>
           <a:p>
             <a:pPr marL="343080" indent="-342720">
               <a:lnSpc>
@@ -9263,14 +10270,14 @@
                 <a:spcPts val="1001"/>
               </a:spcBef>
               <a:buClr>
-                <a:srgbClr val="5fcbef"/>
+                <a:srgbClr val="5FCBEF"/>
               </a:buClr>
               <a:buSzPct val="80000"/>
               <a:buFont typeface="Wingdings 3" charset="2"/>
               <a:buChar char=""/>
             </a:pPr>
             <a:r>
-              <a:rPr b="0" lang="en-US" sz="2400" spc="-1" strike="noStrike">
+              <a:rPr lang="en-US" sz="2400" b="0" strike="noStrike" spc="-1">
                 <a:solidFill>
                   <a:srgbClr val="404040"/>
                 </a:solidFill>
@@ -9278,12 +10285,6 @@
               </a:rPr>
               <a:t>kmodule.xml-&gt; type “stateless” </a:t>
             </a:r>
-            <a:endParaRPr b="0" lang="en-US" sz="2400" spc="-1" strike="noStrike">
-              <a:solidFill>
-                <a:srgbClr val="404040"/>
-              </a:solidFill>
-              <a:latin typeface="Trebuchet MS"/>
-            </a:endParaRPr>
           </a:p>
           <a:p>
             <a:pPr marL="343080" indent="-342720">
@@ -9294,14 +10295,14 @@
                 <a:spcPts val="1001"/>
               </a:spcBef>
               <a:buClr>
-                <a:srgbClr val="5fcbef"/>
+                <a:srgbClr val="5FCBEF"/>
               </a:buClr>
               <a:buSzPct val="80000"/>
               <a:buFont typeface="Wingdings 3" charset="2"/>
               <a:buChar char=""/>
             </a:pPr>
             <a:r>
-              <a:rPr b="0" lang="en-US" sz="2400" spc="-1" strike="noStrike">
+              <a:rPr lang="en-US" sz="2400" b="0" strike="noStrike" spc="-1">
                 <a:solidFill>
                   <a:srgbClr val="404040"/>
                 </a:solidFill>
@@ -9309,12 +10310,6 @@
               </a:rPr>
               <a:t>Default-&gt; stateful</a:t>
             </a:r>
-            <a:endParaRPr b="0" lang="en-US" sz="2400" spc="-1" strike="noStrike">
-              <a:solidFill>
-                <a:srgbClr val="404040"/>
-              </a:solidFill>
-              <a:latin typeface="Trebuchet MS"/>
-            </a:endParaRPr>
           </a:p>
           <a:p>
             <a:pPr marL="343080" indent="-342720">
@@ -9325,14 +10320,14 @@
                 <a:spcPts val="1001"/>
               </a:spcBef>
               <a:buClr>
-                <a:srgbClr val="5fcbef"/>
+                <a:srgbClr val="5FCBEF"/>
               </a:buClr>
               <a:buSzPct val="80000"/>
               <a:buFont typeface="Wingdings 3" charset="2"/>
               <a:buChar char=""/>
             </a:pPr>
             <a:r>
-              <a:rPr b="0" lang="en-US" sz="2400" spc="-1" strike="noStrike">
+              <a:rPr lang="en-US" sz="2400" b="0" strike="noStrike" spc="-1">
                 <a:solidFill>
                   <a:srgbClr val="404040"/>
                 </a:solidFill>
@@ -9340,12 +10335,6 @@
               </a:rPr>
               <a:t>stateless: drools session doesn’t get to know of state change during session, even if state of the object has changed. (“new StatelessKeySession”) </a:t>
             </a:r>
-            <a:endParaRPr b="0" lang="en-US" sz="2400" spc="-1" strike="noStrike">
-              <a:solidFill>
-                <a:srgbClr val="404040"/>
-              </a:solidFill>
-              <a:latin typeface="Trebuchet MS"/>
-            </a:endParaRPr>
           </a:p>
           <a:p>
             <a:pPr marL="343080" indent="-342720">
@@ -9356,14 +10345,14 @@
                 <a:spcPts val="1001"/>
               </a:spcBef>
               <a:buClr>
-                <a:srgbClr val="5fcbef"/>
+                <a:srgbClr val="5FCBEF"/>
               </a:buClr>
               <a:buSzPct val="80000"/>
               <a:buFont typeface="Wingdings 3" charset="2"/>
               <a:buChar char=""/>
             </a:pPr>
             <a:r>
-              <a:rPr b="0" lang="en-US" sz="2400" spc="-1" strike="noStrike">
+              <a:rPr lang="en-US" sz="2400" b="0" strike="noStrike" spc="-1">
                 <a:solidFill>
                   <a:srgbClr val="404040"/>
                 </a:solidFill>
@@ -9371,12 +10360,6 @@
               </a:rPr>
               <a:t>if you modify an object in a stateful session then all affected rules are automatically re-checked </a:t>
             </a:r>
-            <a:endParaRPr b="0" lang="en-US" sz="2400" spc="-1" strike="noStrike">
-              <a:solidFill>
-                <a:srgbClr val="404040"/>
-              </a:solidFill>
-              <a:latin typeface="Trebuchet MS"/>
-            </a:endParaRPr>
           </a:p>
           <a:p>
             <a:pPr marL="343080" indent="-342720">
@@ -9387,14 +10370,14 @@
                 <a:spcPts val="1001"/>
               </a:spcBef>
               <a:buClr>
-                <a:srgbClr val="5fcbef"/>
+                <a:srgbClr val="5FCBEF"/>
               </a:buClr>
               <a:buSzPct val="80000"/>
               <a:buFont typeface="Wingdings 3" charset="2"/>
               <a:buChar char=""/>
             </a:pPr>
             <a:r>
-              <a:rPr b="0" lang="en-US" sz="2400" spc="-1" strike="noStrike">
+              <a:rPr lang="en-US" sz="2400" b="0" strike="noStrike" spc="-1">
                 <a:solidFill>
                   <a:srgbClr val="404040"/>
                 </a:solidFill>
@@ -9402,12 +10385,6 @@
               </a:rPr>
               <a:t>in kmodule there is no specification for stateful Session needed </a:t>
             </a:r>
-            <a:endParaRPr b="0" lang="en-US" sz="2400" spc="-1" strike="noStrike">
-              <a:solidFill>
-                <a:srgbClr val="404040"/>
-              </a:solidFill>
-              <a:latin typeface="Trebuchet MS"/>
-            </a:endParaRPr>
           </a:p>
           <a:p>
             <a:pPr>
@@ -9418,7 +10395,7 @@
                 <a:spcPts val="1001"/>
               </a:spcBef>
             </a:pPr>
-            <a:endParaRPr b="0" lang="en-US" sz="2400" spc="-1" strike="noStrike">
+            <a:endParaRPr lang="en-US" sz="2400" b="0" strike="noStrike" spc="-1">
               <a:solidFill>
                 <a:srgbClr val="404040"/>
               </a:solidFill>
@@ -9429,22 +10406,25 @@
       </p:sp>
     </p:spTree>
   </p:cSld>
+  <p:clrMapOvr>
+    <a:masterClrMapping/>
+  </p:clrMapOvr>
   <p:timing>
     <p:tnLst>
       <p:par>
-        <p:cTn id="31" dur="indefinite" restart="never" nodeType="tmRoot">
+        <p:cTn id="1" dur="indefinite" restart="never" nodeType="tmRoot">
           <p:childTnLst>
             <p:seq>
-              <p:cTn id="32" dur="indefinite" nodeType="mainSeq"/>
+              <p:cTn id="2" dur="indefinite" nodeType="mainSeq"/>
               <p:prevCondLst>
-                <p:cond delay="0" evt="onPrev">
+                <p:cond evt="onPrev" delay="0">
                   <p:tgtEl>
                     <p:sldTgt/>
                   </p:tgtEl>
                 </p:cond>
               </p:prevCondLst>
               <p:nextCondLst>
-                <p:cond delay="0" evt="onNext">
+                <p:cond evt="onNext" delay="0">
                   <p:tgtEl>
                     <p:sldTgt/>
                   </p:tgtEl>
@@ -9460,7 +10440,7 @@
 </file>
 
 <file path=ppt/slides/slide17.xml><?xml version="1.0" encoding="utf-8"?>
-<p:sld xmlns:a="http://schemas.openxmlformats.org/drawingml/2006/main" xmlns:p="http://schemas.openxmlformats.org/presentationml/2006/main" xmlns:r="http://schemas.openxmlformats.org/officeDocument/2006/relationships" xmlns:p14="http://schemas.microsoft.com/office/powerpoint/2010/main" xmlns:p15="http://schemas.microsoft.com/office/powerpoint/2012/main" xmlns:mc="http://schemas.openxmlformats.org/markup-compatibility/2006">
+<p:sld xmlns:a="http://schemas.openxmlformats.org/drawingml/2006/main" xmlns:r="http://schemas.openxmlformats.org/officeDocument/2006/relationships" xmlns:p="http://schemas.openxmlformats.org/presentationml/2006/main">
   <p:cSld>
     <p:spTree>
       <p:nvGrpSpPr>
@@ -9497,6 +10477,7 @@
         </p:spPr>
         <p:txBody>
           <a:bodyPr/>
+          <a:lstStyle/>
           <a:p>
             <a:pPr>
               <a:lnSpc>
@@ -9504,15 +10485,15 @@
               </a:lnSpc>
             </a:pPr>
             <a:r>
-              <a:rPr b="0" lang="en-US" sz="3600" spc="-1" strike="noStrike">
+              <a:rPr lang="en-US" sz="3600" b="0" strike="noStrike" spc="-1">
                 <a:solidFill>
-                  <a:srgbClr val="5fcbef"/>
+                  <a:srgbClr val="5FCBEF"/>
                 </a:solidFill>
                 <a:latin typeface="Trebuchet MS"/>
               </a:rPr>
               <a:t>Problem with stateless Sessions</a:t>
             </a:r>
-            <a:endParaRPr b="0" lang="en-US" sz="3600" spc="-1" strike="noStrike">
+            <a:endParaRPr lang="en-US" sz="3600" b="0" strike="noStrike" spc="-1">
               <a:solidFill>
                 <a:srgbClr val="000000"/>
               </a:solidFill>
@@ -9544,6 +10525,7 @@
           <a:bodyPr>
             <a:normAutofit/>
           </a:bodyPr>
+          <a:lstStyle/>
           <a:p>
             <a:pPr>
               <a:lnSpc>
@@ -9553,7 +10535,7 @@
                 <a:spcPts val="1001"/>
               </a:spcBef>
             </a:pPr>
-            <a:endParaRPr b="0" lang="en-US" sz="1800" spc="-1" strike="noStrike">
+            <a:endParaRPr lang="en-US" sz="1800" b="0" strike="noStrike" spc="-1">
               <a:solidFill>
                 <a:srgbClr val="404040"/>
               </a:solidFill>
@@ -9569,7 +10551,7 @@
                 <a:spcPts val="1001"/>
               </a:spcBef>
             </a:pPr>
-            <a:endParaRPr b="0" lang="en-US" sz="1800" spc="-1" strike="noStrike">
+            <a:endParaRPr lang="en-US" sz="1800" b="0" strike="noStrike" spc="-1">
               <a:solidFill>
                 <a:srgbClr val="404040"/>
               </a:solidFill>
@@ -9585,14 +10567,14 @@
                 <a:spcPts val="1001"/>
               </a:spcBef>
               <a:buClr>
-                <a:srgbClr val="5fcbef"/>
+                <a:srgbClr val="5FCBEF"/>
               </a:buClr>
               <a:buSzPct val="80000"/>
               <a:buFont typeface="Wingdings 3" charset="2"/>
               <a:buChar char=""/>
             </a:pPr>
             <a:r>
-              <a:rPr b="0" lang="en-US" sz="2400" spc="-1" strike="noStrike">
+              <a:rPr lang="en-US" sz="2400" b="0" strike="noStrike" spc="-1">
                 <a:solidFill>
                   <a:srgbClr val="404040"/>
                 </a:solidFill>
@@ -9600,12 +10582,6 @@
               </a:rPr>
               <a:t>Showing .drl files of Section03, Step 5 vs. Step 6</a:t>
             </a:r>
-            <a:endParaRPr b="0" lang="en-US" sz="2400" spc="-1" strike="noStrike">
-              <a:solidFill>
-                <a:srgbClr val="404040"/>
-              </a:solidFill>
-              <a:latin typeface="Trebuchet MS"/>
-            </a:endParaRPr>
           </a:p>
           <a:p>
             <a:pPr marL="343080" indent="-342720">
@@ -9616,14 +10592,14 @@
                 <a:spcPts val="1001"/>
               </a:spcBef>
               <a:buClr>
-                <a:srgbClr val="5fcbef"/>
+                <a:srgbClr val="5FCBEF"/>
               </a:buClr>
               <a:buSzPct val="80000"/>
               <a:buFont typeface="Wingdings 3" charset="2"/>
               <a:buChar char=""/>
             </a:pPr>
             <a:r>
-              <a:rPr b="0" lang="en-US" sz="2400" spc="-1" strike="noStrike">
+              <a:rPr lang="en-US" sz="2400" b="0" strike="noStrike" spc="-1">
                 <a:solidFill>
                   <a:srgbClr val="404040"/>
                 </a:solidFill>
@@ -9631,33 +10607,30 @@
               </a:rPr>
               <a:t>Moving the Unknown rule from top to bottom</a:t>
             </a:r>
-            <a:endParaRPr b="0" lang="en-US" sz="2400" spc="-1" strike="noStrike">
-              <a:solidFill>
-                <a:srgbClr val="404040"/>
-              </a:solidFill>
-              <a:latin typeface="Trebuchet MS"/>
-            </a:endParaRPr>
           </a:p>
         </p:txBody>
       </p:sp>
     </p:spTree>
   </p:cSld>
+  <p:clrMapOvr>
+    <a:masterClrMapping/>
+  </p:clrMapOvr>
   <p:timing>
     <p:tnLst>
       <p:par>
-        <p:cTn id="33" dur="indefinite" restart="never" nodeType="tmRoot">
+        <p:cTn id="1" dur="indefinite" restart="never" nodeType="tmRoot">
           <p:childTnLst>
             <p:seq>
-              <p:cTn id="34" dur="indefinite" nodeType="mainSeq"/>
+              <p:cTn id="2" dur="indefinite" nodeType="mainSeq"/>
               <p:prevCondLst>
-                <p:cond delay="0" evt="onPrev">
+                <p:cond evt="onPrev" delay="0">
                   <p:tgtEl>
                     <p:sldTgt/>
                   </p:tgtEl>
                 </p:cond>
               </p:prevCondLst>
               <p:nextCondLst>
-                <p:cond delay="0" evt="onNext">
+                <p:cond evt="onNext" delay="0">
                   <p:tgtEl>
                     <p:sldTgt/>
                   </p:tgtEl>
@@ -9673,7 +10646,7 @@
 </file>
 
 <file path=ppt/slides/slide18.xml><?xml version="1.0" encoding="utf-8"?>
-<p:sld xmlns:a="http://schemas.openxmlformats.org/drawingml/2006/main" xmlns:p="http://schemas.openxmlformats.org/presentationml/2006/main" xmlns:r="http://schemas.openxmlformats.org/officeDocument/2006/relationships" xmlns:p14="http://schemas.microsoft.com/office/powerpoint/2010/main" xmlns:p15="http://schemas.microsoft.com/office/powerpoint/2012/main" xmlns:mc="http://schemas.openxmlformats.org/markup-compatibility/2006">
+<p:sld xmlns:a="http://schemas.openxmlformats.org/drawingml/2006/main" xmlns:r="http://schemas.openxmlformats.org/officeDocument/2006/relationships" xmlns:p="http://schemas.openxmlformats.org/presentationml/2006/main">
   <p:cSld>
     <p:spTree>
       <p:nvGrpSpPr>
@@ -9710,6 +10683,7 @@
         </p:spPr>
         <p:txBody>
           <a:bodyPr/>
+          <a:lstStyle/>
           <a:p>
             <a:pPr>
               <a:lnSpc>
@@ -9717,15 +10691,15 @@
               </a:lnSpc>
             </a:pPr>
             <a:r>
-              <a:rPr b="0" lang="en-US" sz="3600" spc="-1" strike="noStrike">
+              <a:rPr lang="en-US" sz="3600" b="0" strike="noStrike" spc="-1">
                 <a:solidFill>
-                  <a:srgbClr val="5fcbef"/>
+                  <a:srgbClr val="5FCBEF"/>
                 </a:solidFill>
                 <a:latin typeface="Trebuchet MS"/>
               </a:rPr>
               <a:t>Inference</a:t>
             </a:r>
-            <a:endParaRPr b="0" lang="en-US" sz="3600" spc="-1" strike="noStrike">
+            <a:endParaRPr lang="en-US" sz="3600" b="0" strike="noStrike" spc="-1">
               <a:solidFill>
                 <a:srgbClr val="000000"/>
               </a:solidFill>
@@ -9757,6 +10731,7 @@
           <a:bodyPr>
             <a:normAutofit/>
           </a:bodyPr>
+          <a:lstStyle/>
           <a:p>
             <a:pPr marL="343080" indent="-342720">
               <a:lnSpc>
@@ -9766,14 +10741,14 @@
                 <a:spcPts val="1001"/>
               </a:spcBef>
               <a:buClr>
-                <a:srgbClr val="5fcbef"/>
+                <a:srgbClr val="5FCBEF"/>
               </a:buClr>
               <a:buSzPct val="80000"/>
               <a:buFont typeface="Wingdings 3" charset="2"/>
               <a:buChar char=""/>
             </a:pPr>
             <a:r>
-              <a:rPr b="0" lang="en-US" sz="2400" spc="-1" strike="noStrike">
+              <a:rPr lang="en-US" sz="2400" b="0" strike="noStrike" spc="-1">
                 <a:solidFill>
                   <a:srgbClr val="404040"/>
                 </a:solidFill>
@@ -9781,12 +10756,6 @@
               </a:rPr>
               <a:t>Building on top of previous knowledge. Meaning that you want to build on top of state changes.    </a:t>
             </a:r>
-            <a:endParaRPr b="0" lang="en-US" sz="2400" spc="-1" strike="noStrike">
-              <a:solidFill>
-                <a:srgbClr val="404040"/>
-              </a:solidFill>
-              <a:latin typeface="Trebuchet MS"/>
-            </a:endParaRPr>
           </a:p>
           <a:p>
             <a:pPr marL="343080" indent="-342720">
@@ -9797,14 +10766,14 @@
                 <a:spcPts val="1001"/>
               </a:spcBef>
               <a:buClr>
-                <a:srgbClr val="5fcbef"/>
+                <a:srgbClr val="5FCBEF"/>
               </a:buClr>
               <a:buSzPct val="80000"/>
               <a:buFont typeface="Wingdings 3" charset="2"/>
               <a:buChar char=""/>
             </a:pPr>
             <a:r>
-              <a:rPr b="0" i="1" lang="en-US" sz="2400" spc="-1" strike="noStrike">
+              <a:rPr lang="en-US" sz="2400" b="0" i="1" strike="noStrike" spc="-1">
                 <a:solidFill>
                   <a:srgbClr val="404040"/>
                 </a:solidFill>
@@ -9812,7 +10781,7 @@
               </a:rPr>
               <a:t>see example with false passport validation</a:t>
             </a:r>
-            <a:endParaRPr b="0" lang="en-US" sz="2400" spc="-1" strike="noStrike">
+            <a:endParaRPr lang="en-US" sz="2400" b="0" strike="noStrike" spc="-1">
               <a:solidFill>
                 <a:srgbClr val="404040"/>
               </a:solidFill>
@@ -9828,14 +10797,14 @@
                 <a:spcPts val="1001"/>
               </a:spcBef>
               <a:buClr>
-                <a:srgbClr val="5fcbef"/>
+                <a:srgbClr val="5FCBEF"/>
               </a:buClr>
               <a:buSzPct val="80000"/>
               <a:buFont typeface="Wingdings 3" charset="2"/>
               <a:buChar char=""/>
             </a:pPr>
             <a:r>
-              <a:rPr b="0" lang="en-US" sz="2400" spc="-1" strike="noStrike">
+              <a:rPr lang="en-US" sz="2400" b="0" strike="noStrike" spc="-1">
                 <a:solidFill>
                   <a:srgbClr val="404040"/>
                 </a:solidFill>
@@ -9843,12 +10812,6 @@
               </a:rPr>
               <a:t>To be able to apply inference, use stateful sessions</a:t>
             </a:r>
-            <a:endParaRPr b="0" lang="en-US" sz="2400" spc="-1" strike="noStrike">
-              <a:solidFill>
-                <a:srgbClr val="404040"/>
-              </a:solidFill>
-              <a:latin typeface="Trebuchet MS"/>
-            </a:endParaRPr>
           </a:p>
           <a:p>
             <a:pPr>
@@ -9859,7 +10822,7 @@
                 <a:spcPts val="1001"/>
               </a:spcBef>
             </a:pPr>
-            <a:endParaRPr b="0" lang="en-US" sz="2400" spc="-1" strike="noStrike">
+            <a:endParaRPr lang="en-US" sz="2400" b="0" strike="noStrike" spc="-1">
               <a:solidFill>
                 <a:srgbClr val="404040"/>
               </a:solidFill>
@@ -9870,22 +10833,25 @@
       </p:sp>
     </p:spTree>
   </p:cSld>
+  <p:clrMapOvr>
+    <a:masterClrMapping/>
+  </p:clrMapOvr>
   <p:timing>
     <p:tnLst>
       <p:par>
-        <p:cTn id="35" dur="indefinite" restart="never" nodeType="tmRoot">
+        <p:cTn id="1" dur="indefinite" restart="never" nodeType="tmRoot">
           <p:childTnLst>
             <p:seq>
-              <p:cTn id="36" dur="indefinite" nodeType="mainSeq"/>
+              <p:cTn id="2" dur="indefinite" nodeType="mainSeq"/>
               <p:prevCondLst>
-                <p:cond delay="0" evt="onPrev">
+                <p:cond evt="onPrev" delay="0">
                   <p:tgtEl>
                     <p:sldTgt/>
                   </p:tgtEl>
                 </p:cond>
               </p:prevCondLst>
               <p:nextCondLst>
-                <p:cond delay="0" evt="onNext">
+                <p:cond evt="onNext" delay="0">
                   <p:tgtEl>
                     <p:sldTgt/>
                   </p:tgtEl>
@@ -9901,7 +10867,7 @@
 </file>
 
 <file path=ppt/slides/slide19.xml><?xml version="1.0" encoding="utf-8"?>
-<p:sld xmlns:a="http://schemas.openxmlformats.org/drawingml/2006/main" xmlns:p="http://schemas.openxmlformats.org/presentationml/2006/main" xmlns:r="http://schemas.openxmlformats.org/officeDocument/2006/relationships" xmlns:p14="http://schemas.microsoft.com/office/powerpoint/2010/main" xmlns:p15="http://schemas.microsoft.com/office/powerpoint/2012/main" xmlns:mc="http://schemas.openxmlformats.org/markup-compatibility/2006">
+<p:sld xmlns:a="http://schemas.openxmlformats.org/drawingml/2006/main" xmlns:r="http://schemas.openxmlformats.org/officeDocument/2006/relationships" xmlns:p="http://schemas.openxmlformats.org/presentationml/2006/main">
   <p:cSld>
     <p:spTree>
       <p:nvGrpSpPr>
@@ -9938,6 +10904,7 @@
         </p:spPr>
         <p:txBody>
           <a:bodyPr/>
+          <a:lstStyle/>
           <a:p>
             <a:pPr>
               <a:lnSpc>
@@ -9945,15 +10912,15 @@
               </a:lnSpc>
             </a:pPr>
             <a:r>
-              <a:rPr b="0" lang="en-US" sz="3600" spc="-1" strike="noStrike">
+              <a:rPr lang="en-US" sz="3600" b="0" strike="noStrike" spc="-1">
                 <a:solidFill>
-                  <a:srgbClr val="5fcbef"/>
+                  <a:srgbClr val="5FCBEF"/>
                 </a:solidFill>
                 <a:latin typeface="Trebuchet MS"/>
               </a:rPr>
               <a:t>Modify keyword &amp; dispose</a:t>
             </a:r>
-            <a:endParaRPr b="0" lang="en-US" sz="3600" spc="-1" strike="noStrike">
+            <a:endParaRPr lang="en-US" sz="3600" b="0" strike="noStrike" spc="-1">
               <a:solidFill>
                 <a:srgbClr val="000000"/>
               </a:solidFill>
@@ -9985,6 +10952,7 @@
           <a:bodyPr>
             <a:normAutofit/>
           </a:bodyPr>
+          <a:lstStyle/>
           <a:p>
             <a:pPr marL="343080" indent="-342720">
               <a:lnSpc>
@@ -9994,14 +10962,14 @@
                 <a:spcPts val="1001"/>
               </a:spcBef>
               <a:buClr>
-                <a:srgbClr val="5fcbef"/>
+                <a:srgbClr val="5FCBEF"/>
               </a:buClr>
               <a:buSzPct val="80000"/>
               <a:buFont typeface="Wingdings 3" charset="2"/>
               <a:buChar char=""/>
             </a:pPr>
             <a:r>
-              <a:rPr b="0" lang="en-US" sz="2400" spc="-1" strike="noStrike">
+              <a:rPr lang="en-US" sz="2400" b="0" strike="noStrike" spc="-1">
                 <a:solidFill>
                   <a:srgbClr val="404040"/>
                 </a:solidFill>
@@ -10010,7 +10978,7 @@
               </a:rPr>
               <a:t>makes drools aware of state changes</a:t>
             </a:r>
-            <a:endParaRPr b="0" lang="en-US" sz="2400" spc="-1" strike="noStrike">
+            <a:endParaRPr lang="en-US" sz="2400" b="0" strike="noStrike" spc="-1">
               <a:solidFill>
                 <a:srgbClr val="404040"/>
               </a:solidFill>
@@ -10026,14 +10994,14 @@
                 <a:spcPts val="1001"/>
               </a:spcBef>
               <a:buClr>
-                <a:srgbClr val="5fcbef"/>
+                <a:srgbClr val="5FCBEF"/>
               </a:buClr>
               <a:buSzPct val="80000"/>
               <a:buFont typeface="Wingdings 3" charset="2"/>
               <a:buChar char=""/>
             </a:pPr>
             <a:r>
-              <a:rPr b="0" lang="en-US" sz="2400" spc="-1" strike="noStrike">
+              <a:rPr lang="en-US" sz="2400" b="0" strike="noStrike" spc="-1">
                 <a:solidFill>
                   <a:srgbClr val="404040"/>
                 </a:solidFill>
@@ -10042,7 +11010,7 @@
               </a:rPr>
               <a:t>Other rules are automatically re-checked</a:t>
             </a:r>
-            <a:endParaRPr b="0" lang="en-US" sz="2400" spc="-1" strike="noStrike">
+            <a:endParaRPr lang="en-US" sz="2400" b="0" strike="noStrike" spc="-1">
               <a:solidFill>
                 <a:srgbClr val="404040"/>
               </a:solidFill>
@@ -10058,14 +11026,14 @@
                 <a:spcPts val="1001"/>
               </a:spcBef>
               <a:buClr>
-                <a:srgbClr val="5fcbef"/>
+                <a:srgbClr val="5FCBEF"/>
               </a:buClr>
               <a:buSzPct val="80000"/>
               <a:buFont typeface="Wingdings 3" charset="2"/>
               <a:buChar char=""/>
             </a:pPr>
             <a:r>
-              <a:rPr b="0" lang="en-US" sz="2400" spc="-1" strike="noStrike">
+              <a:rPr lang="en-US" sz="2400" b="0" strike="noStrike" spc="-1">
                 <a:solidFill>
                   <a:srgbClr val="404040"/>
                 </a:solidFill>
@@ -10074,7 +11042,7 @@
               </a:rPr>
               <a:t>In body of modify you can run one or more methods</a:t>
             </a:r>
-            <a:endParaRPr b="0" lang="en-US" sz="2400" spc="-1" strike="noStrike">
+            <a:endParaRPr lang="en-US" sz="2400" b="0" strike="noStrike" spc="-1">
               <a:solidFill>
                 <a:srgbClr val="404040"/>
               </a:solidFill>
@@ -10090,7 +11058,7 @@
                 <a:spcPts val="1001"/>
               </a:spcBef>
             </a:pPr>
-            <a:endParaRPr b="0" lang="en-US" sz="2400" spc="-1" strike="noStrike">
+            <a:endParaRPr lang="en-US" sz="2400" b="0" strike="noStrike" spc="-1">
               <a:solidFill>
                 <a:srgbClr val="404040"/>
               </a:solidFill>
@@ -10106,14 +11074,14 @@
                 <a:spcPts val="1001"/>
               </a:spcBef>
               <a:buClr>
-                <a:srgbClr val="5fcbef"/>
+                <a:srgbClr val="5FCBEF"/>
               </a:buClr>
               <a:buSzPct val="80000"/>
               <a:buFont typeface="Wingdings 3" charset="2"/>
               <a:buChar char=""/>
             </a:pPr>
             <a:r>
-              <a:rPr b="0" lang="en-US" sz="2400" spc="-1" strike="noStrike">
+              <a:rPr lang="en-US" sz="2400" b="0" strike="noStrike" spc="-1">
                 <a:solidFill>
                   <a:srgbClr val="404040"/>
                 </a:solidFill>
@@ -10122,7 +11090,7 @@
               </a:rPr>
               <a:t>Dispose() method frees memory after the end of a Session</a:t>
             </a:r>
-            <a:endParaRPr b="0" lang="en-US" sz="2400" spc="-1" strike="noStrike">
+            <a:endParaRPr lang="en-US" sz="2400" b="0" strike="noStrike" spc="-1">
               <a:solidFill>
                 <a:srgbClr val="404040"/>
               </a:solidFill>
@@ -10133,22 +11101,25 @@
       </p:sp>
     </p:spTree>
   </p:cSld>
+  <p:clrMapOvr>
+    <a:masterClrMapping/>
+  </p:clrMapOvr>
   <p:timing>
     <p:tnLst>
       <p:par>
-        <p:cTn id="37" dur="indefinite" restart="never" nodeType="tmRoot">
+        <p:cTn id="1" dur="indefinite" restart="never" nodeType="tmRoot">
           <p:childTnLst>
             <p:seq>
-              <p:cTn id="38" dur="indefinite" nodeType="mainSeq"/>
+              <p:cTn id="2" dur="indefinite" nodeType="mainSeq"/>
               <p:prevCondLst>
-                <p:cond delay="0" evt="onPrev">
+                <p:cond evt="onPrev" delay="0">
                   <p:tgtEl>
                     <p:sldTgt/>
                   </p:tgtEl>
                 </p:cond>
               </p:prevCondLst>
               <p:nextCondLst>
-                <p:cond delay="0" evt="onNext">
+                <p:cond evt="onNext" delay="0">
                   <p:tgtEl>
                     <p:sldTgt/>
                   </p:tgtEl>
@@ -10164,7 +11135,7 @@
 </file>
 
 <file path=ppt/slides/slide2.xml><?xml version="1.0" encoding="utf-8"?>
-<p:sld xmlns:a="http://schemas.openxmlformats.org/drawingml/2006/main" xmlns:p="http://schemas.openxmlformats.org/presentationml/2006/main" xmlns:r="http://schemas.openxmlformats.org/officeDocument/2006/relationships" xmlns:p14="http://schemas.microsoft.com/office/powerpoint/2010/main" xmlns:p15="http://schemas.microsoft.com/office/powerpoint/2012/main" xmlns:mc="http://schemas.openxmlformats.org/markup-compatibility/2006">
+<p:sld xmlns:a="http://schemas.openxmlformats.org/drawingml/2006/main" xmlns:r="http://schemas.openxmlformats.org/officeDocument/2006/relationships" xmlns:p="http://schemas.openxmlformats.org/presentationml/2006/main">
   <p:cSld>
     <p:spTree>
       <p:nvGrpSpPr>
@@ -10201,6 +11172,7 @@
         </p:spPr>
         <p:txBody>
           <a:bodyPr/>
+          <a:lstStyle/>
           <a:p>
             <a:pPr>
               <a:lnSpc>
@@ -10208,15 +11180,15 @@
               </a:lnSpc>
             </a:pPr>
             <a:r>
-              <a:rPr b="0" lang="en-US" sz="3600" spc="-1" strike="noStrike">
+              <a:rPr lang="en-US" sz="3600" b="0" strike="noStrike" spc="-1">
                 <a:solidFill>
-                  <a:srgbClr val="5fcbef"/>
+                  <a:srgbClr val="5FCBEF"/>
                 </a:solidFill>
                 <a:latin typeface="Trebuchet MS"/>
               </a:rPr>
               <a:t>Overview</a:t>
             </a:r>
-            <a:endParaRPr b="0" lang="en-US" sz="3600" spc="-1" strike="noStrike">
+            <a:endParaRPr lang="en-US" sz="3600" b="0" strike="noStrike" spc="-1">
               <a:solidFill>
                 <a:srgbClr val="000000"/>
               </a:solidFill>
@@ -10248,6 +11220,7 @@
           <a:bodyPr>
             <a:normAutofit/>
           </a:bodyPr>
+          <a:lstStyle/>
           <a:p>
             <a:pPr marL="343080" indent="-342720">
               <a:lnSpc>
@@ -10257,14 +11230,14 @@
                 <a:spcPts val="1001"/>
               </a:spcBef>
               <a:buClr>
-                <a:srgbClr val="5fcbef"/>
+                <a:srgbClr val="5FCBEF"/>
               </a:buClr>
               <a:buSzPct val="80000"/>
               <a:buFont typeface="Wingdings 3" charset="2"/>
               <a:buChar char=""/>
             </a:pPr>
             <a:r>
-              <a:rPr b="0" lang="en-US" sz="2400" spc="-1" strike="noStrike">
+              <a:rPr lang="en-US" sz="2400" b="0" strike="noStrike" spc="-1">
                 <a:solidFill>
                   <a:srgbClr val="404040"/>
                 </a:solidFill>
@@ -10272,12 +11245,6 @@
               </a:rPr>
               <a:t>Introduction to drools</a:t>
             </a:r>
-            <a:endParaRPr b="0" lang="en-US" sz="2400" spc="-1" strike="noStrike">
-              <a:solidFill>
-                <a:srgbClr val="404040"/>
-              </a:solidFill>
-              <a:latin typeface="Trebuchet MS"/>
-            </a:endParaRPr>
           </a:p>
           <a:p>
             <a:pPr marL="343080" indent="-342720">
@@ -10288,14 +11255,14 @@
                 <a:spcPts val="1001"/>
               </a:spcBef>
               <a:buClr>
-                <a:srgbClr val="5fcbef"/>
+                <a:srgbClr val="5FCBEF"/>
               </a:buClr>
               <a:buSzPct val="80000"/>
               <a:buFont typeface="Wingdings 3" charset="2"/>
               <a:buChar char=""/>
             </a:pPr>
             <a:r>
-              <a:rPr b="0" lang="en-US" sz="2400" spc="-1" strike="noStrike">
+              <a:rPr lang="en-US" sz="2400" b="0" strike="noStrike" spc="-1">
                 <a:solidFill>
                   <a:srgbClr val="404040"/>
                 </a:solidFill>
@@ -10303,12 +11270,6 @@
               </a:rPr>
               <a:t>Passport / VISA Maven project overview</a:t>
             </a:r>
-            <a:endParaRPr b="0" lang="en-US" sz="2400" spc="-1" strike="noStrike">
-              <a:solidFill>
-                <a:srgbClr val="404040"/>
-              </a:solidFill>
-              <a:latin typeface="Trebuchet MS"/>
-            </a:endParaRPr>
           </a:p>
           <a:p>
             <a:pPr marL="343080" indent="-342720">
@@ -10319,14 +11280,14 @@
                 <a:spcPts val="1001"/>
               </a:spcBef>
               <a:buClr>
-                <a:srgbClr val="5fcbef"/>
+                <a:srgbClr val="5FCBEF"/>
               </a:buClr>
               <a:buSzPct val="80000"/>
               <a:buFont typeface="Wingdings 3" charset="2"/>
               <a:buChar char=""/>
             </a:pPr>
             <a:r>
-              <a:rPr b="0" lang="en-US" sz="2400" spc="-1" strike="noStrike">
+              <a:rPr lang="en-US" sz="2400" b="0" strike="noStrike" spc="-1">
                 <a:solidFill>
                   <a:srgbClr val="404040"/>
                 </a:solidFill>
@@ -10334,33 +11295,30 @@
               </a:rPr>
               <a:t>Exercises for this project</a:t>
             </a:r>
-            <a:endParaRPr b="0" lang="en-US" sz="2400" spc="-1" strike="noStrike">
-              <a:solidFill>
-                <a:srgbClr val="404040"/>
-              </a:solidFill>
-              <a:latin typeface="Trebuchet MS"/>
-            </a:endParaRPr>
           </a:p>
         </p:txBody>
       </p:sp>
     </p:spTree>
   </p:cSld>
+  <p:clrMapOvr>
+    <a:masterClrMapping/>
+  </p:clrMapOvr>
   <p:timing>
     <p:tnLst>
       <p:par>
-        <p:cTn id="3" dur="indefinite" restart="never" nodeType="tmRoot">
+        <p:cTn id="1" dur="indefinite" restart="never" nodeType="tmRoot">
           <p:childTnLst>
             <p:seq>
-              <p:cTn id="4" dur="indefinite" nodeType="mainSeq"/>
+              <p:cTn id="2" dur="indefinite" nodeType="mainSeq"/>
               <p:prevCondLst>
-                <p:cond delay="0" evt="onPrev">
+                <p:cond evt="onPrev" delay="0">
                   <p:tgtEl>
                     <p:sldTgt/>
                   </p:tgtEl>
                 </p:cond>
               </p:prevCondLst>
               <p:nextCondLst>
-                <p:cond delay="0" evt="onNext">
+                <p:cond evt="onNext" delay="0">
                   <p:tgtEl>
                     <p:sldTgt/>
                   </p:tgtEl>
@@ -10376,7 +11334,7 @@
 </file>
 
 <file path=ppt/slides/slide20.xml><?xml version="1.0" encoding="utf-8"?>
-<p:sld xmlns:a="http://schemas.openxmlformats.org/drawingml/2006/main" xmlns:p="http://schemas.openxmlformats.org/presentationml/2006/main" xmlns:r="http://schemas.openxmlformats.org/officeDocument/2006/relationships" xmlns:p14="http://schemas.microsoft.com/office/powerpoint/2010/main" xmlns:p15="http://schemas.microsoft.com/office/powerpoint/2012/main" xmlns:mc="http://schemas.openxmlformats.org/markup-compatibility/2006">
+<p:sld xmlns:a="http://schemas.openxmlformats.org/drawingml/2006/main" xmlns:r="http://schemas.openxmlformats.org/officeDocument/2006/relationships" xmlns:p="http://schemas.openxmlformats.org/presentationml/2006/main">
   <p:cSld>
     <p:spTree>
       <p:nvGrpSpPr>
@@ -10413,6 +11371,7 @@
         </p:spPr>
         <p:txBody>
           <a:bodyPr/>
+          <a:lstStyle/>
           <a:p>
             <a:pPr>
               <a:lnSpc>
@@ -10420,15 +11379,15 @@
               </a:lnSpc>
             </a:pPr>
             <a:r>
-              <a:rPr b="0" lang="en-US" sz="3600" spc="-1" strike="noStrike">
+              <a:rPr lang="en-US" sz="3600" b="0" strike="noStrike" spc="-1">
                 <a:solidFill>
-                  <a:srgbClr val="5fcbef"/>
+                  <a:srgbClr val="5FCBEF"/>
                 </a:solidFill>
                 <a:latin typeface="Trebuchet MS"/>
               </a:rPr>
               <a:t>Cross validation / combine objects</a:t>
             </a:r>
-            <a:endParaRPr b="0" lang="en-US" sz="3600" spc="-1" strike="noStrike">
+            <a:endParaRPr lang="en-US" sz="3600" b="0" strike="noStrike" spc="-1">
               <a:solidFill>
                 <a:srgbClr val="000000"/>
               </a:solidFill>
@@ -10439,12 +11398,12 @@
       </p:sp>
       <p:pic>
         <p:nvPicPr>
-          <p:cNvPr id="213" name="Picture 4" descr=""/>
+          <p:cNvPr id="213" name="Picture 4"/>
           <p:cNvPicPr/>
           <p:nvPr/>
         </p:nvPicPr>
         <p:blipFill>
-          <a:blip r:embed="rId1"/>
+          <a:blip r:embed="rId2"/>
           <a:stretch/>
         </p:blipFill>
         <p:spPr>
@@ -10462,22 +11421,25 @@
       </p:pic>
     </p:spTree>
   </p:cSld>
+  <p:clrMapOvr>
+    <a:masterClrMapping/>
+  </p:clrMapOvr>
   <p:timing>
     <p:tnLst>
       <p:par>
-        <p:cTn id="39" dur="indefinite" restart="never" nodeType="tmRoot">
+        <p:cTn id="1" dur="indefinite" restart="never" nodeType="tmRoot">
           <p:childTnLst>
             <p:seq>
-              <p:cTn id="40" dur="indefinite" nodeType="mainSeq"/>
+              <p:cTn id="2" dur="indefinite" nodeType="mainSeq"/>
               <p:prevCondLst>
-                <p:cond delay="0" evt="onPrev">
+                <p:cond evt="onPrev" delay="0">
                   <p:tgtEl>
                     <p:sldTgt/>
                   </p:tgtEl>
                 </p:cond>
               </p:prevCondLst>
               <p:nextCondLst>
-                <p:cond delay="0" evt="onNext">
+                <p:cond evt="onNext" delay="0">
                   <p:tgtEl>
                     <p:sldTgt/>
                   </p:tgtEl>
@@ -10493,7 +11455,7 @@
 </file>
 
 <file path=ppt/slides/slide21.xml><?xml version="1.0" encoding="utf-8"?>
-<p:sld xmlns:a="http://schemas.openxmlformats.org/drawingml/2006/main" xmlns:p="http://schemas.openxmlformats.org/presentationml/2006/main" xmlns:r="http://schemas.openxmlformats.org/officeDocument/2006/relationships" xmlns:p14="http://schemas.microsoft.com/office/powerpoint/2010/main" xmlns:p15="http://schemas.microsoft.com/office/powerpoint/2012/main" xmlns:mc="http://schemas.openxmlformats.org/markup-compatibility/2006">
+<p:sld xmlns:a="http://schemas.openxmlformats.org/drawingml/2006/main" xmlns:r="http://schemas.openxmlformats.org/officeDocument/2006/relationships" xmlns:p="http://schemas.openxmlformats.org/presentationml/2006/main">
   <p:cSld>
     <p:spTree>
       <p:nvGrpSpPr>
@@ -10530,6 +11492,7 @@
         </p:spPr>
         <p:txBody>
           <a:bodyPr/>
+          <a:lstStyle/>
           <a:p>
             <a:pPr>
               <a:lnSpc>
@@ -10537,15 +11500,15 @@
               </a:lnSpc>
             </a:pPr>
             <a:r>
-              <a:rPr b="0" lang="en-US" sz="3600" spc="-1" strike="noStrike">
+              <a:rPr lang="en-US" sz="3600" b="0" strike="noStrike" spc="-1">
                 <a:solidFill>
-                  <a:srgbClr val="5fcbef"/>
+                  <a:srgbClr val="5FCBEF"/>
                 </a:solidFill>
                 <a:latin typeface="Trebuchet MS"/>
               </a:rPr>
               <a:t>Exercise</a:t>
             </a:r>
-            <a:endParaRPr b="0" lang="en-US" sz="3600" spc="-1" strike="noStrike">
+            <a:endParaRPr lang="en-US" sz="3600" b="0" strike="noStrike" spc="-1">
               <a:solidFill>
                 <a:srgbClr val="000000"/>
               </a:solidFill>
@@ -10575,6 +11538,7 @@
         </p:spPr>
         <p:txBody>
           <a:bodyPr/>
+          <a:lstStyle/>
           <a:p>
             <a:pPr marL="343080" indent="-342720">
               <a:lnSpc>
@@ -10584,14 +11548,14 @@
                 <a:spcPts val="1001"/>
               </a:spcBef>
               <a:buClr>
-                <a:srgbClr val="5fcbef"/>
+                <a:srgbClr val="5FCBEF"/>
               </a:buClr>
               <a:buSzPct val="80000"/>
               <a:buFont typeface="Wingdings 3" charset="2"/>
               <a:buChar char=""/>
             </a:pPr>
             <a:r>
-              <a:rPr b="0" lang="en-US" sz="1800" spc="-1" strike="noStrike">
+              <a:rPr lang="en-US" sz="1800" b="0" strike="noStrike" spc="-1">
                 <a:solidFill>
                   <a:srgbClr val="404040"/>
                 </a:solidFill>
@@ -10599,33 +11563,30 @@
               </a:rPr>
               <a:t>Section 4, step 2 and Section 5, step 1  - 15 min</a:t>
             </a:r>
-            <a:endParaRPr b="0" lang="en-US" sz="1800" spc="-1" strike="noStrike">
-              <a:solidFill>
-                <a:srgbClr val="404040"/>
-              </a:solidFill>
-              <a:latin typeface="Trebuchet MS"/>
-            </a:endParaRPr>
           </a:p>
         </p:txBody>
       </p:sp>
     </p:spTree>
   </p:cSld>
+  <p:clrMapOvr>
+    <a:masterClrMapping/>
+  </p:clrMapOvr>
   <p:timing>
     <p:tnLst>
       <p:par>
-        <p:cTn id="41" dur="indefinite" restart="never" nodeType="tmRoot">
+        <p:cTn id="1" dur="indefinite" restart="never" nodeType="tmRoot">
           <p:childTnLst>
             <p:seq>
-              <p:cTn id="42" dur="indefinite" nodeType="mainSeq"/>
+              <p:cTn id="2" dur="indefinite" nodeType="mainSeq"/>
               <p:prevCondLst>
-                <p:cond delay="0" evt="onPrev">
+                <p:cond evt="onPrev" delay="0">
                   <p:tgtEl>
                     <p:sldTgt/>
                   </p:tgtEl>
                 </p:cond>
               </p:prevCondLst>
               <p:nextCondLst>
-                <p:cond delay="0" evt="onNext">
+                <p:cond evt="onNext" delay="0">
                   <p:tgtEl>
                     <p:sldTgt/>
                   </p:tgtEl>
@@ -10641,7 +11602,7 @@
 </file>
 
 <file path=ppt/slides/slide3.xml><?xml version="1.0" encoding="utf-8"?>
-<p:sld xmlns:a="http://schemas.openxmlformats.org/drawingml/2006/main" xmlns:p="http://schemas.openxmlformats.org/presentationml/2006/main" xmlns:r="http://schemas.openxmlformats.org/officeDocument/2006/relationships" xmlns:p14="http://schemas.microsoft.com/office/powerpoint/2010/main" xmlns:p15="http://schemas.microsoft.com/office/powerpoint/2012/main" xmlns:mc="http://schemas.openxmlformats.org/markup-compatibility/2006">
+<p:sld xmlns:a="http://schemas.openxmlformats.org/drawingml/2006/main" xmlns:r="http://schemas.openxmlformats.org/officeDocument/2006/relationships" xmlns:p="http://schemas.openxmlformats.org/presentationml/2006/main">
   <p:cSld>
     <p:spTree>
       <p:nvGrpSpPr>
@@ -10678,6 +11639,7 @@
         </p:spPr>
         <p:txBody>
           <a:bodyPr/>
+          <a:lstStyle/>
           <a:p>
             <a:pPr>
               <a:lnSpc>
@@ -10685,15 +11647,15 @@
               </a:lnSpc>
             </a:pPr>
             <a:r>
-              <a:rPr b="0" lang="en-US" sz="3600" spc="-1" strike="noStrike">
+              <a:rPr lang="en-US" sz="3600" b="0" strike="noStrike" spc="-1">
                 <a:solidFill>
-                  <a:srgbClr val="5fcbef"/>
+                  <a:srgbClr val="5FCBEF"/>
                 </a:solidFill>
                 <a:latin typeface="Trebuchet MS"/>
               </a:rPr>
               <a:t>What is a Business rule engine?</a:t>
             </a:r>
-            <a:endParaRPr b="0" lang="en-US" sz="3600" spc="-1" strike="noStrike">
+            <a:endParaRPr lang="en-US" sz="3600" b="0" strike="noStrike" spc="-1">
               <a:solidFill>
                 <a:srgbClr val="000000"/>
               </a:solidFill>
@@ -10723,6 +11685,7 @@
         </p:spPr>
         <p:txBody>
           <a:bodyPr/>
+          <a:lstStyle/>
           <a:p>
             <a:pPr marL="343080" indent="-342720">
               <a:lnSpc>
@@ -10732,14 +11695,14 @@
                 <a:spcPts val="1001"/>
               </a:spcBef>
               <a:buClr>
-                <a:srgbClr val="5fcbef"/>
+                <a:srgbClr val="5FCBEF"/>
               </a:buClr>
               <a:buSzPct val="80000"/>
               <a:buFont typeface="Wingdings 3" charset="2"/>
               <a:buChar char=""/>
             </a:pPr>
             <a:r>
-              <a:rPr b="0" lang="en-US" sz="1800" spc="-1" strike="noStrike">
+              <a:rPr lang="en-US" sz="1800" b="0" strike="noStrike" spc="-1" dirty="0">
                 <a:solidFill>
                   <a:srgbClr val="404040"/>
                 </a:solidFill>
@@ -10747,15 +11710,9 @@
               </a:rPr>
               <a:t>Tool for executing business rules</a:t>
             </a:r>
-            <a:endParaRPr b="0" lang="en-US" sz="1800" spc="-1" strike="noStrike">
-              <a:solidFill>
-                <a:srgbClr val="404040"/>
-              </a:solidFill>
-              <a:latin typeface="Trebuchet MS"/>
-            </a:endParaRPr>
-          </a:p>
-          <a:p>
-            <a:pPr lvl="1" marL="743040" indent="-285480">
+          </a:p>
+          <a:p>
+            <a:pPr marL="743040" lvl="1" indent="-285480">
               <a:lnSpc>
                 <a:spcPct val="100000"/>
               </a:lnSpc>
@@ -10763,14 +11720,14 @@
                 <a:spcPts val="1001"/>
               </a:spcBef>
               <a:buClr>
-                <a:srgbClr val="5fcbef"/>
+                <a:srgbClr val="5FCBEF"/>
               </a:buClr>
               <a:buSzPct val="80000"/>
               <a:buFont typeface="Wingdings 3" charset="2"/>
               <a:buChar char=""/>
             </a:pPr>
             <a:r>
-              <a:rPr b="0" lang="en-US" sz="1600" spc="-1" strike="noStrike">
+              <a:rPr lang="en-US" sz="1600" b="0" strike="noStrike" spc="-1" dirty="0">
                 <a:solidFill>
                   <a:srgbClr val="404040"/>
                 </a:solidFill>
@@ -10779,7 +11736,7 @@
               <a:t>e.g. </a:t>
             </a:r>
             <a:r>
-              <a:rPr b="0" i="1" lang="en-US" sz="1600" spc="-1" strike="noStrike">
+              <a:rPr lang="en-US" sz="1600" b="0" i="1" strike="noStrike" spc="-1" dirty="0">
                 <a:solidFill>
                   <a:srgbClr val="404040"/>
                 </a:solidFill>
@@ -10788,7 +11745,7 @@
               <a:t>when</a:t>
             </a:r>
             <a:r>
-              <a:rPr b="0" lang="en-US" sz="1600" spc="-1" strike="noStrike">
+              <a:rPr lang="en-US" sz="1600" b="0" strike="noStrike" spc="-1" dirty="0">
                 <a:solidFill>
                   <a:srgbClr val="404040"/>
                 </a:solidFill>
@@ -10797,7 +11754,7 @@
               <a:t> an employee is out sick for more than 5 days in a row and does not have a doctor’s note, </a:t>
             </a:r>
             <a:r>
-              <a:rPr b="0" i="1" lang="en-US" sz="1600" spc="-1" strike="noStrike">
+              <a:rPr lang="en-US" sz="1600" b="0" i="1" strike="noStrike" spc="-1" dirty="0">
                 <a:solidFill>
                   <a:srgbClr val="404040"/>
                 </a:solidFill>
@@ -10806,7 +11763,7 @@
               <a:t>then</a:t>
             </a:r>
             <a:r>
-              <a:rPr b="0" lang="en-US" sz="1600" spc="-1" strike="noStrike">
+              <a:rPr lang="en-US" sz="1600" b="0" strike="noStrike" spc="-1" dirty="0">
                 <a:solidFill>
                   <a:srgbClr val="404040"/>
                 </a:solidFill>
@@ -10814,12 +11771,6 @@
               </a:rPr>
               <a:t> they need to be written up</a:t>
             </a:r>
-            <a:endParaRPr b="0" lang="en-US" sz="1600" spc="-1" strike="noStrike">
-              <a:solidFill>
-                <a:srgbClr val="404040"/>
-              </a:solidFill>
-              <a:latin typeface="Trebuchet MS"/>
-            </a:endParaRPr>
           </a:p>
           <a:p>
             <a:pPr marL="343080" indent="-342720">
@@ -10830,45 +11781,14 @@
                 <a:spcPts val="1001"/>
               </a:spcBef>
               <a:buClr>
-                <a:srgbClr val="5fcbef"/>
+                <a:srgbClr val="5FCBEF"/>
               </a:buClr>
               <a:buSzPct val="80000"/>
               <a:buFont typeface="Wingdings 3" charset="2"/>
               <a:buChar char=""/>
             </a:pPr>
             <a:r>
-              <a:rPr b="0" lang="en-US" sz="1800" spc="-1" strike="noStrike">
-                <a:solidFill>
-                  <a:srgbClr val="404040"/>
-                </a:solidFill>
-                <a:latin typeface="Trebuchet MS"/>
-              </a:rPr>
-              <a:t>Drools rules consists of a set of rules and a set of facts</a:t>
-            </a:r>
-            <a:endParaRPr b="0" lang="en-US" sz="1800" spc="-1" strike="noStrike">
-              <a:solidFill>
-                <a:srgbClr val="404040"/>
-              </a:solidFill>
-              <a:latin typeface="Trebuchet MS"/>
-            </a:endParaRPr>
-          </a:p>
-          <a:p>
-            <a:pPr marL="343080" indent="-342720">
-              <a:lnSpc>
-                <a:spcPct val="100000"/>
-              </a:lnSpc>
-              <a:spcBef>
-                <a:spcPts val="1001"/>
-              </a:spcBef>
-              <a:buClr>
-                <a:srgbClr val="5fcbef"/>
-              </a:buClr>
-              <a:buSzPct val="80000"/>
-              <a:buFont typeface="Wingdings 3" charset="2"/>
-              <a:buChar char=""/>
-            </a:pPr>
-            <a:r>
-              <a:rPr b="0" lang="en-US" sz="1800" spc="-1" strike="noStrike">
+              <a:rPr lang="en-US" sz="1800" b="0" strike="noStrike" spc="-1" dirty="0">
                 <a:solidFill>
                   <a:srgbClr val="404040"/>
                 </a:solidFill>
@@ -10876,33 +11796,30 @@
               </a:rPr>
               <a:t>Efficient for non-programmers</a:t>
             </a:r>
-            <a:endParaRPr b="0" lang="en-US" sz="1800" spc="-1" strike="noStrike">
-              <a:solidFill>
-                <a:srgbClr val="404040"/>
-              </a:solidFill>
-              <a:latin typeface="Trebuchet MS"/>
-            </a:endParaRPr>
           </a:p>
         </p:txBody>
       </p:sp>
     </p:spTree>
   </p:cSld>
+  <p:clrMapOvr>
+    <a:masterClrMapping/>
+  </p:clrMapOvr>
   <p:timing>
     <p:tnLst>
       <p:par>
-        <p:cTn id="5" dur="indefinite" restart="never" nodeType="tmRoot">
+        <p:cTn id="1" dur="indefinite" restart="never" nodeType="tmRoot">
           <p:childTnLst>
             <p:seq>
-              <p:cTn id="6" dur="indefinite" nodeType="mainSeq"/>
+              <p:cTn id="2" dur="indefinite" nodeType="mainSeq"/>
               <p:prevCondLst>
-                <p:cond delay="0" evt="onPrev">
+                <p:cond evt="onPrev" delay="0">
                   <p:tgtEl>
                     <p:sldTgt/>
                   </p:tgtEl>
                 </p:cond>
               </p:prevCondLst>
               <p:nextCondLst>
-                <p:cond delay="0" evt="onNext">
+                <p:cond evt="onNext" delay="0">
                   <p:tgtEl>
                     <p:sldTgt/>
                   </p:tgtEl>
@@ -10918,7 +11835,7 @@
 </file>
 
 <file path=ppt/slides/slide4.xml><?xml version="1.0" encoding="utf-8"?>
-<p:sld xmlns:a="http://schemas.openxmlformats.org/drawingml/2006/main" xmlns:p="http://schemas.openxmlformats.org/presentationml/2006/main" xmlns:r="http://schemas.openxmlformats.org/officeDocument/2006/relationships" xmlns:p14="http://schemas.microsoft.com/office/powerpoint/2010/main" xmlns:p15="http://schemas.microsoft.com/office/powerpoint/2012/main" xmlns:mc="http://schemas.openxmlformats.org/markup-compatibility/2006">
+<p:sld xmlns:a="http://schemas.openxmlformats.org/drawingml/2006/main" xmlns:r="http://schemas.openxmlformats.org/officeDocument/2006/relationships" xmlns:p="http://schemas.openxmlformats.org/presentationml/2006/main">
   <p:cSld>
     <p:spTree>
       <p:nvGrpSpPr>
@@ -10936,7 +11853,7 @@
       </p:grpSpPr>
       <p:sp>
         <p:nvSpPr>
-          <p:cNvPr id="173" name="TextShape 1"/>
+          <p:cNvPr id="178" name="TextShape 1"/>
           <p:cNvSpPr txBox="1"/>
           <p:nvPr/>
         </p:nvSpPr>
@@ -10955,6 +11872,7 @@
         </p:spPr>
         <p:txBody>
           <a:bodyPr/>
+          <a:lstStyle/>
           <a:p>
             <a:pPr>
               <a:lnSpc>
@@ -10962,15 +11880,15 @@
               </a:lnSpc>
             </a:pPr>
             <a:r>
-              <a:rPr b="0" lang="en-US" sz="3600" spc="-1" strike="noStrike">
+              <a:rPr lang="en-US" sz="3600" b="0" strike="noStrike" spc="-1">
                 <a:solidFill>
-                  <a:srgbClr val="5fcbef"/>
+                  <a:srgbClr val="5FCBEF"/>
                 </a:solidFill>
                 <a:latin typeface="Trebuchet MS"/>
               </a:rPr>
-              <a:t>Example Visa application</a:t>
+              <a:t>Drools Introduction</a:t>
             </a:r>
-            <a:endParaRPr b="0" lang="en-US" sz="3600" spc="-1" strike="noStrike">
+            <a:endParaRPr lang="en-US" sz="3600" b="0" strike="noStrike" spc="-1">
               <a:solidFill>
                 <a:srgbClr val="000000"/>
               </a:solidFill>
@@ -10981,14 +11899,14 @@
       </p:sp>
       <p:sp>
         <p:nvSpPr>
-          <p:cNvPr id="174" name="TextShape 2"/>
+          <p:cNvPr id="179" name="TextShape 2"/>
           <p:cNvSpPr txBox="1"/>
           <p:nvPr/>
         </p:nvSpPr>
         <p:spPr>
           <a:xfrm>
             <a:off x="677160" y="2160720"/>
-            <a:ext cx="8596440" cy="3880440"/>
+            <a:ext cx="8596440" cy="2150280"/>
           </a:xfrm>
           <a:prstGeom prst="rect">
             <a:avLst/>
@@ -10999,27 +11917,145 @@
           </a:ln>
         </p:spPr>
         <p:txBody>
-          <a:bodyPr/>
-          <a:p>
-            <a:endParaRPr b="0" lang="en-US" sz="1800" spc="-1" strike="noStrike">
+          <a:bodyPr>
+            <a:normAutofit/>
+          </a:bodyPr>
+          <a:lstStyle/>
+          <a:p>
+            <a:pPr marL="343080" indent="-342720">
+              <a:lnSpc>
+                <a:spcPct val="100000"/>
+              </a:lnSpc>
+              <a:spcBef>
+                <a:spcPts val="1001"/>
+              </a:spcBef>
+              <a:buClr>
+                <a:srgbClr val="5FCBEF"/>
+              </a:buClr>
+              <a:buSzPct val="80000"/>
+              <a:buFont typeface="Wingdings 3" charset="2"/>
+              <a:buChar char=""/>
+            </a:pPr>
+            <a:r>
+              <a:rPr lang="en-US" sz="2400" b="0" strike="noStrike" spc="-1">
+                <a:solidFill>
+                  <a:srgbClr val="404040"/>
+                </a:solidFill>
+                <a:latin typeface="Trebuchet MS"/>
+              </a:rPr>
+              <a:t>Business rule management system</a:t>
+            </a:r>
+          </a:p>
+          <a:p>
+            <a:pPr marL="343080" indent="-342720">
+              <a:lnSpc>
+                <a:spcPct val="100000"/>
+              </a:lnSpc>
+              <a:spcBef>
+                <a:spcPts val="1001"/>
+              </a:spcBef>
+              <a:buClr>
+                <a:srgbClr val="5FCBEF"/>
+              </a:buClr>
+              <a:buSzPct val="80000"/>
+              <a:buFont typeface="Wingdings 3" charset="2"/>
+              <a:buChar char=""/>
+            </a:pPr>
+            <a:r>
+              <a:rPr lang="en-US" sz="2400" b="0" strike="noStrike" spc="-1">
+                <a:solidFill>
+                  <a:srgbClr val="404040"/>
+                </a:solidFill>
+                <a:latin typeface="Trebuchet MS"/>
+              </a:rPr>
+              <a:t>Core: Business rule engine</a:t>
+            </a:r>
+          </a:p>
+          <a:p>
+            <a:pPr>
+              <a:lnSpc>
+                <a:spcPct val="100000"/>
+              </a:lnSpc>
+              <a:spcBef>
+                <a:spcPts val="1001"/>
+              </a:spcBef>
+            </a:pPr>
+            <a:endParaRPr lang="en-US" sz="2400" b="0" strike="noStrike" spc="-1">
               <a:solidFill>
                 <a:srgbClr val="404040"/>
               </a:solidFill>
               <a:latin typeface="Trebuchet MS"/>
             </a:endParaRPr>
           </a:p>
-        </p:txBody>
-      </p:sp>
-      <p:sp>
-        <p:nvSpPr>
-          <p:cNvPr id="175" name="CustomShape 3"/>
+          <a:p>
+            <a:pPr marL="343080" indent="-342720">
+              <a:lnSpc>
+                <a:spcPct val="100000"/>
+              </a:lnSpc>
+              <a:spcBef>
+                <a:spcPts val="1001"/>
+              </a:spcBef>
+              <a:buClr>
+                <a:srgbClr val="5FCBEF"/>
+              </a:buClr>
+              <a:buSzPct val="80000"/>
+              <a:buFont typeface="Wingdings 3" charset="2"/>
+              <a:buChar char=""/>
+            </a:pPr>
+            <a:r>
+              <a:rPr lang="en-US" sz="2400" b="0" strike="noStrike" spc="-1">
+                <a:solidFill>
+                  <a:srgbClr val="404040"/>
+                </a:solidFill>
+                <a:latin typeface="Trebuchet MS"/>
+              </a:rPr>
+              <a:t>Business rule engine – domain expert</a:t>
+            </a:r>
+          </a:p>
+          <a:p>
+            <a:pPr>
+              <a:lnSpc>
+                <a:spcPct val="100000"/>
+              </a:lnSpc>
+              <a:spcBef>
+                <a:spcPts val="1001"/>
+              </a:spcBef>
+            </a:pPr>
+            <a:endParaRPr lang="en-US" sz="2400" b="0" strike="noStrike" spc="-1">
+              <a:solidFill>
+                <a:srgbClr val="404040"/>
+              </a:solidFill>
+              <a:latin typeface="Trebuchet MS"/>
+            </a:endParaRPr>
+          </a:p>
+          <a:p>
+            <a:pPr>
+              <a:lnSpc>
+                <a:spcPct val="100000"/>
+              </a:lnSpc>
+              <a:spcBef>
+                <a:spcPts val="1001"/>
+              </a:spcBef>
+            </a:pPr>
+            <a:endParaRPr lang="en-US" sz="2400" b="0" strike="noStrike" spc="-1">
+              <a:solidFill>
+                <a:srgbClr val="404040"/>
+              </a:solidFill>
+              <a:latin typeface="Trebuchet MS"/>
+            </a:endParaRPr>
+          </a:p>
+        </p:txBody>
+      </p:sp>
+      <p:sp>
+        <p:nvSpPr>
+          <p:cNvPr id="180" name="CustomShape 3"/>
           <p:cNvSpPr/>
           <p:nvPr/>
         </p:nvSpPr>
         <p:spPr>
           <a:xfrm>
-            <a:off x="686160" y="2983680"/>
-            <a:ext cx="2414160" cy="1716840"/>
+            <a:off x="679680" y="4871160"/>
+            <a:ext cx="1896120" cy="1047960"/>
           </a:xfrm>
           <a:prstGeom prst="rightArrow">
             <a:avLst>
@@ -11046,7 +12082,8 @@
           <a:fontRef idx="minor"/>
         </p:style>
         <p:txBody>
-          <a:bodyPr lIns="90000" rIns="90000" tIns="45000" bIns="45000" anchor="ctr"/>
+          <a:bodyPr lIns="90000" tIns="45000" rIns="90000" bIns="45000" anchor="ctr"/>
+          <a:lstStyle/>
           <a:p>
             <a:pPr algn="ctr">
               <a:lnSpc>
@@ -11054,15 +12091,15 @@
               </a:lnSpc>
             </a:pPr>
             <a:r>
-              <a:rPr b="0" lang="en-GB" sz="1800" spc="-1" strike="noStrike">
+              <a:rPr lang="en-GB" sz="1800" b="0" strike="noStrike" spc="-1">
                 <a:solidFill>
-                  <a:srgbClr val="ffffff"/>
+                  <a:srgbClr val="FFFFFF"/>
                 </a:solidFill>
                 <a:latin typeface="Trebuchet MS"/>
               </a:rPr>
-              <a:t>VISA application, passport</a:t>
+              <a:t>Data</a:t>
             </a:r>
-            <a:endParaRPr b="0" lang="en-GB" sz="1800" spc="-1" strike="noStrike">
+            <a:endParaRPr lang="en-GB" sz="1800" b="0" strike="noStrike" spc="-1">
               <a:latin typeface="Arial"/>
             </a:endParaRPr>
           </a:p>
@@ -11070,12 +12107,12 @@
       </p:sp>
       <p:graphicFrame>
         <p:nvGraphicFramePr>
-          <p:cNvPr id="176" name="Table 4"/>
+          <p:cNvPr id="181" name="Table 4"/>
           <p:cNvGraphicFramePr/>
           <p:nvPr/>
         </p:nvGraphicFramePr>
         <p:xfrm>
-          <a:off x="3295080" y="3196440"/>
+          <a:off x="2779560" y="4767120"/>
           <a:ext cx="2512080" cy="1291320"/>
         </p:xfrm>
         <a:graphic>
@@ -11083,12 +12120,19 @@
             <a:tbl>
               <a:tblPr/>
               <a:tblGrid>
-                <a:gridCol w="2512440"/>
+                <a:gridCol w="2512440">
+                  <a:extLst>
+                    <a:ext uri="{9D8B030D-6E8A-4147-A177-3AD203B41FA5}">
+                      <a16:colId xmlns:a16="http://schemas.microsoft.com/office/drawing/2014/main" val="20000"/>
+                    </a:ext>
+                  </a:extLst>
+                </a:gridCol>
               </a:tblGrid>
               <a:tr h="549720">
                 <a:tc>
                   <a:txBody>
                     <a:bodyPr/>
+                    <a:lstStyle/>
                     <a:p>
                       <a:pPr algn="ctr">
                         <a:lnSpc>
@@ -11096,50 +12140,56 @@
                         </a:lnSpc>
                       </a:pPr>
                       <a:r>
-                        <a:rPr b="1" lang="en-GB" sz="1800" spc="-1" strike="noStrike">
+                        <a:rPr lang="en-GB" sz="1800" b="1" strike="noStrike" spc="-1">
                           <a:solidFill>
-                            <a:srgbClr val="ffffff"/>
+                            <a:srgbClr val="FFFFFF"/>
                           </a:solidFill>
                           <a:latin typeface="Trebuchet MS"/>
                         </a:rPr>
-                        <a:t>Rule engine</a:t>
+                        <a:t>Domain expert</a:t>
                       </a:r>
-                      <a:endParaRPr b="0" lang="en-GB" sz="1800" spc="-1" strike="noStrike">
+                      <a:endParaRPr lang="en-GB" sz="1800" b="0" strike="noStrike" spc="-1">
                         <a:latin typeface="Arial"/>
                       </a:endParaRPr>
                     </a:p>
                   </a:txBody>
-                  <a:tcPr marL="91440" marR="91440">
+                  <a:tcPr>
                     <a:lnL w="12240">
                       <a:solidFill>
-                        <a:srgbClr val="ffffff"/>
+                        <a:srgbClr val="FFFFFF"/>
                       </a:solidFill>
                     </a:lnL>
                     <a:lnR w="12240">
                       <a:solidFill>
-                        <a:srgbClr val="ffffff"/>
+                        <a:srgbClr val="FFFFFF"/>
                       </a:solidFill>
                     </a:lnR>
                     <a:lnT w="12240">
                       <a:solidFill>
-                        <a:srgbClr val="ffffff"/>
+                        <a:srgbClr val="FFFFFF"/>
                       </a:solidFill>
                     </a:lnT>
                     <a:lnB w="38160">
                       <a:solidFill>
-                        <a:srgbClr val="ffffff"/>
+                        <a:srgbClr val="FFFFFF"/>
                       </a:solidFill>
                     </a:lnB>
                     <a:solidFill>
-                      <a:srgbClr val="5fcbef"/>
+                      <a:srgbClr val="5FCBEF"/>
                     </a:solidFill>
                   </a:tcPr>
                 </a:tc>
+                <a:extLst>
+                  <a:ext uri="{0D108BD9-81ED-4DB2-BD59-A6C34878D82A}">
+                    <a16:rowId xmlns:a16="http://schemas.microsoft.com/office/drawing/2014/main" val="10000"/>
+                  </a:ext>
+                </a:extLst>
               </a:tr>
               <a:tr h="370800">
                 <a:tc>
                   <a:txBody>
                     <a:bodyPr/>
+                    <a:lstStyle/>
                     <a:p>
                       <a:pPr algn="ctr">
                         <a:lnSpc>
@@ -11147,50 +12197,60 @@
                         </a:lnSpc>
                       </a:pPr>
                       <a:r>
-                        <a:rPr b="0" lang="en-GB" sz="1800" spc="-1" strike="noStrike">
+                        <a:rPr lang="en-GB" sz="1800" b="0" strike="noStrike" spc="-1">
                           <a:solidFill>
                             <a:srgbClr val="000000"/>
                           </a:solidFill>
                           <a:latin typeface="Trebuchet MS"/>
                         </a:rPr>
-                        <a:t>Passport not expired</a:t>
+                        <a:t>Rule 1</a:t>
                       </a:r>
-                      <a:endParaRPr b="0" lang="en-GB" sz="1800" spc="-1" strike="noStrike">
+                      <a:endParaRPr lang="en-GB" sz="1800" b="0" strike="noStrike" spc="-1">
                         <a:latin typeface="Arial"/>
                       </a:endParaRPr>
                     </a:p>
                   </a:txBody>
-                  <a:tcPr marL="91440" marR="91440">
+                  <a:tcPr>
                     <a:lnL w="12240">
                       <a:solidFill>
-                        <a:srgbClr val="ffffff"/>
+                        <a:srgbClr val="FFFFFF"/>
                       </a:solidFill>
                     </a:lnL>
                     <a:lnR w="12240">
                       <a:solidFill>
-                        <a:srgbClr val="ffffff"/>
+                        <a:srgbClr val="FFFFFF"/>
                       </a:solidFill>
                     </a:lnR>
-                    <a:lnT w="12240">
+                    <a:lnT w="38160" cap="flat" cmpd="sng" algn="ctr">
                       <a:solidFill>
-                        <a:srgbClr val="ffffff"/>
+                        <a:srgbClr val="FFFFFF"/>
                       </a:solidFill>
+                      <a:prstDash val="solid"/>
+                      <a:round/>
+                      <a:headEnd type="none" w="med" len="med"/>
+                      <a:tailEnd type="none" w="med" len="med"/>
                     </a:lnT>
                     <a:lnB w="12240">
                       <a:solidFill>
-                        <a:srgbClr val="ffffff"/>
+                        <a:srgbClr val="FFFFFF"/>
                       </a:solidFill>
                     </a:lnB>
                     <a:solidFill>
-                      <a:srgbClr val="d2ebf8"/>
+                      <a:srgbClr val="D2EBF8"/>
                     </a:solidFill>
                   </a:tcPr>
                 </a:tc>
+                <a:extLst>
+                  <a:ext uri="{0D108BD9-81ED-4DB2-BD59-A6C34878D82A}">
+                    <a16:rowId xmlns:a16="http://schemas.microsoft.com/office/drawing/2014/main" val="10001"/>
+                  </a:ext>
+                </a:extLst>
               </a:tr>
               <a:tr h="370800">
                 <a:tc>
                   <a:txBody>
                     <a:bodyPr/>
+                    <a:lstStyle/>
                     <a:p>
                       <a:pPr algn="ctr">
                         <a:lnSpc>
@@ -11198,45 +12258,50 @@
                         </a:lnSpc>
                       </a:pPr>
                       <a:r>
-                        <a:rPr b="0" lang="en-GB" sz="1800" spc="-1" strike="noStrike">
+                        <a:rPr lang="en-GB" sz="1800" b="0" strike="noStrike" spc="-1">
                           <a:solidFill>
                             <a:srgbClr val="000000"/>
                           </a:solidFill>
                           <a:latin typeface="Trebuchet MS"/>
                         </a:rPr>
-                        <a:t>VISA has free pages</a:t>
+                        <a:t>Rule 2</a:t>
                       </a:r>
-                      <a:endParaRPr b="0" lang="en-GB" sz="1800" spc="-1" strike="noStrike">
+                      <a:endParaRPr lang="en-GB" sz="1800" b="0" strike="noStrike" spc="-1">
                         <a:latin typeface="Arial"/>
                       </a:endParaRPr>
                     </a:p>
                   </a:txBody>
-                  <a:tcPr marL="91440" marR="91440">
+                  <a:tcPr>
                     <a:lnL w="12240">
                       <a:solidFill>
-                        <a:srgbClr val="ffffff"/>
+                        <a:srgbClr val="FFFFFF"/>
                       </a:solidFill>
                     </a:lnL>
                     <a:lnR w="12240">
                       <a:solidFill>
-                        <a:srgbClr val="ffffff"/>
+                        <a:srgbClr val="FFFFFF"/>
                       </a:solidFill>
                     </a:lnR>
                     <a:lnT w="12240">
                       <a:solidFill>
-                        <a:srgbClr val="ffffff"/>
+                        <a:srgbClr val="FFFFFF"/>
                       </a:solidFill>
                     </a:lnT>
                     <a:lnB w="12240">
                       <a:solidFill>
-                        <a:srgbClr val="ffffff"/>
+                        <a:srgbClr val="FFFFFF"/>
                       </a:solidFill>
                     </a:lnB>
                     <a:solidFill>
-                      <a:srgbClr val="eaf5fb"/>
+                      <a:srgbClr val="EAF5FB"/>
                     </a:solidFill>
                   </a:tcPr>
                 </a:tc>
+                <a:extLst>
+                  <a:ext uri="{0D108BD9-81ED-4DB2-BD59-A6C34878D82A}">
+                    <a16:rowId xmlns:a16="http://schemas.microsoft.com/office/drawing/2014/main" val="10002"/>
+                  </a:ext>
+                </a:extLst>
               </a:tr>
             </a:tbl>
           </a:graphicData>
@@ -11244,14 +12309,14 @@
       </p:graphicFrame>
       <p:sp>
         <p:nvSpPr>
-          <p:cNvPr id="177" name="CustomShape 5"/>
+          <p:cNvPr id="182" name="CustomShape 5"/>
           <p:cNvSpPr/>
           <p:nvPr/>
         </p:nvSpPr>
         <p:spPr>
           <a:xfrm>
-            <a:off x="6095880" y="2983680"/>
-            <a:ext cx="2414160" cy="1716840"/>
+            <a:off x="5680800" y="4893840"/>
+            <a:ext cx="1678320" cy="1002240"/>
           </a:xfrm>
           <a:prstGeom prst="rightArrow">
             <a:avLst>
@@ -11278,7 +12343,8 @@
           <a:fontRef idx="minor"/>
         </p:style>
         <p:txBody>
-          <a:bodyPr lIns="90000" rIns="90000" tIns="45000" bIns="45000" anchor="ctr"/>
+          <a:bodyPr lIns="90000" tIns="45000" rIns="90000" bIns="45000" anchor="ctr"/>
+          <a:lstStyle/>
           <a:p>
             <a:pPr algn="ctr">
               <a:lnSpc>
@@ -11286,15 +12352,15 @@
               </a:lnSpc>
             </a:pPr>
             <a:r>
-              <a:rPr b="0" lang="en-GB" sz="1800" spc="-1" strike="noStrike">
+              <a:rPr lang="en-GB" sz="1800" b="0" strike="noStrike" spc="-1">
                 <a:solidFill>
-                  <a:srgbClr val="ffffff"/>
+                  <a:srgbClr val="FFFFFF"/>
                 </a:solidFill>
                 <a:latin typeface="Trebuchet MS"/>
               </a:rPr>
-              <a:t>VISA, rejection letter</a:t>
+              <a:t>Decision</a:t>
             </a:r>
-            <a:endParaRPr b="0" lang="en-GB" sz="1800" spc="-1" strike="noStrike">
+            <a:endParaRPr lang="en-GB" sz="1800" b="0" strike="noStrike" spc="-1">
               <a:latin typeface="Arial"/>
             </a:endParaRPr>
           </a:p>
@@ -11302,22 +12368,25 @@
       </p:sp>
     </p:spTree>
   </p:cSld>
+  <p:clrMapOvr>
+    <a:masterClrMapping/>
+  </p:clrMapOvr>
   <p:timing>
     <p:tnLst>
       <p:par>
-        <p:cTn id="7" dur="indefinite" restart="never" nodeType="tmRoot">
+        <p:cTn id="1" dur="indefinite" restart="never" nodeType="tmRoot">
           <p:childTnLst>
             <p:seq>
-              <p:cTn id="8" dur="indefinite" nodeType="mainSeq"/>
+              <p:cTn id="2" dur="indefinite" nodeType="mainSeq"/>
               <p:prevCondLst>
-                <p:cond delay="0" evt="onPrev">
+                <p:cond evt="onPrev" delay="0">
                   <p:tgtEl>
                     <p:sldTgt/>
                   </p:tgtEl>
                 </p:cond>
               </p:prevCondLst>
               <p:nextCondLst>
-                <p:cond delay="0" evt="onNext">
+                <p:cond evt="onNext" delay="0">
                   <p:tgtEl>
                     <p:sldTgt/>
                   </p:tgtEl>
@@ -11333,7 +12402,7 @@
 </file>
 
 <file path=ppt/slides/slide5.xml><?xml version="1.0" encoding="utf-8"?>
-<p:sld xmlns:a="http://schemas.openxmlformats.org/drawingml/2006/main" xmlns:p="http://schemas.openxmlformats.org/presentationml/2006/main" xmlns:r="http://schemas.openxmlformats.org/officeDocument/2006/relationships" xmlns:p14="http://schemas.microsoft.com/office/powerpoint/2010/main" xmlns:p15="http://schemas.microsoft.com/office/powerpoint/2012/main" xmlns:mc="http://schemas.openxmlformats.org/markup-compatibility/2006">
+<p:sld xmlns:a="http://schemas.openxmlformats.org/drawingml/2006/main" xmlns:r="http://schemas.openxmlformats.org/officeDocument/2006/relationships" xmlns:p="http://schemas.openxmlformats.org/presentationml/2006/main">
   <p:cSld>
     <p:spTree>
       <p:nvGrpSpPr>
@@ -11351,7 +12420,7 @@
       </p:grpSpPr>
       <p:sp>
         <p:nvSpPr>
-          <p:cNvPr id="178" name="TextShape 1"/>
+          <p:cNvPr id="173" name="TextShape 1"/>
           <p:cNvSpPr txBox="1"/>
           <p:nvPr/>
         </p:nvSpPr>
@@ -11370,6 +12439,7 @@
         </p:spPr>
         <p:txBody>
           <a:bodyPr/>
+          <a:lstStyle/>
           <a:p>
             <a:pPr>
               <a:lnSpc>
@@ -11377,15 +12447,15 @@
               </a:lnSpc>
             </a:pPr>
             <a:r>
-              <a:rPr b="0" lang="en-US" sz="3600" spc="-1" strike="noStrike">
+              <a:rPr lang="en-US" sz="3600" b="0" strike="noStrike" spc="-1">
                 <a:solidFill>
-                  <a:srgbClr val="5fcbef"/>
+                  <a:srgbClr val="5FCBEF"/>
                 </a:solidFill>
                 <a:latin typeface="Trebuchet MS"/>
               </a:rPr>
-              <a:t>Drools Introduction</a:t>
+              <a:t>Example Visa application</a:t>
             </a:r>
-            <a:endParaRPr b="0" lang="en-US" sz="3600" spc="-1" strike="noStrike">
+            <a:endParaRPr lang="en-US" sz="3600" b="0" strike="noStrike" spc="-1">
               <a:solidFill>
                 <a:srgbClr val="000000"/>
               </a:solidFill>
@@ -11396,14 +12466,14 @@
       </p:sp>
       <p:sp>
         <p:nvSpPr>
-          <p:cNvPr id="179" name="TextShape 2"/>
+          <p:cNvPr id="174" name="TextShape 2"/>
           <p:cNvSpPr txBox="1"/>
           <p:nvPr/>
         </p:nvSpPr>
         <p:spPr>
           <a:xfrm>
             <a:off x="677160" y="2160720"/>
-            <a:ext cx="8596440" cy="2150280"/>
+            <a:ext cx="8596440" cy="3880440"/>
           </a:xfrm>
           <a:prstGeom prst="rect">
             <a:avLst/>
@@ -11414,162 +12484,28 @@
           </a:ln>
         </p:spPr>
         <p:txBody>
-          <a:bodyPr>
-            <a:normAutofit/>
-          </a:bodyPr>
-          <a:p>
-            <a:pPr marL="343080" indent="-342720">
-              <a:lnSpc>
-                <a:spcPct val="100000"/>
-              </a:lnSpc>
-              <a:spcBef>
-                <a:spcPts val="1001"/>
-              </a:spcBef>
-              <a:buClr>
-                <a:srgbClr val="5fcbef"/>
-              </a:buClr>
-              <a:buSzPct val="80000"/>
-              <a:buFont typeface="Wingdings 3" charset="2"/>
-              <a:buChar char=""/>
-            </a:pPr>
-            <a:r>
-              <a:rPr b="0" lang="en-US" sz="2400" spc="-1" strike="noStrike">
-                <a:solidFill>
-                  <a:srgbClr val="404040"/>
-                </a:solidFill>
-                <a:latin typeface="Trebuchet MS"/>
-              </a:rPr>
-              <a:t>Business rule management system</a:t>
-            </a:r>
-            <a:endParaRPr b="0" lang="en-US" sz="2400" spc="-1" strike="noStrike">
+          <a:bodyPr/>
+          <a:lstStyle/>
+          <a:p>
+            <a:endParaRPr lang="en-US" sz="1800" b="0" strike="noStrike" spc="-1">
               <a:solidFill>
                 <a:srgbClr val="404040"/>
               </a:solidFill>
               <a:latin typeface="Trebuchet MS"/>
             </a:endParaRPr>
           </a:p>
-          <a:p>
-            <a:pPr marL="343080" indent="-342720">
-              <a:lnSpc>
-                <a:spcPct val="100000"/>
-              </a:lnSpc>
-              <a:spcBef>
-                <a:spcPts val="1001"/>
-              </a:spcBef>
-              <a:buClr>
-                <a:srgbClr val="5fcbef"/>
-              </a:buClr>
-              <a:buSzPct val="80000"/>
-              <a:buFont typeface="Wingdings 3" charset="2"/>
-              <a:buChar char=""/>
-            </a:pPr>
-            <a:r>
-              <a:rPr b="0" lang="en-US" sz="2400" spc="-1" strike="noStrike">
-                <a:solidFill>
-                  <a:srgbClr val="404040"/>
-                </a:solidFill>
-                <a:latin typeface="Trebuchet MS"/>
-              </a:rPr>
-              <a:t>Core: Business rule engine</a:t>
-            </a:r>
-            <a:endParaRPr b="0" lang="en-US" sz="2400" spc="-1" strike="noStrike">
-              <a:solidFill>
-                <a:srgbClr val="404040"/>
-              </a:solidFill>
-              <a:latin typeface="Trebuchet MS"/>
-            </a:endParaRPr>
-          </a:p>
-          <a:p>
-            <a:pPr>
-              <a:lnSpc>
-                <a:spcPct val="100000"/>
-              </a:lnSpc>
-              <a:spcBef>
-                <a:spcPts val="1001"/>
-              </a:spcBef>
-            </a:pPr>
-            <a:endParaRPr b="0" lang="en-US" sz="2400" spc="-1" strike="noStrike">
-              <a:solidFill>
-                <a:srgbClr val="404040"/>
-              </a:solidFill>
-              <a:latin typeface="Trebuchet MS"/>
-            </a:endParaRPr>
-          </a:p>
-          <a:p>
-            <a:pPr marL="343080" indent="-342720">
-              <a:lnSpc>
-                <a:spcPct val="100000"/>
-              </a:lnSpc>
-              <a:spcBef>
-                <a:spcPts val="1001"/>
-              </a:spcBef>
-              <a:buClr>
-                <a:srgbClr val="5fcbef"/>
-              </a:buClr>
-              <a:buSzPct val="80000"/>
-              <a:buFont typeface="Wingdings 3" charset="2"/>
-              <a:buChar char=""/>
-            </a:pPr>
-            <a:r>
-              <a:rPr b="0" lang="en-US" sz="2400" spc="-1" strike="noStrike">
-                <a:solidFill>
-                  <a:srgbClr val="404040"/>
-                </a:solidFill>
-                <a:latin typeface="Trebuchet MS"/>
-              </a:rPr>
-              <a:t>Business rule engine – domain expert</a:t>
-            </a:r>
-            <a:endParaRPr b="0" lang="en-US" sz="2400" spc="-1" strike="noStrike">
-              <a:solidFill>
-                <a:srgbClr val="404040"/>
-              </a:solidFill>
-              <a:latin typeface="Trebuchet MS"/>
-            </a:endParaRPr>
-          </a:p>
-          <a:p>
-            <a:pPr>
-              <a:lnSpc>
-                <a:spcPct val="100000"/>
-              </a:lnSpc>
-              <a:spcBef>
-                <a:spcPts val="1001"/>
-              </a:spcBef>
-            </a:pPr>
-            <a:endParaRPr b="0" lang="en-US" sz="2400" spc="-1" strike="noStrike">
-              <a:solidFill>
-                <a:srgbClr val="404040"/>
-              </a:solidFill>
-              <a:latin typeface="Trebuchet MS"/>
-            </a:endParaRPr>
-          </a:p>
-          <a:p>
-            <a:pPr>
-              <a:lnSpc>
-                <a:spcPct val="100000"/>
-              </a:lnSpc>
-              <a:spcBef>
-                <a:spcPts val="1001"/>
-              </a:spcBef>
-            </a:pPr>
-            <a:endParaRPr b="0" lang="en-US" sz="2400" spc="-1" strike="noStrike">
-              <a:solidFill>
-                <a:srgbClr val="404040"/>
-              </a:solidFill>
-              <a:latin typeface="Trebuchet MS"/>
-            </a:endParaRPr>
-          </a:p>
-        </p:txBody>
-      </p:sp>
-      <p:sp>
-        <p:nvSpPr>
-          <p:cNvPr id="180" name="CustomShape 3"/>
+        </p:txBody>
+      </p:sp>
+      <p:sp>
+        <p:nvSpPr>
+          <p:cNvPr id="175" name="CustomShape 3"/>
           <p:cNvSpPr/>
           <p:nvPr/>
         </p:nvSpPr>
         <p:spPr>
           <a:xfrm>
-            <a:off x="679680" y="4871160"/>
-            <a:ext cx="1896120" cy="1047960"/>
+            <a:off x="686160" y="2983680"/>
+            <a:ext cx="2414160" cy="1716840"/>
           </a:xfrm>
           <a:prstGeom prst="rightArrow">
             <a:avLst>
@@ -11596,7 +12532,8 @@
           <a:fontRef idx="minor"/>
         </p:style>
         <p:txBody>
-          <a:bodyPr lIns="90000" rIns="90000" tIns="45000" bIns="45000" anchor="ctr"/>
+          <a:bodyPr lIns="90000" tIns="45000" rIns="90000" bIns="45000" anchor="ctr"/>
+          <a:lstStyle/>
           <a:p>
             <a:pPr algn="ctr">
               <a:lnSpc>
@@ -11604,15 +12541,15 @@
               </a:lnSpc>
             </a:pPr>
             <a:r>
-              <a:rPr b="0" lang="en-GB" sz="1800" spc="-1" strike="noStrike">
+              <a:rPr lang="en-GB" sz="1800" b="0" strike="noStrike" spc="-1">
                 <a:solidFill>
-                  <a:srgbClr val="ffffff"/>
+                  <a:srgbClr val="FFFFFF"/>
                 </a:solidFill>
                 <a:latin typeface="Trebuchet MS"/>
               </a:rPr>
-              <a:t>Data</a:t>
+              <a:t>VISA application, passport</a:t>
             </a:r>
-            <a:endParaRPr b="0" lang="en-GB" sz="1800" spc="-1" strike="noStrike">
+            <a:endParaRPr lang="en-GB" sz="1800" b="0" strike="noStrike" spc="-1">
               <a:latin typeface="Arial"/>
             </a:endParaRPr>
           </a:p>
@@ -11620,25 +12557,32 @@
       </p:sp>
       <p:graphicFrame>
         <p:nvGraphicFramePr>
-          <p:cNvPr id="181" name="Table 4"/>
+          <p:cNvPr id="176" name="Table 4"/>
           <p:cNvGraphicFramePr/>
           <p:nvPr/>
         </p:nvGraphicFramePr>
         <p:xfrm>
-          <a:off x="2779560" y="4767120"/>
-          <a:ext cx="2512080" cy="1291320"/>
+          <a:off x="3295080" y="3196440"/>
+          <a:ext cx="2512440" cy="1291320"/>
         </p:xfrm>
         <a:graphic>
           <a:graphicData uri="http://schemas.openxmlformats.org/drawingml/2006/table">
             <a:tbl>
               <a:tblPr/>
               <a:tblGrid>
-                <a:gridCol w="2512440"/>
+                <a:gridCol w="2512440">
+                  <a:extLst>
+                    <a:ext uri="{9D8B030D-6E8A-4147-A177-3AD203B41FA5}">
+                      <a16:colId xmlns:a16="http://schemas.microsoft.com/office/drawing/2014/main" val="20000"/>
+                    </a:ext>
+                  </a:extLst>
+                </a:gridCol>
               </a:tblGrid>
               <a:tr h="549720">
                 <a:tc>
                   <a:txBody>
                     <a:bodyPr/>
+                    <a:lstStyle/>
                     <a:p>
                       <a:pPr algn="ctr">
                         <a:lnSpc>
@@ -11646,50 +12590,56 @@
                         </a:lnSpc>
                       </a:pPr>
                       <a:r>
-                        <a:rPr b="1" lang="en-GB" sz="1800" spc="-1" strike="noStrike">
+                        <a:rPr lang="en-GB" sz="1800" b="1" strike="noStrike" spc="-1">
                           <a:solidFill>
-                            <a:srgbClr val="ffffff"/>
+                            <a:srgbClr val="FFFFFF"/>
                           </a:solidFill>
                           <a:latin typeface="Trebuchet MS"/>
                         </a:rPr>
-                        <a:t>Domain expert</a:t>
+                        <a:t>Rule engine</a:t>
                       </a:r>
-                      <a:endParaRPr b="0" lang="en-GB" sz="1800" spc="-1" strike="noStrike">
+                      <a:endParaRPr lang="en-GB" sz="1800" b="0" strike="noStrike" spc="-1">
                         <a:latin typeface="Arial"/>
                       </a:endParaRPr>
                     </a:p>
                   </a:txBody>
-                  <a:tcPr marL="91440" marR="91440">
+                  <a:tcPr>
                     <a:lnL w="12240">
                       <a:solidFill>
-                        <a:srgbClr val="ffffff"/>
+                        <a:srgbClr val="FFFFFF"/>
                       </a:solidFill>
                     </a:lnL>
                     <a:lnR w="12240">
                       <a:solidFill>
-                        <a:srgbClr val="ffffff"/>
+                        <a:srgbClr val="FFFFFF"/>
                       </a:solidFill>
                     </a:lnR>
                     <a:lnT w="12240">
                       <a:solidFill>
-                        <a:srgbClr val="ffffff"/>
+                        <a:srgbClr val="FFFFFF"/>
                       </a:solidFill>
                     </a:lnT>
                     <a:lnB w="38160">
                       <a:solidFill>
-                        <a:srgbClr val="ffffff"/>
+                        <a:srgbClr val="FFFFFF"/>
                       </a:solidFill>
                     </a:lnB>
                     <a:solidFill>
-                      <a:srgbClr val="5fcbef"/>
+                      <a:srgbClr val="5FCBEF"/>
                     </a:solidFill>
                   </a:tcPr>
                 </a:tc>
+                <a:extLst>
+                  <a:ext uri="{0D108BD9-81ED-4DB2-BD59-A6C34878D82A}">
+                    <a16:rowId xmlns:a16="http://schemas.microsoft.com/office/drawing/2014/main" val="10000"/>
+                  </a:ext>
+                </a:extLst>
               </a:tr>
               <a:tr h="370800">
                 <a:tc>
                   <a:txBody>
                     <a:bodyPr/>
+                    <a:lstStyle/>
                     <a:p>
                       <a:pPr algn="ctr">
                         <a:lnSpc>
@@ -11697,50 +12647,60 @@
                         </a:lnSpc>
                       </a:pPr>
                       <a:r>
-                        <a:rPr b="0" lang="en-GB" sz="1800" spc="-1" strike="noStrike">
+                        <a:rPr lang="en-GB" sz="1800" b="0" strike="noStrike" spc="-1">
                           <a:solidFill>
                             <a:srgbClr val="000000"/>
                           </a:solidFill>
                           <a:latin typeface="Trebuchet MS"/>
                         </a:rPr>
-                        <a:t>Rule 1</a:t>
+                        <a:t>Passport not expired</a:t>
                       </a:r>
-                      <a:endParaRPr b="0" lang="en-GB" sz="1800" spc="-1" strike="noStrike">
+                      <a:endParaRPr lang="en-GB" sz="1800" b="0" strike="noStrike" spc="-1">
                         <a:latin typeface="Arial"/>
                       </a:endParaRPr>
                     </a:p>
                   </a:txBody>
-                  <a:tcPr marL="91440" marR="91440">
+                  <a:tcPr>
                     <a:lnL w="12240">
                       <a:solidFill>
-                        <a:srgbClr val="ffffff"/>
+                        <a:srgbClr val="FFFFFF"/>
                       </a:solidFill>
                     </a:lnL>
                     <a:lnR w="12240">
                       <a:solidFill>
-                        <a:srgbClr val="ffffff"/>
+                        <a:srgbClr val="FFFFFF"/>
                       </a:solidFill>
                     </a:lnR>
-                    <a:lnT w="12240">
+                    <a:lnT w="38160" cap="flat" cmpd="sng" algn="ctr">
                       <a:solidFill>
-                        <a:srgbClr val="ffffff"/>
+                        <a:srgbClr val="FFFFFF"/>
                       </a:solidFill>
+                      <a:prstDash val="solid"/>
+                      <a:round/>
+                      <a:headEnd type="none" w="med" len="med"/>
+                      <a:tailEnd type="none" w="med" len="med"/>
                     </a:lnT>
                     <a:lnB w="12240">
                       <a:solidFill>
-                        <a:srgbClr val="ffffff"/>
+                        <a:srgbClr val="FFFFFF"/>
                       </a:solidFill>
                     </a:lnB>
                     <a:solidFill>
-                      <a:srgbClr val="d2ebf8"/>
+                      <a:srgbClr val="D2EBF8"/>
                     </a:solidFill>
                   </a:tcPr>
                 </a:tc>
+                <a:extLst>
+                  <a:ext uri="{0D108BD9-81ED-4DB2-BD59-A6C34878D82A}">
+                    <a16:rowId xmlns:a16="http://schemas.microsoft.com/office/drawing/2014/main" val="10001"/>
+                  </a:ext>
+                </a:extLst>
               </a:tr>
               <a:tr h="370800">
                 <a:tc>
                   <a:txBody>
                     <a:bodyPr/>
+                    <a:lstStyle/>
                     <a:p>
                       <a:pPr algn="ctr">
                         <a:lnSpc>
@@ -11748,45 +12708,50 @@
                         </a:lnSpc>
                       </a:pPr>
                       <a:r>
-                        <a:rPr b="0" lang="en-GB" sz="1800" spc="-1" strike="noStrike">
+                        <a:rPr lang="en-GB" sz="1800" b="0" strike="noStrike" spc="-1">
                           <a:solidFill>
                             <a:srgbClr val="000000"/>
                           </a:solidFill>
                           <a:latin typeface="Trebuchet MS"/>
                         </a:rPr>
-                        <a:t>Rule 2</a:t>
+                        <a:t>VISA has free pages</a:t>
                       </a:r>
-                      <a:endParaRPr b="0" lang="en-GB" sz="1800" spc="-1" strike="noStrike">
+                      <a:endParaRPr lang="en-GB" sz="1800" b="0" strike="noStrike" spc="-1">
                         <a:latin typeface="Arial"/>
                       </a:endParaRPr>
                     </a:p>
                   </a:txBody>
-                  <a:tcPr marL="91440" marR="91440">
+                  <a:tcPr>
                     <a:lnL w="12240">
                       <a:solidFill>
-                        <a:srgbClr val="ffffff"/>
+                        <a:srgbClr val="FFFFFF"/>
                       </a:solidFill>
                     </a:lnL>
                     <a:lnR w="12240">
                       <a:solidFill>
-                        <a:srgbClr val="ffffff"/>
+                        <a:srgbClr val="FFFFFF"/>
                       </a:solidFill>
                     </a:lnR>
                     <a:lnT w="12240">
                       <a:solidFill>
-                        <a:srgbClr val="ffffff"/>
+                        <a:srgbClr val="FFFFFF"/>
                       </a:solidFill>
                     </a:lnT>
                     <a:lnB w="12240">
                       <a:solidFill>
-                        <a:srgbClr val="ffffff"/>
+                        <a:srgbClr val="FFFFFF"/>
                       </a:solidFill>
                     </a:lnB>
                     <a:solidFill>
-                      <a:srgbClr val="eaf5fb"/>
+                      <a:srgbClr val="EAF5FB"/>
                     </a:solidFill>
                   </a:tcPr>
                 </a:tc>
+                <a:extLst>
+                  <a:ext uri="{0D108BD9-81ED-4DB2-BD59-A6C34878D82A}">
+                    <a16:rowId xmlns:a16="http://schemas.microsoft.com/office/drawing/2014/main" val="10002"/>
+                  </a:ext>
+                </a:extLst>
               </a:tr>
             </a:tbl>
           </a:graphicData>
@@ -11794,14 +12759,14 @@
       </p:graphicFrame>
       <p:sp>
         <p:nvSpPr>
-          <p:cNvPr id="182" name="CustomShape 5"/>
+          <p:cNvPr id="177" name="CustomShape 5"/>
           <p:cNvSpPr/>
           <p:nvPr/>
         </p:nvSpPr>
         <p:spPr>
           <a:xfrm>
-            <a:off x="5680800" y="4893840"/>
-            <a:ext cx="1678320" cy="1002240"/>
+            <a:off x="6095880" y="2983680"/>
+            <a:ext cx="2414160" cy="1716840"/>
           </a:xfrm>
           <a:prstGeom prst="rightArrow">
             <a:avLst>
@@ -11828,7 +12793,8 @@
           <a:fontRef idx="minor"/>
         </p:style>
         <p:txBody>
-          <a:bodyPr lIns="90000" rIns="90000" tIns="45000" bIns="45000" anchor="ctr"/>
+          <a:bodyPr lIns="90000" tIns="45000" rIns="90000" bIns="45000" anchor="ctr"/>
+          <a:lstStyle/>
           <a:p>
             <a:pPr algn="ctr">
               <a:lnSpc>
@@ -11836,15 +12802,15 @@
               </a:lnSpc>
             </a:pPr>
             <a:r>
-              <a:rPr b="0" lang="en-GB" sz="1800" spc="-1" strike="noStrike">
+              <a:rPr lang="en-GB" sz="1800" b="0" strike="noStrike" spc="-1">
                 <a:solidFill>
-                  <a:srgbClr val="ffffff"/>
+                  <a:srgbClr val="FFFFFF"/>
                 </a:solidFill>
                 <a:latin typeface="Trebuchet MS"/>
               </a:rPr>
-              <a:t>Decision</a:t>
+              <a:t>VISA, rejection letter</a:t>
             </a:r>
-            <a:endParaRPr b="0" lang="en-GB" sz="1800" spc="-1" strike="noStrike">
+            <a:endParaRPr lang="en-GB" sz="1800" b="0" strike="noStrike" spc="-1">
               <a:latin typeface="Arial"/>
             </a:endParaRPr>
           </a:p>
@@ -11852,22 +12818,25 @@
       </p:sp>
     </p:spTree>
   </p:cSld>
+  <p:clrMapOvr>
+    <a:masterClrMapping/>
+  </p:clrMapOvr>
   <p:timing>
     <p:tnLst>
       <p:par>
-        <p:cTn id="9" dur="indefinite" restart="never" nodeType="tmRoot">
+        <p:cTn id="1" dur="indefinite" restart="never" nodeType="tmRoot">
           <p:childTnLst>
             <p:seq>
-              <p:cTn id="10" dur="indefinite" nodeType="mainSeq"/>
+              <p:cTn id="2" dur="indefinite" nodeType="mainSeq"/>
               <p:prevCondLst>
-                <p:cond delay="0" evt="onPrev">
+                <p:cond evt="onPrev" delay="0">
                   <p:tgtEl>
                     <p:sldTgt/>
                   </p:tgtEl>
                 </p:cond>
               </p:prevCondLst>
               <p:nextCondLst>
-                <p:cond delay="0" evt="onNext">
+                <p:cond evt="onNext" delay="0">
                   <p:tgtEl>
                     <p:sldTgt/>
                   </p:tgtEl>
@@ -11883,7 +12852,7 @@
 </file>
 
 <file path=ppt/slides/slide6.xml><?xml version="1.0" encoding="utf-8"?>
-<p:sld xmlns:a="http://schemas.openxmlformats.org/drawingml/2006/main" xmlns:p="http://schemas.openxmlformats.org/presentationml/2006/main" xmlns:r="http://schemas.openxmlformats.org/officeDocument/2006/relationships" xmlns:p14="http://schemas.microsoft.com/office/powerpoint/2010/main" xmlns:p15="http://schemas.microsoft.com/office/powerpoint/2012/main" xmlns:mc="http://schemas.openxmlformats.org/markup-compatibility/2006">
+<p:sld xmlns:a="http://schemas.openxmlformats.org/drawingml/2006/main" xmlns:r="http://schemas.openxmlformats.org/officeDocument/2006/relationships" xmlns:p="http://schemas.openxmlformats.org/presentationml/2006/main">
   <p:cSld>
     <p:spTree>
       <p:nvGrpSpPr>
@@ -11920,6 +12889,7 @@
         </p:spPr>
         <p:txBody>
           <a:bodyPr/>
+          <a:lstStyle/>
           <a:p>
             <a:pPr>
               <a:lnSpc>
@@ -11927,15 +12897,15 @@
               </a:lnSpc>
             </a:pPr>
             <a:r>
-              <a:rPr b="0" lang="en-US" sz="3600" spc="-1" strike="noStrike">
+              <a:rPr lang="en-US" sz="3600" b="0" strike="noStrike" spc="-1">
                 <a:solidFill>
-                  <a:srgbClr val="5fcbef"/>
+                  <a:srgbClr val="5FCBEF"/>
                 </a:solidFill>
                 <a:latin typeface="Trebuchet MS"/>
               </a:rPr>
               <a:t>What does drools do?</a:t>
             </a:r>
-            <a:endParaRPr b="0" lang="en-US" sz="3600" spc="-1" strike="noStrike">
+            <a:endParaRPr lang="en-US" sz="3600" b="0" strike="noStrike" spc="-1">
               <a:solidFill>
                 <a:srgbClr val="000000"/>
               </a:solidFill>
@@ -11967,6 +12937,7 @@
           <a:bodyPr>
             <a:normAutofit/>
           </a:bodyPr>
+          <a:lstStyle/>
           <a:p>
             <a:pPr marL="343080" indent="-342720">
               <a:lnSpc>
@@ -11976,14 +12947,14 @@
                 <a:spcPts val="1001"/>
               </a:spcBef>
               <a:buClr>
-                <a:srgbClr val="5fcbef"/>
+                <a:srgbClr val="5FCBEF"/>
               </a:buClr>
               <a:buSzPct val="80000"/>
               <a:buFont typeface="Wingdings 3" charset="2"/>
               <a:buChar char=""/>
             </a:pPr>
             <a:r>
-              <a:rPr b="0" lang="en-US" sz="2400" spc="-1" strike="noStrike">
+              <a:rPr lang="en-US" sz="2400" b="0" strike="noStrike" spc="-1">
                 <a:solidFill>
                   <a:srgbClr val="404040"/>
                 </a:solidFill>
@@ -11991,12 +12962,6 @@
               </a:rPr>
               <a:t>drools is about writing rules without specifying their order </a:t>
             </a:r>
-            <a:endParaRPr b="0" lang="en-US" sz="2400" spc="-1" strike="noStrike">
-              <a:solidFill>
-                <a:srgbClr val="404040"/>
-              </a:solidFill>
-              <a:latin typeface="Trebuchet MS"/>
-            </a:endParaRPr>
           </a:p>
           <a:p>
             <a:pPr marL="343080" indent="-342720">
@@ -12007,14 +12972,14 @@
                 <a:spcPts val="1001"/>
               </a:spcBef>
               <a:buClr>
-                <a:srgbClr val="5fcbef"/>
+                <a:srgbClr val="5FCBEF"/>
               </a:buClr>
               <a:buSzPct val="80000"/>
               <a:buFont typeface="Wingdings 3" charset="2"/>
               <a:buChar char=""/>
             </a:pPr>
             <a:r>
-              <a:rPr b="0" lang="en-US" sz="2400" spc="-1" strike="noStrike">
+              <a:rPr lang="en-US" sz="2400" b="0" strike="noStrike" spc="-1">
                 <a:solidFill>
                   <a:srgbClr val="404040"/>
                 </a:solidFill>
@@ -12022,12 +12987,6 @@
               </a:rPr>
               <a:t>data goes to business rule, matching rules get fired, data gets changed</a:t>
             </a:r>
-            <a:endParaRPr b="0" lang="en-US" sz="2400" spc="-1" strike="noStrike">
-              <a:solidFill>
-                <a:srgbClr val="404040"/>
-              </a:solidFill>
-              <a:latin typeface="Trebuchet MS"/>
-            </a:endParaRPr>
           </a:p>
           <a:p>
             <a:pPr>
@@ -12038,7 +12997,7 @@
                 <a:spcPts val="1001"/>
               </a:spcBef>
             </a:pPr>
-            <a:endParaRPr b="0" lang="en-US" sz="2400" spc="-1" strike="noStrike">
+            <a:endParaRPr lang="en-US" sz="2400" b="0" strike="noStrike" spc="-1">
               <a:solidFill>
                 <a:srgbClr val="404040"/>
               </a:solidFill>
@@ -12049,12 +13008,12 @@
       </p:sp>
       <p:pic>
         <p:nvPicPr>
-          <p:cNvPr id="185" name="Picture 4" descr=""/>
+          <p:cNvPr id="185" name="Picture 4"/>
           <p:cNvPicPr/>
           <p:nvPr/>
         </p:nvPicPr>
         <p:blipFill>
-          <a:blip r:embed="rId1"/>
+          <a:blip r:embed="rId2"/>
           <a:stretch/>
         </p:blipFill>
         <p:spPr>
@@ -12072,22 +13031,25 @@
       </p:pic>
     </p:spTree>
   </p:cSld>
+  <p:clrMapOvr>
+    <a:masterClrMapping/>
+  </p:clrMapOvr>
   <p:timing>
     <p:tnLst>
       <p:par>
-        <p:cTn id="11" dur="indefinite" restart="never" nodeType="tmRoot">
+        <p:cTn id="1" dur="indefinite" restart="never" nodeType="tmRoot">
           <p:childTnLst>
             <p:seq>
-              <p:cTn id="12" dur="indefinite" nodeType="mainSeq"/>
+              <p:cTn id="2" dur="indefinite" nodeType="mainSeq"/>
               <p:prevCondLst>
-                <p:cond delay="0" evt="onPrev">
+                <p:cond evt="onPrev" delay="0">
                   <p:tgtEl>
                     <p:sldTgt/>
                   </p:tgtEl>
                 </p:cond>
               </p:prevCondLst>
               <p:nextCondLst>
-                <p:cond delay="0" evt="onNext">
+                <p:cond evt="onNext" delay="0">
                   <p:tgtEl>
                     <p:sldTgt/>
                   </p:tgtEl>
@@ -12103,7 +13065,7 @@
 </file>
 
 <file path=ppt/slides/slide7.xml><?xml version="1.0" encoding="utf-8"?>
-<p:sld xmlns:a="http://schemas.openxmlformats.org/drawingml/2006/main" xmlns:p="http://schemas.openxmlformats.org/presentationml/2006/main" xmlns:r="http://schemas.openxmlformats.org/officeDocument/2006/relationships" xmlns:p14="http://schemas.microsoft.com/office/powerpoint/2010/main" xmlns:p15="http://schemas.microsoft.com/office/powerpoint/2012/main" xmlns:mc="http://schemas.openxmlformats.org/markup-compatibility/2006">
+<p:sld xmlns:a="http://schemas.openxmlformats.org/drawingml/2006/main" xmlns:r="http://schemas.openxmlformats.org/officeDocument/2006/relationships" xmlns:p="http://schemas.openxmlformats.org/presentationml/2006/main">
   <p:cSld>
     <p:spTree>
       <p:nvGrpSpPr>
@@ -12140,6 +13102,7 @@
         </p:spPr>
         <p:txBody>
           <a:bodyPr/>
+          <a:lstStyle/>
           <a:p>
             <a:pPr>
               <a:lnSpc>
@@ -12147,15 +13110,15 @@
               </a:lnSpc>
             </a:pPr>
             <a:r>
-              <a:rPr b="0" lang="en-US" sz="3600" spc="-1" strike="noStrike">
+              <a:rPr lang="en-US" sz="3600" b="0" strike="noStrike" spc="-1">
                 <a:solidFill>
-                  <a:srgbClr val="5fcbef"/>
+                  <a:srgbClr val="5FCBEF"/>
                 </a:solidFill>
                 <a:latin typeface="Trebuchet MS"/>
               </a:rPr>
               <a:t>Comparison Java &lt;-&gt; Drools</a:t>
             </a:r>
-            <a:endParaRPr b="0" lang="en-US" sz="3600" spc="-1" strike="noStrike">
+            <a:endParaRPr lang="en-US" sz="3600" b="0" strike="noStrike" spc="-1">
               <a:solidFill>
                 <a:srgbClr val="000000"/>
               </a:solidFill>
@@ -12185,6 +13148,7 @@
         </p:spPr>
         <p:txBody>
           <a:bodyPr/>
+          <a:lstStyle/>
           <a:p>
             <a:pPr marL="343080" indent="-342720">
               <a:lnSpc>
@@ -12194,14 +13158,14 @@
                 <a:spcPts val="1001"/>
               </a:spcBef>
               <a:buClr>
-                <a:srgbClr val="5fcbef"/>
+                <a:srgbClr val="5FCBEF"/>
               </a:buClr>
               <a:buSzPct val="80000"/>
               <a:buFont typeface="Wingdings 3" charset="2"/>
               <a:buChar char=""/>
             </a:pPr>
             <a:r>
-              <a:rPr b="0" lang="en-US" sz="2400" spc="-1" strike="noStrike">
+              <a:rPr lang="en-US" sz="2400" b="0" strike="noStrike" spc="-1">
                 <a:solidFill>
                   <a:srgbClr val="404040"/>
                 </a:solidFill>
@@ -12209,12 +13173,6 @@
               </a:rPr>
               <a:t>Java: imperative programming</a:t>
             </a:r>
-            <a:endParaRPr b="0" lang="en-US" sz="2400" spc="-1" strike="noStrike">
-              <a:solidFill>
-                <a:srgbClr val="404040"/>
-              </a:solidFill>
-              <a:latin typeface="Trebuchet MS"/>
-            </a:endParaRPr>
           </a:p>
           <a:p>
             <a:pPr marL="343080" indent="-342720">
@@ -12225,14 +13183,14 @@
                 <a:spcPts val="1001"/>
               </a:spcBef>
               <a:buClr>
-                <a:srgbClr val="5fcbef"/>
+                <a:srgbClr val="5FCBEF"/>
               </a:buClr>
               <a:buSzPct val="80000"/>
               <a:buFont typeface="Wingdings 3" charset="2"/>
               <a:buChar char=""/>
             </a:pPr>
             <a:r>
-              <a:rPr b="0" lang="en-US" sz="2400" spc="-1" strike="noStrike">
+              <a:rPr lang="en-US" sz="2400" b="0" strike="noStrike" spc="-1">
                 <a:solidFill>
                   <a:srgbClr val="404040"/>
                 </a:solidFill>
@@ -12240,12 +13198,6 @@
               </a:rPr>
               <a:t>Might have lots of branches</a:t>
             </a:r>
-            <a:endParaRPr b="0" lang="en-US" sz="2400" spc="-1" strike="noStrike">
-              <a:solidFill>
-                <a:srgbClr val="404040"/>
-              </a:solidFill>
-              <a:latin typeface="Trebuchet MS"/>
-            </a:endParaRPr>
           </a:p>
           <a:p>
             <a:pPr marL="343080" indent="-342720">
@@ -12256,14 +13208,14 @@
                 <a:spcPts val="1001"/>
               </a:spcBef>
               <a:buClr>
-                <a:srgbClr val="5fcbef"/>
+                <a:srgbClr val="5FCBEF"/>
               </a:buClr>
               <a:buSzPct val="80000"/>
               <a:buFont typeface="Wingdings 3" charset="2"/>
               <a:buChar char=""/>
             </a:pPr>
             <a:r>
-              <a:rPr b="0" lang="en-US" sz="2400" spc="-1" strike="noStrike">
+              <a:rPr lang="en-US" sz="2400" b="0" strike="noStrike" spc="-1">
                 <a:solidFill>
                   <a:srgbClr val="404040"/>
                 </a:solidFill>
@@ -12271,12 +13223,6 @@
               </a:rPr>
               <a:t>Might be hard to change</a:t>
             </a:r>
-            <a:endParaRPr b="0" lang="en-US" sz="2400" spc="-1" strike="noStrike">
-              <a:solidFill>
-                <a:srgbClr val="404040"/>
-              </a:solidFill>
-              <a:latin typeface="Trebuchet MS"/>
-            </a:endParaRPr>
           </a:p>
           <a:p>
             <a:pPr>
@@ -12287,7 +13233,7 @@
                 <a:spcPts val="1001"/>
               </a:spcBef>
             </a:pPr>
-            <a:endParaRPr b="0" lang="en-US" sz="2400" spc="-1" strike="noStrike">
+            <a:endParaRPr lang="en-US" sz="2400" b="0" strike="noStrike" spc="-1">
               <a:solidFill>
                 <a:srgbClr val="404040"/>
               </a:solidFill>
@@ -12303,14 +13249,14 @@
                 <a:spcPts val="1001"/>
               </a:spcBef>
               <a:buClr>
-                <a:srgbClr val="5fcbef"/>
+                <a:srgbClr val="5FCBEF"/>
               </a:buClr>
               <a:buSzPct val="80000"/>
               <a:buFont typeface="Wingdings 3" charset="2"/>
               <a:buChar char=""/>
             </a:pPr>
             <a:r>
-              <a:rPr b="0" lang="en-US" sz="2400" spc="-1" strike="noStrike">
+              <a:rPr lang="en-US" sz="2400" b="0" strike="noStrike" spc="-1">
                 <a:solidFill>
                   <a:srgbClr val="404040"/>
                 </a:solidFill>
@@ -12318,12 +13264,6 @@
               </a:rPr>
               <a:t>Drools: declarative programming</a:t>
             </a:r>
-            <a:endParaRPr b="0" lang="en-US" sz="2400" spc="-1" strike="noStrike">
-              <a:solidFill>
-                <a:srgbClr val="404040"/>
-              </a:solidFill>
-              <a:latin typeface="Trebuchet MS"/>
-            </a:endParaRPr>
           </a:p>
           <a:p>
             <a:pPr marL="343080" indent="-342720">
@@ -12334,14 +13274,14 @@
                 <a:spcPts val="1001"/>
               </a:spcBef>
               <a:buClr>
-                <a:srgbClr val="5fcbef"/>
+                <a:srgbClr val="5FCBEF"/>
               </a:buClr>
               <a:buSzPct val="80000"/>
               <a:buFont typeface="Wingdings 3" charset="2"/>
               <a:buChar char=""/>
             </a:pPr>
             <a:r>
-              <a:rPr b="0" lang="en-US" sz="2400" spc="-1" strike="noStrike">
+              <a:rPr lang="en-US" sz="2400" b="0" strike="noStrike" spc="-1">
                 <a:solidFill>
                   <a:srgbClr val="404040"/>
                 </a:solidFill>
@@ -12349,12 +13289,6 @@
               </a:rPr>
               <a:t>No use of an ordered sequence like in Java</a:t>
             </a:r>
-            <a:endParaRPr b="0" lang="en-US" sz="2400" spc="-1" strike="noStrike">
-              <a:solidFill>
-                <a:srgbClr val="404040"/>
-              </a:solidFill>
-              <a:latin typeface="Trebuchet MS"/>
-            </a:endParaRPr>
           </a:p>
           <a:p>
             <a:pPr marL="343080" indent="-342720">
@@ -12365,14 +13299,14 @@
                 <a:spcPts val="1001"/>
               </a:spcBef>
               <a:buClr>
-                <a:srgbClr val="5fcbef"/>
+                <a:srgbClr val="5FCBEF"/>
               </a:buClr>
               <a:buSzPct val="80000"/>
               <a:buFont typeface="Wingdings 3" charset="2"/>
               <a:buChar char=""/>
             </a:pPr>
             <a:r>
-              <a:rPr b="0" lang="en-US" sz="2400" spc="-1" strike="noStrike">
+              <a:rPr lang="en-US" sz="2400" b="0" strike="noStrike" spc="-1">
                 <a:solidFill>
                   <a:srgbClr val="404040"/>
                 </a:solidFill>
@@ -12380,12 +13314,6 @@
               </a:rPr>
               <a:t>Specify what you want, not the steps of how to achieve it</a:t>
             </a:r>
-            <a:endParaRPr b="0" lang="en-US" sz="2400" spc="-1" strike="noStrike">
-              <a:solidFill>
-                <a:srgbClr val="404040"/>
-              </a:solidFill>
-              <a:latin typeface="Trebuchet MS"/>
-            </a:endParaRPr>
           </a:p>
           <a:p>
             <a:pPr>
@@ -12396,7 +13324,7 @@
                 <a:spcPts val="1001"/>
               </a:spcBef>
             </a:pPr>
-            <a:endParaRPr b="0" lang="en-US" sz="2400" spc="-1" strike="noStrike">
+            <a:endParaRPr lang="en-US" sz="2400" b="0" strike="noStrike" spc="-1">
               <a:solidFill>
                 <a:srgbClr val="404040"/>
               </a:solidFill>
@@ -12407,22 +13335,25 @@
       </p:sp>
     </p:spTree>
   </p:cSld>
+  <p:clrMapOvr>
+    <a:masterClrMapping/>
+  </p:clrMapOvr>
   <p:timing>
     <p:tnLst>
       <p:par>
-        <p:cTn id="13" dur="indefinite" restart="never" nodeType="tmRoot">
+        <p:cTn id="1" dur="indefinite" restart="never" nodeType="tmRoot">
           <p:childTnLst>
             <p:seq>
-              <p:cTn id="14" dur="indefinite" nodeType="mainSeq"/>
+              <p:cTn id="2" dur="indefinite" nodeType="mainSeq"/>
               <p:prevCondLst>
-                <p:cond delay="0" evt="onPrev">
+                <p:cond evt="onPrev" delay="0">
                   <p:tgtEl>
                     <p:sldTgt/>
                   </p:tgtEl>
                 </p:cond>
               </p:prevCondLst>
               <p:nextCondLst>
-                <p:cond delay="0" evt="onNext">
+                <p:cond evt="onNext" delay="0">
                   <p:tgtEl>
                     <p:sldTgt/>
                   </p:tgtEl>
@@ -12438,7 +13369,7 @@
 </file>
 
 <file path=ppt/slides/slide8.xml><?xml version="1.0" encoding="utf-8"?>
-<p:sld xmlns:a="http://schemas.openxmlformats.org/drawingml/2006/main" xmlns:p="http://schemas.openxmlformats.org/presentationml/2006/main" xmlns:r="http://schemas.openxmlformats.org/officeDocument/2006/relationships" xmlns:p14="http://schemas.microsoft.com/office/powerpoint/2010/main" xmlns:p15="http://schemas.microsoft.com/office/powerpoint/2012/main" xmlns:mc="http://schemas.openxmlformats.org/markup-compatibility/2006">
+<p:sld xmlns:a="http://schemas.openxmlformats.org/drawingml/2006/main" xmlns:r="http://schemas.openxmlformats.org/officeDocument/2006/relationships" xmlns:p="http://schemas.openxmlformats.org/presentationml/2006/main">
   <p:cSld>
     <p:spTree>
       <p:nvGrpSpPr>
@@ -12475,6 +13406,7 @@
         </p:spPr>
         <p:txBody>
           <a:bodyPr/>
+          <a:lstStyle/>
           <a:p>
             <a:pPr>
               <a:lnSpc>
@@ -12482,15 +13414,15 @@
               </a:lnSpc>
             </a:pPr>
             <a:r>
-              <a:rPr b="0" lang="en-US" sz="3600" spc="-1" strike="noStrike">
+              <a:rPr lang="en-US" sz="3600" b="0" strike="noStrike" spc="-1">
                 <a:solidFill>
-                  <a:srgbClr val="5fcbef"/>
+                  <a:srgbClr val="5FCBEF"/>
                 </a:solidFill>
                 <a:latin typeface="Trebuchet MS"/>
               </a:rPr>
               <a:t>When to use Drools?</a:t>
             </a:r>
-            <a:endParaRPr b="0" lang="en-US" sz="3600" spc="-1" strike="noStrike">
+            <a:endParaRPr lang="en-US" sz="3600" b="0" strike="noStrike" spc="-1">
               <a:solidFill>
                 <a:srgbClr val="000000"/>
               </a:solidFill>
@@ -12520,6 +13452,7 @@
         </p:spPr>
         <p:txBody>
           <a:bodyPr/>
+          <a:lstStyle/>
           <a:p>
             <a:pPr marL="343080" indent="-342720">
               <a:lnSpc>
@@ -12529,14 +13462,14 @@
                 <a:spcPts val="1001"/>
               </a:spcBef>
               <a:buClr>
-                <a:srgbClr val="5fcbef"/>
+                <a:srgbClr val="5FCBEF"/>
               </a:buClr>
               <a:buSzPct val="80000"/>
               <a:buFont typeface="Wingdings 3" charset="2"/>
               <a:buChar char=""/>
             </a:pPr>
             <a:r>
-              <a:rPr b="0" lang="en-US" sz="2400" spc="-1" strike="noStrike">
+              <a:rPr lang="en-US" sz="2400" b="0" strike="noStrike" spc="-1">
                 <a:solidFill>
                   <a:srgbClr val="404040"/>
                 </a:solidFill>
@@ -12544,12 +13477,6 @@
               </a:rPr>
               <a:t>drools is useful in complex scenarios </a:t>
             </a:r>
-            <a:endParaRPr b="0" lang="en-US" sz="2400" spc="-1" strike="noStrike">
-              <a:solidFill>
-                <a:srgbClr val="404040"/>
-              </a:solidFill>
-              <a:latin typeface="Trebuchet MS"/>
-            </a:endParaRPr>
           </a:p>
           <a:p>
             <a:pPr marL="343080" indent="-342720">
@@ -12560,14 +13487,14 @@
                 <a:spcPts val="1001"/>
               </a:spcBef>
               <a:buClr>
-                <a:srgbClr val="5fcbef"/>
+                <a:srgbClr val="5FCBEF"/>
               </a:buClr>
               <a:buSzPct val="80000"/>
               <a:buFont typeface="Wingdings 3" charset="2"/>
               <a:buChar char=""/>
             </a:pPr>
             <a:r>
-              <a:rPr b="0" lang="en-US" sz="2400" spc="-1" strike="noStrike">
+              <a:rPr lang="en-US" sz="2400" b="0" strike="noStrike" spc="-1">
                 <a:solidFill>
                   <a:srgbClr val="404040"/>
                 </a:solidFill>
@@ -12575,12 +13502,6 @@
               </a:rPr>
               <a:t>don’t use drools when you want tight control over the execution flow </a:t>
             </a:r>
-            <a:endParaRPr b="0" lang="en-US" sz="2400" spc="-1" strike="noStrike">
-              <a:solidFill>
-                <a:srgbClr val="404040"/>
-              </a:solidFill>
-              <a:latin typeface="Trebuchet MS"/>
-            </a:endParaRPr>
           </a:p>
           <a:p>
             <a:pPr>
@@ -12591,7 +13512,7 @@
                 <a:spcPts val="1001"/>
               </a:spcBef>
             </a:pPr>
-            <a:endParaRPr b="0" lang="en-US" sz="2400" spc="-1" strike="noStrike">
+            <a:endParaRPr lang="en-US" sz="2400" b="0" strike="noStrike" spc="-1">
               <a:solidFill>
                 <a:srgbClr val="404040"/>
               </a:solidFill>
@@ -12607,7 +13528,7 @@
                 <a:spcPts val="1001"/>
               </a:spcBef>
             </a:pPr>
-            <a:endParaRPr b="0" lang="en-US" sz="2400" spc="-1" strike="noStrike">
+            <a:endParaRPr lang="en-US" sz="2400" b="0" strike="noStrike" spc="-1">
               <a:solidFill>
                 <a:srgbClr val="404040"/>
               </a:solidFill>
@@ -12618,12 +13539,12 @@
       </p:sp>
       <p:pic>
         <p:nvPicPr>
-          <p:cNvPr id="190" name="Picture 4" descr=""/>
+          <p:cNvPr id="190" name="Picture 4"/>
           <p:cNvPicPr/>
           <p:nvPr/>
         </p:nvPicPr>
         <p:blipFill>
-          <a:blip r:embed="rId1"/>
+          <a:blip r:embed="rId2"/>
           <a:stretch/>
         </p:blipFill>
         <p:spPr>
@@ -12638,7 +13559,7 @@
             <a:noFill/>
           </a:ln>
           <a:effectLst>
-            <a:outerShdw algn="ctr" blurRad="50800" dir="5400000" dist="50800" rotWithShape="0" sx="104000" sy="104000">
+            <a:outerShdw blurRad="50800" dist="50800" dir="5400000" sx="104000" sy="104000" algn="ctr" rotWithShape="0">
               <a:srgbClr val="000000">
                 <a:alpha val="44000"/>
               </a:srgbClr>
@@ -12649,22 +13570,25 @@
       </p:pic>
     </p:spTree>
   </p:cSld>
+  <p:clrMapOvr>
+    <a:masterClrMapping/>
+  </p:clrMapOvr>
   <p:timing>
     <p:tnLst>
       <p:par>
-        <p:cTn id="15" dur="indefinite" restart="never" nodeType="tmRoot">
+        <p:cTn id="1" dur="indefinite" restart="never" nodeType="tmRoot">
           <p:childTnLst>
             <p:seq>
-              <p:cTn id="16" dur="indefinite" nodeType="mainSeq"/>
+              <p:cTn id="2" dur="indefinite" nodeType="mainSeq"/>
               <p:prevCondLst>
-                <p:cond delay="0" evt="onPrev">
+                <p:cond evt="onPrev" delay="0">
                   <p:tgtEl>
                     <p:sldTgt/>
                   </p:tgtEl>
                 </p:cond>
               </p:prevCondLst>
               <p:nextCondLst>
-                <p:cond delay="0" evt="onNext">
+                <p:cond evt="onNext" delay="0">
                   <p:tgtEl>
                     <p:sldTgt/>
                   </p:tgtEl>
@@ -12680,7 +13604,7 @@
 </file>
 
 <file path=ppt/slides/slide9.xml><?xml version="1.0" encoding="utf-8"?>
-<p:sld xmlns:a="http://schemas.openxmlformats.org/drawingml/2006/main" xmlns:p="http://schemas.openxmlformats.org/presentationml/2006/main" xmlns:r="http://schemas.openxmlformats.org/officeDocument/2006/relationships" xmlns:p14="http://schemas.microsoft.com/office/powerpoint/2010/main" xmlns:p15="http://schemas.microsoft.com/office/powerpoint/2012/main" xmlns:mc="http://schemas.openxmlformats.org/markup-compatibility/2006">
+<p:sld xmlns:a="http://schemas.openxmlformats.org/drawingml/2006/main" xmlns:r="http://schemas.openxmlformats.org/officeDocument/2006/relationships" xmlns:p="http://schemas.openxmlformats.org/presentationml/2006/main">
   <p:cSld>
     <p:spTree>
       <p:nvGrpSpPr>
@@ -12717,8 +13641,9 @@
         </p:spPr>
         <p:txBody>
           <a:bodyPr/>
-          <a:p>
-            <a:endParaRPr b="0" lang="en-US" sz="1800" spc="-1" strike="noStrike">
+          <a:lstStyle/>
+          <a:p>
+            <a:endParaRPr lang="en-US" sz="1800" b="0" strike="noStrike" spc="-1">
               <a:solidFill>
                 <a:srgbClr val="000000"/>
               </a:solidFill>
@@ -12729,12 +13654,12 @@
       </p:sp>
       <p:pic>
         <p:nvPicPr>
-          <p:cNvPr id="192" name="Picture 4" descr=""/>
+          <p:cNvPr id="192" name="Picture 4"/>
           <p:cNvPicPr/>
           <p:nvPr/>
         </p:nvPicPr>
         <p:blipFill>
-          <a:blip r:embed="rId1"/>
+          <a:blip r:embed="rId2"/>
           <a:stretch/>
         </p:blipFill>
         <p:spPr>
@@ -12752,22 +13677,25 @@
       </p:pic>
     </p:spTree>
   </p:cSld>
+  <p:clrMapOvr>
+    <a:masterClrMapping/>
+  </p:clrMapOvr>
   <p:timing>
     <p:tnLst>
       <p:par>
-        <p:cTn id="17" dur="indefinite" restart="never" nodeType="tmRoot">
+        <p:cTn id="1" dur="indefinite" restart="never" nodeType="tmRoot">
           <p:childTnLst>
             <p:seq>
-              <p:cTn id="18" dur="indefinite" nodeType="mainSeq"/>
+              <p:cTn id="2" dur="indefinite" nodeType="mainSeq"/>
               <p:prevCondLst>
-                <p:cond delay="0" evt="onPrev">
+                <p:cond evt="onPrev" delay="0">
                   <p:tgtEl>
                     <p:sldTgt/>
                   </p:tgtEl>
                 </p:cond>
               </p:prevCondLst>
               <p:nextCondLst>
-                <p:cond delay="0" evt="onNext">
+                <p:cond evt="onNext" delay="0">
                   <p:tgtEl>
                     <p:sldTgt/>
                   </p:tgtEl>
@@ -12793,34 +13721,34 @@
         <a:sysClr val="window" lastClr="FFFFFF"/>
       </a:lt1>
       <a:dk2>
-        <a:srgbClr val="2c3c43"/>
+        <a:srgbClr val="2C3C43"/>
       </a:dk2>
       <a:lt2>
-        <a:srgbClr val="ebebeb"/>
+        <a:srgbClr val="EBEBEB"/>
       </a:lt2>
       <a:accent1>
-        <a:srgbClr val="5fcbef"/>
+        <a:srgbClr val="5FCBEF"/>
       </a:accent1>
       <a:accent2>
-        <a:srgbClr val="2e83c3"/>
+        <a:srgbClr val="2E83C3"/>
       </a:accent2>
       <a:accent3>
-        <a:srgbClr val="42d0a2"/>
+        <a:srgbClr val="42D0A2"/>
       </a:accent3>
       <a:accent4>
-        <a:srgbClr val="2e946b"/>
+        <a:srgbClr val="2E946B"/>
       </a:accent4>
       <a:accent5>
-        <a:srgbClr val="42b051"/>
+        <a:srgbClr val="42B051"/>
       </a:accent5>
       <a:accent6>
-        <a:srgbClr val="96d141"/>
+        <a:srgbClr val="96D141"/>
       </a:accent6>
       <a:hlink>
-        <a:srgbClr val="3fcde7"/>
+        <a:srgbClr val="3FCDE7"/>
       </a:hlink>
       <a:folHlink>
-        <a:srgbClr val="a9d3e1"/>
+        <a:srgbClr val="A9D3E1"/>
       </a:folHlink>
     </a:clrScheme>
     <a:fontScheme name="Office">
@@ -13002,6 +13930,8 @@
       </a:bgFillStyleLst>
     </a:fmtScheme>
   </a:themeElements>
+  <a:objectDefaults/>
+  <a:extraClrSchemeLst/>
 </a:theme>
 </file>
 
@@ -13016,34 +13946,34 @@
         <a:sysClr val="window" lastClr="FFFFFF"/>
       </a:lt1>
       <a:dk2>
-        <a:srgbClr val="2c3c43"/>
+        <a:srgbClr val="2C3C43"/>
       </a:dk2>
       <a:lt2>
-        <a:srgbClr val="ebebeb"/>
+        <a:srgbClr val="EBEBEB"/>
       </a:lt2>
       <a:accent1>
-        <a:srgbClr val="5fcbef"/>
+        <a:srgbClr val="5FCBEF"/>
       </a:accent1>
       <a:accent2>
-        <a:srgbClr val="2e83c3"/>
+        <a:srgbClr val="2E83C3"/>
       </a:accent2>
       <a:accent3>
-        <a:srgbClr val="42d0a2"/>
+        <a:srgbClr val="42D0A2"/>
       </a:accent3>
       <a:accent4>
-        <a:srgbClr val="2e946b"/>
+        <a:srgbClr val="2E946B"/>
       </a:accent4>
       <a:accent5>
-        <a:srgbClr val="42b051"/>
+        <a:srgbClr val="42B051"/>
       </a:accent5>
       <a:accent6>
-        <a:srgbClr val="96d141"/>
+        <a:srgbClr val="96D141"/>
       </a:accent6>
       <a:hlink>
-        <a:srgbClr val="3fcde7"/>
+        <a:srgbClr val="3FCDE7"/>
       </a:hlink>
       <a:folHlink>
-        <a:srgbClr val="a9d3e1"/>
+        <a:srgbClr val="A9D3E1"/>
       </a:folHlink>
     </a:clrScheme>
     <a:fontScheme name="Office">
@@ -13225,6 +14155,8 @@
       </a:bgFillStyleLst>
     </a:fmtScheme>
   </a:themeElements>
+  <a:objectDefaults/>
+  <a:extraClrSchemeLst/>
 </a:theme>
 </file>
 
@@ -13239,34 +14171,34 @@
         <a:sysClr val="window" lastClr="FFFFFF"/>
       </a:lt1>
       <a:dk2>
-        <a:srgbClr val="2c3c43"/>
+        <a:srgbClr val="2C3C43"/>
       </a:dk2>
       <a:lt2>
-        <a:srgbClr val="ebebeb"/>
+        <a:srgbClr val="EBEBEB"/>
       </a:lt2>
       <a:accent1>
-        <a:srgbClr val="5fcbef"/>
+        <a:srgbClr val="5FCBEF"/>
       </a:accent1>
       <a:accent2>
-        <a:srgbClr val="2e83c3"/>
+        <a:srgbClr val="2E83C3"/>
       </a:accent2>
       <a:accent3>
-        <a:srgbClr val="42d0a2"/>
+        <a:srgbClr val="42D0A2"/>
       </a:accent3>
       <a:accent4>
-        <a:srgbClr val="2e946b"/>
+        <a:srgbClr val="2E946B"/>
       </a:accent4>
       <a:accent5>
-        <a:srgbClr val="42b051"/>
+        <a:srgbClr val="42B051"/>
       </a:accent5>
       <a:accent6>
-        <a:srgbClr val="96d141"/>
+        <a:srgbClr val="96D141"/>
       </a:accent6>
       <a:hlink>
-        <a:srgbClr val="3fcde7"/>
+        <a:srgbClr val="3FCDE7"/>
       </a:hlink>
       <a:folHlink>
-        <a:srgbClr val="a9d3e1"/>
+        <a:srgbClr val="A9D3E1"/>
       </a:folHlink>
     </a:clrScheme>
     <a:fontScheme name="Office">
@@ -13448,5 +14380,7 @@
       </a:bgFillStyleLst>
     </a:fmtScheme>
   </a:themeElements>
+  <a:objectDefaults/>
+  <a:extraClrSchemeLst/>
 </a:theme>
 </file>